--- a/clases/Cap06_Clustering/presentations/PAT06_KMeans.pptx
+++ b/clases/Cap06_Clustering/presentations/PAT06_KMeans.pptx
@@ -5,7 +5,7 @@
     <p:sldMasterId id="2147483648" r:id="rId1"/>
   </p:sldMasterIdLst>
   <p:notesMasterIdLst>
-    <p:notesMasterId r:id="rId14"/>
+    <p:notesMasterId r:id="rId15"/>
   </p:notesMasterIdLst>
   <p:sldIdLst>
     <p:sldId id="459" r:id="rId2"/>
@@ -20,6 +20,7 @@
     <p:sldId id="467" r:id="rId11"/>
     <p:sldId id="468" r:id="rId12"/>
     <p:sldId id="469" r:id="rId13"/>
+    <p:sldId id="470" r:id="rId14"/>
   </p:sldIdLst>
   <p:sldSz cx="9144000" cy="6858000" type="screen4x3"/>
   <p:notesSz cx="6858000" cy="9144000"/>
@@ -219,7 +220,7 @@
           <a:p>
             <a:fld id="{089CB84B-3086-824D-91F5-F571CFDD3E7D}" type="datetimeFigureOut">
               <a:rPr lang="en-US" smtClean="0"/>
-              <a:t>6/7/18</a:t>
+              <a:t>6/4/19</a:t>
             </a:fld>
             <a:endParaRPr lang="en-US"/>
           </a:p>
@@ -283,35 +284,35 @@
           <a:p>
             <a:pPr lvl="0"/>
             <a:r>
-              <a:rPr lang="es-ES_tradnl" smtClean="0"/>
+              <a:rPr lang="es-ES_tradnl"/>
               <a:t>Click to edit Master text styles</a:t>
             </a:r>
           </a:p>
           <a:p>
             <a:pPr lvl="1"/>
             <a:r>
-              <a:rPr lang="es-ES_tradnl" smtClean="0"/>
+              <a:rPr lang="es-ES_tradnl"/>
               <a:t>Second level</a:t>
             </a:r>
           </a:p>
           <a:p>
             <a:pPr lvl="2"/>
             <a:r>
-              <a:rPr lang="es-ES_tradnl" smtClean="0"/>
+              <a:rPr lang="es-ES_tradnl"/>
               <a:t>Third level</a:t>
             </a:r>
           </a:p>
           <a:p>
             <a:pPr lvl="3"/>
             <a:r>
-              <a:rPr lang="es-ES_tradnl" smtClean="0"/>
+              <a:rPr lang="es-ES_tradnl"/>
               <a:t>Fourth level</a:t>
             </a:r>
           </a:p>
           <a:p>
             <a:pPr lvl="4"/>
             <a:r>
-              <a:rPr lang="es-ES_tradnl" smtClean="0"/>
+              <a:rPr lang="es-ES_tradnl"/>
               <a:t>Fifth level</a:t>
             </a:r>
             <a:endParaRPr lang="en-US"/>
@@ -563,7 +564,7 @@
           <a:lstStyle/>
           <a:p>
             <a:pPr eaLnBrk="1" hangingPunct="1"/>
-            <a:endParaRPr lang="es-ES" smtClean="0"/>
+            <a:endParaRPr lang="es-ES"/>
           </a:p>
         </p:txBody>
       </p:sp>
@@ -618,10 +619,9 @@
           <a:lstStyle/>
           <a:p>
             <a:r>
-              <a:rPr lang="en-US" smtClean="0"/>
+              <a:rPr lang="en-US"/>
               <a:t>Click to edit Master title style</a:t>
             </a:r>
-            <a:endParaRPr lang="en-US"/>
           </a:p>
         </p:txBody>
       </p:sp>
@@ -737,10 +737,9 @@
           </a:lstStyle>
           <a:p>
             <a:r>
-              <a:rPr lang="en-US" smtClean="0"/>
+              <a:rPr lang="en-US"/>
               <a:t>Click to edit Master subtitle style</a:t>
             </a:r>
-            <a:endParaRPr lang="en-US"/>
           </a:p>
         </p:txBody>
       </p:sp>
@@ -761,7 +760,7 @@
           <a:p>
             <a:fld id="{D3AE09B4-90D0-1245-B83D-B1B2932963E4}" type="datetimeFigureOut">
               <a:rPr lang="en-US" smtClean="0"/>
-              <a:t>6/7/18</a:t>
+              <a:t>6/4/19</a:t>
             </a:fld>
             <a:endParaRPr lang="en-US"/>
           </a:p>
@@ -855,7 +854,7 @@
           <a:lstStyle/>
           <a:p>
             <a:r>
-              <a:rPr lang="es-ES_tradnl" smtClean="0"/>
+              <a:rPr lang="es-ES_tradnl"/>
               <a:t>Click to edit Master title style</a:t>
             </a:r>
             <a:endParaRPr lang="en-US"/>
@@ -879,35 +878,35 @@
           <a:p>
             <a:pPr lvl="0"/>
             <a:r>
-              <a:rPr lang="es-ES_tradnl" smtClean="0"/>
+              <a:rPr lang="es-ES_tradnl"/>
               <a:t>Click to edit Master text styles</a:t>
             </a:r>
           </a:p>
           <a:p>
             <a:pPr lvl="1"/>
             <a:r>
-              <a:rPr lang="es-ES_tradnl" smtClean="0"/>
+              <a:rPr lang="es-ES_tradnl"/>
               <a:t>Second level</a:t>
             </a:r>
           </a:p>
           <a:p>
             <a:pPr lvl="2"/>
             <a:r>
-              <a:rPr lang="es-ES_tradnl" smtClean="0"/>
+              <a:rPr lang="es-ES_tradnl"/>
               <a:t>Third level</a:t>
             </a:r>
           </a:p>
           <a:p>
             <a:pPr lvl="3"/>
             <a:r>
-              <a:rPr lang="es-ES_tradnl" smtClean="0"/>
+              <a:rPr lang="es-ES_tradnl"/>
               <a:t>Fourth level</a:t>
             </a:r>
           </a:p>
           <a:p>
             <a:pPr lvl="4"/>
             <a:r>
-              <a:rPr lang="es-ES_tradnl" smtClean="0"/>
+              <a:rPr lang="es-ES_tradnl"/>
               <a:t>Fifth level</a:t>
             </a:r>
             <a:endParaRPr lang="en-US"/>
@@ -931,7 +930,7 @@
           <a:p>
             <a:fld id="{D3AE09B4-90D0-1245-B83D-B1B2932963E4}" type="datetimeFigureOut">
               <a:rPr lang="en-US" smtClean="0"/>
-              <a:t>6/7/18</a:t>
+              <a:t>6/4/19</a:t>
             </a:fld>
             <a:endParaRPr lang="en-US"/>
           </a:p>
@@ -1030,7 +1029,7 @@
           <a:lstStyle/>
           <a:p>
             <a:r>
-              <a:rPr lang="es-ES_tradnl" smtClean="0"/>
+              <a:rPr lang="es-ES_tradnl"/>
               <a:t>Click to edit Master title style</a:t>
             </a:r>
             <a:endParaRPr lang="en-US"/>
@@ -1059,35 +1058,35 @@
           <a:p>
             <a:pPr lvl="0"/>
             <a:r>
-              <a:rPr lang="es-ES_tradnl" smtClean="0"/>
+              <a:rPr lang="es-ES_tradnl"/>
               <a:t>Click to edit Master text styles</a:t>
             </a:r>
           </a:p>
           <a:p>
             <a:pPr lvl="1"/>
             <a:r>
-              <a:rPr lang="es-ES_tradnl" smtClean="0"/>
+              <a:rPr lang="es-ES_tradnl"/>
               <a:t>Second level</a:t>
             </a:r>
           </a:p>
           <a:p>
             <a:pPr lvl="2"/>
             <a:r>
-              <a:rPr lang="es-ES_tradnl" smtClean="0"/>
+              <a:rPr lang="es-ES_tradnl"/>
               <a:t>Third level</a:t>
             </a:r>
           </a:p>
           <a:p>
             <a:pPr lvl="3"/>
             <a:r>
-              <a:rPr lang="es-ES_tradnl" smtClean="0"/>
+              <a:rPr lang="es-ES_tradnl"/>
               <a:t>Fourth level</a:t>
             </a:r>
           </a:p>
           <a:p>
             <a:pPr lvl="4"/>
             <a:r>
-              <a:rPr lang="es-ES_tradnl" smtClean="0"/>
+              <a:rPr lang="es-ES_tradnl"/>
               <a:t>Fifth level</a:t>
             </a:r>
             <a:endParaRPr lang="en-US"/>
@@ -1111,7 +1110,7 @@
           <a:p>
             <a:fld id="{D3AE09B4-90D0-1245-B83D-B1B2932963E4}" type="datetimeFigureOut">
               <a:rPr lang="en-US" smtClean="0"/>
-              <a:t>6/7/18</a:t>
+              <a:t>6/4/19</a:t>
             </a:fld>
             <a:endParaRPr lang="en-US"/>
           </a:p>
@@ -1205,7 +1204,7 @@
           <a:lstStyle/>
           <a:p>
             <a:r>
-              <a:rPr lang="es-ES_tradnl" smtClean="0"/>
+              <a:rPr lang="es-ES_tradnl"/>
               <a:t>Click to edit Master title style</a:t>
             </a:r>
             <a:endParaRPr lang="en-US"/>
@@ -1229,35 +1228,35 @@
           <a:p>
             <a:pPr lvl="0"/>
             <a:r>
-              <a:rPr lang="es-ES_tradnl" smtClean="0"/>
+              <a:rPr lang="es-ES_tradnl"/>
               <a:t>Click to edit Master text styles</a:t>
             </a:r>
           </a:p>
           <a:p>
             <a:pPr lvl="1"/>
             <a:r>
-              <a:rPr lang="es-ES_tradnl" smtClean="0"/>
+              <a:rPr lang="es-ES_tradnl"/>
               <a:t>Second level</a:t>
             </a:r>
           </a:p>
           <a:p>
             <a:pPr lvl="2"/>
             <a:r>
-              <a:rPr lang="es-ES_tradnl" smtClean="0"/>
+              <a:rPr lang="es-ES_tradnl"/>
               <a:t>Third level</a:t>
             </a:r>
           </a:p>
           <a:p>
             <a:pPr lvl="3"/>
             <a:r>
-              <a:rPr lang="es-ES_tradnl" smtClean="0"/>
+              <a:rPr lang="es-ES_tradnl"/>
               <a:t>Fourth level</a:t>
             </a:r>
           </a:p>
           <a:p>
             <a:pPr lvl="4"/>
             <a:r>
-              <a:rPr lang="es-ES_tradnl" smtClean="0"/>
+              <a:rPr lang="es-ES_tradnl"/>
               <a:t>Fifth level</a:t>
             </a:r>
             <a:endParaRPr lang="en-US"/>
@@ -1281,7 +1280,7 @@
           <a:p>
             <a:fld id="{D3AE09B4-90D0-1245-B83D-B1B2932963E4}" type="datetimeFigureOut">
               <a:rPr lang="en-US" smtClean="0"/>
-              <a:t>6/7/18</a:t>
+              <a:t>6/4/19</a:t>
             </a:fld>
             <a:endParaRPr lang="en-US"/>
           </a:p>
@@ -1384,7 +1383,7 @@
           </a:lstStyle>
           <a:p>
             <a:r>
-              <a:rPr lang="es-ES_tradnl" smtClean="0"/>
+              <a:rPr lang="es-ES_tradnl"/>
               <a:t>Click to edit Master title style</a:t>
             </a:r>
             <a:endParaRPr lang="en-US"/>
@@ -1504,7 +1503,7 @@
           <a:p>
             <a:pPr lvl="0"/>
             <a:r>
-              <a:rPr lang="es-ES_tradnl" smtClean="0"/>
+              <a:rPr lang="es-ES_tradnl"/>
               <a:t>Click to edit Master text styles</a:t>
             </a:r>
           </a:p>
@@ -1527,7 +1526,7 @@
           <a:p>
             <a:fld id="{D3AE09B4-90D0-1245-B83D-B1B2932963E4}" type="datetimeFigureOut">
               <a:rPr lang="en-US" smtClean="0"/>
-              <a:t>6/7/18</a:t>
+              <a:t>6/4/19</a:t>
             </a:fld>
             <a:endParaRPr lang="en-US"/>
           </a:p>
@@ -1621,7 +1620,7 @@
           <a:lstStyle/>
           <a:p>
             <a:r>
-              <a:rPr lang="es-ES_tradnl" smtClean="0"/>
+              <a:rPr lang="es-ES_tradnl"/>
               <a:t>Click to edit Master title style</a:t>
             </a:r>
             <a:endParaRPr lang="en-US"/>
@@ -1678,35 +1677,35 @@
           <a:p>
             <a:pPr lvl="0"/>
             <a:r>
-              <a:rPr lang="es-ES_tradnl" smtClean="0"/>
+              <a:rPr lang="es-ES_tradnl"/>
               <a:t>Click to edit Master text styles</a:t>
             </a:r>
           </a:p>
           <a:p>
             <a:pPr lvl="1"/>
             <a:r>
-              <a:rPr lang="es-ES_tradnl" smtClean="0"/>
+              <a:rPr lang="es-ES_tradnl"/>
               <a:t>Second level</a:t>
             </a:r>
           </a:p>
           <a:p>
             <a:pPr lvl="2"/>
             <a:r>
-              <a:rPr lang="es-ES_tradnl" smtClean="0"/>
+              <a:rPr lang="es-ES_tradnl"/>
               <a:t>Third level</a:t>
             </a:r>
           </a:p>
           <a:p>
             <a:pPr lvl="3"/>
             <a:r>
-              <a:rPr lang="es-ES_tradnl" smtClean="0"/>
+              <a:rPr lang="es-ES_tradnl"/>
               <a:t>Fourth level</a:t>
             </a:r>
           </a:p>
           <a:p>
             <a:pPr lvl="4"/>
             <a:r>
-              <a:rPr lang="es-ES_tradnl" smtClean="0"/>
+              <a:rPr lang="es-ES_tradnl"/>
               <a:t>Fifth level</a:t>
             </a:r>
             <a:endParaRPr lang="en-US"/>
@@ -1763,35 +1762,35 @@
           <a:p>
             <a:pPr lvl="0"/>
             <a:r>
-              <a:rPr lang="es-ES_tradnl" smtClean="0"/>
+              <a:rPr lang="es-ES_tradnl"/>
               <a:t>Click to edit Master text styles</a:t>
             </a:r>
           </a:p>
           <a:p>
             <a:pPr lvl="1"/>
             <a:r>
-              <a:rPr lang="es-ES_tradnl" smtClean="0"/>
+              <a:rPr lang="es-ES_tradnl"/>
               <a:t>Second level</a:t>
             </a:r>
           </a:p>
           <a:p>
             <a:pPr lvl="2"/>
             <a:r>
-              <a:rPr lang="es-ES_tradnl" smtClean="0"/>
+              <a:rPr lang="es-ES_tradnl"/>
               <a:t>Third level</a:t>
             </a:r>
           </a:p>
           <a:p>
             <a:pPr lvl="3"/>
             <a:r>
-              <a:rPr lang="es-ES_tradnl" smtClean="0"/>
+              <a:rPr lang="es-ES_tradnl"/>
               <a:t>Fourth level</a:t>
             </a:r>
           </a:p>
           <a:p>
             <a:pPr lvl="4"/>
             <a:r>
-              <a:rPr lang="es-ES_tradnl" smtClean="0"/>
+              <a:rPr lang="es-ES_tradnl"/>
               <a:t>Fifth level</a:t>
             </a:r>
             <a:endParaRPr lang="en-US"/>
@@ -1815,7 +1814,7 @@
           <a:p>
             <a:fld id="{D3AE09B4-90D0-1245-B83D-B1B2932963E4}" type="datetimeFigureOut">
               <a:rPr lang="en-US" smtClean="0"/>
-              <a:t>6/7/18</a:t>
+              <a:t>6/4/19</a:t>
             </a:fld>
             <a:endParaRPr lang="en-US"/>
           </a:p>
@@ -1913,7 +1912,7 @@
           </a:lstStyle>
           <a:p>
             <a:r>
-              <a:rPr lang="es-ES_tradnl" smtClean="0"/>
+              <a:rPr lang="es-ES_tradnl"/>
               <a:t>Click to edit Master title style</a:t>
             </a:r>
             <a:endParaRPr lang="en-US"/>
@@ -1979,7 +1978,7 @@
           <a:p>
             <a:pPr lvl="0"/>
             <a:r>
-              <a:rPr lang="es-ES_tradnl" smtClean="0"/>
+              <a:rPr lang="es-ES_tradnl"/>
               <a:t>Click to edit Master text styles</a:t>
             </a:r>
           </a:p>
@@ -2035,35 +2034,35 @@
           <a:p>
             <a:pPr lvl="0"/>
             <a:r>
-              <a:rPr lang="es-ES_tradnl" smtClean="0"/>
+              <a:rPr lang="es-ES_tradnl"/>
               <a:t>Click to edit Master text styles</a:t>
             </a:r>
           </a:p>
           <a:p>
             <a:pPr lvl="1"/>
             <a:r>
-              <a:rPr lang="es-ES_tradnl" smtClean="0"/>
+              <a:rPr lang="es-ES_tradnl"/>
               <a:t>Second level</a:t>
             </a:r>
           </a:p>
           <a:p>
             <a:pPr lvl="2"/>
             <a:r>
-              <a:rPr lang="es-ES_tradnl" smtClean="0"/>
+              <a:rPr lang="es-ES_tradnl"/>
               <a:t>Third level</a:t>
             </a:r>
           </a:p>
           <a:p>
             <a:pPr lvl="3"/>
             <a:r>
-              <a:rPr lang="es-ES_tradnl" smtClean="0"/>
+              <a:rPr lang="es-ES_tradnl"/>
               <a:t>Fourth level</a:t>
             </a:r>
           </a:p>
           <a:p>
             <a:pPr lvl="4"/>
             <a:r>
-              <a:rPr lang="es-ES_tradnl" smtClean="0"/>
+              <a:rPr lang="es-ES_tradnl"/>
               <a:t>Fifth level</a:t>
             </a:r>
             <a:endParaRPr lang="en-US"/>
@@ -2129,7 +2128,7 @@
           <a:p>
             <a:pPr lvl="0"/>
             <a:r>
-              <a:rPr lang="es-ES_tradnl" smtClean="0"/>
+              <a:rPr lang="es-ES_tradnl"/>
               <a:t>Click to edit Master text styles</a:t>
             </a:r>
           </a:p>
@@ -2185,35 +2184,35 @@
           <a:p>
             <a:pPr lvl="0"/>
             <a:r>
-              <a:rPr lang="es-ES_tradnl" smtClean="0"/>
+              <a:rPr lang="es-ES_tradnl"/>
               <a:t>Click to edit Master text styles</a:t>
             </a:r>
           </a:p>
           <a:p>
             <a:pPr lvl="1"/>
             <a:r>
-              <a:rPr lang="es-ES_tradnl" smtClean="0"/>
+              <a:rPr lang="es-ES_tradnl"/>
               <a:t>Second level</a:t>
             </a:r>
           </a:p>
           <a:p>
             <a:pPr lvl="2"/>
             <a:r>
-              <a:rPr lang="es-ES_tradnl" smtClean="0"/>
+              <a:rPr lang="es-ES_tradnl"/>
               <a:t>Third level</a:t>
             </a:r>
           </a:p>
           <a:p>
             <a:pPr lvl="3"/>
             <a:r>
-              <a:rPr lang="es-ES_tradnl" smtClean="0"/>
+              <a:rPr lang="es-ES_tradnl"/>
               <a:t>Fourth level</a:t>
             </a:r>
           </a:p>
           <a:p>
             <a:pPr lvl="4"/>
             <a:r>
-              <a:rPr lang="es-ES_tradnl" smtClean="0"/>
+              <a:rPr lang="es-ES_tradnl"/>
               <a:t>Fifth level</a:t>
             </a:r>
             <a:endParaRPr lang="en-US"/>
@@ -2237,7 +2236,7 @@
           <a:p>
             <a:fld id="{D3AE09B4-90D0-1245-B83D-B1B2932963E4}" type="datetimeFigureOut">
               <a:rPr lang="en-US" smtClean="0"/>
-              <a:t>6/7/18</a:t>
+              <a:t>6/4/19</a:t>
             </a:fld>
             <a:endParaRPr lang="en-US"/>
           </a:p>
@@ -2331,7 +2330,7 @@
           <a:lstStyle/>
           <a:p>
             <a:r>
-              <a:rPr lang="es-ES_tradnl" smtClean="0"/>
+              <a:rPr lang="es-ES_tradnl"/>
               <a:t>Click to edit Master title style</a:t>
             </a:r>
             <a:endParaRPr lang="en-US"/>
@@ -2355,7 +2354,7 @@
           <a:p>
             <a:fld id="{D3AE09B4-90D0-1245-B83D-B1B2932963E4}" type="datetimeFigureOut">
               <a:rPr lang="en-US" smtClean="0"/>
-              <a:t>6/7/18</a:t>
+              <a:t>6/4/19</a:t>
             </a:fld>
             <a:endParaRPr lang="en-US"/>
           </a:p>
@@ -2450,7 +2449,7 @@
           <a:p>
             <a:fld id="{D3AE09B4-90D0-1245-B83D-B1B2932963E4}" type="datetimeFigureOut">
               <a:rPr lang="en-US" smtClean="0"/>
-              <a:t>6/7/18</a:t>
+              <a:t>6/4/19</a:t>
             </a:fld>
             <a:endParaRPr lang="en-US"/>
           </a:p>
@@ -2553,7 +2552,7 @@
           </a:lstStyle>
           <a:p>
             <a:r>
-              <a:rPr lang="es-ES_tradnl" smtClean="0"/>
+              <a:rPr lang="es-ES_tradnl"/>
               <a:t>Click to edit Master title style</a:t>
             </a:r>
             <a:endParaRPr lang="en-US"/>
@@ -2610,35 +2609,35 @@
           <a:p>
             <a:pPr lvl="0"/>
             <a:r>
-              <a:rPr lang="es-ES_tradnl" smtClean="0"/>
+              <a:rPr lang="es-ES_tradnl"/>
               <a:t>Click to edit Master text styles</a:t>
             </a:r>
           </a:p>
           <a:p>
             <a:pPr lvl="1"/>
             <a:r>
-              <a:rPr lang="es-ES_tradnl" smtClean="0"/>
+              <a:rPr lang="es-ES_tradnl"/>
               <a:t>Second level</a:t>
             </a:r>
           </a:p>
           <a:p>
             <a:pPr lvl="2"/>
             <a:r>
-              <a:rPr lang="es-ES_tradnl" smtClean="0"/>
+              <a:rPr lang="es-ES_tradnl"/>
               <a:t>Third level</a:t>
             </a:r>
           </a:p>
           <a:p>
             <a:pPr lvl="3"/>
             <a:r>
-              <a:rPr lang="es-ES_tradnl" smtClean="0"/>
+              <a:rPr lang="es-ES_tradnl"/>
               <a:t>Fourth level</a:t>
             </a:r>
           </a:p>
           <a:p>
             <a:pPr lvl="4"/>
             <a:r>
-              <a:rPr lang="es-ES_tradnl" smtClean="0"/>
+              <a:rPr lang="es-ES_tradnl"/>
               <a:t>Fifth level</a:t>
             </a:r>
             <a:endParaRPr lang="en-US"/>
@@ -2704,7 +2703,7 @@
           <a:p>
             <a:pPr lvl="0"/>
             <a:r>
-              <a:rPr lang="es-ES_tradnl" smtClean="0"/>
+              <a:rPr lang="es-ES_tradnl"/>
               <a:t>Click to edit Master text styles</a:t>
             </a:r>
           </a:p>
@@ -2727,7 +2726,7 @@
           <a:p>
             <a:fld id="{D3AE09B4-90D0-1245-B83D-B1B2932963E4}" type="datetimeFigureOut">
               <a:rPr lang="en-US" smtClean="0"/>
-              <a:t>6/7/18</a:t>
+              <a:t>6/4/19</a:t>
             </a:fld>
             <a:endParaRPr lang="en-US"/>
           </a:p>
@@ -2830,7 +2829,7 @@
           </a:lstStyle>
           <a:p>
             <a:r>
-              <a:rPr lang="es-ES_tradnl" smtClean="0"/>
+              <a:rPr lang="es-ES_tradnl"/>
               <a:t>Click to edit Master title style</a:t>
             </a:r>
             <a:endParaRPr lang="en-US"/>
@@ -2957,7 +2956,7 @@
           <a:p>
             <a:pPr lvl="0"/>
             <a:r>
-              <a:rPr lang="es-ES_tradnl" smtClean="0"/>
+              <a:rPr lang="es-ES_tradnl"/>
               <a:t>Click to edit Master text styles</a:t>
             </a:r>
           </a:p>
@@ -2980,7 +2979,7 @@
           <a:p>
             <a:fld id="{D3AE09B4-90D0-1245-B83D-B1B2932963E4}" type="datetimeFigureOut">
               <a:rPr lang="en-US" smtClean="0"/>
-              <a:t>6/7/18</a:t>
+              <a:t>6/4/19</a:t>
             </a:fld>
             <a:endParaRPr lang="en-US"/>
           </a:p>
@@ -3089,10 +3088,9 @@
           <a:lstStyle/>
           <a:p>
             <a:r>
-              <a:rPr lang="en-US" smtClean="0"/>
+              <a:rPr lang="en-US"/>
               <a:t>Click to edit Master title style</a:t>
             </a:r>
-            <a:endParaRPr lang="en-US"/>
           </a:p>
         </p:txBody>
       </p:sp>
@@ -3123,38 +3121,37 @@
           <a:p>
             <a:pPr lvl="0"/>
             <a:r>
-              <a:rPr lang="en-US" smtClean="0"/>
+              <a:rPr lang="en-US"/>
               <a:t>Click to edit Master text styles</a:t>
             </a:r>
           </a:p>
           <a:p>
             <a:pPr lvl="1"/>
             <a:r>
-              <a:rPr lang="en-US" smtClean="0"/>
+              <a:rPr lang="en-US"/>
               <a:t>Second level</a:t>
             </a:r>
           </a:p>
           <a:p>
             <a:pPr lvl="2"/>
             <a:r>
-              <a:rPr lang="en-US" smtClean="0"/>
+              <a:rPr lang="en-US"/>
               <a:t>Third level</a:t>
             </a:r>
           </a:p>
           <a:p>
             <a:pPr lvl="3"/>
             <a:r>
-              <a:rPr lang="en-US" smtClean="0"/>
+              <a:rPr lang="en-US"/>
               <a:t>Fourth level</a:t>
             </a:r>
           </a:p>
           <a:p>
             <a:pPr lvl="4"/>
             <a:r>
-              <a:rPr lang="en-US" smtClean="0"/>
+              <a:rPr lang="en-US"/>
               <a:t>Fifth level</a:t>
             </a:r>
-            <a:endParaRPr lang="en-US"/>
           </a:p>
         </p:txBody>
       </p:sp>
@@ -3193,7 +3190,7 @@
           <a:p>
             <a:fld id="{D3AE09B4-90D0-1245-B83D-B1B2932963E4}" type="datetimeFigureOut">
               <a:rPr lang="en-US" smtClean="0"/>
-              <a:t>6/7/18</a:t>
+              <a:t>6/4/19</a:t>
             </a:fld>
             <a:endParaRPr lang="en-US"/>
           </a:p>
@@ -3608,7 +3605,7 @@
           <a:p>
             <a:pPr algn="ctr"/>
             <a:r>
-              <a:rPr lang="es-CL" sz="2400" dirty="0" smtClean="0">
+              <a:rPr lang="es-CL" sz="2400" dirty="0">
                 <a:solidFill>
                   <a:srgbClr val="FF0000"/>
                 </a:solidFill>
@@ -3617,7 +3614,7 @@
               <a:t>R</a:t>
             </a:r>
             <a:r>
-              <a:rPr lang="es-CL" sz="2400" dirty="0" smtClean="0">
+              <a:rPr lang="es-CL" sz="2400" dirty="0">
                 <a:solidFill>
                   <a:srgbClr val="3366FF"/>
                 </a:solidFill>
@@ -3626,7 +3623,7 @@
               <a:t>e</a:t>
             </a:r>
             <a:r>
-              <a:rPr lang="es-CL" sz="2400" dirty="0" smtClean="0">
+              <a:rPr lang="es-CL" sz="2400" dirty="0">
                 <a:solidFill>
                   <a:srgbClr val="FFFF00"/>
                 </a:solidFill>
@@ -3635,7 +3632,7 @@
               <a:t>c</a:t>
             </a:r>
             <a:r>
-              <a:rPr lang="es-CL" sz="2400" dirty="0" smtClean="0">
+              <a:rPr lang="es-CL" sz="2400" dirty="0">
                 <a:solidFill>
                   <a:srgbClr val="00FF00"/>
                 </a:solidFill>
@@ -3644,7 +3641,7 @@
               <a:t>o</a:t>
             </a:r>
             <a:r>
-              <a:rPr lang="es-CL" sz="2400" dirty="0" smtClean="0">
+              <a:rPr lang="es-CL" sz="2400" dirty="0">
                 <a:solidFill>
                   <a:schemeClr val="bg1"/>
                 </a:solidFill>
@@ -3653,7 +3650,7 @@
               <a:t>n</a:t>
             </a:r>
             <a:r>
-              <a:rPr lang="es-CL" sz="2400" dirty="0" smtClean="0">
+              <a:rPr lang="es-CL" sz="2400" dirty="0">
                 <a:solidFill>
                   <a:srgbClr val="FF6600"/>
                 </a:solidFill>
@@ -3662,7 +3659,7 @@
               <a:t>o</a:t>
             </a:r>
             <a:r>
-              <a:rPr lang="es-CL" sz="2400" dirty="0" smtClean="0">
+              <a:rPr lang="es-CL" sz="2400" dirty="0">
                 <a:solidFill>
                   <a:srgbClr val="FF0000"/>
                 </a:solidFill>
@@ -3671,7 +3668,7 @@
               <a:t>c</a:t>
             </a:r>
             <a:r>
-              <a:rPr lang="es-CL" sz="2400" dirty="0" smtClean="0">
+              <a:rPr lang="es-CL" sz="2400" dirty="0">
                 <a:solidFill>
                   <a:srgbClr val="3366FF"/>
                 </a:solidFill>
@@ -3680,7 +3677,7 @@
               <a:t>i</a:t>
             </a:r>
             <a:r>
-              <a:rPr lang="es-CL" sz="2400" dirty="0" smtClean="0">
+              <a:rPr lang="es-CL" sz="2400" dirty="0">
                 <a:solidFill>
                   <a:schemeClr val="bg1"/>
                 </a:solidFill>
@@ -3689,7 +3686,7 @@
               <a:t>m</a:t>
             </a:r>
             <a:r>
-              <a:rPr lang="es-CL" sz="2400" dirty="0" smtClean="0">
+              <a:rPr lang="es-CL" sz="2400" dirty="0">
                 <a:solidFill>
                   <a:srgbClr val="FFFF00"/>
                 </a:solidFill>
@@ -3698,7 +3695,7 @@
               <a:t>i</a:t>
             </a:r>
             <a:r>
-              <a:rPr lang="es-CL" sz="2400" dirty="0" smtClean="0">
+              <a:rPr lang="es-CL" sz="2400" dirty="0">
                 <a:solidFill>
                   <a:srgbClr val="00FF00"/>
                 </a:solidFill>
@@ -3707,7 +3704,7 @@
               <a:t>e</a:t>
             </a:r>
             <a:r>
-              <a:rPr lang="es-CL" sz="2400" dirty="0" smtClean="0">
+              <a:rPr lang="es-CL" sz="2400" dirty="0">
                 <a:solidFill>
                   <a:schemeClr val="bg1"/>
                 </a:solidFill>
@@ -3716,7 +3713,7 @@
               <a:t>n</a:t>
             </a:r>
             <a:r>
-              <a:rPr lang="es-CL" sz="2400" dirty="0" smtClean="0">
+              <a:rPr lang="es-CL" sz="2400" dirty="0">
                 <a:solidFill>
                   <a:srgbClr val="FF6600"/>
                 </a:solidFill>
@@ -3725,7 +3722,7 @@
               <a:t>t</a:t>
             </a:r>
             <a:r>
-              <a:rPr lang="es-CL" sz="2400" dirty="0" smtClean="0">
+              <a:rPr lang="es-CL" sz="2400" dirty="0">
                 <a:solidFill>
                   <a:srgbClr val="FF0000"/>
                 </a:solidFill>
@@ -3734,7 +3731,7 @@
               <a:t>o</a:t>
             </a:r>
             <a:r>
-              <a:rPr lang="es-CL" sz="2400" dirty="0" smtClean="0">
+              <a:rPr lang="es-CL" sz="2400" dirty="0">
                 <a:solidFill>
                   <a:srgbClr val="3333CC"/>
                 </a:solidFill>
@@ -3743,7 +3740,7 @@
               <a:t> </a:t>
             </a:r>
             <a:r>
-              <a:rPr lang="es-CL" sz="2400" dirty="0" smtClean="0">
+              <a:rPr lang="es-CL" sz="2400" dirty="0">
                 <a:solidFill>
                   <a:srgbClr val="3366FF"/>
                 </a:solidFill>
@@ -3752,7 +3749,7 @@
               <a:t>d</a:t>
             </a:r>
             <a:r>
-              <a:rPr lang="es-CL" sz="2400" dirty="0" smtClean="0">
+              <a:rPr lang="es-CL" sz="2400" dirty="0">
                 <a:solidFill>
                   <a:srgbClr val="FFFF00"/>
                 </a:solidFill>
@@ -3761,7 +3758,7 @@
               <a:t>e </a:t>
             </a:r>
             <a:r>
-              <a:rPr lang="es-CL" sz="2400" dirty="0" smtClean="0">
+              <a:rPr lang="es-CL" sz="2400" dirty="0">
                 <a:solidFill>
                   <a:srgbClr val="00FF00"/>
                 </a:solidFill>
@@ -3770,7 +3767,7 @@
               <a:t>P</a:t>
             </a:r>
             <a:r>
-              <a:rPr lang="es-CL" sz="2400" dirty="0" smtClean="0">
+              <a:rPr lang="es-CL" sz="2400" dirty="0">
                 <a:solidFill>
                   <a:schemeClr val="bg1"/>
                 </a:solidFill>
@@ -3779,7 +3776,7 @@
               <a:t>a</a:t>
             </a:r>
             <a:r>
-              <a:rPr lang="es-CL" sz="2400" dirty="0" smtClean="0">
+              <a:rPr lang="es-CL" sz="2400" dirty="0">
                 <a:solidFill>
                   <a:srgbClr val="FF6600"/>
                 </a:solidFill>
@@ -3788,7 +3785,7 @@
               <a:t>t</a:t>
             </a:r>
             <a:r>
-              <a:rPr lang="es-CL" sz="2400" dirty="0" smtClean="0">
+              <a:rPr lang="es-CL" sz="2400" dirty="0">
                 <a:solidFill>
                   <a:srgbClr val="FF0000"/>
                 </a:solidFill>
@@ -3797,7 +3794,7 @@
               <a:t>r</a:t>
             </a:r>
             <a:r>
-              <a:rPr lang="es-CL" sz="2400" dirty="0" smtClean="0">
+              <a:rPr lang="es-CL" sz="2400" dirty="0">
                 <a:solidFill>
                   <a:srgbClr val="3366FF"/>
                 </a:solidFill>
@@ -3806,7 +3803,7 @@
               <a:t>o</a:t>
             </a:r>
             <a:r>
-              <a:rPr lang="es-CL" sz="2400" dirty="0" smtClean="0">
+              <a:rPr lang="es-CL" sz="2400" dirty="0">
                 <a:solidFill>
                   <a:srgbClr val="FFFF00"/>
                 </a:solidFill>
@@ -3815,7 +3812,7 @@
               <a:t>n</a:t>
             </a:r>
             <a:r>
-              <a:rPr lang="es-CL" sz="2400" dirty="0" smtClean="0">
+              <a:rPr lang="es-CL" sz="2400" dirty="0">
                 <a:solidFill>
                   <a:srgbClr val="00FF00"/>
                 </a:solidFill>
@@ -3824,7 +3821,7 @@
               <a:t>e</a:t>
             </a:r>
             <a:r>
-              <a:rPr lang="es-CL" sz="2400" dirty="0" smtClean="0">
+              <a:rPr lang="es-CL" sz="2400" dirty="0">
                 <a:solidFill>
                   <a:schemeClr val="bg1"/>
                 </a:solidFill>
@@ -3832,7 +3829,7 @@
               </a:rPr>
               <a:t>s</a:t>
             </a:r>
-            <a:endParaRPr lang="es-CL" sz="2400" dirty="0" smtClean="0">
+            <a:endParaRPr lang="es-CL" sz="2400" dirty="0">
               <a:solidFill>
                 <a:srgbClr val="FF0000"/>
               </a:solidFill>
@@ -3842,7 +3839,7 @@
           <a:p>
             <a:pPr algn="ctr"/>
             <a:r>
-              <a:rPr lang="es-CL" sz="2400" dirty="0" smtClean="0">
+              <a:rPr lang="es-CL" sz="2400" dirty="0">
                 <a:solidFill>
                   <a:schemeClr val="bg2">
                     <a:lumMod val="60000"/>
@@ -3853,19 +3850,10 @@
               </a:rPr>
               <a:t> </a:t>
             </a:r>
+          </a:p>
+          <a:p>
+            <a:pPr algn="ctr"/>
             <a:endParaRPr lang="es-CL" sz="2400" dirty="0">
-              <a:solidFill>
-                <a:schemeClr val="bg2">
-                  <a:lumMod val="60000"/>
-                  <a:lumOff val="40000"/>
-                </a:schemeClr>
-              </a:solidFill>
-              <a:latin typeface="Trebuchet MS" pitchFamily="34" charset="0"/>
-            </a:endParaRPr>
-          </a:p>
-          <a:p>
-            <a:pPr algn="ctr"/>
-            <a:endParaRPr lang="es-CL" sz="2400" dirty="0" smtClean="0">
               <a:solidFill>
                 <a:srgbClr val="3333CC"/>
               </a:solidFill>
@@ -3936,7 +3924,7 @@
           <a:p>
             <a:pPr algn="ctr"/>
             <a:r>
-              <a:rPr lang="es-CL" sz="1200" dirty="0" smtClean="0">
+              <a:rPr lang="es-CL" sz="1200" dirty="0">
                 <a:solidFill>
                   <a:schemeClr val="bg1">
                     <a:lumMod val="75000"/>
@@ -3946,19 +3934,11 @@
               </a:rPr>
               <a:t>Departmento de Ciencia de la Computación</a:t>
             </a:r>
-            <a:endParaRPr lang="es-CL" sz="1200" dirty="0">
-              <a:solidFill>
-                <a:schemeClr val="bg1">
-                  <a:lumMod val="75000"/>
-                </a:schemeClr>
-              </a:solidFill>
-              <a:latin typeface="Trebuchet MS" pitchFamily="34" charset="0"/>
-            </a:endParaRPr>
-          </a:p>
-          <a:p>
-            <a:pPr algn="ctr"/>
-            <a:r>
-              <a:rPr lang="es-CL" sz="1200" dirty="0" smtClean="0">
+          </a:p>
+          <a:p>
+            <a:pPr algn="ctr"/>
+            <a:r>
+              <a:rPr lang="es-CL" sz="1200" dirty="0">
                 <a:solidFill>
                   <a:schemeClr val="bg1">
                     <a:lumMod val="75000"/>
@@ -3972,7 +3952,7 @@
           <a:p>
             <a:pPr algn="ctr"/>
             <a:r>
-              <a:rPr lang="es-CL" sz="1200" dirty="0" smtClean="0">
+              <a:rPr lang="es-CL" sz="1200" dirty="0">
                 <a:solidFill>
                   <a:schemeClr val="bg1">
                     <a:lumMod val="75000"/>
@@ -3982,39 +3962,9 @@
               </a:rPr>
               <a:t>Universidad Católica de Chile</a:t>
             </a:r>
-            <a:endParaRPr lang="es-CL" sz="1200" dirty="0">
-              <a:solidFill>
-                <a:schemeClr val="bg1">
-                  <a:lumMod val="75000"/>
-                </a:schemeClr>
-              </a:solidFill>
-              <a:latin typeface="Trebuchet MS" pitchFamily="34" charset="0"/>
-            </a:endParaRPr>
-          </a:p>
-          <a:p>
-            <a:pPr algn="ctr"/>
-            <a:r>
-              <a:rPr lang="es-CL" sz="1200" smtClean="0">
-                <a:solidFill>
-                  <a:schemeClr val="bg1">
-                    <a:lumMod val="75000"/>
-                  </a:schemeClr>
-                </a:solidFill>
-                <a:latin typeface="Trebuchet MS" pitchFamily="34" charset="0"/>
-              </a:rPr>
-              <a:t>Semestre </a:t>
-            </a:r>
-            <a:r>
-              <a:rPr lang="es-CL" sz="1200" smtClean="0">
-                <a:solidFill>
-                  <a:schemeClr val="bg1">
-                    <a:lumMod val="75000"/>
-                  </a:schemeClr>
-                </a:solidFill>
-                <a:latin typeface="Trebuchet MS" pitchFamily="34" charset="0"/>
-              </a:rPr>
-              <a:t>2018-1</a:t>
-            </a:r>
+          </a:p>
+          <a:p>
+            <a:pPr algn="ctr"/>
             <a:endParaRPr lang="en-US" sz="1200" dirty="0">
               <a:solidFill>
                 <a:schemeClr val="bg1">
@@ -4315,7 +4265,7 @@
           <a:p>
             <a:pPr algn="ctr"/>
             <a:r>
-              <a:rPr lang="en-US" sz="2400" b="1" dirty="0" smtClean="0">
+              <a:rPr lang="en-US" sz="2400" b="1" dirty="0">
                 <a:solidFill>
                   <a:srgbClr val="FFFFFF"/>
                 </a:solidFill>
@@ -4327,7 +4277,7 @@
           </a:p>
           <a:p>
             <a:pPr algn="ctr"/>
-            <a:endParaRPr lang="es-CL" sz="1000" dirty="0" smtClean="0">
+            <a:endParaRPr lang="es-CL" sz="1000" dirty="0">
               <a:solidFill>
                 <a:srgbClr val="FFFFFF"/>
               </a:solidFill>
@@ -4338,7 +4288,7 @@
           <a:p>
             <a:pPr algn="ctr"/>
             <a:r>
-              <a:rPr lang="es-CL" sz="1000" dirty="0" smtClean="0">
+              <a:rPr lang="es-CL" sz="1000" dirty="0">
                 <a:solidFill>
                   <a:srgbClr val="FFFFFF"/>
                 </a:solidFill>
@@ -5970,10 +5920,9 @@
           <a:lstStyle/>
           <a:p>
             <a:r>
-              <a:rPr lang="en-US" dirty="0" smtClean="0"/>
+              <a:rPr lang="en-US" dirty="0"/>
               <a:t>Assign to the nearest centroid</a:t>
             </a:r>
-            <a:endParaRPr lang="en-US" dirty="0"/>
           </a:p>
         </p:txBody>
       </p:sp>
@@ -6026,13 +5975,6 @@
   <p:clrMapOvr>
     <a:masterClrMapping/>
   </p:clrMapOvr>
-  <p:timing>
-    <p:tnLst>
-      <p:par>
-        <p:cTn id="1" dur="indefinite" restart="never" nodeType="tmRoot"/>
-      </p:par>
-    </p:tnLst>
-  </p:timing>
 </p:sld>
 </file>
 
@@ -7060,10 +7002,9 @@
           <a:lstStyle/>
           <a:p>
             <a:r>
-              <a:rPr lang="en-US" dirty="0" smtClean="0"/>
+              <a:rPr lang="en-US" dirty="0"/>
               <a:t>Assign to the nearest centroid</a:t>
             </a:r>
-            <a:endParaRPr lang="en-US" dirty="0"/>
           </a:p>
         </p:txBody>
       </p:sp>
@@ -7116,13 +7057,6 @@
   <p:clrMapOvr>
     <a:masterClrMapping/>
   </p:clrMapOvr>
-  <p:timing>
-    <p:tnLst>
-      <p:par>
-        <p:cTn id="1" dur="indefinite" restart="never" nodeType="tmRoot"/>
-      </p:par>
-    </p:tnLst>
-  </p:timing>
 </p:sld>
 </file>
 
@@ -8150,10 +8084,9 @@
           <a:lstStyle/>
           <a:p>
             <a:r>
-              <a:rPr lang="en-US" dirty="0" smtClean="0"/>
+              <a:rPr lang="en-US" dirty="0"/>
               <a:t>Repeat until convergence</a:t>
             </a:r>
-            <a:endParaRPr lang="en-US" dirty="0"/>
           </a:p>
         </p:txBody>
       </p:sp>
@@ -8249,13 +8182,493 @@
   <p:clrMapOvr>
     <a:masterClrMapping/>
   </p:clrMapOvr>
-  <p:timing>
-    <p:tnLst>
-      <p:par>
-        <p:cTn id="1" dur="indefinite" restart="never" nodeType="tmRoot"/>
-      </p:par>
-    </p:tnLst>
-  </p:timing>
+</p:sld>
+</file>
+
+<file path=ppt/slides/slide13.xml><?xml version="1.0" encoding="utf-8"?>
+<p:sld xmlns:a="http://schemas.openxmlformats.org/drawingml/2006/main" xmlns:r="http://schemas.openxmlformats.org/officeDocument/2006/relationships" xmlns:p="http://schemas.openxmlformats.org/presentationml/2006/main">
+  <p:cSld>
+    <p:spTree>
+      <p:nvGrpSpPr>
+        <p:cNvPr id="1" name=""/>
+        <p:cNvGrpSpPr/>
+        <p:nvPr/>
+      </p:nvGrpSpPr>
+      <p:grpSpPr>
+        <a:xfrm>
+          <a:off x="0" y="0"/>
+          <a:ext cx="0" cy="0"/>
+          <a:chOff x="0" y="0"/>
+          <a:chExt cx="0" cy="0"/>
+        </a:xfrm>
+      </p:grpSpPr>
+      <p:sp>
+        <p:nvSpPr>
+          <p:cNvPr id="2" name="TextBox 1"/>
+          <p:cNvSpPr txBox="1"/>
+          <p:nvPr/>
+        </p:nvSpPr>
+        <p:spPr>
+          <a:xfrm>
+            <a:off x="1028700" y="14269"/>
+            <a:ext cx="7070590" cy="6771084"/>
+          </a:xfrm>
+          <a:prstGeom prst="rect">
+            <a:avLst/>
+          </a:prstGeom>
+          <a:noFill/>
+        </p:spPr>
+        <p:txBody>
+          <a:bodyPr wrap="none" rtlCol="0">
+            <a:spAutoFit/>
+          </a:bodyPr>
+          <a:lstStyle/>
+          <a:p>
+            <a:r>
+              <a:rPr lang="en-US" sz="3200" dirty="0"/>
+              <a:t>Algorithm:</a:t>
+            </a:r>
+          </a:p>
+          <a:p>
+            <a:endParaRPr lang="en-US" dirty="0"/>
+          </a:p>
+          <a:p>
+            <a:pPr marL="342900" indent="-342900">
+              <a:buAutoNum type="arabicPeriod"/>
+            </a:pPr>
+            <a:r>
+              <a:rPr lang="en-US" sz="2400" dirty="0"/>
+              <a:t>Input Data X = {x</a:t>
+            </a:r>
+            <a:r>
+              <a:rPr lang="en-US" sz="2400" baseline="-25000" dirty="0"/>
+              <a:t>1</a:t>
+            </a:r>
+            <a:r>
+              <a:rPr lang="en-US" sz="2400" dirty="0"/>
+              <a:t>, x</a:t>
+            </a:r>
+            <a:r>
+              <a:rPr lang="en-US" sz="2400" baseline="-25000" dirty="0"/>
+              <a:t>2</a:t>
+            </a:r>
+            <a:r>
+              <a:rPr lang="en-US" sz="2400" dirty="0"/>
+              <a:t>, ... </a:t>
+            </a:r>
+            <a:r>
+              <a:rPr lang="en-US" sz="2400" dirty="0" err="1"/>
+              <a:t>x</a:t>
+            </a:r>
+            <a:r>
+              <a:rPr lang="en-US" sz="2400" baseline="-25000" dirty="0" err="1"/>
+              <a:t>N</a:t>
+            </a:r>
+            <a:r>
+              <a:rPr lang="en-US" sz="2400" dirty="0"/>
+              <a:t>} and number of clusters K</a:t>
+            </a:r>
+          </a:p>
+          <a:p>
+            <a:pPr marL="342900" indent="-342900">
+              <a:buAutoNum type="arabicPeriod"/>
+            </a:pPr>
+            <a:endParaRPr lang="en-US" sz="2400" dirty="0"/>
+          </a:p>
+          <a:p>
+            <a:pPr marL="342900" indent="-342900">
+              <a:buAutoNum type="arabicPeriod"/>
+            </a:pPr>
+            <a:r>
+              <a:rPr lang="en-US" sz="2400" dirty="0"/>
+              <a:t>Centroids {c</a:t>
+            </a:r>
+            <a:r>
+              <a:rPr lang="en-US" sz="2400" baseline="-25000" dirty="0"/>
+              <a:t>1</a:t>
+            </a:r>
+            <a:r>
+              <a:rPr lang="en-US" sz="2400" dirty="0"/>
+              <a:t>, c</a:t>
+            </a:r>
+            <a:r>
+              <a:rPr lang="en-US" sz="2400" baseline="-25000" dirty="0"/>
+              <a:t>2</a:t>
+            </a:r>
+            <a:r>
+              <a:rPr lang="en-US" sz="2400" dirty="0"/>
+              <a:t>, ... </a:t>
+            </a:r>
+            <a:r>
+              <a:rPr lang="en-US" sz="2400" dirty="0" err="1"/>
+              <a:t>c</a:t>
+            </a:r>
+            <a:r>
+              <a:rPr lang="en-US" sz="2400" baseline="-25000" dirty="0" err="1"/>
+              <a:t>K</a:t>
+            </a:r>
+            <a:r>
+              <a:rPr lang="en-US" sz="2400" dirty="0"/>
+              <a:t>}  = random K points of X</a:t>
+            </a:r>
+          </a:p>
+          <a:p>
+            <a:pPr marL="342900" indent="-342900">
+              <a:buAutoNum type="arabicPeriod"/>
+            </a:pPr>
+            <a:endParaRPr lang="en-US" sz="2400" dirty="0"/>
+          </a:p>
+          <a:p>
+            <a:pPr marL="342900" indent="-342900">
+              <a:buAutoNum type="arabicPeriod"/>
+            </a:pPr>
+            <a:r>
+              <a:rPr lang="en-US" sz="2400" dirty="0"/>
+              <a:t>For each data point x</a:t>
+            </a:r>
+            <a:r>
+              <a:rPr lang="en-US" sz="2400" baseline="-25000" dirty="0"/>
+              <a:t>i </a:t>
+            </a:r>
+          </a:p>
+          <a:p>
+            <a:pPr marL="342900" indent="-342900">
+              <a:buAutoNum type="arabicPeriod"/>
+            </a:pPr>
+            <a:endParaRPr lang="en-US" sz="2400" dirty="0"/>
+          </a:p>
+          <a:p>
+            <a:pPr marL="342900" indent="-342900">
+              <a:buAutoNum type="arabicPeriod"/>
+            </a:pPr>
+            <a:r>
+              <a:rPr lang="en-US" sz="2400" dirty="0"/>
+              <a:t>       Compute distance </a:t>
+            </a:r>
+            <a:r>
+              <a:rPr lang="en-US" sz="2400" dirty="0" err="1"/>
+              <a:t>d</a:t>
+            </a:r>
+            <a:r>
+              <a:rPr lang="en-US" sz="2400" baseline="-25000" dirty="0" err="1"/>
+              <a:t>ij</a:t>
+            </a:r>
+            <a:r>
+              <a:rPr lang="en-US" sz="2400" dirty="0"/>
+              <a:t> = d(</a:t>
+            </a:r>
+            <a:r>
+              <a:rPr lang="en-US" sz="2400" dirty="0" err="1"/>
+              <a:t>x</a:t>
+            </a:r>
+            <a:r>
+              <a:rPr lang="en-US" sz="2400" baseline="-25000" dirty="0" err="1"/>
+              <a:t>i</a:t>
+            </a:r>
+            <a:r>
+              <a:rPr lang="en-US" sz="2400" dirty="0" err="1"/>
+              <a:t>,c</a:t>
+            </a:r>
+            <a:r>
+              <a:rPr lang="en-US" sz="2400" baseline="-25000" dirty="0" err="1"/>
+              <a:t>j</a:t>
+            </a:r>
+            <a:r>
+              <a:rPr lang="en-US" sz="2400" dirty="0"/>
+              <a:t>)  </a:t>
+            </a:r>
+            <a:r>
+              <a:rPr lang="en-US" sz="2400" dirty="0" err="1"/>
+              <a:t>i</a:t>
+            </a:r>
+            <a:r>
+              <a:rPr lang="en-US" sz="2400" dirty="0"/>
+              <a:t>=1,...,N, j=1,...K</a:t>
+            </a:r>
+          </a:p>
+          <a:p>
+            <a:pPr marL="342900" indent="-342900">
+              <a:buAutoNum type="arabicPeriod"/>
+            </a:pPr>
+            <a:endParaRPr lang="en-US" sz="2400" dirty="0"/>
+          </a:p>
+          <a:p>
+            <a:pPr marL="342900" indent="-342900">
+              <a:buAutoNum type="arabicPeriod"/>
+            </a:pPr>
+            <a:r>
+              <a:rPr lang="en-US" sz="2400" dirty="0"/>
+              <a:t>       Assign x</a:t>
+            </a:r>
+            <a:r>
+              <a:rPr lang="en-US" sz="2400" baseline="-25000" dirty="0"/>
+              <a:t>i</a:t>
+            </a:r>
+            <a:r>
+              <a:rPr lang="en-US" sz="2400" dirty="0"/>
+              <a:t> to the nearest centroid: </a:t>
+            </a:r>
+            <a:r>
+              <a:rPr lang="en-US" sz="2400" dirty="0" err="1"/>
+              <a:t>y</a:t>
+            </a:r>
+            <a:r>
+              <a:rPr lang="en-US" sz="2400" baseline="-25000" dirty="0" err="1"/>
+              <a:t>i</a:t>
+            </a:r>
+            <a:r>
+              <a:rPr lang="en-US" sz="2400" dirty="0"/>
+              <a:t> = </a:t>
+            </a:r>
+            <a:r>
+              <a:rPr lang="en-US" sz="2400" dirty="0" err="1"/>
+              <a:t>argmin</a:t>
+            </a:r>
+            <a:r>
+              <a:rPr lang="en-US" sz="2400" baseline="-25000" dirty="0" err="1"/>
+              <a:t>j</a:t>
+            </a:r>
+            <a:r>
+              <a:rPr lang="en-US" sz="2400" dirty="0"/>
+              <a:t>{</a:t>
+            </a:r>
+            <a:r>
+              <a:rPr lang="en-US" sz="2400" dirty="0" err="1"/>
+              <a:t>d</a:t>
+            </a:r>
+            <a:r>
+              <a:rPr lang="en-US" sz="2400" baseline="-25000" dirty="0" err="1"/>
+              <a:t>ij</a:t>
+            </a:r>
+            <a:r>
+              <a:rPr lang="en-US" sz="2400" dirty="0"/>
+              <a:t>}</a:t>
+            </a:r>
+          </a:p>
+          <a:p>
+            <a:pPr marL="342900" indent="-342900">
+              <a:buAutoNum type="arabicPeriod"/>
+            </a:pPr>
+            <a:endParaRPr lang="en-US" sz="2400" dirty="0"/>
+          </a:p>
+          <a:p>
+            <a:pPr marL="342900" indent="-342900">
+              <a:buAutoNum type="arabicPeriod"/>
+            </a:pPr>
+            <a:r>
+              <a:rPr lang="en-US" sz="2400" dirty="0"/>
+              <a:t>Compute the new centroids of each cluster</a:t>
+            </a:r>
+          </a:p>
+          <a:p>
+            <a:r>
+              <a:rPr lang="en-US" sz="2400" dirty="0"/>
+              <a:t>	      c</a:t>
+            </a:r>
+            <a:r>
+              <a:rPr lang="en-US" sz="1600" baseline="30000" dirty="0"/>
+              <a:t>*</a:t>
+            </a:r>
+            <a:r>
+              <a:rPr lang="en-US" sz="2400" baseline="-25000" dirty="0"/>
+              <a:t>j</a:t>
+            </a:r>
+            <a:r>
+              <a:rPr lang="en-US" sz="2400" dirty="0"/>
+              <a:t> = mean(x</a:t>
+            </a:r>
+            <a:r>
+              <a:rPr lang="en-US" sz="2400" baseline="-25000" dirty="0"/>
+              <a:t>i</a:t>
+            </a:r>
+            <a:r>
+              <a:rPr lang="en-US" sz="2400" dirty="0"/>
+              <a:t>)  for </a:t>
+            </a:r>
+            <a:r>
+              <a:rPr lang="en-US" sz="2400" dirty="0" err="1"/>
+              <a:t>y</a:t>
+            </a:r>
+            <a:r>
+              <a:rPr lang="en-US" sz="2400" baseline="-25000" dirty="0" err="1"/>
+              <a:t>i</a:t>
+            </a:r>
+            <a:r>
+              <a:rPr lang="en-US" sz="2400" dirty="0"/>
+              <a:t> = j</a:t>
+            </a:r>
+          </a:p>
+          <a:p>
+            <a:endParaRPr lang="en-US" sz="2400" dirty="0"/>
+          </a:p>
+          <a:p>
+            <a:pPr marL="457200" indent="-457200">
+              <a:buAutoNum type="arabicPeriod" startAt="7"/>
+            </a:pPr>
+            <a:r>
+              <a:rPr lang="en-US" sz="2400" dirty="0"/>
+              <a:t>if c</a:t>
+            </a:r>
+            <a:r>
+              <a:rPr lang="en-US" sz="1600" baseline="30000" dirty="0"/>
+              <a:t>*</a:t>
+            </a:r>
+            <a:r>
+              <a:rPr lang="en-US" sz="2400" baseline="-25000" dirty="0"/>
+              <a:t>j</a:t>
+            </a:r>
+            <a:r>
+              <a:rPr lang="en-US" sz="2400" dirty="0"/>
+              <a:t>       </a:t>
+            </a:r>
+            <a:r>
+              <a:rPr lang="en-US" sz="2400" dirty="0" err="1"/>
+              <a:t>c</a:t>
+            </a:r>
+            <a:r>
+              <a:rPr lang="en-US" sz="2400" baseline="-25000" dirty="0" err="1"/>
+              <a:t>j</a:t>
+            </a:r>
+            <a:r>
+              <a:rPr lang="en-US" sz="2400" baseline="-25000" dirty="0"/>
+              <a:t> </a:t>
+            </a:r>
+            <a:r>
+              <a:rPr lang="en-US" sz="2400" dirty="0"/>
+              <a:t>then </a:t>
+            </a:r>
+            <a:r>
+              <a:rPr lang="en-US" sz="2400" dirty="0" err="1"/>
+              <a:t>c</a:t>
+            </a:r>
+            <a:r>
+              <a:rPr lang="en-US" sz="2400" baseline="-25000" dirty="0" err="1"/>
+              <a:t>j</a:t>
+            </a:r>
+            <a:r>
+              <a:rPr lang="en-US" sz="2400" dirty="0"/>
+              <a:t> = c</a:t>
+            </a:r>
+            <a:r>
+              <a:rPr lang="en-US" sz="1600" baseline="30000" dirty="0"/>
+              <a:t>*</a:t>
+            </a:r>
+            <a:r>
+              <a:rPr lang="en-US" sz="2400" baseline="-25000" dirty="0"/>
+              <a:t>j</a:t>
+            </a:r>
+            <a:r>
+              <a:rPr lang="en-US" sz="2400" dirty="0"/>
+              <a:t>   go to step 3</a:t>
+            </a:r>
+          </a:p>
+          <a:p>
+            <a:pPr marL="457200" indent="-457200">
+              <a:buAutoNum type="arabicPeriod" startAt="7"/>
+            </a:pPr>
+            <a:endParaRPr lang="en-US" sz="2400" dirty="0"/>
+          </a:p>
+          <a:p>
+            <a:pPr marL="457200" indent="-457200">
+              <a:buAutoNum type="arabicPeriod" startAt="7"/>
+            </a:pPr>
+            <a:r>
+              <a:rPr lang="en-US" sz="2400" dirty="0"/>
+              <a:t>Output: {c</a:t>
+            </a:r>
+            <a:r>
+              <a:rPr lang="en-US" sz="2400" baseline="30000" dirty="0"/>
+              <a:t>*</a:t>
+            </a:r>
+            <a:r>
+              <a:rPr lang="en-US" sz="2400" baseline="-25000" dirty="0"/>
+              <a:t>1</a:t>
+            </a:r>
+            <a:r>
+              <a:rPr lang="en-US" sz="2400" dirty="0"/>
+              <a:t>, c</a:t>
+            </a:r>
+            <a:r>
+              <a:rPr lang="en-US" sz="2400" baseline="30000" dirty="0"/>
+              <a:t>*</a:t>
+            </a:r>
+            <a:r>
+              <a:rPr lang="en-US" sz="2400" baseline="-25000" dirty="0"/>
+              <a:t>2</a:t>
+            </a:r>
+            <a:r>
+              <a:rPr lang="en-US" sz="2400" dirty="0"/>
+              <a:t>, ... c</a:t>
+            </a:r>
+            <a:r>
+              <a:rPr lang="en-US" sz="2400" baseline="30000" dirty="0"/>
+              <a:t>*</a:t>
+            </a:r>
+            <a:r>
+              <a:rPr lang="en-US" sz="2400" baseline="-25000" dirty="0"/>
+              <a:t>K</a:t>
+            </a:r>
+            <a:r>
+              <a:rPr lang="en-US" sz="2400" dirty="0"/>
+              <a:t>} and </a:t>
+            </a:r>
+            <a:r>
+              <a:rPr lang="en-US" sz="2400" dirty="0" err="1"/>
+              <a:t>y</a:t>
+            </a:r>
+            <a:r>
+              <a:rPr lang="en-US" sz="2400" baseline="-25000" dirty="0" err="1"/>
+              <a:t>i</a:t>
+            </a:r>
+            <a:r>
+              <a:rPr lang="en-US" sz="2400" dirty="0"/>
+              <a:t> for </a:t>
+            </a:r>
+            <a:r>
+              <a:rPr lang="en-US" sz="2400" dirty="0" err="1"/>
+              <a:t>i</a:t>
+            </a:r>
+            <a:r>
+              <a:rPr lang="en-US" sz="2400" dirty="0"/>
+              <a:t>=1,...,N</a:t>
+            </a:r>
+          </a:p>
+        </p:txBody>
+      </p:sp>
+      <p:pic>
+        <p:nvPicPr>
+          <p:cNvPr id="4" name="Picture 3"/>
+          <p:cNvPicPr>
+            <a:picLocks noChangeAspect="1"/>
+          </p:cNvPicPr>
+          <p:nvPr/>
+        </p:nvPicPr>
+        <p:blipFill>
+          <a:blip r:embed="rId2"/>
+          <a:stretch>
+            <a:fillRect/>
+          </a:stretch>
+        </p:blipFill>
+        <p:spPr>
+          <a:xfrm>
+            <a:off x="2128829" y="5619748"/>
+            <a:ext cx="257184" cy="342912"/>
+          </a:xfrm>
+          <a:prstGeom prst="rect">
+            <a:avLst/>
+          </a:prstGeom>
+        </p:spPr>
+      </p:pic>
+    </p:spTree>
+    <p:extLst>
+      <p:ext uri="{BB962C8B-B14F-4D97-AF65-F5344CB8AC3E}">
+        <p14:creationId xmlns:p14="http://schemas.microsoft.com/office/powerpoint/2010/main" val="591132096"/>
+      </p:ext>
+    </p:extLst>
+  </p:cSld>
+  <p:clrMapOvr>
+    <a:masterClrMapping/>
+  </p:clrMapOvr>
 </p:sld>
 </file>
 
@@ -8299,7 +8712,7 @@
           <a:lstStyle/>
           <a:p>
             <a:r>
-              <a:rPr lang="en-US" sz="3200" dirty="0" smtClean="0"/>
+              <a:rPr lang="en-US" sz="3200" dirty="0"/>
               <a:t>Algorithm:</a:t>
             </a:r>
           </a:p>
@@ -8311,66 +8724,19 @@
               <a:buAutoNum type="arabicPeriod"/>
             </a:pPr>
             <a:r>
-              <a:rPr lang="en-US" sz="2400" dirty="0" smtClean="0"/>
+              <a:rPr lang="en-US" sz="2400" dirty="0"/>
               <a:t>Input Data X = {x</a:t>
             </a:r>
             <a:r>
-              <a:rPr lang="en-US" sz="2400" baseline="-25000" dirty="0" smtClean="0"/>
+              <a:rPr lang="en-US" sz="2400" baseline="-25000" dirty="0"/>
               <a:t>1</a:t>
             </a:r>
             <a:r>
-              <a:rPr lang="en-US" sz="2400" dirty="0" smtClean="0"/>
+              <a:rPr lang="en-US" sz="2400" dirty="0"/>
               <a:t>, x</a:t>
             </a:r>
             <a:r>
-              <a:rPr lang="en-US" sz="2400" baseline="-25000" dirty="0" smtClean="0"/>
-              <a:t>2</a:t>
-            </a:r>
-            <a:r>
-              <a:rPr lang="en-US" sz="2400" dirty="0" smtClean="0"/>
-              <a:t>, ... </a:t>
-            </a:r>
-            <a:r>
-              <a:rPr lang="en-US" sz="2400" dirty="0" err="1" smtClean="0"/>
-              <a:t>x</a:t>
-            </a:r>
-            <a:r>
-              <a:rPr lang="en-US" sz="2400" baseline="-25000" dirty="0" err="1" smtClean="0"/>
-              <a:t>N</a:t>
-            </a:r>
-            <a:r>
-              <a:rPr lang="en-US" sz="2400" dirty="0" smtClean="0"/>
-              <a:t>} and number of clusters K</a:t>
-            </a:r>
-          </a:p>
-          <a:p>
-            <a:pPr marL="342900" indent="-342900">
-              <a:buAutoNum type="arabicPeriod"/>
-            </a:pPr>
-            <a:endParaRPr lang="en-US" sz="2400" dirty="0" smtClean="0"/>
-          </a:p>
-          <a:p>
-            <a:pPr marL="342900" indent="-342900">
-              <a:buAutoNum type="arabicPeriod"/>
-            </a:pPr>
-            <a:r>
-              <a:rPr lang="en-US" sz="2400" dirty="0" smtClean="0"/>
-              <a:t>Centroids {c</a:t>
-            </a:r>
-            <a:r>
-              <a:rPr lang="en-US" sz="2400" baseline="-25000" dirty="0" smtClean="0"/>
-              <a:t>1</a:t>
-            </a:r>
-            <a:r>
-              <a:rPr lang="en-US" sz="2400" dirty="0"/>
-              <a:t>, </a:t>
-            </a:r>
-            <a:r>
-              <a:rPr lang="en-US" sz="2400" dirty="0" smtClean="0"/>
-              <a:t>c</a:t>
-            </a:r>
-            <a:r>
-              <a:rPr lang="en-US" sz="2400" baseline="-25000" dirty="0" smtClean="0"/>
+              <a:rPr lang="en-US" sz="2400" baseline="-25000" dirty="0"/>
               <a:t>2</a:t>
             </a:r>
             <a:r>
@@ -8378,149 +8744,16 @@
               <a:t>, ... </a:t>
             </a:r>
             <a:r>
-              <a:rPr lang="en-US" sz="2400" dirty="0" err="1" smtClean="0"/>
-              <a:t>c</a:t>
-            </a:r>
-            <a:r>
-              <a:rPr lang="en-US" sz="2400" baseline="-25000" dirty="0" err="1" smtClean="0"/>
-              <a:t>K</a:t>
-            </a:r>
-            <a:r>
-              <a:rPr lang="en-US" sz="2400" dirty="0" smtClean="0"/>
-              <a:t>}  = random K points of X</a:t>
-            </a:r>
-          </a:p>
-          <a:p>
-            <a:pPr marL="342900" indent="-342900">
-              <a:buAutoNum type="arabicPeriod"/>
-            </a:pPr>
-            <a:endParaRPr lang="en-US" sz="2400" dirty="0" smtClean="0"/>
-          </a:p>
-          <a:p>
-            <a:pPr marL="342900" indent="-342900">
-              <a:buAutoNum type="arabicPeriod"/>
-            </a:pPr>
-            <a:r>
-              <a:rPr lang="en-US" sz="2400" dirty="0" smtClean="0"/>
-              <a:t>For each data point x</a:t>
-            </a:r>
-            <a:r>
-              <a:rPr lang="en-US" sz="2400" baseline="-25000" dirty="0" smtClean="0"/>
-              <a:t>i </a:t>
-            </a:r>
-          </a:p>
-          <a:p>
-            <a:pPr marL="342900" indent="-342900">
-              <a:buAutoNum type="arabicPeriod"/>
-            </a:pPr>
-            <a:endParaRPr lang="en-US" sz="2400" dirty="0" smtClean="0"/>
-          </a:p>
-          <a:p>
-            <a:pPr marL="342900" indent="-342900">
-              <a:buAutoNum type="arabicPeriod"/>
-            </a:pPr>
-            <a:r>
-              <a:rPr lang="en-US" sz="2400" dirty="0" smtClean="0"/>
-              <a:t>       Compute distance </a:t>
-            </a:r>
-            <a:r>
-              <a:rPr lang="en-US" sz="2400" dirty="0" err="1" smtClean="0"/>
-              <a:t>d</a:t>
-            </a:r>
-            <a:r>
-              <a:rPr lang="en-US" sz="2400" baseline="-25000" dirty="0" err="1" smtClean="0"/>
-              <a:t>ij</a:t>
-            </a:r>
-            <a:r>
-              <a:rPr lang="en-US" sz="2400" dirty="0" smtClean="0"/>
-              <a:t> = d(</a:t>
-            </a:r>
-            <a:r>
-              <a:rPr lang="en-US" sz="2400" dirty="0" err="1" smtClean="0"/>
+              <a:rPr lang="en-US" sz="2400" dirty="0" err="1"/>
               <a:t>x</a:t>
             </a:r>
             <a:r>
-              <a:rPr lang="en-US" sz="2400" baseline="-25000" dirty="0" err="1" smtClean="0"/>
-              <a:t>i</a:t>
-            </a:r>
-            <a:r>
-              <a:rPr lang="en-US" sz="2400" dirty="0" err="1" smtClean="0"/>
-              <a:t>,c</a:t>
-            </a:r>
-            <a:r>
-              <a:rPr lang="en-US" sz="2400" baseline="-25000" dirty="0" err="1" smtClean="0"/>
-              <a:t>j</a:t>
-            </a:r>
-            <a:r>
-              <a:rPr lang="en-US" sz="2400" dirty="0" smtClean="0"/>
-              <a:t>)  </a:t>
-            </a:r>
-            <a:r>
-              <a:rPr lang="en-US" sz="2400" dirty="0" err="1" smtClean="0"/>
-              <a:t>i</a:t>
-            </a:r>
-            <a:r>
-              <a:rPr lang="en-US" sz="2400" dirty="0" smtClean="0"/>
-              <a:t>=1,...,N, j=1,...K</a:t>
-            </a:r>
-          </a:p>
-          <a:p>
-            <a:pPr marL="342900" indent="-342900">
-              <a:buAutoNum type="arabicPeriod"/>
-            </a:pPr>
-            <a:endParaRPr lang="en-US" sz="2400" dirty="0" smtClean="0"/>
-          </a:p>
-          <a:p>
-            <a:pPr marL="342900" indent="-342900">
-              <a:buAutoNum type="arabicPeriod"/>
-            </a:pPr>
-            <a:r>
-              <a:rPr lang="en-US" sz="2400" dirty="0" smtClean="0"/>
-              <a:t>       Assign x</a:t>
-            </a:r>
-            <a:r>
-              <a:rPr lang="en-US" sz="2400" baseline="-25000" dirty="0" smtClean="0"/>
-              <a:t>i</a:t>
-            </a:r>
-            <a:r>
-              <a:rPr lang="en-US" sz="2400" dirty="0" smtClean="0"/>
-              <a:t> to the nearest centroid: </a:t>
-            </a:r>
-            <a:r>
-              <a:rPr lang="en-US" sz="2400" dirty="0" err="1" smtClean="0"/>
-              <a:t>y</a:t>
-            </a:r>
-            <a:r>
-              <a:rPr lang="en-US" sz="2400" baseline="-25000" dirty="0" err="1" smtClean="0"/>
-              <a:t>i</a:t>
-            </a:r>
-            <a:r>
-              <a:rPr lang="en-US" sz="2400" dirty="0" smtClean="0"/>
-              <a:t> = </a:t>
-            </a:r>
-            <a:r>
-              <a:rPr lang="en-US" sz="2400" dirty="0" err="1" smtClean="0"/>
-              <a:t>argmin</a:t>
-            </a:r>
-            <a:r>
-              <a:rPr lang="en-US" sz="2400" baseline="-25000" dirty="0" err="1" smtClean="0"/>
-              <a:t>j</a:t>
-            </a:r>
-            <a:r>
-              <a:rPr lang="en-US" sz="2400" dirty="0" smtClean="0"/>
-              <a:t>{</a:t>
-            </a:r>
-            <a:r>
-              <a:rPr lang="en-US" sz="2400" dirty="0" err="1" smtClean="0"/>
-              <a:t>d</a:t>
-            </a:r>
-            <a:r>
-              <a:rPr lang="en-US" sz="2400" baseline="-25000" dirty="0" err="1" smtClean="0"/>
-              <a:t>ij</a:t>
-            </a:r>
-            <a:r>
-              <a:rPr lang="en-US" sz="2400" dirty="0" smtClean="0"/>
-              <a:t>}</a:t>
+              <a:rPr lang="en-US" sz="2400" baseline="-25000" dirty="0" err="1"/>
+              <a:t>N</a:t>
+            </a:r>
+            <a:r>
+              <a:rPr lang="en-US" sz="2400" dirty="0"/>
+              <a:t>} and number of clusters K</a:t>
             </a:r>
           </a:p>
           <a:p>
@@ -8534,34 +8767,125 @@
               <a:buAutoNum type="arabicPeriod"/>
             </a:pPr>
             <a:r>
-              <a:rPr lang="en-US" sz="2400" dirty="0" smtClean="0"/>
-              <a:t>Compute the new centroids of each cluster</a:t>
-            </a:r>
-          </a:p>
-          <a:p>
-            <a:r>
               <a:rPr lang="en-US" sz="2400" dirty="0"/>
-              <a:t>	 </a:t>
-            </a:r>
-            <a:r>
-              <a:rPr lang="en-US" sz="2400" dirty="0" smtClean="0"/>
-              <a:t>     c</a:t>
-            </a:r>
-            <a:r>
-              <a:rPr lang="en-US" sz="1600" baseline="30000" dirty="0" smtClean="0"/>
-              <a:t>*</a:t>
-            </a:r>
-            <a:r>
-              <a:rPr lang="en-US" sz="2400" baseline="-25000" dirty="0" smtClean="0"/>
+              <a:t>Centroids {c</a:t>
+            </a:r>
+            <a:r>
+              <a:rPr lang="en-US" sz="2400" baseline="-25000" dirty="0"/>
+              <a:t>1</a:t>
+            </a:r>
+            <a:r>
+              <a:rPr lang="en-US" sz="2400" dirty="0"/>
+              <a:t>, c</a:t>
+            </a:r>
+            <a:r>
+              <a:rPr lang="en-US" sz="2400" baseline="-25000" dirty="0"/>
+              <a:t>2</a:t>
+            </a:r>
+            <a:r>
+              <a:rPr lang="en-US" sz="2400" dirty="0"/>
+              <a:t>, ... </a:t>
+            </a:r>
+            <a:r>
+              <a:rPr lang="en-US" sz="2400" dirty="0" err="1"/>
+              <a:t>c</a:t>
+            </a:r>
+            <a:r>
+              <a:rPr lang="en-US" sz="2400" baseline="-25000" dirty="0" err="1"/>
+              <a:t>K</a:t>
+            </a:r>
+            <a:r>
+              <a:rPr lang="en-US" sz="2400" dirty="0"/>
+              <a:t>}  = random K points of X</a:t>
+            </a:r>
+          </a:p>
+          <a:p>
+            <a:pPr marL="342900" indent="-342900">
+              <a:buAutoNum type="arabicPeriod"/>
+            </a:pPr>
+            <a:endParaRPr lang="en-US" sz="2400" dirty="0"/>
+          </a:p>
+          <a:p>
+            <a:pPr marL="342900" indent="-342900">
+              <a:buAutoNum type="arabicPeriod"/>
+            </a:pPr>
+            <a:r>
+              <a:rPr lang="en-US" sz="2400" dirty="0"/>
+              <a:t>For each data point x</a:t>
+            </a:r>
+            <a:r>
+              <a:rPr lang="en-US" sz="2400" baseline="-25000" dirty="0"/>
+              <a:t>i </a:t>
+            </a:r>
+          </a:p>
+          <a:p>
+            <a:pPr marL="342900" indent="-342900">
+              <a:buAutoNum type="arabicPeriod"/>
+            </a:pPr>
+            <a:endParaRPr lang="en-US" sz="2400" dirty="0"/>
+          </a:p>
+          <a:p>
+            <a:pPr marL="342900" indent="-342900">
+              <a:buAutoNum type="arabicPeriod"/>
+            </a:pPr>
+            <a:r>
+              <a:rPr lang="en-US" sz="2400" dirty="0"/>
+              <a:t>       Compute distance </a:t>
+            </a:r>
+            <a:r>
+              <a:rPr lang="en-US" sz="2400" dirty="0" err="1"/>
+              <a:t>d</a:t>
+            </a:r>
+            <a:r>
+              <a:rPr lang="en-US" sz="2400" baseline="-25000" dirty="0" err="1"/>
+              <a:t>ij</a:t>
+            </a:r>
+            <a:r>
+              <a:rPr lang="en-US" sz="2400" dirty="0"/>
+              <a:t> = d(</a:t>
+            </a:r>
+            <a:r>
+              <a:rPr lang="en-US" sz="2400" dirty="0" err="1"/>
+              <a:t>x</a:t>
+            </a:r>
+            <a:r>
+              <a:rPr lang="en-US" sz="2400" baseline="-25000" dirty="0" err="1"/>
+              <a:t>i</a:t>
+            </a:r>
+            <a:r>
+              <a:rPr lang="en-US" sz="2400" dirty="0" err="1"/>
+              <a:t>,c</a:t>
+            </a:r>
+            <a:r>
+              <a:rPr lang="en-US" sz="2400" baseline="-25000" dirty="0" err="1"/>
               <a:t>j</a:t>
             </a:r>
             <a:r>
-              <a:rPr lang="en-US" sz="2400" dirty="0" smtClean="0"/>
-              <a:t> </a:t>
-            </a:r>
-            <a:r>
               <a:rPr lang="en-US" sz="2400" dirty="0"/>
-              <a:t>= mean(x</a:t>
+              <a:t>)  </a:t>
+            </a:r>
+            <a:r>
+              <a:rPr lang="en-US" sz="2400" dirty="0" err="1"/>
+              <a:t>i</a:t>
+            </a:r>
+            <a:r>
+              <a:rPr lang="en-US" sz="2400" dirty="0"/>
+              <a:t>=1,...,N, j=1,...K</a:t>
+            </a:r>
+          </a:p>
+          <a:p>
+            <a:pPr marL="342900" indent="-342900">
+              <a:buAutoNum type="arabicPeriod"/>
+            </a:pPr>
+            <a:endParaRPr lang="en-US" sz="2400" dirty="0"/>
+          </a:p>
+          <a:p>
+            <a:pPr marL="342900" indent="-342900">
+              <a:buAutoNum type="arabicPeriod"/>
+            </a:pPr>
+            <a:r>
+              <a:rPr lang="en-US" sz="2400" dirty="0"/>
+              <a:t>       Assign x</a:t>
             </a:r>
             <a:r>
               <a:rPr lang="en-US" sz="2400" baseline="-25000" dirty="0"/>
@@ -8569,7 +8893,7 @@
             </a:r>
             <a:r>
               <a:rPr lang="en-US" sz="2400" dirty="0"/>
-              <a:t>)  for </a:t>
+              <a:t> to the nearest centroid: </a:t>
             </a:r>
             <a:r>
               <a:rPr lang="en-US" sz="2400" dirty="0" err="1"/>
@@ -8584,75 +8908,144 @@
               <a:t> = </a:t>
             </a:r>
             <a:r>
-              <a:rPr lang="en-US" sz="2400" dirty="0" smtClean="0"/>
+              <a:rPr lang="en-US" sz="2400" dirty="0" err="1"/>
+              <a:t>argmin</a:t>
+            </a:r>
+            <a:r>
+              <a:rPr lang="en-US" sz="2400" baseline="-25000" dirty="0" err="1"/>
               <a:t>j</a:t>
             </a:r>
-          </a:p>
-          <a:p>
-            <a:endParaRPr lang="en-US" sz="2400" dirty="0" smtClean="0"/>
+            <a:r>
+              <a:rPr lang="en-US" sz="2400" dirty="0"/>
+              <a:t>{</a:t>
+            </a:r>
+            <a:r>
+              <a:rPr lang="en-US" sz="2400" dirty="0" err="1"/>
+              <a:t>d</a:t>
+            </a:r>
+            <a:r>
+              <a:rPr lang="en-US" sz="2400" baseline="-25000" dirty="0" err="1"/>
+              <a:t>ij</a:t>
+            </a:r>
+            <a:r>
+              <a:rPr lang="en-US" sz="2400" dirty="0"/>
+              <a:t>}</a:t>
+            </a:r>
+          </a:p>
+          <a:p>
+            <a:pPr marL="342900" indent="-342900">
+              <a:buAutoNum type="arabicPeriod"/>
+            </a:pPr>
+            <a:endParaRPr lang="en-US" sz="2400" dirty="0"/>
+          </a:p>
+          <a:p>
+            <a:pPr marL="342900" indent="-342900">
+              <a:buAutoNum type="arabicPeriod"/>
+            </a:pPr>
+            <a:r>
+              <a:rPr lang="en-US" sz="2400" dirty="0"/>
+              <a:t>Compute the new centroids of each cluster</a:t>
+            </a:r>
+          </a:p>
+          <a:p>
+            <a:r>
+              <a:rPr lang="en-US" sz="2400" dirty="0"/>
+              <a:t>	      c</a:t>
+            </a:r>
+            <a:r>
+              <a:rPr lang="en-US" sz="1600" baseline="30000" dirty="0"/>
+              <a:t>*</a:t>
+            </a:r>
+            <a:r>
+              <a:rPr lang="en-US" sz="2400" baseline="-25000" dirty="0"/>
+              <a:t>j</a:t>
+            </a:r>
+            <a:r>
+              <a:rPr lang="en-US" sz="2400" dirty="0"/>
+              <a:t> = mean(x</a:t>
+            </a:r>
+            <a:r>
+              <a:rPr lang="en-US" sz="2400" baseline="-25000" dirty="0"/>
+              <a:t>i</a:t>
+            </a:r>
+            <a:r>
+              <a:rPr lang="en-US" sz="2400" dirty="0"/>
+              <a:t>)  for </a:t>
+            </a:r>
+            <a:r>
+              <a:rPr lang="en-US" sz="2400" dirty="0" err="1"/>
+              <a:t>y</a:t>
+            </a:r>
+            <a:r>
+              <a:rPr lang="en-US" sz="2400" baseline="-25000" dirty="0" err="1"/>
+              <a:t>i</a:t>
+            </a:r>
+            <a:r>
+              <a:rPr lang="en-US" sz="2400" dirty="0"/>
+              <a:t> = j</a:t>
+            </a:r>
+          </a:p>
+          <a:p>
+            <a:endParaRPr lang="en-US" sz="2400" dirty="0"/>
           </a:p>
           <a:p>
             <a:pPr marL="457200" indent="-457200">
               <a:buAutoNum type="arabicPeriod" startAt="7"/>
             </a:pPr>
             <a:r>
-              <a:rPr lang="en-US" sz="2400" dirty="0" smtClean="0"/>
+              <a:rPr lang="en-US" sz="2400" dirty="0"/>
               <a:t>if c</a:t>
             </a:r>
             <a:r>
-              <a:rPr lang="en-US" sz="1600" baseline="30000" dirty="0" smtClean="0"/>
+              <a:rPr lang="en-US" sz="1600" baseline="30000" dirty="0"/>
               <a:t>*</a:t>
             </a:r>
             <a:r>
-              <a:rPr lang="en-US" sz="2400" baseline="-25000" dirty="0" smtClean="0"/>
+              <a:rPr lang="en-US" sz="2400" baseline="-25000" dirty="0"/>
               <a:t>j</a:t>
             </a:r>
             <a:r>
               <a:rPr lang="en-US" sz="2400" dirty="0"/>
+              <a:t>       </a:t>
+            </a:r>
+            <a:r>
+              <a:rPr lang="en-US" sz="2400" dirty="0" err="1"/>
+              <a:t>c</a:t>
+            </a:r>
+            <a:r>
+              <a:rPr lang="en-US" sz="2400" baseline="-25000" dirty="0" err="1"/>
+              <a:t>j</a:t>
+            </a:r>
+            <a:r>
+              <a:rPr lang="en-US" sz="2400" baseline="-25000" dirty="0"/>
               <a:t> </a:t>
             </a:r>
             <a:r>
-              <a:rPr lang="en-US" sz="2400" dirty="0" smtClean="0"/>
-              <a:t>      </a:t>
-            </a:r>
-            <a:r>
-              <a:rPr lang="en-US" sz="2400" dirty="0" err="1" smtClean="0"/>
+              <a:rPr lang="en-US" sz="2400" dirty="0"/>
+              <a:t>then </a:t>
+            </a:r>
+            <a:r>
+              <a:rPr lang="en-US" sz="2400" dirty="0" err="1"/>
               <a:t>c</a:t>
             </a:r>
             <a:r>
-              <a:rPr lang="en-US" sz="2400" baseline="-25000" dirty="0" err="1" smtClean="0"/>
+              <a:rPr lang="en-US" sz="2400" baseline="-25000" dirty="0" err="1"/>
               <a:t>j</a:t>
             </a:r>
             <a:r>
-              <a:rPr lang="en-US" sz="2400" baseline="-25000" dirty="0" smtClean="0"/>
-              <a:t> </a:t>
-            </a:r>
-            <a:r>
-              <a:rPr lang="en-US" sz="2400" dirty="0" smtClean="0"/>
-              <a:t>then </a:t>
-            </a:r>
-            <a:r>
-              <a:rPr lang="en-US" sz="2400" dirty="0" err="1" smtClean="0"/>
-              <a:t>c</a:t>
-            </a:r>
-            <a:r>
-              <a:rPr lang="en-US" sz="2400" baseline="-25000" dirty="0" err="1" smtClean="0"/>
+              <a:rPr lang="en-US" sz="2400" dirty="0"/>
+              <a:t> = c</a:t>
+            </a:r>
+            <a:r>
+              <a:rPr lang="en-US" sz="1600" baseline="30000" dirty="0"/>
+              <a:t>*</a:t>
+            </a:r>
+            <a:r>
+              <a:rPr lang="en-US" sz="2400" baseline="-25000" dirty="0"/>
               <a:t>j</a:t>
             </a:r>
             <a:r>
-              <a:rPr lang="en-US" sz="2400" dirty="0" smtClean="0"/>
-              <a:t> = c</a:t>
-            </a:r>
-            <a:r>
-              <a:rPr lang="en-US" sz="1600" baseline="30000" dirty="0" smtClean="0"/>
-              <a:t>*</a:t>
-            </a:r>
-            <a:r>
-              <a:rPr lang="en-US" sz="2400" baseline="-25000" dirty="0" smtClean="0"/>
-              <a:t>j</a:t>
-            </a:r>
-            <a:r>
-              <a:rPr lang="en-US" sz="2400" dirty="0" smtClean="0"/>
+              <a:rPr lang="en-US" sz="2400" dirty="0"/>
               <a:t>   go to step 3</a:t>
             </a:r>
           </a:p>
@@ -8660,89 +9053,72 @@
             <a:pPr marL="457200" indent="-457200">
               <a:buAutoNum type="arabicPeriod" startAt="7"/>
             </a:pPr>
-            <a:endParaRPr lang="en-US" sz="2400" dirty="0" smtClean="0"/>
+            <a:endParaRPr lang="en-US" sz="2400" dirty="0"/>
           </a:p>
           <a:p>
             <a:pPr marL="457200" indent="-457200">
               <a:buAutoNum type="arabicPeriod" startAt="7"/>
             </a:pPr>
             <a:r>
-              <a:rPr lang="en-US" sz="2400" dirty="0" smtClean="0"/>
-              <a:t>Output: </a:t>
-            </a:r>
-            <a:r>
               <a:rPr lang="en-US" sz="2400" dirty="0"/>
-              <a:t>{</a:t>
-            </a:r>
-            <a:r>
-              <a:rPr lang="en-US" sz="2400" dirty="0" smtClean="0"/>
-              <a:t>c</a:t>
+              <a:t>Output: {c</a:t>
             </a:r>
             <a:r>
               <a:rPr lang="en-US" sz="2400" baseline="30000" dirty="0"/>
               <a:t>*</a:t>
             </a:r>
             <a:r>
-              <a:rPr lang="en-US" sz="2400" baseline="-25000" dirty="0" smtClean="0"/>
+              <a:rPr lang="en-US" sz="2400" baseline="-25000" dirty="0"/>
               <a:t>1</a:t>
             </a:r>
             <a:r>
               <a:rPr lang="en-US" sz="2400" dirty="0"/>
-              <a:t>, </a:t>
-            </a:r>
-            <a:r>
-              <a:rPr lang="en-US" sz="2400" dirty="0" smtClean="0"/>
-              <a:t>c</a:t>
+              <a:t>, c</a:t>
             </a:r>
             <a:r>
               <a:rPr lang="en-US" sz="2400" baseline="30000" dirty="0"/>
               <a:t>*</a:t>
             </a:r>
             <a:r>
-              <a:rPr lang="en-US" sz="2400" baseline="-25000" dirty="0" smtClean="0"/>
+              <a:rPr lang="en-US" sz="2400" baseline="-25000" dirty="0"/>
               <a:t>2</a:t>
             </a:r>
             <a:r>
               <a:rPr lang="en-US" sz="2400" dirty="0"/>
-              <a:t>, ... </a:t>
-            </a:r>
-            <a:r>
-              <a:rPr lang="en-US" sz="2400" dirty="0" smtClean="0"/>
-              <a:t>c</a:t>
+              <a:t>, ... c</a:t>
             </a:r>
             <a:r>
               <a:rPr lang="en-US" sz="2400" baseline="30000" dirty="0"/>
               <a:t>*</a:t>
             </a:r>
             <a:r>
-              <a:rPr lang="en-US" sz="2400" baseline="-25000" dirty="0" smtClean="0"/>
+              <a:rPr lang="en-US" sz="2400" baseline="-25000" dirty="0"/>
               <a:t>K</a:t>
             </a:r>
             <a:r>
-              <a:rPr lang="en-US" sz="2400" dirty="0" smtClean="0"/>
+              <a:rPr lang="en-US" sz="2400" dirty="0"/>
               <a:t>} and </a:t>
             </a:r>
             <a:r>
-              <a:rPr lang="en-US" sz="2400" dirty="0" err="1" smtClean="0"/>
+              <a:rPr lang="en-US" sz="2400" dirty="0" err="1"/>
               <a:t>y</a:t>
             </a:r>
             <a:r>
-              <a:rPr lang="en-US" sz="2400" baseline="-25000" dirty="0" err="1" smtClean="0"/>
+              <a:rPr lang="en-US" sz="2400" baseline="-25000" dirty="0" err="1"/>
               <a:t>i</a:t>
             </a:r>
             <a:r>
-              <a:rPr lang="en-US" sz="2400" dirty="0" smtClean="0"/>
+              <a:rPr lang="en-US" sz="2400" dirty="0"/>
               <a:t> for </a:t>
             </a:r>
             <a:r>
-              <a:rPr lang="en-US" sz="2400" dirty="0" err="1" smtClean="0"/>
+              <a:rPr lang="en-US" sz="2400" dirty="0" err="1"/>
               <a:t>i</a:t>
             </a:r>
             <a:r>
-              <a:rPr lang="en-US" sz="2400" dirty="0" smtClean="0"/>
+              <a:rPr lang="en-US" sz="2400" dirty="0"/>
               <a:t>=1,...,N</a:t>
             </a:r>
-            <a:endParaRPr lang="en-US" sz="2400" dirty="0"/>
           </a:p>
         </p:txBody>
       </p:sp>
@@ -8780,13 +9156,6 @@
   <p:clrMapOvr>
     <a:masterClrMapping/>
   </p:clrMapOvr>
-  <p:timing>
-    <p:tnLst>
-      <p:par>
-        <p:cTn id="1" dur="indefinite" restart="never" nodeType="tmRoot"/>
-      </p:par>
-    </p:tnLst>
-  </p:timing>
 </p:sld>
 </file>
 
@@ -9729,13 +10098,6 @@
   <p:clrMapOvr>
     <a:masterClrMapping/>
   </p:clrMapOvr>
-  <p:timing>
-    <p:tnLst>
-      <p:par>
-        <p:cTn id="1" dur="indefinite" restart="never" nodeType="tmRoot"/>
-      </p:par>
-    </p:tnLst>
-  </p:timing>
 </p:sld>
 </file>
 
@@ -10697,11 +11059,11 @@
           <a:lstStyle/>
           <a:p>
             <a:r>
-              <a:rPr lang="en-US" dirty="0" smtClean="0"/>
+              <a:rPr lang="en-US" dirty="0"/>
               <a:t>Choose random </a:t>
             </a:r>
             <a:r>
-              <a:rPr lang="en-US" smtClean="0"/>
+              <a:rPr lang="en-US"/>
               <a:t>K=2 points (centroids)</a:t>
             </a:r>
             <a:endParaRPr lang="en-US" dirty="0"/>
@@ -10718,13 +11080,6 @@
   <p:clrMapOvr>
     <a:masterClrMapping/>
   </p:clrMapOvr>
-  <p:timing>
-    <p:tnLst>
-      <p:par>
-        <p:cTn id="1" dur="indefinite" restart="never" nodeType="tmRoot"/>
-      </p:par>
-    </p:tnLst>
-  </p:timing>
 </p:sld>
 </file>
 
@@ -11686,10 +12041,9 @@
           <a:lstStyle/>
           <a:p>
             <a:r>
-              <a:rPr lang="en-US" dirty="0" smtClean="0"/>
+              <a:rPr lang="en-US" dirty="0"/>
               <a:t>Assign to the nearest centroid</a:t>
             </a:r>
-            <a:endParaRPr lang="en-US" dirty="0"/>
           </a:p>
         </p:txBody>
       </p:sp>
@@ -11703,13 +12057,6 @@
   <p:clrMapOvr>
     <a:masterClrMapping/>
   </p:clrMapOvr>
-  <p:timing>
-    <p:tnLst>
-      <p:par>
-        <p:cTn id="1" dur="indefinite" restart="never" nodeType="tmRoot"/>
-      </p:par>
-    </p:tnLst>
-  </p:timing>
 </p:sld>
 </file>
 
@@ -12671,10 +13018,9 @@
           <a:lstStyle/>
           <a:p>
             <a:r>
-              <a:rPr lang="en-US" dirty="0" smtClean="0"/>
+              <a:rPr lang="en-US" dirty="0"/>
               <a:t>Assign to the nearest centroid</a:t>
             </a:r>
-            <a:endParaRPr lang="en-US" dirty="0"/>
           </a:p>
         </p:txBody>
       </p:sp>
@@ -12727,13 +13073,6 @@
   <p:clrMapOvr>
     <a:masterClrMapping/>
   </p:clrMapOvr>
-  <p:timing>
-    <p:tnLst>
-      <p:par>
-        <p:cTn id="1" dur="indefinite" restart="never" nodeType="tmRoot"/>
-      </p:par>
-    </p:tnLst>
-  </p:timing>
 </p:sld>
 </file>
 
@@ -13761,10 +14100,9 @@
           <a:lstStyle/>
           <a:p>
             <a:r>
-              <a:rPr lang="en-US" dirty="0" smtClean="0"/>
+              <a:rPr lang="en-US" dirty="0"/>
               <a:t>Assign to the nearest centroid</a:t>
             </a:r>
-            <a:endParaRPr lang="en-US" dirty="0"/>
           </a:p>
         </p:txBody>
       </p:sp>
@@ -13817,13 +14155,6 @@
   <p:clrMapOvr>
     <a:masterClrMapping/>
   </p:clrMapOvr>
-  <p:timing>
-    <p:tnLst>
-      <p:par>
-        <p:cTn id="1" dur="indefinite" restart="never" nodeType="tmRoot"/>
-      </p:par>
-    </p:tnLst>
-  </p:timing>
 </p:sld>
 </file>
 
@@ -14838,13 +15169,6 @@
   <p:clrMapOvr>
     <a:masterClrMapping/>
   </p:clrMapOvr>
-  <p:timing>
-    <p:tnLst>
-      <p:par>
-        <p:cTn id="1" dur="indefinite" restart="never" nodeType="tmRoot"/>
-      </p:par>
-    </p:tnLst>
-  </p:timing>
 </p:sld>
 </file>
 
@@ -15872,10 +16196,9 @@
           <a:lstStyle/>
           <a:p>
             <a:r>
-              <a:rPr lang="en-US" dirty="0" smtClean="0"/>
+              <a:rPr lang="en-US" dirty="0"/>
               <a:t>Compute new centroids</a:t>
             </a:r>
-            <a:endParaRPr lang="en-US" dirty="0"/>
           </a:p>
         </p:txBody>
       </p:sp>
@@ -15971,13 +16294,6 @@
   <p:clrMapOvr>
     <a:masterClrMapping/>
   </p:clrMapOvr>
-  <p:timing>
-    <p:tnLst>
-      <p:par>
-        <p:cTn id="1" dur="indefinite" restart="never" nodeType="tmRoot"/>
-      </p:par>
-    </p:tnLst>
-  </p:timing>
 </p:sld>
 </file>
 

--- a/clases/Cap06_Clustering/presentations/PAT06_KMeans.pptx
+++ b/clases/Cap06_Clustering/presentations/PAT06_KMeans.pptx
@@ -220,7 +220,7 @@
           <a:p>
             <a:fld id="{089CB84B-3086-824D-91F5-F571CFDD3E7D}" type="datetimeFigureOut">
               <a:rPr lang="en-US" smtClean="0"/>
-              <a:t>6/4/19</a:t>
+              <a:t>6/18/20</a:t>
             </a:fld>
             <a:endParaRPr lang="en-US"/>
           </a:p>
@@ -758,9 +758,9 @@
           <a:bodyPr/>
           <a:lstStyle/>
           <a:p>
-            <a:fld id="{D3AE09B4-90D0-1245-B83D-B1B2932963E4}" type="datetimeFigureOut">
-              <a:rPr lang="en-US" smtClean="0"/>
-              <a:t>6/4/19</a:t>
+            <a:fld id="{998D53A1-28B8-8B4F-88CC-4A135F42EF1F}" type="datetime1">
+              <a:rPr lang="en-AU" smtClean="0"/>
+              <a:t>18/6/20</a:t>
             </a:fld>
             <a:endParaRPr lang="en-US"/>
           </a:p>
@@ -928,9 +928,9 @@
           <a:bodyPr/>
           <a:lstStyle/>
           <a:p>
-            <a:fld id="{D3AE09B4-90D0-1245-B83D-B1B2932963E4}" type="datetimeFigureOut">
-              <a:rPr lang="en-US" smtClean="0"/>
-              <a:t>6/4/19</a:t>
+            <a:fld id="{54F54423-22F5-4F46-A25E-9FDD644E7935}" type="datetime1">
+              <a:rPr lang="en-AU" smtClean="0"/>
+              <a:t>18/6/20</a:t>
             </a:fld>
             <a:endParaRPr lang="en-US"/>
           </a:p>
@@ -1108,9 +1108,9 @@
           <a:bodyPr/>
           <a:lstStyle/>
           <a:p>
-            <a:fld id="{D3AE09B4-90D0-1245-B83D-B1B2932963E4}" type="datetimeFigureOut">
-              <a:rPr lang="en-US" smtClean="0"/>
-              <a:t>6/4/19</a:t>
+            <a:fld id="{340040A1-1010-074F-949F-684C650A5E21}" type="datetime1">
+              <a:rPr lang="en-AU" smtClean="0"/>
+              <a:t>18/6/20</a:t>
             </a:fld>
             <a:endParaRPr lang="en-US"/>
           </a:p>
@@ -1278,9 +1278,9 @@
           <a:bodyPr/>
           <a:lstStyle/>
           <a:p>
-            <a:fld id="{D3AE09B4-90D0-1245-B83D-B1B2932963E4}" type="datetimeFigureOut">
-              <a:rPr lang="en-US" smtClean="0"/>
-              <a:t>6/4/19</a:t>
+            <a:fld id="{B50D611A-B02D-1F4F-ABE1-DD6B0E739787}" type="datetime1">
+              <a:rPr lang="en-AU" smtClean="0"/>
+              <a:t>18/6/20</a:t>
             </a:fld>
             <a:endParaRPr lang="en-US"/>
           </a:p>
@@ -1524,9 +1524,9 @@
           <a:bodyPr/>
           <a:lstStyle/>
           <a:p>
-            <a:fld id="{D3AE09B4-90D0-1245-B83D-B1B2932963E4}" type="datetimeFigureOut">
-              <a:rPr lang="en-US" smtClean="0"/>
-              <a:t>6/4/19</a:t>
+            <a:fld id="{B1DD48BB-5A05-094B-8DBE-76C445B85513}" type="datetime1">
+              <a:rPr lang="en-AU" smtClean="0"/>
+              <a:t>18/6/20</a:t>
             </a:fld>
             <a:endParaRPr lang="en-US"/>
           </a:p>
@@ -1812,9 +1812,9 @@
           <a:bodyPr/>
           <a:lstStyle/>
           <a:p>
-            <a:fld id="{D3AE09B4-90D0-1245-B83D-B1B2932963E4}" type="datetimeFigureOut">
-              <a:rPr lang="en-US" smtClean="0"/>
-              <a:t>6/4/19</a:t>
+            <a:fld id="{C7A15B1A-9200-414D-929C-592FC444DEFB}" type="datetime1">
+              <a:rPr lang="en-AU" smtClean="0"/>
+              <a:t>18/6/20</a:t>
             </a:fld>
             <a:endParaRPr lang="en-US"/>
           </a:p>
@@ -2234,9 +2234,9 @@
           <a:bodyPr/>
           <a:lstStyle/>
           <a:p>
-            <a:fld id="{D3AE09B4-90D0-1245-B83D-B1B2932963E4}" type="datetimeFigureOut">
-              <a:rPr lang="en-US" smtClean="0"/>
-              <a:t>6/4/19</a:t>
+            <a:fld id="{8F89F1A5-6770-3643-87BF-3ECF50448A88}" type="datetime1">
+              <a:rPr lang="en-AU" smtClean="0"/>
+              <a:t>18/6/20</a:t>
             </a:fld>
             <a:endParaRPr lang="en-US"/>
           </a:p>
@@ -2352,9 +2352,9 @@
           <a:bodyPr/>
           <a:lstStyle/>
           <a:p>
-            <a:fld id="{D3AE09B4-90D0-1245-B83D-B1B2932963E4}" type="datetimeFigureOut">
-              <a:rPr lang="en-US" smtClean="0"/>
-              <a:t>6/4/19</a:t>
+            <a:fld id="{EB09E451-63A8-4D49-A4E8-9BD440CA9C74}" type="datetime1">
+              <a:rPr lang="en-AU" smtClean="0"/>
+              <a:t>18/6/20</a:t>
             </a:fld>
             <a:endParaRPr lang="en-US"/>
           </a:p>
@@ -2447,9 +2447,9 @@
           <a:bodyPr/>
           <a:lstStyle/>
           <a:p>
-            <a:fld id="{D3AE09B4-90D0-1245-B83D-B1B2932963E4}" type="datetimeFigureOut">
-              <a:rPr lang="en-US" smtClean="0"/>
-              <a:t>6/4/19</a:t>
+            <a:fld id="{16E62912-BF01-A348-86D8-0AA8AE56D5AF}" type="datetime1">
+              <a:rPr lang="en-AU" smtClean="0"/>
+              <a:t>18/6/20</a:t>
             </a:fld>
             <a:endParaRPr lang="en-US"/>
           </a:p>
@@ -2724,9 +2724,9 @@
           <a:bodyPr/>
           <a:lstStyle/>
           <a:p>
-            <a:fld id="{D3AE09B4-90D0-1245-B83D-B1B2932963E4}" type="datetimeFigureOut">
-              <a:rPr lang="en-US" smtClean="0"/>
-              <a:t>6/4/19</a:t>
+            <a:fld id="{64DF6007-5B7B-B049-9D43-7191DBD9A336}" type="datetime1">
+              <a:rPr lang="en-AU" smtClean="0"/>
+              <a:t>18/6/20</a:t>
             </a:fld>
             <a:endParaRPr lang="en-US"/>
           </a:p>
@@ -2977,9 +2977,9 @@
           <a:bodyPr/>
           <a:lstStyle/>
           <a:p>
-            <a:fld id="{D3AE09B4-90D0-1245-B83D-B1B2932963E4}" type="datetimeFigureOut">
-              <a:rPr lang="en-US" smtClean="0"/>
-              <a:t>6/4/19</a:t>
+            <a:fld id="{EB483B72-D1A2-7347-A2EE-C2863BE13B6A}" type="datetime1">
+              <a:rPr lang="en-AU" smtClean="0"/>
+              <a:t>18/6/20</a:t>
             </a:fld>
             <a:endParaRPr lang="en-US"/>
           </a:p>
@@ -3188,9 +3188,9 @@
             </a:lvl1pPr>
           </a:lstStyle>
           <a:p>
-            <a:fld id="{D3AE09B4-90D0-1245-B83D-B1B2932963E4}" type="datetimeFigureOut">
-              <a:rPr lang="en-US" smtClean="0"/>
-              <a:t>6/4/19</a:t>
+            <a:fld id="{4E9F4D64-5BF8-E548-94E2-2794D88786C0}" type="datetime1">
+              <a:rPr lang="en-AU" smtClean="0"/>
+              <a:t>18/6/20</a:t>
             </a:fld>
             <a:endParaRPr lang="en-US"/>
           </a:p>
@@ -3295,6 +3295,7 @@
     <p:sldLayoutId id="2147483658" r:id="rId10"/>
     <p:sldLayoutId id="2147483659" r:id="rId11"/>
   </p:sldLayoutIdLst>
+  <p:hf hdr="0" ftr="0" dt="0"/>
   <p:txStyles>
     <p:titleStyle>
       <a:lvl1pPr algn="ctr" defTabSz="457200" rtl="0" eaLnBrk="1" latinLnBrk="0" hangingPunct="1">
@@ -4297,6 +4298,35 @@
               </a:rPr>
               <a:t>[ Capítulo 6 ]</a:t>
             </a:r>
+          </a:p>
+        </p:txBody>
+      </p:sp>
+      <p:sp>
+        <p:nvSpPr>
+          <p:cNvPr id="2" name="Slide Number Placeholder 1">
+            <a:extLst>
+              <a:ext uri="{FF2B5EF4-FFF2-40B4-BE49-F238E27FC236}">
+                <a16:creationId xmlns:a16="http://schemas.microsoft.com/office/drawing/2014/main" id="{98378380-B876-A448-82B0-C80C8CCC893B}"/>
+              </a:ext>
+            </a:extLst>
+          </p:cNvPr>
+          <p:cNvSpPr>
+            <a:spLocks noGrp="1"/>
+          </p:cNvSpPr>
+          <p:nvPr>
+            <p:ph type="sldNum" sz="quarter" idx="12"/>
+          </p:nvPr>
+        </p:nvSpPr>
+        <p:spPr/>
+        <p:txBody>
+          <a:bodyPr/>
+          <a:lstStyle/>
+          <a:p>
+            <a:fld id="{9C0B2870-7350-8D40-A01A-CE539DF873CB}" type="slidenum">
+              <a:rPr lang="en-US" smtClean="0"/>
+              <a:t>1</a:t>
+            </a:fld>
+            <a:endParaRPr lang="en-US"/>
           </a:p>
         </p:txBody>
       </p:sp>
@@ -5965,6 +5995,77 @@
           </a:fontRef>
         </p:style>
       </p:cxnSp>
+      <p:sp>
+        <p:nvSpPr>
+          <p:cNvPr id="2" name="Slide Number Placeholder 1">
+            <a:extLst>
+              <a:ext uri="{FF2B5EF4-FFF2-40B4-BE49-F238E27FC236}">
+                <a16:creationId xmlns:a16="http://schemas.microsoft.com/office/drawing/2014/main" id="{4EF13206-7E8F-3F44-8695-0233D709BD0C}"/>
+              </a:ext>
+            </a:extLst>
+          </p:cNvPr>
+          <p:cNvSpPr>
+            <a:spLocks noGrp="1"/>
+          </p:cNvSpPr>
+          <p:nvPr>
+            <p:ph type="sldNum" sz="quarter" idx="12"/>
+          </p:nvPr>
+        </p:nvSpPr>
+        <p:spPr/>
+        <p:txBody>
+          <a:bodyPr/>
+          <a:lstStyle/>
+          <a:p>
+            <a:fld id="{9C0B2870-7350-8D40-A01A-CE539DF873CB}" type="slidenum">
+              <a:rPr lang="en-US" smtClean="0"/>
+              <a:t>10</a:t>
+            </a:fld>
+            <a:endParaRPr lang="en-US"/>
+          </a:p>
+        </p:txBody>
+      </p:sp>
+      <p:sp>
+        <p:nvSpPr>
+          <p:cNvPr id="33" name="TextBox 32">
+            <a:extLst>
+              <a:ext uri="{FF2B5EF4-FFF2-40B4-BE49-F238E27FC236}">
+                <a16:creationId xmlns:a16="http://schemas.microsoft.com/office/drawing/2014/main" id="{4325AC43-88A8-7E40-80D1-D160E5DB82EF}"/>
+              </a:ext>
+            </a:extLst>
+          </p:cNvPr>
+          <p:cNvSpPr txBox="1"/>
+          <p:nvPr/>
+        </p:nvSpPr>
+        <p:spPr>
+          <a:xfrm>
+            <a:off x="0" y="6538912"/>
+            <a:ext cx="1460593" cy="276999"/>
+          </a:xfrm>
+          <a:prstGeom prst="rect">
+            <a:avLst/>
+          </a:prstGeom>
+          <a:noFill/>
+        </p:spPr>
+        <p:txBody>
+          <a:bodyPr wrap="none" rtlCol="0">
+            <a:spAutoFit/>
+          </a:bodyPr>
+          <a:lstStyle/>
+          <a:p>
+            <a:r>
+              <a:rPr lang="en-US" sz="1200" dirty="0">
+                <a:solidFill>
+                  <a:schemeClr val="tx1">
+                    <a:lumMod val="50000"/>
+                    <a:lumOff val="50000"/>
+                  </a:schemeClr>
+                </a:solidFill>
+              </a:rPr>
+              <a:t>PAT06_KMeans.pptx</a:t>
+            </a:r>
+          </a:p>
+        </p:txBody>
+      </p:sp>
     </p:spTree>
     <p:extLst>
       <p:ext uri="{BB962C8B-B14F-4D97-AF65-F5344CB8AC3E}">
@@ -7047,6 +7148,77 @@
           </a:fontRef>
         </p:style>
       </p:cxnSp>
+      <p:sp>
+        <p:nvSpPr>
+          <p:cNvPr id="2" name="Slide Number Placeholder 1">
+            <a:extLst>
+              <a:ext uri="{FF2B5EF4-FFF2-40B4-BE49-F238E27FC236}">
+                <a16:creationId xmlns:a16="http://schemas.microsoft.com/office/drawing/2014/main" id="{FF25673E-E427-9C48-9AAC-4340F596C418}"/>
+              </a:ext>
+            </a:extLst>
+          </p:cNvPr>
+          <p:cNvSpPr>
+            <a:spLocks noGrp="1"/>
+          </p:cNvSpPr>
+          <p:nvPr>
+            <p:ph type="sldNum" sz="quarter" idx="12"/>
+          </p:nvPr>
+        </p:nvSpPr>
+        <p:spPr/>
+        <p:txBody>
+          <a:bodyPr/>
+          <a:lstStyle/>
+          <a:p>
+            <a:fld id="{9C0B2870-7350-8D40-A01A-CE539DF873CB}" type="slidenum">
+              <a:rPr lang="en-US" smtClean="0"/>
+              <a:t>11</a:t>
+            </a:fld>
+            <a:endParaRPr lang="en-US"/>
+          </a:p>
+        </p:txBody>
+      </p:sp>
+      <p:sp>
+        <p:nvSpPr>
+          <p:cNvPr id="29" name="TextBox 28">
+            <a:extLst>
+              <a:ext uri="{FF2B5EF4-FFF2-40B4-BE49-F238E27FC236}">
+                <a16:creationId xmlns:a16="http://schemas.microsoft.com/office/drawing/2014/main" id="{5282DDFB-F293-5441-AAC2-50EC18B5953D}"/>
+              </a:ext>
+            </a:extLst>
+          </p:cNvPr>
+          <p:cNvSpPr txBox="1"/>
+          <p:nvPr/>
+        </p:nvSpPr>
+        <p:spPr>
+          <a:xfrm>
+            <a:off x="0" y="6538912"/>
+            <a:ext cx="1460593" cy="276999"/>
+          </a:xfrm>
+          <a:prstGeom prst="rect">
+            <a:avLst/>
+          </a:prstGeom>
+          <a:noFill/>
+        </p:spPr>
+        <p:txBody>
+          <a:bodyPr wrap="none" rtlCol="0">
+            <a:spAutoFit/>
+          </a:bodyPr>
+          <a:lstStyle/>
+          <a:p>
+            <a:r>
+              <a:rPr lang="en-US" sz="1200" dirty="0">
+                <a:solidFill>
+                  <a:schemeClr val="tx1">
+                    <a:lumMod val="50000"/>
+                    <a:lumOff val="50000"/>
+                  </a:schemeClr>
+                </a:solidFill>
+              </a:rPr>
+              <a:t>PAT06_KMeans.pptx</a:t>
+            </a:r>
+          </a:p>
+        </p:txBody>
+      </p:sp>
     </p:spTree>
     <p:extLst>
       <p:ext uri="{BB962C8B-B14F-4D97-AF65-F5344CB8AC3E}">
@@ -8172,6 +8344,77 @@
           </a:p>
         </p:txBody>
       </p:sp>
+      <p:sp>
+        <p:nvSpPr>
+          <p:cNvPr id="2" name="Slide Number Placeholder 1">
+            <a:extLst>
+              <a:ext uri="{FF2B5EF4-FFF2-40B4-BE49-F238E27FC236}">
+                <a16:creationId xmlns:a16="http://schemas.microsoft.com/office/drawing/2014/main" id="{C7E5667D-88BB-6C43-9017-099D7D6D9D4E}"/>
+              </a:ext>
+            </a:extLst>
+          </p:cNvPr>
+          <p:cNvSpPr>
+            <a:spLocks noGrp="1"/>
+          </p:cNvSpPr>
+          <p:nvPr>
+            <p:ph type="sldNum" sz="quarter" idx="12"/>
+          </p:nvPr>
+        </p:nvSpPr>
+        <p:spPr/>
+        <p:txBody>
+          <a:bodyPr/>
+          <a:lstStyle/>
+          <a:p>
+            <a:fld id="{9C0B2870-7350-8D40-A01A-CE539DF873CB}" type="slidenum">
+              <a:rPr lang="en-US" smtClean="0"/>
+              <a:t>12</a:t>
+            </a:fld>
+            <a:endParaRPr lang="en-US"/>
+          </a:p>
+        </p:txBody>
+      </p:sp>
+      <p:sp>
+        <p:nvSpPr>
+          <p:cNvPr id="30" name="TextBox 29">
+            <a:extLst>
+              <a:ext uri="{FF2B5EF4-FFF2-40B4-BE49-F238E27FC236}">
+                <a16:creationId xmlns:a16="http://schemas.microsoft.com/office/drawing/2014/main" id="{99192D02-3ED2-1049-9991-56917C143456}"/>
+              </a:ext>
+            </a:extLst>
+          </p:cNvPr>
+          <p:cNvSpPr txBox="1"/>
+          <p:nvPr/>
+        </p:nvSpPr>
+        <p:spPr>
+          <a:xfrm>
+            <a:off x="0" y="6538912"/>
+            <a:ext cx="1460593" cy="276999"/>
+          </a:xfrm>
+          <a:prstGeom prst="rect">
+            <a:avLst/>
+          </a:prstGeom>
+          <a:noFill/>
+        </p:spPr>
+        <p:txBody>
+          <a:bodyPr wrap="none" rtlCol="0">
+            <a:spAutoFit/>
+          </a:bodyPr>
+          <a:lstStyle/>
+          <a:p>
+            <a:r>
+              <a:rPr lang="en-US" sz="1200" dirty="0">
+                <a:solidFill>
+                  <a:schemeClr val="tx1">
+                    <a:lumMod val="50000"/>
+                    <a:lumOff val="50000"/>
+                  </a:schemeClr>
+                </a:solidFill>
+              </a:rPr>
+              <a:t>PAT06_KMeans.pptx</a:t>
+            </a:r>
+          </a:p>
+        </p:txBody>
+      </p:sp>
     </p:spTree>
     <p:extLst>
       <p:ext uri="{BB962C8B-B14F-4D97-AF65-F5344CB8AC3E}">
@@ -8210,7 +8453,7 @@
         </p:nvSpPr>
         <p:spPr>
           <a:xfrm>
-            <a:off x="1028700" y="14269"/>
+            <a:off x="1755811" y="14269"/>
             <a:ext cx="7070590" cy="6771084"/>
           </a:xfrm>
           <a:prstGeom prst="rect">
@@ -8651,7 +8894,7 @@
         </p:blipFill>
         <p:spPr>
           <a:xfrm>
-            <a:off x="2128829" y="5619748"/>
+            <a:off x="2855944" y="5619748"/>
             <a:ext cx="257184" cy="342912"/>
           </a:xfrm>
           <a:prstGeom prst="rect">
@@ -8659,6 +8902,77 @@
           </a:prstGeom>
         </p:spPr>
       </p:pic>
+      <p:sp>
+        <p:nvSpPr>
+          <p:cNvPr id="3" name="Slide Number Placeholder 2">
+            <a:extLst>
+              <a:ext uri="{FF2B5EF4-FFF2-40B4-BE49-F238E27FC236}">
+                <a16:creationId xmlns:a16="http://schemas.microsoft.com/office/drawing/2014/main" id="{DE449C4A-2E27-E542-A6BE-39377636A07B}"/>
+              </a:ext>
+            </a:extLst>
+          </p:cNvPr>
+          <p:cNvSpPr>
+            <a:spLocks noGrp="1"/>
+          </p:cNvSpPr>
+          <p:nvPr>
+            <p:ph type="sldNum" sz="quarter" idx="12"/>
+          </p:nvPr>
+        </p:nvSpPr>
+        <p:spPr/>
+        <p:txBody>
+          <a:bodyPr/>
+          <a:lstStyle/>
+          <a:p>
+            <a:fld id="{9C0B2870-7350-8D40-A01A-CE539DF873CB}" type="slidenum">
+              <a:rPr lang="en-US" smtClean="0"/>
+              <a:t>13</a:t>
+            </a:fld>
+            <a:endParaRPr lang="en-US"/>
+          </a:p>
+        </p:txBody>
+      </p:sp>
+      <p:sp>
+        <p:nvSpPr>
+          <p:cNvPr id="5" name="TextBox 4">
+            <a:extLst>
+              <a:ext uri="{FF2B5EF4-FFF2-40B4-BE49-F238E27FC236}">
+                <a16:creationId xmlns:a16="http://schemas.microsoft.com/office/drawing/2014/main" id="{4382260E-099C-544B-A590-A8D68765F71A}"/>
+              </a:ext>
+            </a:extLst>
+          </p:cNvPr>
+          <p:cNvSpPr txBox="1"/>
+          <p:nvPr/>
+        </p:nvSpPr>
+        <p:spPr>
+          <a:xfrm>
+            <a:off x="0" y="6538912"/>
+            <a:ext cx="1460593" cy="276999"/>
+          </a:xfrm>
+          <a:prstGeom prst="rect">
+            <a:avLst/>
+          </a:prstGeom>
+          <a:noFill/>
+        </p:spPr>
+        <p:txBody>
+          <a:bodyPr wrap="none" rtlCol="0">
+            <a:spAutoFit/>
+          </a:bodyPr>
+          <a:lstStyle/>
+          <a:p>
+            <a:r>
+              <a:rPr lang="en-US" sz="1200" dirty="0">
+                <a:solidFill>
+                  <a:schemeClr val="tx1">
+                    <a:lumMod val="50000"/>
+                    <a:lumOff val="50000"/>
+                  </a:schemeClr>
+                </a:solidFill>
+              </a:rPr>
+              <a:t>PAT06_KMeans.pptx</a:t>
+            </a:r>
+          </a:p>
+        </p:txBody>
+      </p:sp>
     </p:spTree>
     <p:extLst>
       <p:ext uri="{BB962C8B-B14F-4D97-AF65-F5344CB8AC3E}">
@@ -8697,8 +9011,8 @@
         </p:nvSpPr>
         <p:spPr>
           <a:xfrm>
-            <a:off x="1028700" y="14269"/>
-            <a:ext cx="7070590" cy="6771084"/>
+            <a:off x="1711747" y="14269"/>
+            <a:ext cx="7070077" cy="6771084"/>
           </a:xfrm>
           <a:prstGeom prst="rect">
             <a:avLst/>
@@ -8953,7 +9267,7 @@
               <a:t>	      c</a:t>
             </a:r>
             <a:r>
-              <a:rPr lang="en-US" sz="1600" baseline="30000" dirty="0"/>
+              <a:rPr lang="en-US" sz="2400" baseline="30000" dirty="0"/>
               <a:t>*</a:t>
             </a:r>
             <a:r>
@@ -8997,7 +9311,7 @@
               <a:t>if c</a:t>
             </a:r>
             <a:r>
-              <a:rPr lang="en-US" sz="1600" baseline="30000" dirty="0"/>
+              <a:rPr lang="en-US" sz="2400" baseline="30000" dirty="0"/>
               <a:t>*</a:t>
             </a:r>
             <a:r>
@@ -9037,7 +9351,7 @@
               <a:t> = c</a:t>
             </a:r>
             <a:r>
-              <a:rPr lang="en-US" sz="1600" baseline="30000" dirty="0"/>
+              <a:rPr lang="en-US" sz="2400" baseline="30000" dirty="0"/>
               <a:t>*</a:t>
             </a:r>
             <a:r>
@@ -9138,7 +9452,7 @@
         </p:blipFill>
         <p:spPr>
           <a:xfrm>
-            <a:off x="2128829" y="5619748"/>
+            <a:off x="2833909" y="5619748"/>
             <a:ext cx="257184" cy="342912"/>
           </a:xfrm>
           <a:prstGeom prst="rect">
@@ -9146,6 +9460,77 @@
           </a:prstGeom>
         </p:spPr>
       </p:pic>
+      <p:sp>
+        <p:nvSpPr>
+          <p:cNvPr id="3" name="Slide Number Placeholder 2">
+            <a:extLst>
+              <a:ext uri="{FF2B5EF4-FFF2-40B4-BE49-F238E27FC236}">
+                <a16:creationId xmlns:a16="http://schemas.microsoft.com/office/drawing/2014/main" id="{472F2BF3-7633-D246-B2E7-C78328A540BD}"/>
+              </a:ext>
+            </a:extLst>
+          </p:cNvPr>
+          <p:cNvSpPr>
+            <a:spLocks noGrp="1"/>
+          </p:cNvSpPr>
+          <p:nvPr>
+            <p:ph type="sldNum" sz="quarter" idx="12"/>
+          </p:nvPr>
+        </p:nvSpPr>
+        <p:spPr/>
+        <p:txBody>
+          <a:bodyPr/>
+          <a:lstStyle/>
+          <a:p>
+            <a:fld id="{9C0B2870-7350-8D40-A01A-CE539DF873CB}" type="slidenum">
+              <a:rPr lang="en-US" smtClean="0"/>
+              <a:t>2</a:t>
+            </a:fld>
+            <a:endParaRPr lang="en-US"/>
+          </a:p>
+        </p:txBody>
+      </p:sp>
+      <p:sp>
+        <p:nvSpPr>
+          <p:cNvPr id="5" name="TextBox 4">
+            <a:extLst>
+              <a:ext uri="{FF2B5EF4-FFF2-40B4-BE49-F238E27FC236}">
+                <a16:creationId xmlns:a16="http://schemas.microsoft.com/office/drawing/2014/main" id="{0741353E-9524-C64E-941A-EAE0A813866F}"/>
+              </a:ext>
+            </a:extLst>
+          </p:cNvPr>
+          <p:cNvSpPr txBox="1"/>
+          <p:nvPr/>
+        </p:nvSpPr>
+        <p:spPr>
+          <a:xfrm>
+            <a:off x="0" y="6538912"/>
+            <a:ext cx="1460593" cy="276999"/>
+          </a:xfrm>
+          <a:prstGeom prst="rect">
+            <a:avLst/>
+          </a:prstGeom>
+          <a:noFill/>
+        </p:spPr>
+        <p:txBody>
+          <a:bodyPr wrap="none" rtlCol="0">
+            <a:spAutoFit/>
+          </a:bodyPr>
+          <a:lstStyle/>
+          <a:p>
+            <a:r>
+              <a:rPr lang="en-US" sz="1200" dirty="0">
+                <a:solidFill>
+                  <a:schemeClr val="tx1">
+                    <a:lumMod val="50000"/>
+                    <a:lumOff val="50000"/>
+                  </a:schemeClr>
+                </a:solidFill>
+              </a:rPr>
+              <a:t>PAT06_KMeans.pptx</a:t>
+            </a:r>
+          </a:p>
+        </p:txBody>
+      </p:sp>
     </p:spTree>
     <p:extLst>
       <p:ext uri="{BB962C8B-B14F-4D97-AF65-F5344CB8AC3E}">
@@ -10088,6 +10473,77 @@
           </a:p>
         </p:txBody>
       </p:sp>
+      <p:sp>
+        <p:nvSpPr>
+          <p:cNvPr id="2" name="Slide Number Placeholder 1">
+            <a:extLst>
+              <a:ext uri="{FF2B5EF4-FFF2-40B4-BE49-F238E27FC236}">
+                <a16:creationId xmlns:a16="http://schemas.microsoft.com/office/drawing/2014/main" id="{5B69B705-88C0-C14F-BBEC-4C6CD83CB6CF}"/>
+              </a:ext>
+            </a:extLst>
+          </p:cNvPr>
+          <p:cNvSpPr>
+            <a:spLocks noGrp="1"/>
+          </p:cNvSpPr>
+          <p:nvPr>
+            <p:ph type="sldNum" sz="quarter" idx="12"/>
+          </p:nvPr>
+        </p:nvSpPr>
+        <p:spPr/>
+        <p:txBody>
+          <a:bodyPr/>
+          <a:lstStyle/>
+          <a:p>
+            <a:fld id="{9C0B2870-7350-8D40-A01A-CE539DF873CB}" type="slidenum">
+              <a:rPr lang="en-US" smtClean="0"/>
+              <a:t>3</a:t>
+            </a:fld>
+            <a:endParaRPr lang="en-US"/>
+          </a:p>
+        </p:txBody>
+      </p:sp>
+      <p:sp>
+        <p:nvSpPr>
+          <p:cNvPr id="28" name="TextBox 27">
+            <a:extLst>
+              <a:ext uri="{FF2B5EF4-FFF2-40B4-BE49-F238E27FC236}">
+                <a16:creationId xmlns:a16="http://schemas.microsoft.com/office/drawing/2014/main" id="{8175C3F3-7D9A-5D4D-B43F-BEA75D27A6CE}"/>
+              </a:ext>
+            </a:extLst>
+          </p:cNvPr>
+          <p:cNvSpPr txBox="1"/>
+          <p:nvPr/>
+        </p:nvSpPr>
+        <p:spPr>
+          <a:xfrm>
+            <a:off x="0" y="6538912"/>
+            <a:ext cx="1460593" cy="276999"/>
+          </a:xfrm>
+          <a:prstGeom prst="rect">
+            <a:avLst/>
+          </a:prstGeom>
+          <a:noFill/>
+        </p:spPr>
+        <p:txBody>
+          <a:bodyPr wrap="none" rtlCol="0">
+            <a:spAutoFit/>
+          </a:bodyPr>
+          <a:lstStyle/>
+          <a:p>
+            <a:r>
+              <a:rPr lang="en-US" sz="1200" dirty="0">
+                <a:solidFill>
+                  <a:schemeClr val="tx1">
+                    <a:lumMod val="50000"/>
+                    <a:lumOff val="50000"/>
+                  </a:schemeClr>
+                </a:solidFill>
+              </a:rPr>
+              <a:t>PAT06_KMeans.pptx</a:t>
+            </a:r>
+          </a:p>
+        </p:txBody>
+      </p:sp>
     </p:spTree>
     <p:extLst>
       <p:ext uri="{BB962C8B-B14F-4D97-AF65-F5344CB8AC3E}">
@@ -11070,6 +11526,77 @@
           </a:p>
         </p:txBody>
       </p:sp>
+      <p:sp>
+        <p:nvSpPr>
+          <p:cNvPr id="3" name="Slide Number Placeholder 2">
+            <a:extLst>
+              <a:ext uri="{FF2B5EF4-FFF2-40B4-BE49-F238E27FC236}">
+                <a16:creationId xmlns:a16="http://schemas.microsoft.com/office/drawing/2014/main" id="{1BE3C041-A957-824D-B974-E347D82F2DF0}"/>
+              </a:ext>
+            </a:extLst>
+          </p:cNvPr>
+          <p:cNvSpPr>
+            <a:spLocks noGrp="1"/>
+          </p:cNvSpPr>
+          <p:nvPr>
+            <p:ph type="sldNum" sz="quarter" idx="12"/>
+          </p:nvPr>
+        </p:nvSpPr>
+        <p:spPr/>
+        <p:txBody>
+          <a:bodyPr/>
+          <a:lstStyle/>
+          <a:p>
+            <a:fld id="{9C0B2870-7350-8D40-A01A-CE539DF873CB}" type="slidenum">
+              <a:rPr lang="en-US" smtClean="0"/>
+              <a:t>4</a:t>
+            </a:fld>
+            <a:endParaRPr lang="en-US"/>
+          </a:p>
+        </p:txBody>
+      </p:sp>
+      <p:sp>
+        <p:nvSpPr>
+          <p:cNvPr id="28" name="TextBox 27">
+            <a:extLst>
+              <a:ext uri="{FF2B5EF4-FFF2-40B4-BE49-F238E27FC236}">
+                <a16:creationId xmlns:a16="http://schemas.microsoft.com/office/drawing/2014/main" id="{DF006308-256C-F147-ADDC-213F3B4C5543}"/>
+              </a:ext>
+            </a:extLst>
+          </p:cNvPr>
+          <p:cNvSpPr txBox="1"/>
+          <p:nvPr/>
+        </p:nvSpPr>
+        <p:spPr>
+          <a:xfrm>
+            <a:off x="0" y="6538912"/>
+            <a:ext cx="1460593" cy="276999"/>
+          </a:xfrm>
+          <a:prstGeom prst="rect">
+            <a:avLst/>
+          </a:prstGeom>
+          <a:noFill/>
+        </p:spPr>
+        <p:txBody>
+          <a:bodyPr wrap="none" rtlCol="0">
+            <a:spAutoFit/>
+          </a:bodyPr>
+          <a:lstStyle/>
+          <a:p>
+            <a:r>
+              <a:rPr lang="en-US" sz="1200" dirty="0">
+                <a:solidFill>
+                  <a:schemeClr val="tx1">
+                    <a:lumMod val="50000"/>
+                    <a:lumOff val="50000"/>
+                  </a:schemeClr>
+                </a:solidFill>
+              </a:rPr>
+              <a:t>PAT06_KMeans.pptx</a:t>
+            </a:r>
+          </a:p>
+        </p:txBody>
+      </p:sp>
     </p:spTree>
     <p:extLst>
       <p:ext uri="{BB962C8B-B14F-4D97-AF65-F5344CB8AC3E}">
@@ -12047,6 +12574,77 @@
           </a:p>
         </p:txBody>
       </p:sp>
+      <p:sp>
+        <p:nvSpPr>
+          <p:cNvPr id="3" name="Slide Number Placeholder 2">
+            <a:extLst>
+              <a:ext uri="{FF2B5EF4-FFF2-40B4-BE49-F238E27FC236}">
+                <a16:creationId xmlns:a16="http://schemas.microsoft.com/office/drawing/2014/main" id="{007B6EF4-3B37-1A46-92D8-402136628DEB}"/>
+              </a:ext>
+            </a:extLst>
+          </p:cNvPr>
+          <p:cNvSpPr>
+            <a:spLocks noGrp="1"/>
+          </p:cNvSpPr>
+          <p:nvPr>
+            <p:ph type="sldNum" sz="quarter" idx="12"/>
+          </p:nvPr>
+        </p:nvSpPr>
+        <p:spPr/>
+        <p:txBody>
+          <a:bodyPr/>
+          <a:lstStyle/>
+          <a:p>
+            <a:fld id="{9C0B2870-7350-8D40-A01A-CE539DF873CB}" type="slidenum">
+              <a:rPr lang="en-US" smtClean="0"/>
+              <a:t>5</a:t>
+            </a:fld>
+            <a:endParaRPr lang="en-US"/>
+          </a:p>
+        </p:txBody>
+      </p:sp>
+      <p:sp>
+        <p:nvSpPr>
+          <p:cNvPr id="28" name="TextBox 27">
+            <a:extLst>
+              <a:ext uri="{FF2B5EF4-FFF2-40B4-BE49-F238E27FC236}">
+                <a16:creationId xmlns:a16="http://schemas.microsoft.com/office/drawing/2014/main" id="{20392045-AC3B-FF4F-A3D1-09B1617C5D73}"/>
+              </a:ext>
+            </a:extLst>
+          </p:cNvPr>
+          <p:cNvSpPr txBox="1"/>
+          <p:nvPr/>
+        </p:nvSpPr>
+        <p:spPr>
+          <a:xfrm>
+            <a:off x="0" y="6538912"/>
+            <a:ext cx="1460593" cy="276999"/>
+          </a:xfrm>
+          <a:prstGeom prst="rect">
+            <a:avLst/>
+          </a:prstGeom>
+          <a:noFill/>
+        </p:spPr>
+        <p:txBody>
+          <a:bodyPr wrap="none" rtlCol="0">
+            <a:spAutoFit/>
+          </a:bodyPr>
+          <a:lstStyle/>
+          <a:p>
+            <a:r>
+              <a:rPr lang="en-US" sz="1200" dirty="0">
+                <a:solidFill>
+                  <a:schemeClr val="tx1">
+                    <a:lumMod val="50000"/>
+                    <a:lumOff val="50000"/>
+                  </a:schemeClr>
+                </a:solidFill>
+              </a:rPr>
+              <a:t>PAT06_KMeans.pptx</a:t>
+            </a:r>
+          </a:p>
+        </p:txBody>
+      </p:sp>
     </p:spTree>
     <p:extLst>
       <p:ext uri="{BB962C8B-B14F-4D97-AF65-F5344CB8AC3E}">
@@ -13063,6 +13661,77 @@
           </a:fontRef>
         </p:style>
       </p:cxnSp>
+      <p:sp>
+        <p:nvSpPr>
+          <p:cNvPr id="3" name="Slide Number Placeholder 2">
+            <a:extLst>
+              <a:ext uri="{FF2B5EF4-FFF2-40B4-BE49-F238E27FC236}">
+                <a16:creationId xmlns:a16="http://schemas.microsoft.com/office/drawing/2014/main" id="{5B4E0953-713F-0347-A52C-7EFCA13E4F3E}"/>
+              </a:ext>
+            </a:extLst>
+          </p:cNvPr>
+          <p:cNvSpPr>
+            <a:spLocks noGrp="1"/>
+          </p:cNvSpPr>
+          <p:nvPr>
+            <p:ph type="sldNum" sz="quarter" idx="12"/>
+          </p:nvPr>
+        </p:nvSpPr>
+        <p:spPr/>
+        <p:txBody>
+          <a:bodyPr/>
+          <a:lstStyle/>
+          <a:p>
+            <a:fld id="{9C0B2870-7350-8D40-A01A-CE539DF873CB}" type="slidenum">
+              <a:rPr lang="en-US" smtClean="0"/>
+              <a:t>6</a:t>
+            </a:fld>
+            <a:endParaRPr lang="en-US"/>
+          </a:p>
+        </p:txBody>
+      </p:sp>
+      <p:sp>
+        <p:nvSpPr>
+          <p:cNvPr id="29" name="TextBox 28">
+            <a:extLst>
+              <a:ext uri="{FF2B5EF4-FFF2-40B4-BE49-F238E27FC236}">
+                <a16:creationId xmlns:a16="http://schemas.microsoft.com/office/drawing/2014/main" id="{6976D211-98F3-F14C-BC42-E26289C560C6}"/>
+              </a:ext>
+            </a:extLst>
+          </p:cNvPr>
+          <p:cNvSpPr txBox="1"/>
+          <p:nvPr/>
+        </p:nvSpPr>
+        <p:spPr>
+          <a:xfrm>
+            <a:off x="0" y="6538912"/>
+            <a:ext cx="1460593" cy="276999"/>
+          </a:xfrm>
+          <a:prstGeom prst="rect">
+            <a:avLst/>
+          </a:prstGeom>
+          <a:noFill/>
+        </p:spPr>
+        <p:txBody>
+          <a:bodyPr wrap="none" rtlCol="0">
+            <a:spAutoFit/>
+          </a:bodyPr>
+          <a:lstStyle/>
+          <a:p>
+            <a:r>
+              <a:rPr lang="en-US" sz="1200" dirty="0">
+                <a:solidFill>
+                  <a:schemeClr val="tx1">
+                    <a:lumMod val="50000"/>
+                    <a:lumOff val="50000"/>
+                  </a:schemeClr>
+                </a:solidFill>
+              </a:rPr>
+              <a:t>PAT06_KMeans.pptx</a:t>
+            </a:r>
+          </a:p>
+        </p:txBody>
+      </p:sp>
     </p:spTree>
     <p:extLst>
       <p:ext uri="{BB962C8B-B14F-4D97-AF65-F5344CB8AC3E}">
@@ -14145,6 +14814,77 @@
           </a:fontRef>
         </p:style>
       </p:cxnSp>
+      <p:sp>
+        <p:nvSpPr>
+          <p:cNvPr id="3" name="Slide Number Placeholder 2">
+            <a:extLst>
+              <a:ext uri="{FF2B5EF4-FFF2-40B4-BE49-F238E27FC236}">
+                <a16:creationId xmlns:a16="http://schemas.microsoft.com/office/drawing/2014/main" id="{747E8198-8FE6-0746-9C02-A0E31C28B862}"/>
+              </a:ext>
+            </a:extLst>
+          </p:cNvPr>
+          <p:cNvSpPr>
+            <a:spLocks noGrp="1"/>
+          </p:cNvSpPr>
+          <p:nvPr>
+            <p:ph type="sldNum" sz="quarter" idx="12"/>
+          </p:nvPr>
+        </p:nvSpPr>
+        <p:spPr/>
+        <p:txBody>
+          <a:bodyPr/>
+          <a:lstStyle/>
+          <a:p>
+            <a:fld id="{9C0B2870-7350-8D40-A01A-CE539DF873CB}" type="slidenum">
+              <a:rPr lang="en-US" smtClean="0"/>
+              <a:t>7</a:t>
+            </a:fld>
+            <a:endParaRPr lang="en-US"/>
+          </a:p>
+        </p:txBody>
+      </p:sp>
+      <p:sp>
+        <p:nvSpPr>
+          <p:cNvPr id="29" name="TextBox 28">
+            <a:extLst>
+              <a:ext uri="{FF2B5EF4-FFF2-40B4-BE49-F238E27FC236}">
+                <a16:creationId xmlns:a16="http://schemas.microsoft.com/office/drawing/2014/main" id="{08261237-1396-914A-BE0D-64BADAFCFA0A}"/>
+              </a:ext>
+            </a:extLst>
+          </p:cNvPr>
+          <p:cNvSpPr txBox="1"/>
+          <p:nvPr/>
+        </p:nvSpPr>
+        <p:spPr>
+          <a:xfrm>
+            <a:off x="0" y="6538912"/>
+            <a:ext cx="1460593" cy="276999"/>
+          </a:xfrm>
+          <a:prstGeom prst="rect">
+            <a:avLst/>
+          </a:prstGeom>
+          <a:noFill/>
+        </p:spPr>
+        <p:txBody>
+          <a:bodyPr wrap="none" rtlCol="0">
+            <a:spAutoFit/>
+          </a:bodyPr>
+          <a:lstStyle/>
+          <a:p>
+            <a:r>
+              <a:rPr lang="en-US" sz="1200" dirty="0">
+                <a:solidFill>
+                  <a:schemeClr val="tx1">
+                    <a:lumMod val="50000"/>
+                    <a:lumOff val="50000"/>
+                  </a:schemeClr>
+                </a:solidFill>
+              </a:rPr>
+              <a:t>PAT06_KMeans.pptx</a:t>
+            </a:r>
+          </a:p>
+        </p:txBody>
+      </p:sp>
     </p:spTree>
     <p:extLst>
       <p:ext uri="{BB962C8B-B14F-4D97-AF65-F5344CB8AC3E}">
@@ -15159,6 +15899,77 @@
           </a:p>
         </p:txBody>
       </p:sp>
+      <p:sp>
+        <p:nvSpPr>
+          <p:cNvPr id="2" name="Slide Number Placeholder 1">
+            <a:extLst>
+              <a:ext uri="{FF2B5EF4-FFF2-40B4-BE49-F238E27FC236}">
+                <a16:creationId xmlns:a16="http://schemas.microsoft.com/office/drawing/2014/main" id="{1F2C2327-DC67-1845-A6D7-D7AF0B0C25C3}"/>
+              </a:ext>
+            </a:extLst>
+          </p:cNvPr>
+          <p:cNvSpPr>
+            <a:spLocks noGrp="1"/>
+          </p:cNvSpPr>
+          <p:nvPr>
+            <p:ph type="sldNum" sz="quarter" idx="12"/>
+          </p:nvPr>
+        </p:nvSpPr>
+        <p:spPr/>
+        <p:txBody>
+          <a:bodyPr/>
+          <a:lstStyle/>
+          <a:p>
+            <a:fld id="{9C0B2870-7350-8D40-A01A-CE539DF873CB}" type="slidenum">
+              <a:rPr lang="en-US" smtClean="0"/>
+              <a:t>8</a:t>
+            </a:fld>
+            <a:endParaRPr lang="en-US"/>
+          </a:p>
+        </p:txBody>
+      </p:sp>
+      <p:sp>
+        <p:nvSpPr>
+          <p:cNvPr id="28" name="TextBox 27">
+            <a:extLst>
+              <a:ext uri="{FF2B5EF4-FFF2-40B4-BE49-F238E27FC236}">
+                <a16:creationId xmlns:a16="http://schemas.microsoft.com/office/drawing/2014/main" id="{540CF0C8-C09F-5247-8D41-CD318B43E014}"/>
+              </a:ext>
+            </a:extLst>
+          </p:cNvPr>
+          <p:cNvSpPr txBox="1"/>
+          <p:nvPr/>
+        </p:nvSpPr>
+        <p:spPr>
+          <a:xfrm>
+            <a:off x="0" y="6538912"/>
+            <a:ext cx="1460593" cy="276999"/>
+          </a:xfrm>
+          <a:prstGeom prst="rect">
+            <a:avLst/>
+          </a:prstGeom>
+          <a:noFill/>
+        </p:spPr>
+        <p:txBody>
+          <a:bodyPr wrap="none" rtlCol="0">
+            <a:spAutoFit/>
+          </a:bodyPr>
+          <a:lstStyle/>
+          <a:p>
+            <a:r>
+              <a:rPr lang="en-US" sz="1200" dirty="0">
+                <a:solidFill>
+                  <a:schemeClr val="tx1">
+                    <a:lumMod val="50000"/>
+                    <a:lumOff val="50000"/>
+                  </a:schemeClr>
+                </a:solidFill>
+              </a:rPr>
+              <a:t>PAT06_KMeans.pptx</a:t>
+            </a:r>
+          </a:p>
+        </p:txBody>
+      </p:sp>
     </p:spTree>
     <p:extLst>
       <p:ext uri="{BB962C8B-B14F-4D97-AF65-F5344CB8AC3E}">
@@ -16281,6 +17092,77 @@
           <a:p>
             <a:pPr algn="ctr"/>
             <a:endParaRPr lang="en-US"/>
+          </a:p>
+        </p:txBody>
+      </p:sp>
+      <p:sp>
+        <p:nvSpPr>
+          <p:cNvPr id="2" name="Slide Number Placeholder 1">
+            <a:extLst>
+              <a:ext uri="{FF2B5EF4-FFF2-40B4-BE49-F238E27FC236}">
+                <a16:creationId xmlns:a16="http://schemas.microsoft.com/office/drawing/2014/main" id="{6A894260-B612-E44B-802B-28F28F8FA9E7}"/>
+              </a:ext>
+            </a:extLst>
+          </p:cNvPr>
+          <p:cNvSpPr>
+            <a:spLocks noGrp="1"/>
+          </p:cNvSpPr>
+          <p:nvPr>
+            <p:ph type="sldNum" sz="quarter" idx="12"/>
+          </p:nvPr>
+        </p:nvSpPr>
+        <p:spPr/>
+        <p:txBody>
+          <a:bodyPr/>
+          <a:lstStyle/>
+          <a:p>
+            <a:fld id="{9C0B2870-7350-8D40-A01A-CE539DF873CB}" type="slidenum">
+              <a:rPr lang="en-US" smtClean="0"/>
+              <a:t>9</a:t>
+            </a:fld>
+            <a:endParaRPr lang="en-US"/>
+          </a:p>
+        </p:txBody>
+      </p:sp>
+      <p:sp>
+        <p:nvSpPr>
+          <p:cNvPr id="31" name="TextBox 30">
+            <a:extLst>
+              <a:ext uri="{FF2B5EF4-FFF2-40B4-BE49-F238E27FC236}">
+                <a16:creationId xmlns:a16="http://schemas.microsoft.com/office/drawing/2014/main" id="{15CEBF10-D347-4147-A645-4D8E8F5B817F}"/>
+              </a:ext>
+            </a:extLst>
+          </p:cNvPr>
+          <p:cNvSpPr txBox="1"/>
+          <p:nvPr/>
+        </p:nvSpPr>
+        <p:spPr>
+          <a:xfrm>
+            <a:off x="0" y="6538912"/>
+            <a:ext cx="1460593" cy="276999"/>
+          </a:xfrm>
+          <a:prstGeom prst="rect">
+            <a:avLst/>
+          </a:prstGeom>
+          <a:noFill/>
+        </p:spPr>
+        <p:txBody>
+          <a:bodyPr wrap="none" rtlCol="0">
+            <a:spAutoFit/>
+          </a:bodyPr>
+          <a:lstStyle/>
+          <a:p>
+            <a:r>
+              <a:rPr lang="en-US" sz="1200" dirty="0">
+                <a:solidFill>
+                  <a:schemeClr val="tx1">
+                    <a:lumMod val="50000"/>
+                    <a:lumOff val="50000"/>
+                  </a:schemeClr>
+                </a:solidFill>
+              </a:rPr>
+              <a:t>PAT06_KMeans.pptx</a:t>
+            </a:r>
           </a:p>
         </p:txBody>
       </p:sp>

--- a/clases/Cap06_Clustering/presentations/PAT06_KMeans.pptx
+++ b/clases/Cap06_Clustering/presentations/PAT06_KMeans.pptx
@@ -5,7 +5,7 @@
     <p:sldMasterId id="2147483648" r:id="rId1"/>
   </p:sldMasterIdLst>
   <p:notesMasterIdLst>
-    <p:notesMasterId r:id="rId15"/>
+    <p:notesMasterId r:id="rId39"/>
   </p:notesMasterIdLst>
   <p:sldIdLst>
     <p:sldId id="459" r:id="rId2"/>
@@ -21,6 +21,30 @@
     <p:sldId id="468" r:id="rId12"/>
     <p:sldId id="469" r:id="rId13"/>
     <p:sldId id="470" r:id="rId14"/>
+    <p:sldId id="479" r:id="rId15"/>
+    <p:sldId id="483" r:id="rId16"/>
+    <p:sldId id="482" r:id="rId17"/>
+    <p:sldId id="475" r:id="rId18"/>
+    <p:sldId id="477" r:id="rId19"/>
+    <p:sldId id="476" r:id="rId20"/>
+    <p:sldId id="474" r:id="rId21"/>
+    <p:sldId id="473" r:id="rId22"/>
+    <p:sldId id="472" r:id="rId23"/>
+    <p:sldId id="484" r:id="rId24"/>
+    <p:sldId id="478" r:id="rId25"/>
+    <p:sldId id="480" r:id="rId26"/>
+    <p:sldId id="783" r:id="rId27"/>
+    <p:sldId id="434" r:id="rId28"/>
+    <p:sldId id="436" r:id="rId29"/>
+    <p:sldId id="437" r:id="rId30"/>
+    <p:sldId id="438" r:id="rId31"/>
+    <p:sldId id="432" r:id="rId32"/>
+    <p:sldId id="784" r:id="rId33"/>
+    <p:sldId id="795" r:id="rId34"/>
+    <p:sldId id="796" r:id="rId35"/>
+    <p:sldId id="797" r:id="rId36"/>
+    <p:sldId id="798" r:id="rId37"/>
+    <p:sldId id="799" r:id="rId38"/>
   </p:sldIdLst>
   <p:sldSz cx="9144000" cy="6858000" type="screen4x3"/>
   <p:notesSz cx="6858000" cy="9144000"/>
@@ -220,7 +244,7 @@
           <a:p>
             <a:fld id="{089CB84B-3086-824D-91F5-F571CFDD3E7D}" type="datetimeFigureOut">
               <a:rPr lang="en-US" smtClean="0"/>
-              <a:t>6/18/20</a:t>
+              <a:t>6/28/21</a:t>
             </a:fld>
             <a:endParaRPr lang="en-US"/>
           </a:p>
@@ -581,6 +605,258 @@
 </p:notes>
 </file>
 
+<file path=ppt/notesSlides/notesSlide2.xml><?xml version="1.0" encoding="utf-8"?>
+<p:notes xmlns:a="http://schemas.openxmlformats.org/drawingml/2006/main" xmlns:r="http://schemas.openxmlformats.org/officeDocument/2006/relationships" xmlns:p="http://schemas.openxmlformats.org/presentationml/2006/main">
+  <p:cSld>
+    <p:spTree>
+      <p:nvGrpSpPr>
+        <p:cNvPr id="1" name=""/>
+        <p:cNvGrpSpPr/>
+        <p:nvPr/>
+      </p:nvGrpSpPr>
+      <p:grpSpPr>
+        <a:xfrm>
+          <a:off x="0" y="0"/>
+          <a:ext cx="0" cy="0"/>
+          <a:chOff x="0" y="0"/>
+          <a:chExt cx="0" cy="0"/>
+        </a:xfrm>
+      </p:grpSpPr>
+      <p:sp>
+        <p:nvSpPr>
+          <p:cNvPr id="2" name="Slide Image Placeholder 1"/>
+          <p:cNvSpPr>
+            <a:spLocks noGrp="1" noRot="1" noChangeAspect="1"/>
+          </p:cNvSpPr>
+          <p:nvPr>
+            <p:ph type="sldImg"/>
+          </p:nvPr>
+        </p:nvSpPr>
+        <p:spPr/>
+      </p:sp>
+      <p:sp>
+        <p:nvSpPr>
+          <p:cNvPr id="3" name="Notes Placeholder 2"/>
+          <p:cNvSpPr>
+            <a:spLocks noGrp="1"/>
+          </p:cNvSpPr>
+          <p:nvPr>
+            <p:ph type="body" idx="1"/>
+          </p:nvPr>
+        </p:nvSpPr>
+        <p:spPr/>
+        <p:txBody>
+          <a:bodyPr/>
+          <a:lstStyle/>
+          <a:p>
+            <a:endParaRPr lang="en-US" dirty="0"/>
+          </a:p>
+        </p:txBody>
+      </p:sp>
+      <p:sp>
+        <p:nvSpPr>
+          <p:cNvPr id="4" name="Slide Number Placeholder 3"/>
+          <p:cNvSpPr>
+            <a:spLocks noGrp="1"/>
+          </p:cNvSpPr>
+          <p:nvPr>
+            <p:ph type="sldNum" sz="quarter" idx="5"/>
+          </p:nvPr>
+        </p:nvSpPr>
+        <p:spPr/>
+        <p:txBody>
+          <a:bodyPr/>
+          <a:lstStyle/>
+          <a:p>
+            <a:fld id="{427E9996-E95A-6C4A-95EE-D7EBED57F47A}" type="slidenum">
+              <a:rPr lang="en-US" smtClean="0"/>
+              <a:t>15</a:t>
+            </a:fld>
+            <a:endParaRPr lang="en-US"/>
+          </a:p>
+        </p:txBody>
+      </p:sp>
+    </p:spTree>
+    <p:extLst>
+      <p:ext uri="{BB962C8B-B14F-4D97-AF65-F5344CB8AC3E}">
+        <p14:creationId xmlns:p14="http://schemas.microsoft.com/office/powerpoint/2010/main" val="3168713295"/>
+      </p:ext>
+    </p:extLst>
+  </p:cSld>
+  <p:clrMapOvr>
+    <a:masterClrMapping/>
+  </p:clrMapOvr>
+</p:notes>
+</file>
+
+<file path=ppt/notesSlides/notesSlide3.xml><?xml version="1.0" encoding="utf-8"?>
+<p:notes xmlns:a="http://schemas.openxmlformats.org/drawingml/2006/main" xmlns:r="http://schemas.openxmlformats.org/officeDocument/2006/relationships" xmlns:p="http://schemas.openxmlformats.org/presentationml/2006/main">
+  <p:cSld>
+    <p:spTree>
+      <p:nvGrpSpPr>
+        <p:cNvPr id="1" name=""/>
+        <p:cNvGrpSpPr/>
+        <p:nvPr/>
+      </p:nvGrpSpPr>
+      <p:grpSpPr>
+        <a:xfrm>
+          <a:off x="0" y="0"/>
+          <a:ext cx="0" cy="0"/>
+          <a:chOff x="0" y="0"/>
+          <a:chExt cx="0" cy="0"/>
+        </a:xfrm>
+      </p:grpSpPr>
+      <p:sp>
+        <p:nvSpPr>
+          <p:cNvPr id="2" name="Slide Image Placeholder 1"/>
+          <p:cNvSpPr>
+            <a:spLocks noGrp="1" noRot="1" noChangeAspect="1"/>
+          </p:cNvSpPr>
+          <p:nvPr>
+            <p:ph type="sldImg"/>
+          </p:nvPr>
+        </p:nvSpPr>
+        <p:spPr/>
+      </p:sp>
+      <p:sp>
+        <p:nvSpPr>
+          <p:cNvPr id="3" name="Notes Placeholder 2"/>
+          <p:cNvSpPr>
+            <a:spLocks noGrp="1"/>
+          </p:cNvSpPr>
+          <p:nvPr>
+            <p:ph type="body" idx="1"/>
+          </p:nvPr>
+        </p:nvSpPr>
+        <p:spPr/>
+        <p:txBody>
+          <a:bodyPr/>
+          <a:lstStyle/>
+          <a:p>
+            <a:endParaRPr lang="en-US" dirty="0"/>
+          </a:p>
+        </p:txBody>
+      </p:sp>
+      <p:sp>
+        <p:nvSpPr>
+          <p:cNvPr id="4" name="Slide Number Placeholder 3"/>
+          <p:cNvSpPr>
+            <a:spLocks noGrp="1"/>
+          </p:cNvSpPr>
+          <p:nvPr>
+            <p:ph type="sldNum" sz="quarter" idx="5"/>
+          </p:nvPr>
+        </p:nvSpPr>
+        <p:spPr/>
+        <p:txBody>
+          <a:bodyPr/>
+          <a:lstStyle/>
+          <a:p>
+            <a:fld id="{427E9996-E95A-6C4A-95EE-D7EBED57F47A}" type="slidenum">
+              <a:rPr lang="en-US" smtClean="0"/>
+              <a:t>16</a:t>
+            </a:fld>
+            <a:endParaRPr lang="en-US"/>
+          </a:p>
+        </p:txBody>
+      </p:sp>
+    </p:spTree>
+    <p:extLst>
+      <p:ext uri="{BB962C8B-B14F-4D97-AF65-F5344CB8AC3E}">
+        <p14:creationId xmlns:p14="http://schemas.microsoft.com/office/powerpoint/2010/main" val="60570383"/>
+      </p:ext>
+    </p:extLst>
+  </p:cSld>
+  <p:clrMapOvr>
+    <a:masterClrMapping/>
+  </p:clrMapOvr>
+</p:notes>
+</file>
+
+<file path=ppt/notesSlides/notesSlide4.xml><?xml version="1.0" encoding="utf-8"?>
+<p:notes xmlns:a="http://schemas.openxmlformats.org/drawingml/2006/main" xmlns:r="http://schemas.openxmlformats.org/officeDocument/2006/relationships" xmlns:p="http://schemas.openxmlformats.org/presentationml/2006/main">
+  <p:cSld>
+    <p:spTree>
+      <p:nvGrpSpPr>
+        <p:cNvPr id="1" name=""/>
+        <p:cNvGrpSpPr/>
+        <p:nvPr/>
+      </p:nvGrpSpPr>
+      <p:grpSpPr>
+        <a:xfrm>
+          <a:off x="0" y="0"/>
+          <a:ext cx="0" cy="0"/>
+          <a:chOff x="0" y="0"/>
+          <a:chExt cx="0" cy="0"/>
+        </a:xfrm>
+      </p:grpSpPr>
+      <p:sp>
+        <p:nvSpPr>
+          <p:cNvPr id="2" name="Slide Image Placeholder 1"/>
+          <p:cNvSpPr>
+            <a:spLocks noGrp="1" noRot="1" noChangeAspect="1"/>
+          </p:cNvSpPr>
+          <p:nvPr>
+            <p:ph type="sldImg"/>
+          </p:nvPr>
+        </p:nvSpPr>
+        <p:spPr/>
+      </p:sp>
+      <p:sp>
+        <p:nvSpPr>
+          <p:cNvPr id="3" name="Notes Placeholder 2"/>
+          <p:cNvSpPr>
+            <a:spLocks noGrp="1"/>
+          </p:cNvSpPr>
+          <p:nvPr>
+            <p:ph type="body" idx="1"/>
+          </p:nvPr>
+        </p:nvSpPr>
+        <p:spPr/>
+        <p:txBody>
+          <a:bodyPr/>
+          <a:lstStyle/>
+          <a:p>
+            <a:endParaRPr lang="en-US" dirty="0"/>
+          </a:p>
+        </p:txBody>
+      </p:sp>
+      <p:sp>
+        <p:nvSpPr>
+          <p:cNvPr id="4" name="Slide Number Placeholder 3"/>
+          <p:cNvSpPr>
+            <a:spLocks noGrp="1"/>
+          </p:cNvSpPr>
+          <p:nvPr>
+            <p:ph type="sldNum" sz="quarter" idx="5"/>
+          </p:nvPr>
+        </p:nvSpPr>
+        <p:spPr/>
+        <p:txBody>
+          <a:bodyPr/>
+          <a:lstStyle/>
+          <a:p>
+            <a:fld id="{427E9996-E95A-6C4A-95EE-D7EBED57F47A}" type="slidenum">
+              <a:rPr lang="en-US" smtClean="0"/>
+              <a:t>24</a:t>
+            </a:fld>
+            <a:endParaRPr lang="en-US"/>
+          </a:p>
+        </p:txBody>
+      </p:sp>
+    </p:spTree>
+    <p:extLst>
+      <p:ext uri="{BB962C8B-B14F-4D97-AF65-F5344CB8AC3E}">
+        <p14:creationId xmlns:p14="http://schemas.microsoft.com/office/powerpoint/2010/main" val="586645443"/>
+      </p:ext>
+    </p:extLst>
+  </p:cSld>
+  <p:clrMapOvr>
+    <a:masterClrMapping/>
+  </p:clrMapOvr>
+</p:notes>
+</file>
+
 <file path=ppt/slideLayouts/slideLayout1.xml><?xml version="1.0" encoding="utf-8"?>
 <p:sldLayout xmlns:a="http://schemas.openxmlformats.org/drawingml/2006/main" xmlns:r="http://schemas.openxmlformats.org/officeDocument/2006/relationships" xmlns:p="http://schemas.openxmlformats.org/presentationml/2006/main" type="title" preserve="1">
   <p:cSld name="Title Slide">
@@ -760,7 +1036,7 @@
           <a:p>
             <a:fld id="{998D53A1-28B8-8B4F-88CC-4A135F42EF1F}" type="datetime1">
               <a:rPr lang="en-AU" smtClean="0"/>
-              <a:t>18/6/20</a:t>
+              <a:t>28/6/21</a:t>
             </a:fld>
             <a:endParaRPr lang="en-US"/>
           </a:p>
@@ -930,7 +1206,7 @@
           <a:p>
             <a:fld id="{54F54423-22F5-4F46-A25E-9FDD644E7935}" type="datetime1">
               <a:rPr lang="en-AU" smtClean="0"/>
-              <a:t>18/6/20</a:t>
+              <a:t>28/6/21</a:t>
             </a:fld>
             <a:endParaRPr lang="en-US"/>
           </a:p>
@@ -1110,7 +1386,7 @@
           <a:p>
             <a:fld id="{340040A1-1010-074F-949F-684C650A5E21}" type="datetime1">
               <a:rPr lang="en-AU" smtClean="0"/>
-              <a:t>18/6/20</a:t>
+              <a:t>28/6/21</a:t>
             </a:fld>
             <a:endParaRPr lang="en-US"/>
           </a:p>
@@ -1280,7 +1556,7 @@
           <a:p>
             <a:fld id="{B50D611A-B02D-1F4F-ABE1-DD6B0E739787}" type="datetime1">
               <a:rPr lang="en-AU" smtClean="0"/>
-              <a:t>18/6/20</a:t>
+              <a:t>28/6/21</a:t>
             </a:fld>
             <a:endParaRPr lang="en-US"/>
           </a:p>
@@ -1526,7 +1802,7 @@
           <a:p>
             <a:fld id="{B1DD48BB-5A05-094B-8DBE-76C445B85513}" type="datetime1">
               <a:rPr lang="en-AU" smtClean="0"/>
-              <a:t>18/6/20</a:t>
+              <a:t>28/6/21</a:t>
             </a:fld>
             <a:endParaRPr lang="en-US"/>
           </a:p>
@@ -1814,7 +2090,7 @@
           <a:p>
             <a:fld id="{C7A15B1A-9200-414D-929C-592FC444DEFB}" type="datetime1">
               <a:rPr lang="en-AU" smtClean="0"/>
-              <a:t>18/6/20</a:t>
+              <a:t>28/6/21</a:t>
             </a:fld>
             <a:endParaRPr lang="en-US"/>
           </a:p>
@@ -2236,7 +2512,7 @@
           <a:p>
             <a:fld id="{8F89F1A5-6770-3643-87BF-3ECF50448A88}" type="datetime1">
               <a:rPr lang="en-AU" smtClean="0"/>
-              <a:t>18/6/20</a:t>
+              <a:t>28/6/21</a:t>
             </a:fld>
             <a:endParaRPr lang="en-US"/>
           </a:p>
@@ -2354,7 +2630,7 @@
           <a:p>
             <a:fld id="{EB09E451-63A8-4D49-A4E8-9BD440CA9C74}" type="datetime1">
               <a:rPr lang="en-AU" smtClean="0"/>
-              <a:t>18/6/20</a:t>
+              <a:t>28/6/21</a:t>
             </a:fld>
             <a:endParaRPr lang="en-US"/>
           </a:p>
@@ -2449,7 +2725,7 @@
           <a:p>
             <a:fld id="{16E62912-BF01-A348-86D8-0AA8AE56D5AF}" type="datetime1">
               <a:rPr lang="en-AU" smtClean="0"/>
-              <a:t>18/6/20</a:t>
+              <a:t>28/6/21</a:t>
             </a:fld>
             <a:endParaRPr lang="en-US"/>
           </a:p>
@@ -2726,7 +3002,7 @@
           <a:p>
             <a:fld id="{64DF6007-5B7B-B049-9D43-7191DBD9A336}" type="datetime1">
               <a:rPr lang="en-AU" smtClean="0"/>
-              <a:t>18/6/20</a:t>
+              <a:t>28/6/21</a:t>
             </a:fld>
             <a:endParaRPr lang="en-US"/>
           </a:p>
@@ -2979,7 +3255,7 @@
           <a:p>
             <a:fld id="{EB483B72-D1A2-7347-A2EE-C2863BE13B6A}" type="datetime1">
               <a:rPr lang="en-AU" smtClean="0"/>
-              <a:t>18/6/20</a:t>
+              <a:t>28/6/21</a:t>
             </a:fld>
             <a:endParaRPr lang="en-US"/>
           </a:p>
@@ -3190,7 +3466,7 @@
           <a:p>
             <a:fld id="{4E9F4D64-5BF8-E548-94E2-2794D88786C0}" type="datetime1">
               <a:rPr lang="en-AU" smtClean="0"/>
-              <a:t>18/6/20</a:t>
+              <a:t>28/6/21</a:t>
             </a:fld>
             <a:endParaRPr lang="en-US"/>
           </a:p>
@@ -8986,6 +9262,3376 @@
 </p:sld>
 </file>
 
+<file path=ppt/slides/slide14.xml><?xml version="1.0" encoding="utf-8"?>
+<p:sld xmlns:a="http://schemas.openxmlformats.org/drawingml/2006/main" xmlns:r="http://schemas.openxmlformats.org/officeDocument/2006/relationships" xmlns:p="http://schemas.openxmlformats.org/presentationml/2006/main">
+  <p:cSld>
+    <p:spTree>
+      <p:nvGrpSpPr>
+        <p:cNvPr id="1" name=""/>
+        <p:cNvGrpSpPr/>
+        <p:nvPr/>
+      </p:nvGrpSpPr>
+      <p:grpSpPr>
+        <a:xfrm>
+          <a:off x="0" y="0"/>
+          <a:ext cx="0" cy="0"/>
+          <a:chOff x="0" y="0"/>
+          <a:chExt cx="0" cy="0"/>
+        </a:xfrm>
+      </p:grpSpPr>
+      <p:sp>
+        <p:nvSpPr>
+          <p:cNvPr id="2" name="Title 1">
+            <a:extLst>
+              <a:ext uri="{FF2B5EF4-FFF2-40B4-BE49-F238E27FC236}">
+                <a16:creationId xmlns:a16="http://schemas.microsoft.com/office/drawing/2014/main" id="{E852DEC7-F0B9-9845-9D94-99D414E65EC2}"/>
+              </a:ext>
+            </a:extLst>
+          </p:cNvPr>
+          <p:cNvSpPr>
+            <a:spLocks noGrp="1"/>
+          </p:cNvSpPr>
+          <p:nvPr>
+            <p:ph type="title"/>
+          </p:nvPr>
+        </p:nvSpPr>
+        <p:spPr>
+          <a:xfrm>
+            <a:off x="457200" y="2857500"/>
+            <a:ext cx="8229600" cy="1143000"/>
+          </a:xfrm>
+        </p:spPr>
+        <p:txBody>
+          <a:bodyPr/>
+          <a:lstStyle/>
+          <a:p>
+            <a:r>
+              <a:rPr lang="en-US" dirty="0"/>
+              <a:t>Example: Two Clouds of Points</a:t>
+            </a:r>
+          </a:p>
+        </p:txBody>
+      </p:sp>
+      <p:sp>
+        <p:nvSpPr>
+          <p:cNvPr id="4" name="Slide Number Placeholder 3">
+            <a:extLst>
+              <a:ext uri="{FF2B5EF4-FFF2-40B4-BE49-F238E27FC236}">
+                <a16:creationId xmlns:a16="http://schemas.microsoft.com/office/drawing/2014/main" id="{2CFB7EB1-8464-A14B-A3ED-C732E1B1CB0A}"/>
+              </a:ext>
+            </a:extLst>
+          </p:cNvPr>
+          <p:cNvSpPr>
+            <a:spLocks noGrp="1"/>
+          </p:cNvSpPr>
+          <p:nvPr>
+            <p:ph type="sldNum" sz="quarter" idx="12"/>
+          </p:nvPr>
+        </p:nvSpPr>
+        <p:spPr/>
+        <p:txBody>
+          <a:bodyPr/>
+          <a:lstStyle/>
+          <a:p>
+            <a:fld id="{9C0B2870-7350-8D40-A01A-CE539DF873CB}" type="slidenum">
+              <a:rPr lang="en-US" smtClean="0"/>
+              <a:t>14</a:t>
+            </a:fld>
+            <a:endParaRPr lang="en-US"/>
+          </a:p>
+        </p:txBody>
+      </p:sp>
+    </p:spTree>
+    <p:extLst>
+      <p:ext uri="{BB962C8B-B14F-4D97-AF65-F5344CB8AC3E}">
+        <p14:creationId xmlns:p14="http://schemas.microsoft.com/office/powerpoint/2010/main" val="1834331118"/>
+      </p:ext>
+    </p:extLst>
+  </p:cSld>
+  <p:clrMapOvr>
+    <a:masterClrMapping/>
+  </p:clrMapOvr>
+</p:sld>
+</file>
+
+<file path=ppt/slides/slide15.xml><?xml version="1.0" encoding="utf-8"?>
+<p:sld xmlns:a="http://schemas.openxmlformats.org/drawingml/2006/main" xmlns:r="http://schemas.openxmlformats.org/officeDocument/2006/relationships" xmlns:p="http://schemas.openxmlformats.org/presentationml/2006/main">
+  <p:cSld>
+    <p:spTree>
+      <p:nvGrpSpPr>
+        <p:cNvPr id="1" name=""/>
+        <p:cNvGrpSpPr/>
+        <p:nvPr/>
+      </p:nvGrpSpPr>
+      <p:grpSpPr>
+        <a:xfrm>
+          <a:off x="0" y="0"/>
+          <a:ext cx="0" cy="0"/>
+          <a:chOff x="0" y="0"/>
+          <a:chExt cx="0" cy="0"/>
+        </a:xfrm>
+      </p:grpSpPr>
+      <p:pic>
+        <p:nvPicPr>
+          <p:cNvPr id="20" name="Picture 19">
+            <a:extLst>
+              <a:ext uri="{FF2B5EF4-FFF2-40B4-BE49-F238E27FC236}">
+                <a16:creationId xmlns:a16="http://schemas.microsoft.com/office/drawing/2014/main" id="{6AE23772-2C42-9B41-B235-997A2101D623}"/>
+              </a:ext>
+            </a:extLst>
+          </p:cNvPr>
+          <p:cNvPicPr>
+            <a:picLocks noChangeAspect="1"/>
+          </p:cNvPicPr>
+          <p:nvPr/>
+        </p:nvPicPr>
+        <p:blipFill>
+          <a:blip r:embed="rId3"/>
+          <a:stretch>
+            <a:fillRect/>
+          </a:stretch>
+        </p:blipFill>
+        <p:spPr>
+          <a:xfrm>
+            <a:off x="774095" y="0"/>
+            <a:ext cx="7595810" cy="6858000"/>
+          </a:xfrm>
+          <a:prstGeom prst="rect">
+            <a:avLst/>
+          </a:prstGeom>
+        </p:spPr>
+      </p:pic>
+      <p:grpSp>
+        <p:nvGrpSpPr>
+          <p:cNvPr id="28" name="Group 27">
+            <a:extLst>
+              <a:ext uri="{FF2B5EF4-FFF2-40B4-BE49-F238E27FC236}">
+                <a16:creationId xmlns:a16="http://schemas.microsoft.com/office/drawing/2014/main" id="{AD5C7BEC-DF29-4549-BF67-3DD89E4D636A}"/>
+              </a:ext>
+            </a:extLst>
+          </p:cNvPr>
+          <p:cNvGrpSpPr/>
+          <p:nvPr/>
+        </p:nvGrpSpPr>
+        <p:grpSpPr>
+          <a:xfrm>
+            <a:off x="-1003800" y="-466166"/>
+            <a:ext cx="10982959" cy="8144259"/>
+            <a:chOff x="-1003800" y="-466166"/>
+            <a:chExt cx="10982959" cy="8144259"/>
+          </a:xfrm>
+        </p:grpSpPr>
+        <p:sp>
+          <p:nvSpPr>
+            <p:cNvPr id="24" name="Rectangle 23">
+              <a:extLst>
+                <a:ext uri="{FF2B5EF4-FFF2-40B4-BE49-F238E27FC236}">
+                  <a16:creationId xmlns:a16="http://schemas.microsoft.com/office/drawing/2014/main" id="{3DF54328-FFC2-D940-A2A6-AFF5E4EEB82D}"/>
+                </a:ext>
+              </a:extLst>
+            </p:cNvPr>
+            <p:cNvSpPr/>
+            <p:nvPr/>
+          </p:nvSpPr>
+          <p:spPr>
+            <a:xfrm>
+              <a:off x="0" y="0"/>
+              <a:ext cx="9144000" cy="1335388"/>
+            </a:xfrm>
+            <a:prstGeom prst="rect">
+              <a:avLst/>
+            </a:prstGeom>
+            <a:solidFill>
+              <a:schemeClr val="bg1"/>
+            </a:solidFill>
+            <a:ln>
+              <a:noFill/>
+            </a:ln>
+            <a:effectLst/>
+          </p:spPr>
+          <p:style>
+            <a:lnRef idx="1">
+              <a:schemeClr val="accent1"/>
+            </a:lnRef>
+            <a:fillRef idx="3">
+              <a:schemeClr val="accent1"/>
+            </a:fillRef>
+            <a:effectRef idx="2">
+              <a:schemeClr val="accent1"/>
+            </a:effectRef>
+            <a:fontRef idx="minor">
+              <a:schemeClr val="lt1"/>
+            </a:fontRef>
+          </p:style>
+          <p:txBody>
+            <a:bodyPr rtlCol="0" anchor="ctr"/>
+            <a:lstStyle/>
+            <a:p>
+              <a:pPr algn="ctr"/>
+              <a:endParaRPr lang="en-US"/>
+            </a:p>
+          </p:txBody>
+        </p:sp>
+        <p:sp>
+          <p:nvSpPr>
+            <p:cNvPr id="25" name="Rectangle 24">
+              <a:extLst>
+                <a:ext uri="{FF2B5EF4-FFF2-40B4-BE49-F238E27FC236}">
+                  <a16:creationId xmlns:a16="http://schemas.microsoft.com/office/drawing/2014/main" id="{9D451FE4-D7D0-B540-97AA-B3AE1D6FBD4F}"/>
+                </a:ext>
+              </a:extLst>
+            </p:cNvPr>
+            <p:cNvSpPr/>
+            <p:nvPr/>
+          </p:nvSpPr>
+          <p:spPr>
+            <a:xfrm>
+              <a:off x="0" y="6190306"/>
+              <a:ext cx="9144000" cy="1335388"/>
+            </a:xfrm>
+            <a:prstGeom prst="rect">
+              <a:avLst/>
+            </a:prstGeom>
+            <a:solidFill>
+              <a:schemeClr val="bg1"/>
+            </a:solidFill>
+            <a:ln>
+              <a:noFill/>
+            </a:ln>
+            <a:effectLst/>
+          </p:spPr>
+          <p:style>
+            <a:lnRef idx="1">
+              <a:schemeClr val="accent1"/>
+            </a:lnRef>
+            <a:fillRef idx="3">
+              <a:schemeClr val="accent1"/>
+            </a:fillRef>
+            <a:effectRef idx="2">
+              <a:schemeClr val="accent1"/>
+            </a:effectRef>
+            <a:fontRef idx="minor">
+              <a:schemeClr val="lt1"/>
+            </a:fontRef>
+          </p:style>
+          <p:txBody>
+            <a:bodyPr rtlCol="0" anchor="ctr"/>
+            <a:lstStyle/>
+            <a:p>
+              <a:pPr algn="ctr"/>
+              <a:endParaRPr lang="en-US"/>
+            </a:p>
+          </p:txBody>
+        </p:sp>
+        <p:sp>
+          <p:nvSpPr>
+            <p:cNvPr id="26" name="Rectangle 25">
+              <a:extLst>
+                <a:ext uri="{FF2B5EF4-FFF2-40B4-BE49-F238E27FC236}">
+                  <a16:creationId xmlns:a16="http://schemas.microsoft.com/office/drawing/2014/main" id="{702FD88D-AE71-8C4C-849C-68913C26B929}"/>
+                </a:ext>
+              </a:extLst>
+            </p:cNvPr>
+            <p:cNvSpPr/>
+            <p:nvPr/>
+          </p:nvSpPr>
+          <p:spPr>
+            <a:xfrm>
+              <a:off x="-1003800" y="-466166"/>
+              <a:ext cx="2438153" cy="7991859"/>
+            </a:xfrm>
+            <a:prstGeom prst="rect">
+              <a:avLst/>
+            </a:prstGeom>
+            <a:solidFill>
+              <a:schemeClr val="bg1"/>
+            </a:solidFill>
+            <a:ln>
+              <a:noFill/>
+            </a:ln>
+            <a:effectLst/>
+          </p:spPr>
+          <p:style>
+            <a:lnRef idx="1">
+              <a:schemeClr val="accent1"/>
+            </a:lnRef>
+            <a:fillRef idx="3">
+              <a:schemeClr val="accent1"/>
+            </a:fillRef>
+            <a:effectRef idx="2">
+              <a:schemeClr val="accent1"/>
+            </a:effectRef>
+            <a:fontRef idx="minor">
+              <a:schemeClr val="lt1"/>
+            </a:fontRef>
+          </p:style>
+          <p:txBody>
+            <a:bodyPr rtlCol="0" anchor="ctr"/>
+            <a:lstStyle/>
+            <a:p>
+              <a:pPr algn="ctr"/>
+              <a:endParaRPr lang="en-US"/>
+            </a:p>
+          </p:txBody>
+        </p:sp>
+        <p:sp>
+          <p:nvSpPr>
+            <p:cNvPr id="27" name="Rectangle 26">
+              <a:extLst>
+                <a:ext uri="{FF2B5EF4-FFF2-40B4-BE49-F238E27FC236}">
+                  <a16:creationId xmlns:a16="http://schemas.microsoft.com/office/drawing/2014/main" id="{BA3D6EB0-264B-9A46-A688-75AA237FF1A4}"/>
+                </a:ext>
+              </a:extLst>
+            </p:cNvPr>
+            <p:cNvSpPr/>
+            <p:nvPr/>
+          </p:nvSpPr>
+          <p:spPr>
+            <a:xfrm>
+              <a:off x="7541006" y="-313766"/>
+              <a:ext cx="2438153" cy="7991859"/>
+            </a:xfrm>
+            <a:prstGeom prst="rect">
+              <a:avLst/>
+            </a:prstGeom>
+            <a:solidFill>
+              <a:schemeClr val="bg1"/>
+            </a:solidFill>
+            <a:ln>
+              <a:noFill/>
+            </a:ln>
+            <a:effectLst/>
+          </p:spPr>
+          <p:style>
+            <a:lnRef idx="1">
+              <a:schemeClr val="accent1"/>
+            </a:lnRef>
+            <a:fillRef idx="3">
+              <a:schemeClr val="accent1"/>
+            </a:fillRef>
+            <a:effectRef idx="2">
+              <a:schemeClr val="accent1"/>
+            </a:effectRef>
+            <a:fontRef idx="minor">
+              <a:schemeClr val="lt1"/>
+            </a:fontRef>
+          </p:style>
+          <p:txBody>
+            <a:bodyPr rtlCol="0" anchor="ctr"/>
+            <a:lstStyle/>
+            <a:p>
+              <a:pPr algn="ctr"/>
+              <a:endParaRPr lang="en-US"/>
+            </a:p>
+          </p:txBody>
+        </p:sp>
+      </p:grpSp>
+      <p:sp>
+        <p:nvSpPr>
+          <p:cNvPr id="11" name="TextBox 10">
+            <a:extLst>
+              <a:ext uri="{FF2B5EF4-FFF2-40B4-BE49-F238E27FC236}">
+                <a16:creationId xmlns:a16="http://schemas.microsoft.com/office/drawing/2014/main" id="{C419312A-2D2E-1540-94BA-344E59E4F4BD}"/>
+              </a:ext>
+            </a:extLst>
+          </p:cNvPr>
+          <p:cNvSpPr txBox="1"/>
+          <p:nvPr/>
+        </p:nvSpPr>
+        <p:spPr>
+          <a:xfrm>
+            <a:off x="159004" y="550559"/>
+            <a:ext cx="2156360" cy="523220"/>
+          </a:xfrm>
+          <a:prstGeom prst="rect">
+            <a:avLst/>
+          </a:prstGeom>
+          <a:noFill/>
+        </p:spPr>
+        <p:txBody>
+          <a:bodyPr wrap="none" rtlCol="0">
+            <a:spAutoFit/>
+          </a:bodyPr>
+          <a:lstStyle/>
+          <a:p>
+            <a:r>
+              <a:rPr lang="en-US" sz="2800" dirty="0">
+                <a:latin typeface="Consolas" panose="020B0609020204030204" pitchFamily="49" charset="0"/>
+                <a:cs typeface="Consolas" panose="020B0609020204030204" pitchFamily="49" charset="0"/>
+              </a:rPr>
+              <a:t>Input Data</a:t>
+            </a:r>
+          </a:p>
+        </p:txBody>
+      </p:sp>
+    </p:spTree>
+    <p:extLst>
+      <p:ext uri="{BB962C8B-B14F-4D97-AF65-F5344CB8AC3E}">
+        <p14:creationId xmlns:p14="http://schemas.microsoft.com/office/powerpoint/2010/main" val="2538292064"/>
+      </p:ext>
+    </p:extLst>
+  </p:cSld>
+  <p:clrMapOvr>
+    <a:masterClrMapping/>
+  </p:clrMapOvr>
+</p:sld>
+</file>
+
+<file path=ppt/slides/slide16.xml><?xml version="1.0" encoding="utf-8"?>
+<p:sld xmlns:a="http://schemas.openxmlformats.org/drawingml/2006/main" xmlns:r="http://schemas.openxmlformats.org/officeDocument/2006/relationships" xmlns:p="http://schemas.openxmlformats.org/presentationml/2006/main">
+  <p:cSld>
+    <p:spTree>
+      <p:nvGrpSpPr>
+        <p:cNvPr id="1" name=""/>
+        <p:cNvGrpSpPr/>
+        <p:nvPr/>
+      </p:nvGrpSpPr>
+      <p:grpSpPr>
+        <a:xfrm>
+          <a:off x="0" y="0"/>
+          <a:ext cx="0" cy="0"/>
+          <a:chOff x="0" y="0"/>
+          <a:chExt cx="0" cy="0"/>
+        </a:xfrm>
+      </p:grpSpPr>
+      <p:pic>
+        <p:nvPicPr>
+          <p:cNvPr id="20" name="Picture 19">
+            <a:extLst>
+              <a:ext uri="{FF2B5EF4-FFF2-40B4-BE49-F238E27FC236}">
+                <a16:creationId xmlns:a16="http://schemas.microsoft.com/office/drawing/2014/main" id="{6AE23772-2C42-9B41-B235-997A2101D623}"/>
+              </a:ext>
+            </a:extLst>
+          </p:cNvPr>
+          <p:cNvPicPr>
+            <a:picLocks noChangeAspect="1"/>
+          </p:cNvPicPr>
+          <p:nvPr/>
+        </p:nvPicPr>
+        <p:blipFill>
+          <a:blip r:embed="rId3">
+            <a:biLevel thresh="75000"/>
+          </a:blip>
+          <a:stretch>
+            <a:fillRect/>
+          </a:stretch>
+        </p:blipFill>
+        <p:spPr>
+          <a:xfrm>
+            <a:off x="774095" y="0"/>
+            <a:ext cx="7595810" cy="6858000"/>
+          </a:xfrm>
+          <a:prstGeom prst="rect">
+            <a:avLst/>
+          </a:prstGeom>
+        </p:spPr>
+      </p:pic>
+      <p:grpSp>
+        <p:nvGrpSpPr>
+          <p:cNvPr id="3" name="Group 2">
+            <a:extLst>
+              <a:ext uri="{FF2B5EF4-FFF2-40B4-BE49-F238E27FC236}">
+                <a16:creationId xmlns:a16="http://schemas.microsoft.com/office/drawing/2014/main" id="{67641343-4E15-1B41-92EC-B0783BFC737E}"/>
+              </a:ext>
+            </a:extLst>
+          </p:cNvPr>
+          <p:cNvGrpSpPr/>
+          <p:nvPr/>
+        </p:nvGrpSpPr>
+        <p:grpSpPr>
+          <a:xfrm>
+            <a:off x="-1003800" y="-466166"/>
+            <a:ext cx="10982959" cy="8144259"/>
+            <a:chOff x="-1003800" y="-466166"/>
+            <a:chExt cx="10982959" cy="8144259"/>
+          </a:xfrm>
+        </p:grpSpPr>
+        <p:sp>
+          <p:nvSpPr>
+            <p:cNvPr id="4" name="Rectangle 3">
+              <a:extLst>
+                <a:ext uri="{FF2B5EF4-FFF2-40B4-BE49-F238E27FC236}">
+                  <a16:creationId xmlns:a16="http://schemas.microsoft.com/office/drawing/2014/main" id="{FBC8F045-0894-B545-A572-5696BE43E90B}"/>
+                </a:ext>
+              </a:extLst>
+            </p:cNvPr>
+            <p:cNvSpPr/>
+            <p:nvPr/>
+          </p:nvSpPr>
+          <p:spPr>
+            <a:xfrm>
+              <a:off x="0" y="0"/>
+              <a:ext cx="9144000" cy="1335388"/>
+            </a:xfrm>
+            <a:prstGeom prst="rect">
+              <a:avLst/>
+            </a:prstGeom>
+            <a:solidFill>
+              <a:schemeClr val="bg1"/>
+            </a:solidFill>
+            <a:ln>
+              <a:noFill/>
+            </a:ln>
+            <a:effectLst/>
+          </p:spPr>
+          <p:style>
+            <a:lnRef idx="1">
+              <a:schemeClr val="accent1"/>
+            </a:lnRef>
+            <a:fillRef idx="3">
+              <a:schemeClr val="accent1"/>
+            </a:fillRef>
+            <a:effectRef idx="2">
+              <a:schemeClr val="accent1"/>
+            </a:effectRef>
+            <a:fontRef idx="minor">
+              <a:schemeClr val="lt1"/>
+            </a:fontRef>
+          </p:style>
+          <p:txBody>
+            <a:bodyPr rtlCol="0" anchor="ctr"/>
+            <a:lstStyle/>
+            <a:p>
+              <a:pPr algn="ctr"/>
+              <a:endParaRPr lang="en-US"/>
+            </a:p>
+          </p:txBody>
+        </p:sp>
+        <p:sp>
+          <p:nvSpPr>
+            <p:cNvPr id="5" name="Rectangle 4">
+              <a:extLst>
+                <a:ext uri="{FF2B5EF4-FFF2-40B4-BE49-F238E27FC236}">
+                  <a16:creationId xmlns:a16="http://schemas.microsoft.com/office/drawing/2014/main" id="{58F265A5-4287-F145-9AB3-5DCED9D452FD}"/>
+                </a:ext>
+              </a:extLst>
+            </p:cNvPr>
+            <p:cNvSpPr/>
+            <p:nvPr/>
+          </p:nvSpPr>
+          <p:spPr>
+            <a:xfrm>
+              <a:off x="0" y="6190306"/>
+              <a:ext cx="9144000" cy="1335388"/>
+            </a:xfrm>
+            <a:prstGeom prst="rect">
+              <a:avLst/>
+            </a:prstGeom>
+            <a:solidFill>
+              <a:schemeClr val="bg1"/>
+            </a:solidFill>
+            <a:ln>
+              <a:noFill/>
+            </a:ln>
+            <a:effectLst/>
+          </p:spPr>
+          <p:style>
+            <a:lnRef idx="1">
+              <a:schemeClr val="accent1"/>
+            </a:lnRef>
+            <a:fillRef idx="3">
+              <a:schemeClr val="accent1"/>
+            </a:fillRef>
+            <a:effectRef idx="2">
+              <a:schemeClr val="accent1"/>
+            </a:effectRef>
+            <a:fontRef idx="minor">
+              <a:schemeClr val="lt1"/>
+            </a:fontRef>
+          </p:style>
+          <p:txBody>
+            <a:bodyPr rtlCol="0" anchor="ctr"/>
+            <a:lstStyle/>
+            <a:p>
+              <a:pPr algn="ctr"/>
+              <a:endParaRPr lang="en-US"/>
+            </a:p>
+          </p:txBody>
+        </p:sp>
+        <p:sp>
+          <p:nvSpPr>
+            <p:cNvPr id="6" name="Rectangle 5">
+              <a:extLst>
+                <a:ext uri="{FF2B5EF4-FFF2-40B4-BE49-F238E27FC236}">
+                  <a16:creationId xmlns:a16="http://schemas.microsoft.com/office/drawing/2014/main" id="{742430C9-C2B8-4243-9663-748A68682456}"/>
+                </a:ext>
+              </a:extLst>
+            </p:cNvPr>
+            <p:cNvSpPr/>
+            <p:nvPr/>
+          </p:nvSpPr>
+          <p:spPr>
+            <a:xfrm>
+              <a:off x="-1003800" y="-466166"/>
+              <a:ext cx="2438153" cy="7991859"/>
+            </a:xfrm>
+            <a:prstGeom prst="rect">
+              <a:avLst/>
+            </a:prstGeom>
+            <a:solidFill>
+              <a:schemeClr val="bg1"/>
+            </a:solidFill>
+            <a:ln>
+              <a:noFill/>
+            </a:ln>
+            <a:effectLst/>
+          </p:spPr>
+          <p:style>
+            <a:lnRef idx="1">
+              <a:schemeClr val="accent1"/>
+            </a:lnRef>
+            <a:fillRef idx="3">
+              <a:schemeClr val="accent1"/>
+            </a:fillRef>
+            <a:effectRef idx="2">
+              <a:schemeClr val="accent1"/>
+            </a:effectRef>
+            <a:fontRef idx="minor">
+              <a:schemeClr val="lt1"/>
+            </a:fontRef>
+          </p:style>
+          <p:txBody>
+            <a:bodyPr rtlCol="0" anchor="ctr"/>
+            <a:lstStyle/>
+            <a:p>
+              <a:pPr algn="ctr"/>
+              <a:endParaRPr lang="en-US"/>
+            </a:p>
+          </p:txBody>
+        </p:sp>
+        <p:sp>
+          <p:nvSpPr>
+            <p:cNvPr id="7" name="Rectangle 6">
+              <a:extLst>
+                <a:ext uri="{FF2B5EF4-FFF2-40B4-BE49-F238E27FC236}">
+                  <a16:creationId xmlns:a16="http://schemas.microsoft.com/office/drawing/2014/main" id="{E6F22146-5D4C-3546-B90A-2BF2A330C0C2}"/>
+                </a:ext>
+              </a:extLst>
+            </p:cNvPr>
+            <p:cNvSpPr/>
+            <p:nvPr/>
+          </p:nvSpPr>
+          <p:spPr>
+            <a:xfrm>
+              <a:off x="7541006" y="-313766"/>
+              <a:ext cx="2438153" cy="7991859"/>
+            </a:xfrm>
+            <a:prstGeom prst="rect">
+              <a:avLst/>
+            </a:prstGeom>
+            <a:solidFill>
+              <a:schemeClr val="bg1"/>
+            </a:solidFill>
+            <a:ln>
+              <a:noFill/>
+            </a:ln>
+            <a:effectLst/>
+          </p:spPr>
+          <p:style>
+            <a:lnRef idx="1">
+              <a:schemeClr val="accent1"/>
+            </a:lnRef>
+            <a:fillRef idx="3">
+              <a:schemeClr val="accent1"/>
+            </a:fillRef>
+            <a:effectRef idx="2">
+              <a:schemeClr val="accent1"/>
+            </a:effectRef>
+            <a:fontRef idx="minor">
+              <a:schemeClr val="lt1"/>
+            </a:fontRef>
+          </p:style>
+          <p:txBody>
+            <a:bodyPr rtlCol="0" anchor="ctr"/>
+            <a:lstStyle/>
+            <a:p>
+              <a:pPr algn="ctr"/>
+              <a:endParaRPr lang="en-US"/>
+            </a:p>
+          </p:txBody>
+        </p:sp>
+      </p:grpSp>
+      <p:sp>
+        <p:nvSpPr>
+          <p:cNvPr id="8" name="Rectangle 7">
+            <a:extLst>
+              <a:ext uri="{FF2B5EF4-FFF2-40B4-BE49-F238E27FC236}">
+                <a16:creationId xmlns:a16="http://schemas.microsoft.com/office/drawing/2014/main" id="{523A47BF-D3C5-E84F-B18E-EF4DAA0B0D4E}"/>
+              </a:ext>
+            </a:extLst>
+          </p:cNvPr>
+          <p:cNvSpPr/>
+          <p:nvPr/>
+        </p:nvSpPr>
+        <p:spPr>
+          <a:xfrm>
+            <a:off x="6096000" y="1729839"/>
+            <a:ext cx="1184783" cy="385833"/>
+          </a:xfrm>
+          <a:prstGeom prst="rect">
+            <a:avLst/>
+          </a:prstGeom>
+          <a:solidFill>
+            <a:schemeClr val="bg1"/>
+          </a:solidFill>
+          <a:ln>
+            <a:noFill/>
+          </a:ln>
+          <a:effectLst/>
+        </p:spPr>
+        <p:style>
+          <a:lnRef idx="1">
+            <a:schemeClr val="accent1"/>
+          </a:lnRef>
+          <a:fillRef idx="3">
+            <a:schemeClr val="accent1"/>
+          </a:fillRef>
+          <a:effectRef idx="2">
+            <a:schemeClr val="accent1"/>
+          </a:effectRef>
+          <a:fontRef idx="minor">
+            <a:schemeClr val="lt1"/>
+          </a:fontRef>
+        </p:style>
+        <p:txBody>
+          <a:bodyPr rtlCol="0" anchor="ctr"/>
+          <a:lstStyle/>
+          <a:p>
+            <a:pPr algn="ctr"/>
+            <a:endParaRPr lang="en-US"/>
+          </a:p>
+        </p:txBody>
+      </p:sp>
+      <p:sp>
+        <p:nvSpPr>
+          <p:cNvPr id="10" name="Oval 9">
+            <a:extLst>
+              <a:ext uri="{FF2B5EF4-FFF2-40B4-BE49-F238E27FC236}">
+                <a16:creationId xmlns:a16="http://schemas.microsoft.com/office/drawing/2014/main" id="{8008C308-0F21-294A-9BBE-FDACD8DE2B55}"/>
+              </a:ext>
+            </a:extLst>
+          </p:cNvPr>
+          <p:cNvSpPr/>
+          <p:nvPr/>
+        </p:nvSpPr>
+        <p:spPr>
+          <a:xfrm>
+            <a:off x="3487783" y="2808514"/>
+            <a:ext cx="80417" cy="71431"/>
+          </a:xfrm>
+          <a:prstGeom prst="ellipse">
+            <a:avLst/>
+          </a:prstGeom>
+          <a:solidFill>
+            <a:schemeClr val="accent6"/>
+          </a:solidFill>
+        </p:spPr>
+        <p:style>
+          <a:lnRef idx="1">
+            <a:schemeClr val="accent1"/>
+          </a:lnRef>
+          <a:fillRef idx="3">
+            <a:schemeClr val="accent1"/>
+          </a:fillRef>
+          <a:effectRef idx="2">
+            <a:schemeClr val="accent1"/>
+          </a:effectRef>
+          <a:fontRef idx="minor">
+            <a:schemeClr val="lt1"/>
+          </a:fontRef>
+        </p:style>
+        <p:txBody>
+          <a:bodyPr rtlCol="0" anchor="ctr"/>
+          <a:lstStyle/>
+          <a:p>
+            <a:pPr algn="ctr"/>
+            <a:endParaRPr lang="en-US"/>
+          </a:p>
+        </p:txBody>
+      </p:sp>
+      <p:sp>
+        <p:nvSpPr>
+          <p:cNvPr id="11" name="Oval 10">
+            <a:extLst>
+              <a:ext uri="{FF2B5EF4-FFF2-40B4-BE49-F238E27FC236}">
+                <a16:creationId xmlns:a16="http://schemas.microsoft.com/office/drawing/2014/main" id="{1163C4D2-116B-0548-8227-15945BE6C466}"/>
+              </a:ext>
+            </a:extLst>
+          </p:cNvPr>
+          <p:cNvSpPr/>
+          <p:nvPr/>
+        </p:nvSpPr>
+        <p:spPr>
+          <a:xfrm>
+            <a:off x="3860763" y="2538660"/>
+            <a:ext cx="80417" cy="71431"/>
+          </a:xfrm>
+          <a:prstGeom prst="ellipse">
+            <a:avLst/>
+          </a:prstGeom>
+          <a:solidFill>
+            <a:schemeClr val="accent6"/>
+          </a:solidFill>
+        </p:spPr>
+        <p:style>
+          <a:lnRef idx="1">
+            <a:schemeClr val="accent1"/>
+          </a:lnRef>
+          <a:fillRef idx="3">
+            <a:schemeClr val="accent1"/>
+          </a:fillRef>
+          <a:effectRef idx="2">
+            <a:schemeClr val="accent1"/>
+          </a:effectRef>
+          <a:fontRef idx="minor">
+            <a:schemeClr val="lt1"/>
+          </a:fontRef>
+        </p:style>
+        <p:txBody>
+          <a:bodyPr rtlCol="0" anchor="ctr"/>
+          <a:lstStyle/>
+          <a:p>
+            <a:pPr algn="ctr"/>
+            <a:endParaRPr lang="en-US"/>
+          </a:p>
+        </p:txBody>
+      </p:sp>
+      <p:sp>
+        <p:nvSpPr>
+          <p:cNvPr id="25" name="TextBox 24">
+            <a:extLst>
+              <a:ext uri="{FF2B5EF4-FFF2-40B4-BE49-F238E27FC236}">
+                <a16:creationId xmlns:a16="http://schemas.microsoft.com/office/drawing/2014/main" id="{3AD5BCE1-67C0-6245-BDF9-C56E76190E85}"/>
+              </a:ext>
+            </a:extLst>
+          </p:cNvPr>
+          <p:cNvSpPr txBox="1"/>
+          <p:nvPr/>
+        </p:nvSpPr>
+        <p:spPr>
+          <a:xfrm>
+            <a:off x="159004" y="550559"/>
+            <a:ext cx="2550698" cy="523220"/>
+          </a:xfrm>
+          <a:prstGeom prst="rect">
+            <a:avLst/>
+          </a:prstGeom>
+          <a:noFill/>
+        </p:spPr>
+        <p:txBody>
+          <a:bodyPr wrap="none" rtlCol="0">
+            <a:spAutoFit/>
+          </a:bodyPr>
+          <a:lstStyle/>
+          <a:p>
+            <a:r>
+              <a:rPr lang="en-US" sz="2800" dirty="0">
+                <a:latin typeface="Consolas" panose="020B0609020204030204" pitchFamily="49" charset="0"/>
+                <a:cs typeface="Consolas" panose="020B0609020204030204" pitchFamily="49" charset="0"/>
+              </a:rPr>
+              <a:t>Iteration 0:</a:t>
+            </a:r>
+          </a:p>
+        </p:txBody>
+      </p:sp>
+    </p:spTree>
+    <p:extLst>
+      <p:ext uri="{BB962C8B-B14F-4D97-AF65-F5344CB8AC3E}">
+        <p14:creationId xmlns:p14="http://schemas.microsoft.com/office/powerpoint/2010/main" val="2305534954"/>
+      </p:ext>
+    </p:extLst>
+  </p:cSld>
+  <p:clrMapOvr>
+    <a:masterClrMapping/>
+  </p:clrMapOvr>
+  <p:timing>
+    <p:tnLst>
+      <p:par>
+        <p:cTn id="1" dur="indefinite" restart="never" nodeType="tmRoot">
+          <p:childTnLst>
+            <p:seq concurrent="1" nextAc="seek">
+              <p:cTn id="2" dur="indefinite" nodeType="mainSeq">
+                <p:childTnLst>
+                  <p:par>
+                    <p:cTn id="3" fill="hold">
+                      <p:stCondLst>
+                        <p:cond delay="indefinite"/>
+                      </p:stCondLst>
+                      <p:childTnLst>
+                        <p:par>
+                          <p:cTn id="4" fill="hold">
+                            <p:stCondLst>
+                              <p:cond delay="0"/>
+                            </p:stCondLst>
+                            <p:childTnLst>
+                              <p:par>
+                                <p:cTn id="5" presetID="2" presetClass="entr" presetSubtype="4" fill="hold" grpId="0" nodeType="clickEffect">
+                                  <p:stCondLst>
+                                    <p:cond delay="0"/>
+                                  </p:stCondLst>
+                                  <p:childTnLst>
+                                    <p:set>
+                                      <p:cBhvr>
+                                        <p:cTn id="6" dur="1" fill="hold">
+                                          <p:stCondLst>
+                                            <p:cond delay="0"/>
+                                          </p:stCondLst>
+                                        </p:cTn>
+                                        <p:tgtEl>
+                                          <p:spTgt spid="11"/>
+                                        </p:tgtEl>
+                                        <p:attrNameLst>
+                                          <p:attrName>style.visibility</p:attrName>
+                                        </p:attrNameLst>
+                                      </p:cBhvr>
+                                      <p:to>
+                                        <p:strVal val="visible"/>
+                                      </p:to>
+                                    </p:set>
+                                    <p:anim calcmode="lin" valueType="num">
+                                      <p:cBhvr additive="base">
+                                        <p:cTn id="7" dur="500" fill="hold"/>
+                                        <p:tgtEl>
+                                          <p:spTgt spid="11"/>
+                                        </p:tgtEl>
+                                        <p:attrNameLst>
+                                          <p:attrName>ppt_x</p:attrName>
+                                        </p:attrNameLst>
+                                      </p:cBhvr>
+                                      <p:tavLst>
+                                        <p:tav tm="0">
+                                          <p:val>
+                                            <p:strVal val="#ppt_x"/>
+                                          </p:val>
+                                        </p:tav>
+                                        <p:tav tm="100000">
+                                          <p:val>
+                                            <p:strVal val="#ppt_x"/>
+                                          </p:val>
+                                        </p:tav>
+                                      </p:tavLst>
+                                    </p:anim>
+                                    <p:anim calcmode="lin" valueType="num">
+                                      <p:cBhvr additive="base">
+                                        <p:cTn id="8" dur="500" fill="hold"/>
+                                        <p:tgtEl>
+                                          <p:spTgt spid="11"/>
+                                        </p:tgtEl>
+                                        <p:attrNameLst>
+                                          <p:attrName>ppt_y</p:attrName>
+                                        </p:attrNameLst>
+                                      </p:cBhvr>
+                                      <p:tavLst>
+                                        <p:tav tm="0">
+                                          <p:val>
+                                            <p:strVal val="1+#ppt_h/2"/>
+                                          </p:val>
+                                        </p:tav>
+                                        <p:tav tm="100000">
+                                          <p:val>
+                                            <p:strVal val="#ppt_y"/>
+                                          </p:val>
+                                        </p:tav>
+                                      </p:tavLst>
+                                    </p:anim>
+                                  </p:childTnLst>
+                                </p:cTn>
+                              </p:par>
+                              <p:par>
+                                <p:cTn id="9" presetID="2" presetClass="entr" presetSubtype="1" fill="hold" grpId="0" nodeType="withEffect">
+                                  <p:stCondLst>
+                                    <p:cond delay="0"/>
+                                  </p:stCondLst>
+                                  <p:childTnLst>
+                                    <p:set>
+                                      <p:cBhvr>
+                                        <p:cTn id="10" dur="1" fill="hold">
+                                          <p:stCondLst>
+                                            <p:cond delay="0"/>
+                                          </p:stCondLst>
+                                        </p:cTn>
+                                        <p:tgtEl>
+                                          <p:spTgt spid="10"/>
+                                        </p:tgtEl>
+                                        <p:attrNameLst>
+                                          <p:attrName>style.visibility</p:attrName>
+                                        </p:attrNameLst>
+                                      </p:cBhvr>
+                                      <p:to>
+                                        <p:strVal val="visible"/>
+                                      </p:to>
+                                    </p:set>
+                                    <p:anim calcmode="lin" valueType="num">
+                                      <p:cBhvr additive="base">
+                                        <p:cTn id="11" dur="500" fill="hold"/>
+                                        <p:tgtEl>
+                                          <p:spTgt spid="10"/>
+                                        </p:tgtEl>
+                                        <p:attrNameLst>
+                                          <p:attrName>ppt_x</p:attrName>
+                                        </p:attrNameLst>
+                                      </p:cBhvr>
+                                      <p:tavLst>
+                                        <p:tav tm="0">
+                                          <p:val>
+                                            <p:strVal val="#ppt_x"/>
+                                          </p:val>
+                                        </p:tav>
+                                        <p:tav tm="100000">
+                                          <p:val>
+                                            <p:strVal val="#ppt_x"/>
+                                          </p:val>
+                                        </p:tav>
+                                      </p:tavLst>
+                                    </p:anim>
+                                    <p:anim calcmode="lin" valueType="num">
+                                      <p:cBhvr additive="base">
+                                        <p:cTn id="12" dur="500" fill="hold"/>
+                                        <p:tgtEl>
+                                          <p:spTgt spid="10"/>
+                                        </p:tgtEl>
+                                        <p:attrNameLst>
+                                          <p:attrName>ppt_y</p:attrName>
+                                        </p:attrNameLst>
+                                      </p:cBhvr>
+                                      <p:tavLst>
+                                        <p:tav tm="0">
+                                          <p:val>
+                                            <p:strVal val="0-#ppt_h/2"/>
+                                          </p:val>
+                                        </p:tav>
+                                        <p:tav tm="100000">
+                                          <p:val>
+                                            <p:strVal val="#ppt_y"/>
+                                          </p:val>
+                                        </p:tav>
+                                      </p:tavLst>
+                                    </p:anim>
+                                  </p:childTnLst>
+                                </p:cTn>
+                              </p:par>
+                            </p:childTnLst>
+                          </p:cTn>
+                        </p:par>
+                      </p:childTnLst>
+                    </p:cTn>
+                  </p:par>
+                  <p:par>
+                    <p:cTn id="13" fill="hold">
+                      <p:stCondLst>
+                        <p:cond delay="indefinite"/>
+                      </p:stCondLst>
+                      <p:childTnLst>
+                        <p:par>
+                          <p:cTn id="14" fill="hold">
+                            <p:stCondLst>
+                              <p:cond delay="0"/>
+                            </p:stCondLst>
+                            <p:childTnLst>
+                              <p:par>
+                                <p:cTn id="15" presetID="1" presetClass="entr" presetSubtype="0" fill="hold" grpId="0" nodeType="clickEffect">
+                                  <p:stCondLst>
+                                    <p:cond delay="0"/>
+                                  </p:stCondLst>
+                                  <p:childTnLst>
+                                    <p:set>
+                                      <p:cBhvr>
+                                        <p:cTn id="16" dur="1" fill="hold">
+                                          <p:stCondLst>
+                                            <p:cond delay="0"/>
+                                          </p:stCondLst>
+                                        </p:cTn>
+                                        <p:tgtEl>
+                                          <p:spTgt spid="25"/>
+                                        </p:tgtEl>
+                                        <p:attrNameLst>
+                                          <p:attrName>style.visibility</p:attrName>
+                                        </p:attrNameLst>
+                                      </p:cBhvr>
+                                      <p:to>
+                                        <p:strVal val="visible"/>
+                                      </p:to>
+                                    </p:set>
+                                  </p:childTnLst>
+                                </p:cTn>
+                              </p:par>
+                            </p:childTnLst>
+                          </p:cTn>
+                        </p:par>
+                      </p:childTnLst>
+                    </p:cTn>
+                  </p:par>
+                </p:childTnLst>
+              </p:cTn>
+              <p:prevCondLst>
+                <p:cond evt="onPrev" delay="0">
+                  <p:tgtEl>
+                    <p:sldTgt/>
+                  </p:tgtEl>
+                </p:cond>
+              </p:prevCondLst>
+              <p:nextCondLst>
+                <p:cond evt="onNext" delay="0">
+                  <p:tgtEl>
+                    <p:sldTgt/>
+                  </p:tgtEl>
+                </p:cond>
+              </p:nextCondLst>
+            </p:seq>
+          </p:childTnLst>
+        </p:cTn>
+      </p:par>
+    </p:tnLst>
+    <p:bldLst>
+      <p:bldP spid="10" grpId="0" animBg="1"/>
+      <p:bldP spid="11" grpId="0" animBg="1"/>
+      <p:bldP spid="25" grpId="0"/>
+    </p:bldLst>
+  </p:timing>
+</p:sld>
+</file>
+
+<file path=ppt/slides/slide17.xml><?xml version="1.0" encoding="utf-8"?>
+<p:sld xmlns:a="http://schemas.openxmlformats.org/drawingml/2006/main" xmlns:r="http://schemas.openxmlformats.org/officeDocument/2006/relationships" xmlns:p="http://schemas.openxmlformats.org/presentationml/2006/main">
+  <p:cSld>
+    <p:spTree>
+      <p:nvGrpSpPr>
+        <p:cNvPr id="1" name=""/>
+        <p:cNvGrpSpPr/>
+        <p:nvPr/>
+      </p:nvGrpSpPr>
+      <p:grpSpPr>
+        <a:xfrm>
+          <a:off x="0" y="0"/>
+          <a:ext cx="0" cy="0"/>
+          <a:chOff x="0" y="0"/>
+          <a:chExt cx="0" cy="0"/>
+        </a:xfrm>
+      </p:grpSpPr>
+      <p:pic>
+        <p:nvPicPr>
+          <p:cNvPr id="3" name="Picture 2">
+            <a:extLst>
+              <a:ext uri="{FF2B5EF4-FFF2-40B4-BE49-F238E27FC236}">
+                <a16:creationId xmlns:a16="http://schemas.microsoft.com/office/drawing/2014/main" id="{C0BF7C0F-3743-464C-95D7-B6106C331A58}"/>
+              </a:ext>
+            </a:extLst>
+          </p:cNvPr>
+          <p:cNvPicPr>
+            <a:picLocks noChangeAspect="1"/>
+          </p:cNvPicPr>
+          <p:nvPr/>
+        </p:nvPicPr>
+        <p:blipFill>
+          <a:blip r:embed="rId2">
+            <a:alphaModFix/>
+          </a:blip>
+          <a:srcRect/>
+          <a:stretch/>
+        </p:blipFill>
+        <p:spPr>
+          <a:xfrm>
+            <a:off x="498952" y="-146006"/>
+            <a:ext cx="8109471" cy="7373344"/>
+          </a:xfrm>
+          <a:prstGeom prst="rect">
+            <a:avLst/>
+          </a:prstGeom>
+        </p:spPr>
+      </p:pic>
+      <p:cxnSp>
+        <p:nvCxnSpPr>
+          <p:cNvPr id="10" name="Straight Connector 9">
+            <a:extLst>
+              <a:ext uri="{FF2B5EF4-FFF2-40B4-BE49-F238E27FC236}">
+                <a16:creationId xmlns:a16="http://schemas.microsoft.com/office/drawing/2014/main" id="{04783CC5-D016-6D45-959D-3FCEB1A0AF96}"/>
+              </a:ext>
+            </a:extLst>
+          </p:cNvPr>
+          <p:cNvCxnSpPr/>
+          <p:nvPr/>
+        </p:nvCxnSpPr>
+        <p:spPr>
+          <a:xfrm>
+            <a:off x="2735924" y="1335388"/>
+            <a:ext cx="3108960" cy="4336869"/>
+          </a:xfrm>
+          <a:prstGeom prst="line">
+            <a:avLst/>
+          </a:prstGeom>
+        </p:spPr>
+        <p:style>
+          <a:lnRef idx="2">
+            <a:schemeClr val="dk1"/>
+          </a:lnRef>
+          <a:fillRef idx="0">
+            <a:schemeClr val="dk1"/>
+          </a:fillRef>
+          <a:effectRef idx="1">
+            <a:schemeClr val="dk1"/>
+          </a:effectRef>
+          <a:fontRef idx="minor">
+            <a:schemeClr val="tx1"/>
+          </a:fontRef>
+        </p:style>
+      </p:cxnSp>
+      <p:sp>
+        <p:nvSpPr>
+          <p:cNvPr id="11" name="Oval 10">
+            <a:extLst>
+              <a:ext uri="{FF2B5EF4-FFF2-40B4-BE49-F238E27FC236}">
+                <a16:creationId xmlns:a16="http://schemas.microsoft.com/office/drawing/2014/main" id="{5256D292-66AA-FB4B-8196-89D03BFD4092}"/>
+              </a:ext>
+            </a:extLst>
+          </p:cNvPr>
+          <p:cNvSpPr/>
+          <p:nvPr/>
+        </p:nvSpPr>
+        <p:spPr>
+          <a:xfrm>
+            <a:off x="3487783" y="2808514"/>
+            <a:ext cx="80417" cy="71431"/>
+          </a:xfrm>
+          <a:prstGeom prst="ellipse">
+            <a:avLst/>
+          </a:prstGeom>
+          <a:solidFill>
+            <a:schemeClr val="tx1"/>
+          </a:solidFill>
+        </p:spPr>
+        <p:style>
+          <a:lnRef idx="1">
+            <a:schemeClr val="accent1"/>
+          </a:lnRef>
+          <a:fillRef idx="3">
+            <a:schemeClr val="accent1"/>
+          </a:fillRef>
+          <a:effectRef idx="2">
+            <a:schemeClr val="accent1"/>
+          </a:effectRef>
+          <a:fontRef idx="minor">
+            <a:schemeClr val="lt1"/>
+          </a:fontRef>
+        </p:style>
+        <p:txBody>
+          <a:bodyPr rtlCol="0" anchor="ctr"/>
+          <a:lstStyle/>
+          <a:p>
+            <a:pPr algn="ctr"/>
+            <a:endParaRPr lang="en-US"/>
+          </a:p>
+        </p:txBody>
+      </p:sp>
+      <p:sp>
+        <p:nvSpPr>
+          <p:cNvPr id="12" name="Oval 11">
+            <a:extLst>
+              <a:ext uri="{FF2B5EF4-FFF2-40B4-BE49-F238E27FC236}">
+                <a16:creationId xmlns:a16="http://schemas.microsoft.com/office/drawing/2014/main" id="{6744A6E0-271A-FD40-B463-E1627BFE33E9}"/>
+              </a:ext>
+            </a:extLst>
+          </p:cNvPr>
+          <p:cNvSpPr/>
+          <p:nvPr/>
+        </p:nvSpPr>
+        <p:spPr>
+          <a:xfrm>
+            <a:off x="3860763" y="2538660"/>
+            <a:ext cx="80417" cy="71431"/>
+          </a:xfrm>
+          <a:prstGeom prst="ellipse">
+            <a:avLst/>
+          </a:prstGeom>
+          <a:solidFill>
+            <a:schemeClr val="tx1"/>
+          </a:solidFill>
+        </p:spPr>
+        <p:style>
+          <a:lnRef idx="1">
+            <a:schemeClr val="accent1"/>
+          </a:lnRef>
+          <a:fillRef idx="3">
+            <a:schemeClr val="accent1"/>
+          </a:fillRef>
+          <a:effectRef idx="2">
+            <a:schemeClr val="accent1"/>
+          </a:effectRef>
+          <a:fontRef idx="minor">
+            <a:schemeClr val="lt1"/>
+          </a:fontRef>
+        </p:style>
+        <p:txBody>
+          <a:bodyPr rtlCol="0" anchor="ctr"/>
+          <a:lstStyle/>
+          <a:p>
+            <a:pPr algn="ctr"/>
+            <a:endParaRPr lang="en-US"/>
+          </a:p>
+        </p:txBody>
+      </p:sp>
+      <p:grpSp>
+        <p:nvGrpSpPr>
+          <p:cNvPr id="13" name="Group 12">
+            <a:extLst>
+              <a:ext uri="{FF2B5EF4-FFF2-40B4-BE49-F238E27FC236}">
+                <a16:creationId xmlns:a16="http://schemas.microsoft.com/office/drawing/2014/main" id="{6BBA082E-FCC5-2642-8D3A-4BCEDE05E378}"/>
+              </a:ext>
+            </a:extLst>
+          </p:cNvPr>
+          <p:cNvGrpSpPr/>
+          <p:nvPr/>
+        </p:nvGrpSpPr>
+        <p:grpSpPr>
+          <a:xfrm>
+            <a:off x="-1003800" y="-466166"/>
+            <a:ext cx="10982959" cy="8144259"/>
+            <a:chOff x="-1003800" y="-466166"/>
+            <a:chExt cx="10982959" cy="8144259"/>
+          </a:xfrm>
+        </p:grpSpPr>
+        <p:sp>
+          <p:nvSpPr>
+            <p:cNvPr id="14" name="Rectangle 13">
+              <a:extLst>
+                <a:ext uri="{FF2B5EF4-FFF2-40B4-BE49-F238E27FC236}">
+                  <a16:creationId xmlns:a16="http://schemas.microsoft.com/office/drawing/2014/main" id="{A3C17526-2551-A14C-8D54-57A11923E174}"/>
+                </a:ext>
+              </a:extLst>
+            </p:cNvPr>
+            <p:cNvSpPr/>
+            <p:nvPr/>
+          </p:nvSpPr>
+          <p:spPr>
+            <a:xfrm>
+              <a:off x="0" y="0"/>
+              <a:ext cx="9144000" cy="1335388"/>
+            </a:xfrm>
+            <a:prstGeom prst="rect">
+              <a:avLst/>
+            </a:prstGeom>
+            <a:solidFill>
+              <a:schemeClr val="bg1"/>
+            </a:solidFill>
+            <a:ln>
+              <a:noFill/>
+            </a:ln>
+            <a:effectLst/>
+          </p:spPr>
+          <p:style>
+            <a:lnRef idx="1">
+              <a:schemeClr val="accent1"/>
+            </a:lnRef>
+            <a:fillRef idx="3">
+              <a:schemeClr val="accent1"/>
+            </a:fillRef>
+            <a:effectRef idx="2">
+              <a:schemeClr val="accent1"/>
+            </a:effectRef>
+            <a:fontRef idx="minor">
+              <a:schemeClr val="lt1"/>
+            </a:fontRef>
+          </p:style>
+          <p:txBody>
+            <a:bodyPr rtlCol="0" anchor="ctr"/>
+            <a:lstStyle/>
+            <a:p>
+              <a:pPr algn="ctr"/>
+              <a:endParaRPr lang="en-US"/>
+            </a:p>
+          </p:txBody>
+        </p:sp>
+        <p:sp>
+          <p:nvSpPr>
+            <p:cNvPr id="15" name="Rectangle 14">
+              <a:extLst>
+                <a:ext uri="{FF2B5EF4-FFF2-40B4-BE49-F238E27FC236}">
+                  <a16:creationId xmlns:a16="http://schemas.microsoft.com/office/drawing/2014/main" id="{38D86972-2EDD-EF44-87C0-07A40E5B7312}"/>
+                </a:ext>
+              </a:extLst>
+            </p:cNvPr>
+            <p:cNvSpPr/>
+            <p:nvPr/>
+          </p:nvSpPr>
+          <p:spPr>
+            <a:xfrm>
+              <a:off x="0" y="6190306"/>
+              <a:ext cx="9144000" cy="1335388"/>
+            </a:xfrm>
+            <a:prstGeom prst="rect">
+              <a:avLst/>
+            </a:prstGeom>
+            <a:solidFill>
+              <a:schemeClr val="bg1"/>
+            </a:solidFill>
+            <a:ln>
+              <a:noFill/>
+            </a:ln>
+            <a:effectLst/>
+          </p:spPr>
+          <p:style>
+            <a:lnRef idx="1">
+              <a:schemeClr val="accent1"/>
+            </a:lnRef>
+            <a:fillRef idx="3">
+              <a:schemeClr val="accent1"/>
+            </a:fillRef>
+            <a:effectRef idx="2">
+              <a:schemeClr val="accent1"/>
+            </a:effectRef>
+            <a:fontRef idx="minor">
+              <a:schemeClr val="lt1"/>
+            </a:fontRef>
+          </p:style>
+          <p:txBody>
+            <a:bodyPr rtlCol="0" anchor="ctr"/>
+            <a:lstStyle/>
+            <a:p>
+              <a:pPr algn="ctr"/>
+              <a:endParaRPr lang="en-US"/>
+            </a:p>
+          </p:txBody>
+        </p:sp>
+        <p:sp>
+          <p:nvSpPr>
+            <p:cNvPr id="16" name="Rectangle 15">
+              <a:extLst>
+                <a:ext uri="{FF2B5EF4-FFF2-40B4-BE49-F238E27FC236}">
+                  <a16:creationId xmlns:a16="http://schemas.microsoft.com/office/drawing/2014/main" id="{E549313C-1803-9944-9D58-D76868D3C6EF}"/>
+                </a:ext>
+              </a:extLst>
+            </p:cNvPr>
+            <p:cNvSpPr/>
+            <p:nvPr/>
+          </p:nvSpPr>
+          <p:spPr>
+            <a:xfrm>
+              <a:off x="-1003800" y="-466166"/>
+              <a:ext cx="2438153" cy="7991859"/>
+            </a:xfrm>
+            <a:prstGeom prst="rect">
+              <a:avLst/>
+            </a:prstGeom>
+            <a:solidFill>
+              <a:schemeClr val="bg1"/>
+            </a:solidFill>
+            <a:ln>
+              <a:noFill/>
+            </a:ln>
+            <a:effectLst/>
+          </p:spPr>
+          <p:style>
+            <a:lnRef idx="1">
+              <a:schemeClr val="accent1"/>
+            </a:lnRef>
+            <a:fillRef idx="3">
+              <a:schemeClr val="accent1"/>
+            </a:fillRef>
+            <a:effectRef idx="2">
+              <a:schemeClr val="accent1"/>
+            </a:effectRef>
+            <a:fontRef idx="minor">
+              <a:schemeClr val="lt1"/>
+            </a:fontRef>
+          </p:style>
+          <p:txBody>
+            <a:bodyPr rtlCol="0" anchor="ctr"/>
+            <a:lstStyle/>
+            <a:p>
+              <a:pPr algn="ctr"/>
+              <a:endParaRPr lang="en-US"/>
+            </a:p>
+          </p:txBody>
+        </p:sp>
+        <p:sp>
+          <p:nvSpPr>
+            <p:cNvPr id="17" name="Rectangle 16">
+              <a:extLst>
+                <a:ext uri="{FF2B5EF4-FFF2-40B4-BE49-F238E27FC236}">
+                  <a16:creationId xmlns:a16="http://schemas.microsoft.com/office/drawing/2014/main" id="{5A87ECA5-B730-624B-8AA6-D219309B4DC7}"/>
+                </a:ext>
+              </a:extLst>
+            </p:cNvPr>
+            <p:cNvSpPr/>
+            <p:nvPr/>
+          </p:nvSpPr>
+          <p:spPr>
+            <a:xfrm>
+              <a:off x="7541006" y="-313766"/>
+              <a:ext cx="2438153" cy="7991859"/>
+            </a:xfrm>
+            <a:prstGeom prst="rect">
+              <a:avLst/>
+            </a:prstGeom>
+            <a:solidFill>
+              <a:schemeClr val="bg1"/>
+            </a:solidFill>
+            <a:ln>
+              <a:noFill/>
+            </a:ln>
+            <a:effectLst/>
+          </p:spPr>
+          <p:style>
+            <a:lnRef idx="1">
+              <a:schemeClr val="accent1"/>
+            </a:lnRef>
+            <a:fillRef idx="3">
+              <a:schemeClr val="accent1"/>
+            </a:fillRef>
+            <a:effectRef idx="2">
+              <a:schemeClr val="accent1"/>
+            </a:effectRef>
+            <a:fontRef idx="minor">
+              <a:schemeClr val="lt1"/>
+            </a:fontRef>
+          </p:style>
+          <p:txBody>
+            <a:bodyPr rtlCol="0" anchor="ctr"/>
+            <a:lstStyle/>
+            <a:p>
+              <a:pPr algn="ctr"/>
+              <a:endParaRPr lang="en-US"/>
+            </a:p>
+          </p:txBody>
+        </p:sp>
+      </p:grpSp>
+      <p:grpSp>
+        <p:nvGrpSpPr>
+          <p:cNvPr id="26" name="Group 25">
+            <a:extLst>
+              <a:ext uri="{FF2B5EF4-FFF2-40B4-BE49-F238E27FC236}">
+                <a16:creationId xmlns:a16="http://schemas.microsoft.com/office/drawing/2014/main" id="{BE39D64A-1C7F-384D-A91C-C934F339A9A0}"/>
+              </a:ext>
+            </a:extLst>
+          </p:cNvPr>
+          <p:cNvGrpSpPr/>
+          <p:nvPr/>
+        </p:nvGrpSpPr>
+        <p:grpSpPr>
+          <a:xfrm>
+            <a:off x="3657600" y="2408831"/>
+            <a:ext cx="5105413" cy="646331"/>
+            <a:chOff x="3657600" y="2408831"/>
+            <a:chExt cx="5105413" cy="646331"/>
+          </a:xfrm>
+        </p:grpSpPr>
+        <p:sp>
+          <p:nvSpPr>
+            <p:cNvPr id="27" name="TextBox 26">
+              <a:extLst>
+                <a:ext uri="{FF2B5EF4-FFF2-40B4-BE49-F238E27FC236}">
+                  <a16:creationId xmlns:a16="http://schemas.microsoft.com/office/drawing/2014/main" id="{8EAB6768-49F3-2A46-A7A1-A91DF0EB2FCC}"/>
+                </a:ext>
+              </a:extLst>
+            </p:cNvPr>
+            <p:cNvSpPr txBox="1"/>
+            <p:nvPr/>
+          </p:nvSpPr>
+          <p:spPr>
+            <a:xfrm>
+              <a:off x="7792876" y="2408831"/>
+              <a:ext cx="970137" cy="646331"/>
+            </a:xfrm>
+            <a:prstGeom prst="rect">
+              <a:avLst/>
+            </a:prstGeom>
+            <a:noFill/>
+          </p:spPr>
+          <p:txBody>
+            <a:bodyPr wrap="none" rtlCol="0">
+              <a:spAutoFit/>
+            </a:bodyPr>
+            <a:lstStyle/>
+            <a:p>
+              <a:r>
+                <a:rPr lang="en-US" dirty="0"/>
+                <a:t>Random</a:t>
+              </a:r>
+            </a:p>
+            <a:p>
+              <a:r>
+                <a:rPr lang="en-US" dirty="0"/>
+                <a:t>points</a:t>
+              </a:r>
+            </a:p>
+          </p:txBody>
+        </p:sp>
+        <p:cxnSp>
+          <p:nvCxnSpPr>
+            <p:cNvPr id="28" name="Straight Arrow Connector 27">
+              <a:extLst>
+                <a:ext uri="{FF2B5EF4-FFF2-40B4-BE49-F238E27FC236}">
+                  <a16:creationId xmlns:a16="http://schemas.microsoft.com/office/drawing/2014/main" id="{B700EB11-BCD2-4543-A46A-F727B4E116A6}"/>
+                </a:ext>
+              </a:extLst>
+            </p:cNvPr>
+            <p:cNvCxnSpPr>
+              <a:cxnSpLocks/>
+            </p:cNvCxnSpPr>
+            <p:nvPr/>
+          </p:nvCxnSpPr>
+          <p:spPr>
+            <a:xfrm>
+              <a:off x="4060209" y="2610091"/>
+              <a:ext cx="3543508" cy="75439"/>
+            </a:xfrm>
+            <a:prstGeom prst="straightConnector1">
+              <a:avLst/>
+            </a:prstGeom>
+            <a:ln>
+              <a:solidFill>
+                <a:srgbClr val="0070C0"/>
+              </a:solidFill>
+              <a:prstDash val="dash"/>
+              <a:tailEnd type="triangle"/>
+            </a:ln>
+          </p:spPr>
+          <p:style>
+            <a:lnRef idx="2">
+              <a:schemeClr val="accent1"/>
+            </a:lnRef>
+            <a:fillRef idx="0">
+              <a:schemeClr val="accent1"/>
+            </a:fillRef>
+            <a:effectRef idx="1">
+              <a:schemeClr val="accent1"/>
+            </a:effectRef>
+            <a:fontRef idx="minor">
+              <a:schemeClr val="tx1"/>
+            </a:fontRef>
+          </p:style>
+        </p:cxnSp>
+        <p:cxnSp>
+          <p:nvCxnSpPr>
+            <p:cNvPr id="29" name="Straight Arrow Connector 28">
+              <a:extLst>
+                <a:ext uri="{FF2B5EF4-FFF2-40B4-BE49-F238E27FC236}">
+                  <a16:creationId xmlns:a16="http://schemas.microsoft.com/office/drawing/2014/main" id="{8EF13542-128B-6548-95AC-905F810C1AE8}"/>
+                </a:ext>
+              </a:extLst>
+            </p:cNvPr>
+            <p:cNvCxnSpPr>
+              <a:cxnSpLocks/>
+            </p:cNvCxnSpPr>
+            <p:nvPr/>
+          </p:nvCxnSpPr>
+          <p:spPr>
+            <a:xfrm flipV="1">
+              <a:off x="3657600" y="2844229"/>
+              <a:ext cx="3946117" cy="35717"/>
+            </a:xfrm>
+            <a:prstGeom prst="straightConnector1">
+              <a:avLst/>
+            </a:prstGeom>
+            <a:ln>
+              <a:solidFill>
+                <a:srgbClr val="0070C0"/>
+              </a:solidFill>
+              <a:prstDash val="dash"/>
+              <a:tailEnd type="triangle"/>
+            </a:ln>
+          </p:spPr>
+          <p:style>
+            <a:lnRef idx="2">
+              <a:schemeClr val="accent1"/>
+            </a:lnRef>
+            <a:fillRef idx="0">
+              <a:schemeClr val="accent1"/>
+            </a:fillRef>
+            <a:effectRef idx="1">
+              <a:schemeClr val="accent1"/>
+            </a:effectRef>
+            <a:fontRef idx="minor">
+              <a:schemeClr val="tx1"/>
+            </a:fontRef>
+          </p:style>
+        </p:cxnSp>
+      </p:grpSp>
+      <p:grpSp>
+        <p:nvGrpSpPr>
+          <p:cNvPr id="30" name="Group 29">
+            <a:extLst>
+              <a:ext uri="{FF2B5EF4-FFF2-40B4-BE49-F238E27FC236}">
+                <a16:creationId xmlns:a16="http://schemas.microsoft.com/office/drawing/2014/main" id="{2741DBAB-4592-5747-9B49-70CD615DE4F3}"/>
+              </a:ext>
+            </a:extLst>
+          </p:cNvPr>
+          <p:cNvGrpSpPr/>
+          <p:nvPr/>
+        </p:nvGrpSpPr>
+        <p:grpSpPr>
+          <a:xfrm>
+            <a:off x="5512631" y="4831041"/>
+            <a:ext cx="3536303" cy="646331"/>
+            <a:chOff x="3657600" y="2497543"/>
+            <a:chExt cx="3536303" cy="646331"/>
+          </a:xfrm>
+        </p:grpSpPr>
+        <p:sp>
+          <p:nvSpPr>
+            <p:cNvPr id="31" name="TextBox 30">
+              <a:extLst>
+                <a:ext uri="{FF2B5EF4-FFF2-40B4-BE49-F238E27FC236}">
+                  <a16:creationId xmlns:a16="http://schemas.microsoft.com/office/drawing/2014/main" id="{D22E17AC-8C56-8F43-89E7-AC54EB4A2FFA}"/>
+                </a:ext>
+              </a:extLst>
+            </p:cNvPr>
+            <p:cNvSpPr txBox="1"/>
+            <p:nvPr/>
+          </p:nvSpPr>
+          <p:spPr>
+            <a:xfrm>
+              <a:off x="5998191" y="2497543"/>
+              <a:ext cx="1195712" cy="646331"/>
+            </a:xfrm>
+            <a:prstGeom prst="rect">
+              <a:avLst/>
+            </a:prstGeom>
+            <a:noFill/>
+          </p:spPr>
+          <p:txBody>
+            <a:bodyPr wrap="none" rtlCol="0">
+              <a:spAutoFit/>
+            </a:bodyPr>
+            <a:lstStyle/>
+            <a:p>
+              <a:r>
+                <a:rPr lang="en-US" dirty="0"/>
+                <a:t>Separation</a:t>
+              </a:r>
+            </a:p>
+            <a:p>
+              <a:r>
+                <a:rPr lang="en-US" dirty="0"/>
+                <a:t>line</a:t>
+              </a:r>
+            </a:p>
+          </p:txBody>
+        </p:sp>
+        <p:cxnSp>
+          <p:nvCxnSpPr>
+            <p:cNvPr id="32" name="Straight Arrow Connector 31">
+              <a:extLst>
+                <a:ext uri="{FF2B5EF4-FFF2-40B4-BE49-F238E27FC236}">
+                  <a16:creationId xmlns:a16="http://schemas.microsoft.com/office/drawing/2014/main" id="{4C6569D5-4487-6845-A0FE-0ED3ECC67D70}"/>
+                </a:ext>
+              </a:extLst>
+            </p:cNvPr>
+            <p:cNvCxnSpPr>
+              <a:cxnSpLocks/>
+            </p:cNvCxnSpPr>
+            <p:nvPr/>
+          </p:nvCxnSpPr>
+          <p:spPr>
+            <a:xfrm flipV="1">
+              <a:off x="3657600" y="2808514"/>
+              <a:ext cx="2306472" cy="71431"/>
+            </a:xfrm>
+            <a:prstGeom prst="straightConnector1">
+              <a:avLst/>
+            </a:prstGeom>
+            <a:ln>
+              <a:solidFill>
+                <a:srgbClr val="0070C0"/>
+              </a:solidFill>
+              <a:prstDash val="dash"/>
+              <a:tailEnd type="triangle"/>
+            </a:ln>
+          </p:spPr>
+          <p:style>
+            <a:lnRef idx="2">
+              <a:schemeClr val="accent1"/>
+            </a:lnRef>
+            <a:fillRef idx="0">
+              <a:schemeClr val="accent1"/>
+            </a:fillRef>
+            <a:effectRef idx="1">
+              <a:schemeClr val="accent1"/>
+            </a:effectRef>
+            <a:fontRef idx="minor">
+              <a:schemeClr val="tx1"/>
+            </a:fontRef>
+          </p:style>
+        </p:cxnSp>
+      </p:grpSp>
+      <p:sp>
+        <p:nvSpPr>
+          <p:cNvPr id="33" name="TextBox 32">
+            <a:extLst>
+              <a:ext uri="{FF2B5EF4-FFF2-40B4-BE49-F238E27FC236}">
+                <a16:creationId xmlns:a16="http://schemas.microsoft.com/office/drawing/2014/main" id="{86A328DF-88ED-E64D-9CC9-BDB6BF70F79A}"/>
+              </a:ext>
+            </a:extLst>
+          </p:cNvPr>
+          <p:cNvSpPr txBox="1"/>
+          <p:nvPr/>
+        </p:nvSpPr>
+        <p:spPr>
+          <a:xfrm>
+            <a:off x="159004" y="550559"/>
+            <a:ext cx="2550698" cy="523220"/>
+          </a:xfrm>
+          <a:prstGeom prst="rect">
+            <a:avLst/>
+          </a:prstGeom>
+          <a:noFill/>
+        </p:spPr>
+        <p:txBody>
+          <a:bodyPr wrap="none" rtlCol="0">
+            <a:spAutoFit/>
+          </a:bodyPr>
+          <a:lstStyle/>
+          <a:p>
+            <a:r>
+              <a:rPr lang="en-US" sz="2800" dirty="0">
+                <a:latin typeface="Consolas" panose="020B0609020204030204" pitchFamily="49" charset="0"/>
+                <a:cs typeface="Consolas" panose="020B0609020204030204" pitchFamily="49" charset="0"/>
+              </a:rPr>
+              <a:t>Iteration 1:</a:t>
+            </a:r>
+          </a:p>
+        </p:txBody>
+      </p:sp>
+    </p:spTree>
+    <p:extLst>
+      <p:ext uri="{BB962C8B-B14F-4D97-AF65-F5344CB8AC3E}">
+        <p14:creationId xmlns:p14="http://schemas.microsoft.com/office/powerpoint/2010/main" val="1214053419"/>
+      </p:ext>
+    </p:extLst>
+  </p:cSld>
+  <p:clrMapOvr>
+    <a:masterClrMapping/>
+  </p:clrMapOvr>
+  <p:timing>
+    <p:tnLst>
+      <p:par>
+        <p:cTn id="1" dur="indefinite" restart="never" nodeType="tmRoot">
+          <p:childTnLst>
+            <p:seq concurrent="1" nextAc="seek">
+              <p:cTn id="2" dur="indefinite" nodeType="mainSeq">
+                <p:childTnLst>
+                  <p:par>
+                    <p:cTn id="3" fill="hold">
+                      <p:stCondLst>
+                        <p:cond delay="indefinite"/>
+                      </p:stCondLst>
+                      <p:childTnLst>
+                        <p:par>
+                          <p:cTn id="4" fill="hold">
+                            <p:stCondLst>
+                              <p:cond delay="0"/>
+                            </p:stCondLst>
+                            <p:childTnLst>
+                              <p:par>
+                                <p:cTn id="5" presetID="22" presetClass="entr" presetSubtype="8" fill="hold" nodeType="clickEffect">
+                                  <p:stCondLst>
+                                    <p:cond delay="0"/>
+                                  </p:stCondLst>
+                                  <p:childTnLst>
+                                    <p:set>
+                                      <p:cBhvr>
+                                        <p:cTn id="6" dur="1" fill="hold">
+                                          <p:stCondLst>
+                                            <p:cond delay="0"/>
+                                          </p:stCondLst>
+                                        </p:cTn>
+                                        <p:tgtEl>
+                                          <p:spTgt spid="26"/>
+                                        </p:tgtEl>
+                                        <p:attrNameLst>
+                                          <p:attrName>style.visibility</p:attrName>
+                                        </p:attrNameLst>
+                                      </p:cBhvr>
+                                      <p:to>
+                                        <p:strVal val="visible"/>
+                                      </p:to>
+                                    </p:set>
+                                    <p:animEffect transition="in" filter="wipe(left)">
+                                      <p:cBhvr>
+                                        <p:cTn id="7" dur="500"/>
+                                        <p:tgtEl>
+                                          <p:spTgt spid="26"/>
+                                        </p:tgtEl>
+                                      </p:cBhvr>
+                                    </p:animEffect>
+                                  </p:childTnLst>
+                                </p:cTn>
+                              </p:par>
+                            </p:childTnLst>
+                          </p:cTn>
+                        </p:par>
+                      </p:childTnLst>
+                    </p:cTn>
+                  </p:par>
+                  <p:par>
+                    <p:cTn id="8" fill="hold">
+                      <p:stCondLst>
+                        <p:cond delay="indefinite"/>
+                      </p:stCondLst>
+                      <p:childTnLst>
+                        <p:par>
+                          <p:cTn id="9" fill="hold">
+                            <p:stCondLst>
+                              <p:cond delay="0"/>
+                            </p:stCondLst>
+                            <p:childTnLst>
+                              <p:par>
+                                <p:cTn id="10" presetID="22" presetClass="entr" presetSubtype="8" fill="hold" nodeType="clickEffect">
+                                  <p:stCondLst>
+                                    <p:cond delay="0"/>
+                                  </p:stCondLst>
+                                  <p:childTnLst>
+                                    <p:set>
+                                      <p:cBhvr>
+                                        <p:cTn id="11" dur="1" fill="hold">
+                                          <p:stCondLst>
+                                            <p:cond delay="0"/>
+                                          </p:stCondLst>
+                                        </p:cTn>
+                                        <p:tgtEl>
+                                          <p:spTgt spid="30"/>
+                                        </p:tgtEl>
+                                        <p:attrNameLst>
+                                          <p:attrName>style.visibility</p:attrName>
+                                        </p:attrNameLst>
+                                      </p:cBhvr>
+                                      <p:to>
+                                        <p:strVal val="visible"/>
+                                      </p:to>
+                                    </p:set>
+                                    <p:animEffect transition="in" filter="wipe(left)">
+                                      <p:cBhvr>
+                                        <p:cTn id="12" dur="500"/>
+                                        <p:tgtEl>
+                                          <p:spTgt spid="30"/>
+                                        </p:tgtEl>
+                                      </p:cBhvr>
+                                    </p:animEffect>
+                                  </p:childTnLst>
+                                </p:cTn>
+                              </p:par>
+                            </p:childTnLst>
+                          </p:cTn>
+                        </p:par>
+                      </p:childTnLst>
+                    </p:cTn>
+                  </p:par>
+                  <p:par>
+                    <p:cTn id="13" fill="hold">
+                      <p:stCondLst>
+                        <p:cond delay="indefinite"/>
+                      </p:stCondLst>
+                      <p:childTnLst>
+                        <p:par>
+                          <p:cTn id="14" fill="hold">
+                            <p:stCondLst>
+                              <p:cond delay="0"/>
+                            </p:stCondLst>
+                            <p:childTnLst>
+                              <p:par>
+                                <p:cTn id="15" presetID="1" presetClass="entr" presetSubtype="0" fill="hold" grpId="0" nodeType="clickEffect">
+                                  <p:stCondLst>
+                                    <p:cond delay="0"/>
+                                  </p:stCondLst>
+                                  <p:childTnLst>
+                                    <p:set>
+                                      <p:cBhvr>
+                                        <p:cTn id="16" dur="1" fill="hold">
+                                          <p:stCondLst>
+                                            <p:cond delay="0"/>
+                                          </p:stCondLst>
+                                        </p:cTn>
+                                        <p:tgtEl>
+                                          <p:spTgt spid="33"/>
+                                        </p:tgtEl>
+                                        <p:attrNameLst>
+                                          <p:attrName>style.visibility</p:attrName>
+                                        </p:attrNameLst>
+                                      </p:cBhvr>
+                                      <p:to>
+                                        <p:strVal val="visible"/>
+                                      </p:to>
+                                    </p:set>
+                                  </p:childTnLst>
+                                </p:cTn>
+                              </p:par>
+                            </p:childTnLst>
+                          </p:cTn>
+                        </p:par>
+                      </p:childTnLst>
+                    </p:cTn>
+                  </p:par>
+                </p:childTnLst>
+              </p:cTn>
+              <p:prevCondLst>
+                <p:cond evt="onPrev" delay="0">
+                  <p:tgtEl>
+                    <p:sldTgt/>
+                  </p:tgtEl>
+                </p:cond>
+              </p:prevCondLst>
+              <p:nextCondLst>
+                <p:cond evt="onNext" delay="0">
+                  <p:tgtEl>
+                    <p:sldTgt/>
+                  </p:tgtEl>
+                </p:cond>
+              </p:nextCondLst>
+            </p:seq>
+          </p:childTnLst>
+        </p:cTn>
+      </p:par>
+    </p:tnLst>
+    <p:bldLst>
+      <p:bldP spid="33" grpId="0"/>
+    </p:bldLst>
+  </p:timing>
+</p:sld>
+</file>
+
+<file path=ppt/slides/slide18.xml><?xml version="1.0" encoding="utf-8"?>
+<p:sld xmlns:a="http://schemas.openxmlformats.org/drawingml/2006/main" xmlns:r="http://schemas.openxmlformats.org/officeDocument/2006/relationships" xmlns:p="http://schemas.openxmlformats.org/presentationml/2006/main">
+  <p:cSld>
+    <p:spTree>
+      <p:nvGrpSpPr>
+        <p:cNvPr id="1" name=""/>
+        <p:cNvGrpSpPr/>
+        <p:nvPr/>
+      </p:nvGrpSpPr>
+      <p:grpSpPr>
+        <a:xfrm>
+          <a:off x="0" y="0"/>
+          <a:ext cx="0" cy="0"/>
+          <a:chOff x="0" y="0"/>
+          <a:chExt cx="0" cy="0"/>
+        </a:xfrm>
+      </p:grpSpPr>
+      <p:pic>
+        <p:nvPicPr>
+          <p:cNvPr id="3" name="Picture 2">
+            <a:extLst>
+              <a:ext uri="{FF2B5EF4-FFF2-40B4-BE49-F238E27FC236}">
+                <a16:creationId xmlns:a16="http://schemas.microsoft.com/office/drawing/2014/main" id="{C0BF7C0F-3743-464C-95D7-B6106C331A58}"/>
+              </a:ext>
+            </a:extLst>
+          </p:cNvPr>
+          <p:cNvPicPr>
+            <a:picLocks noChangeAspect="1"/>
+          </p:cNvPicPr>
+          <p:nvPr/>
+        </p:nvPicPr>
+        <p:blipFill>
+          <a:blip r:embed="rId2">
+            <a:alphaModFix/>
+          </a:blip>
+          <a:srcRect/>
+          <a:stretch/>
+        </p:blipFill>
+        <p:spPr>
+          <a:xfrm>
+            <a:off x="498952" y="-146006"/>
+            <a:ext cx="8109471" cy="7373344"/>
+          </a:xfrm>
+          <a:prstGeom prst="rect">
+            <a:avLst/>
+          </a:prstGeom>
+        </p:spPr>
+      </p:pic>
+      <p:grpSp>
+        <p:nvGrpSpPr>
+          <p:cNvPr id="6" name="Group 5">
+            <a:extLst>
+              <a:ext uri="{FF2B5EF4-FFF2-40B4-BE49-F238E27FC236}">
+                <a16:creationId xmlns:a16="http://schemas.microsoft.com/office/drawing/2014/main" id="{FA6BBC70-C20D-CD43-8B72-75E9B3691C51}"/>
+              </a:ext>
+            </a:extLst>
+          </p:cNvPr>
+          <p:cNvGrpSpPr/>
+          <p:nvPr/>
+        </p:nvGrpSpPr>
+        <p:grpSpPr>
+          <a:xfrm>
+            <a:off x="-1003800" y="-466166"/>
+            <a:ext cx="10982959" cy="8144259"/>
+            <a:chOff x="-1003800" y="-466166"/>
+            <a:chExt cx="10982959" cy="8144259"/>
+          </a:xfrm>
+        </p:grpSpPr>
+        <p:sp>
+          <p:nvSpPr>
+            <p:cNvPr id="7" name="Rectangle 6">
+              <a:extLst>
+                <a:ext uri="{FF2B5EF4-FFF2-40B4-BE49-F238E27FC236}">
+                  <a16:creationId xmlns:a16="http://schemas.microsoft.com/office/drawing/2014/main" id="{ABFA5C2E-9042-0243-9A0D-E29294103088}"/>
+                </a:ext>
+              </a:extLst>
+            </p:cNvPr>
+            <p:cNvSpPr/>
+            <p:nvPr/>
+          </p:nvSpPr>
+          <p:spPr>
+            <a:xfrm>
+              <a:off x="0" y="0"/>
+              <a:ext cx="9144000" cy="1335388"/>
+            </a:xfrm>
+            <a:prstGeom prst="rect">
+              <a:avLst/>
+            </a:prstGeom>
+            <a:solidFill>
+              <a:schemeClr val="bg1"/>
+            </a:solidFill>
+            <a:ln>
+              <a:noFill/>
+            </a:ln>
+            <a:effectLst/>
+          </p:spPr>
+          <p:style>
+            <a:lnRef idx="1">
+              <a:schemeClr val="accent1"/>
+            </a:lnRef>
+            <a:fillRef idx="3">
+              <a:schemeClr val="accent1"/>
+            </a:fillRef>
+            <a:effectRef idx="2">
+              <a:schemeClr val="accent1"/>
+            </a:effectRef>
+            <a:fontRef idx="minor">
+              <a:schemeClr val="lt1"/>
+            </a:fontRef>
+          </p:style>
+          <p:txBody>
+            <a:bodyPr rtlCol="0" anchor="ctr"/>
+            <a:lstStyle/>
+            <a:p>
+              <a:pPr algn="ctr"/>
+              <a:endParaRPr lang="en-US"/>
+            </a:p>
+          </p:txBody>
+        </p:sp>
+        <p:sp>
+          <p:nvSpPr>
+            <p:cNvPr id="8" name="Rectangle 7">
+              <a:extLst>
+                <a:ext uri="{FF2B5EF4-FFF2-40B4-BE49-F238E27FC236}">
+                  <a16:creationId xmlns:a16="http://schemas.microsoft.com/office/drawing/2014/main" id="{B089F8DD-32C8-C440-B9D1-781121DEF10C}"/>
+                </a:ext>
+              </a:extLst>
+            </p:cNvPr>
+            <p:cNvSpPr/>
+            <p:nvPr/>
+          </p:nvSpPr>
+          <p:spPr>
+            <a:xfrm>
+              <a:off x="0" y="6190306"/>
+              <a:ext cx="9144000" cy="1335388"/>
+            </a:xfrm>
+            <a:prstGeom prst="rect">
+              <a:avLst/>
+            </a:prstGeom>
+            <a:solidFill>
+              <a:schemeClr val="bg1"/>
+            </a:solidFill>
+            <a:ln>
+              <a:noFill/>
+            </a:ln>
+            <a:effectLst/>
+          </p:spPr>
+          <p:style>
+            <a:lnRef idx="1">
+              <a:schemeClr val="accent1"/>
+            </a:lnRef>
+            <a:fillRef idx="3">
+              <a:schemeClr val="accent1"/>
+            </a:fillRef>
+            <a:effectRef idx="2">
+              <a:schemeClr val="accent1"/>
+            </a:effectRef>
+            <a:fontRef idx="minor">
+              <a:schemeClr val="lt1"/>
+            </a:fontRef>
+          </p:style>
+          <p:txBody>
+            <a:bodyPr rtlCol="0" anchor="ctr"/>
+            <a:lstStyle/>
+            <a:p>
+              <a:pPr algn="ctr"/>
+              <a:endParaRPr lang="en-US"/>
+            </a:p>
+          </p:txBody>
+        </p:sp>
+        <p:sp>
+          <p:nvSpPr>
+            <p:cNvPr id="9" name="Rectangle 8">
+              <a:extLst>
+                <a:ext uri="{FF2B5EF4-FFF2-40B4-BE49-F238E27FC236}">
+                  <a16:creationId xmlns:a16="http://schemas.microsoft.com/office/drawing/2014/main" id="{DEC8AC8B-8395-1D45-BD82-41ECACD286C9}"/>
+                </a:ext>
+              </a:extLst>
+            </p:cNvPr>
+            <p:cNvSpPr/>
+            <p:nvPr/>
+          </p:nvSpPr>
+          <p:spPr>
+            <a:xfrm>
+              <a:off x="-1003800" y="-466166"/>
+              <a:ext cx="2438153" cy="7991859"/>
+            </a:xfrm>
+            <a:prstGeom prst="rect">
+              <a:avLst/>
+            </a:prstGeom>
+            <a:solidFill>
+              <a:schemeClr val="bg1"/>
+            </a:solidFill>
+            <a:ln>
+              <a:noFill/>
+            </a:ln>
+            <a:effectLst/>
+          </p:spPr>
+          <p:style>
+            <a:lnRef idx="1">
+              <a:schemeClr val="accent1"/>
+            </a:lnRef>
+            <a:fillRef idx="3">
+              <a:schemeClr val="accent1"/>
+            </a:fillRef>
+            <a:effectRef idx="2">
+              <a:schemeClr val="accent1"/>
+            </a:effectRef>
+            <a:fontRef idx="minor">
+              <a:schemeClr val="lt1"/>
+            </a:fontRef>
+          </p:style>
+          <p:txBody>
+            <a:bodyPr rtlCol="0" anchor="ctr"/>
+            <a:lstStyle/>
+            <a:p>
+              <a:pPr algn="ctr"/>
+              <a:endParaRPr lang="en-US"/>
+            </a:p>
+          </p:txBody>
+        </p:sp>
+        <p:sp>
+          <p:nvSpPr>
+            <p:cNvPr id="13" name="Rectangle 12">
+              <a:extLst>
+                <a:ext uri="{FF2B5EF4-FFF2-40B4-BE49-F238E27FC236}">
+                  <a16:creationId xmlns:a16="http://schemas.microsoft.com/office/drawing/2014/main" id="{59E79061-0F2C-D245-8C96-A1AE6E3F404F}"/>
+                </a:ext>
+              </a:extLst>
+            </p:cNvPr>
+            <p:cNvSpPr/>
+            <p:nvPr/>
+          </p:nvSpPr>
+          <p:spPr>
+            <a:xfrm>
+              <a:off x="7541006" y="-313766"/>
+              <a:ext cx="2438153" cy="7991859"/>
+            </a:xfrm>
+            <a:prstGeom prst="rect">
+              <a:avLst/>
+            </a:prstGeom>
+            <a:solidFill>
+              <a:schemeClr val="bg1"/>
+            </a:solidFill>
+            <a:ln>
+              <a:noFill/>
+            </a:ln>
+            <a:effectLst/>
+          </p:spPr>
+          <p:style>
+            <a:lnRef idx="1">
+              <a:schemeClr val="accent1"/>
+            </a:lnRef>
+            <a:fillRef idx="3">
+              <a:schemeClr val="accent1"/>
+            </a:fillRef>
+            <a:effectRef idx="2">
+              <a:schemeClr val="accent1"/>
+            </a:effectRef>
+            <a:fontRef idx="minor">
+              <a:schemeClr val="lt1"/>
+            </a:fontRef>
+          </p:style>
+          <p:txBody>
+            <a:bodyPr rtlCol="0" anchor="ctr"/>
+            <a:lstStyle/>
+            <a:p>
+              <a:pPr algn="ctr"/>
+              <a:endParaRPr lang="en-US"/>
+            </a:p>
+          </p:txBody>
+        </p:sp>
+      </p:grpSp>
+      <p:sp>
+        <p:nvSpPr>
+          <p:cNvPr id="14" name="TextBox 13">
+            <a:extLst>
+              <a:ext uri="{FF2B5EF4-FFF2-40B4-BE49-F238E27FC236}">
+                <a16:creationId xmlns:a16="http://schemas.microsoft.com/office/drawing/2014/main" id="{176B3FAA-B472-0149-A837-57E30175E9D3}"/>
+              </a:ext>
+            </a:extLst>
+          </p:cNvPr>
+          <p:cNvSpPr txBox="1"/>
+          <p:nvPr/>
+        </p:nvSpPr>
+        <p:spPr>
+          <a:xfrm>
+            <a:off x="159004" y="550559"/>
+            <a:ext cx="2550698" cy="523220"/>
+          </a:xfrm>
+          <a:prstGeom prst="rect">
+            <a:avLst/>
+          </a:prstGeom>
+          <a:noFill/>
+        </p:spPr>
+        <p:txBody>
+          <a:bodyPr wrap="none" rtlCol="0">
+            <a:spAutoFit/>
+          </a:bodyPr>
+          <a:lstStyle/>
+          <a:p>
+            <a:r>
+              <a:rPr lang="en-US" sz="2800" dirty="0">
+                <a:latin typeface="Consolas" panose="020B0609020204030204" pitchFamily="49" charset="0"/>
+                <a:cs typeface="Consolas" panose="020B0609020204030204" pitchFamily="49" charset="0"/>
+              </a:rPr>
+              <a:t>Iteration 1:</a:t>
+            </a:r>
+          </a:p>
+        </p:txBody>
+      </p:sp>
+    </p:spTree>
+    <p:extLst>
+      <p:ext uri="{BB962C8B-B14F-4D97-AF65-F5344CB8AC3E}">
+        <p14:creationId xmlns:p14="http://schemas.microsoft.com/office/powerpoint/2010/main" val="2383957496"/>
+      </p:ext>
+    </p:extLst>
+  </p:cSld>
+  <p:clrMapOvr>
+    <a:masterClrMapping/>
+  </p:clrMapOvr>
+</p:sld>
+</file>
+
+<file path=ppt/slides/slide19.xml><?xml version="1.0" encoding="utf-8"?>
+<p:sld xmlns:a="http://schemas.openxmlformats.org/drawingml/2006/main" xmlns:r="http://schemas.openxmlformats.org/officeDocument/2006/relationships" xmlns:p="http://schemas.openxmlformats.org/presentationml/2006/main">
+  <p:cSld>
+    <p:spTree>
+      <p:nvGrpSpPr>
+        <p:cNvPr id="1" name=""/>
+        <p:cNvGrpSpPr/>
+        <p:nvPr/>
+      </p:nvGrpSpPr>
+      <p:grpSpPr>
+        <a:xfrm>
+          <a:off x="0" y="0"/>
+          <a:ext cx="0" cy="0"/>
+          <a:chOff x="0" y="0"/>
+          <a:chExt cx="0" cy="0"/>
+        </a:xfrm>
+      </p:grpSpPr>
+      <p:pic>
+        <p:nvPicPr>
+          <p:cNvPr id="3" name="Picture 2">
+            <a:extLst>
+              <a:ext uri="{FF2B5EF4-FFF2-40B4-BE49-F238E27FC236}">
+                <a16:creationId xmlns:a16="http://schemas.microsoft.com/office/drawing/2014/main" id="{C0BF7C0F-3743-464C-95D7-B6106C331A58}"/>
+              </a:ext>
+            </a:extLst>
+          </p:cNvPr>
+          <p:cNvPicPr>
+            <a:picLocks noChangeAspect="1"/>
+          </p:cNvPicPr>
+          <p:nvPr/>
+        </p:nvPicPr>
+        <p:blipFill>
+          <a:blip r:embed="rId2">
+            <a:alphaModFix/>
+          </a:blip>
+          <a:srcRect/>
+          <a:stretch/>
+        </p:blipFill>
+        <p:spPr>
+          <a:xfrm>
+            <a:off x="498952" y="-146006"/>
+            <a:ext cx="8109471" cy="7373344"/>
+          </a:xfrm>
+          <a:prstGeom prst="rect">
+            <a:avLst/>
+          </a:prstGeom>
+        </p:spPr>
+      </p:pic>
+      <p:sp>
+        <p:nvSpPr>
+          <p:cNvPr id="11" name="Oval 10">
+            <a:extLst>
+              <a:ext uri="{FF2B5EF4-FFF2-40B4-BE49-F238E27FC236}">
+                <a16:creationId xmlns:a16="http://schemas.microsoft.com/office/drawing/2014/main" id="{5256D292-66AA-FB4B-8196-89D03BFD4092}"/>
+              </a:ext>
+            </a:extLst>
+          </p:cNvPr>
+          <p:cNvSpPr/>
+          <p:nvPr/>
+        </p:nvSpPr>
+        <p:spPr>
+          <a:xfrm>
+            <a:off x="4012745" y="3382878"/>
+            <a:ext cx="80417" cy="71431"/>
+          </a:xfrm>
+          <a:prstGeom prst="ellipse">
+            <a:avLst/>
+          </a:prstGeom>
+          <a:solidFill>
+            <a:schemeClr val="tx1"/>
+          </a:solidFill>
+        </p:spPr>
+        <p:style>
+          <a:lnRef idx="1">
+            <a:schemeClr val="accent1"/>
+          </a:lnRef>
+          <a:fillRef idx="3">
+            <a:schemeClr val="accent1"/>
+          </a:fillRef>
+          <a:effectRef idx="2">
+            <a:schemeClr val="accent1"/>
+          </a:effectRef>
+          <a:fontRef idx="minor">
+            <a:schemeClr val="lt1"/>
+          </a:fontRef>
+        </p:style>
+        <p:txBody>
+          <a:bodyPr rtlCol="0" anchor="ctr"/>
+          <a:lstStyle/>
+          <a:p>
+            <a:pPr algn="ctr"/>
+            <a:endParaRPr lang="en-US"/>
+          </a:p>
+        </p:txBody>
+      </p:sp>
+      <p:sp>
+        <p:nvSpPr>
+          <p:cNvPr id="12" name="Oval 11">
+            <a:extLst>
+              <a:ext uri="{FF2B5EF4-FFF2-40B4-BE49-F238E27FC236}">
+                <a16:creationId xmlns:a16="http://schemas.microsoft.com/office/drawing/2014/main" id="{6744A6E0-271A-FD40-B463-E1627BFE33E9}"/>
+              </a:ext>
+            </a:extLst>
+          </p:cNvPr>
+          <p:cNvSpPr/>
+          <p:nvPr/>
+        </p:nvSpPr>
+        <p:spPr>
+          <a:xfrm>
+            <a:off x="4670161" y="3913688"/>
+            <a:ext cx="80417" cy="71431"/>
+          </a:xfrm>
+          <a:prstGeom prst="ellipse">
+            <a:avLst/>
+          </a:prstGeom>
+          <a:solidFill>
+            <a:schemeClr val="tx1"/>
+          </a:solidFill>
+        </p:spPr>
+        <p:style>
+          <a:lnRef idx="1">
+            <a:schemeClr val="accent1"/>
+          </a:lnRef>
+          <a:fillRef idx="3">
+            <a:schemeClr val="accent1"/>
+          </a:fillRef>
+          <a:effectRef idx="2">
+            <a:schemeClr val="accent1"/>
+          </a:effectRef>
+          <a:fontRef idx="minor">
+            <a:schemeClr val="lt1"/>
+          </a:fontRef>
+        </p:style>
+        <p:txBody>
+          <a:bodyPr rtlCol="0" anchor="ctr"/>
+          <a:lstStyle/>
+          <a:p>
+            <a:pPr algn="ctr"/>
+            <a:endParaRPr lang="en-US"/>
+          </a:p>
+        </p:txBody>
+      </p:sp>
+      <p:cxnSp>
+        <p:nvCxnSpPr>
+          <p:cNvPr id="13" name="Straight Connector 12">
+            <a:extLst>
+              <a:ext uri="{FF2B5EF4-FFF2-40B4-BE49-F238E27FC236}">
+                <a16:creationId xmlns:a16="http://schemas.microsoft.com/office/drawing/2014/main" id="{2002FE42-E6F4-D645-BA5A-62C2FBA140AF}"/>
+              </a:ext>
+            </a:extLst>
+          </p:cNvPr>
+          <p:cNvCxnSpPr>
+            <a:cxnSpLocks/>
+          </p:cNvCxnSpPr>
+          <p:nvPr/>
+        </p:nvCxnSpPr>
+        <p:spPr>
+          <a:xfrm flipH="1">
+            <a:off x="3276600" y="2533650"/>
+            <a:ext cx="2152651" cy="2343150"/>
+          </a:xfrm>
+          <a:prstGeom prst="line">
+            <a:avLst/>
+          </a:prstGeom>
+        </p:spPr>
+        <p:style>
+          <a:lnRef idx="2">
+            <a:schemeClr val="dk1"/>
+          </a:lnRef>
+          <a:fillRef idx="0">
+            <a:schemeClr val="dk1"/>
+          </a:fillRef>
+          <a:effectRef idx="1">
+            <a:schemeClr val="dk1"/>
+          </a:effectRef>
+          <a:fontRef idx="minor">
+            <a:schemeClr val="tx1"/>
+          </a:fontRef>
+        </p:style>
+      </p:cxnSp>
+      <p:grpSp>
+        <p:nvGrpSpPr>
+          <p:cNvPr id="16" name="Group 15">
+            <a:extLst>
+              <a:ext uri="{FF2B5EF4-FFF2-40B4-BE49-F238E27FC236}">
+                <a16:creationId xmlns:a16="http://schemas.microsoft.com/office/drawing/2014/main" id="{CB4E5A0D-6A48-144D-8386-8DC4858843E3}"/>
+              </a:ext>
+            </a:extLst>
+          </p:cNvPr>
+          <p:cNvGrpSpPr/>
+          <p:nvPr/>
+        </p:nvGrpSpPr>
+        <p:grpSpPr>
+          <a:xfrm>
+            <a:off x="-1003800" y="-466166"/>
+            <a:ext cx="10982959" cy="8144259"/>
+            <a:chOff x="-1003800" y="-466166"/>
+            <a:chExt cx="10982959" cy="8144259"/>
+          </a:xfrm>
+        </p:grpSpPr>
+        <p:sp>
+          <p:nvSpPr>
+            <p:cNvPr id="17" name="Rectangle 16">
+              <a:extLst>
+                <a:ext uri="{FF2B5EF4-FFF2-40B4-BE49-F238E27FC236}">
+                  <a16:creationId xmlns:a16="http://schemas.microsoft.com/office/drawing/2014/main" id="{F81AFF2F-EFDE-C54D-9BE2-E1AFCF84BCC8}"/>
+                </a:ext>
+              </a:extLst>
+            </p:cNvPr>
+            <p:cNvSpPr/>
+            <p:nvPr/>
+          </p:nvSpPr>
+          <p:spPr>
+            <a:xfrm>
+              <a:off x="0" y="0"/>
+              <a:ext cx="9144000" cy="1335388"/>
+            </a:xfrm>
+            <a:prstGeom prst="rect">
+              <a:avLst/>
+            </a:prstGeom>
+            <a:solidFill>
+              <a:schemeClr val="bg1"/>
+            </a:solidFill>
+            <a:ln>
+              <a:noFill/>
+            </a:ln>
+            <a:effectLst/>
+          </p:spPr>
+          <p:style>
+            <a:lnRef idx="1">
+              <a:schemeClr val="accent1"/>
+            </a:lnRef>
+            <a:fillRef idx="3">
+              <a:schemeClr val="accent1"/>
+            </a:fillRef>
+            <a:effectRef idx="2">
+              <a:schemeClr val="accent1"/>
+            </a:effectRef>
+            <a:fontRef idx="minor">
+              <a:schemeClr val="lt1"/>
+            </a:fontRef>
+          </p:style>
+          <p:txBody>
+            <a:bodyPr rtlCol="0" anchor="ctr"/>
+            <a:lstStyle/>
+            <a:p>
+              <a:pPr algn="ctr"/>
+              <a:endParaRPr lang="en-US"/>
+            </a:p>
+          </p:txBody>
+        </p:sp>
+        <p:sp>
+          <p:nvSpPr>
+            <p:cNvPr id="18" name="Rectangle 17">
+              <a:extLst>
+                <a:ext uri="{FF2B5EF4-FFF2-40B4-BE49-F238E27FC236}">
+                  <a16:creationId xmlns:a16="http://schemas.microsoft.com/office/drawing/2014/main" id="{5F80CF3B-18B7-F24B-A9E2-7DF9C29B2CF5}"/>
+                </a:ext>
+              </a:extLst>
+            </p:cNvPr>
+            <p:cNvSpPr/>
+            <p:nvPr/>
+          </p:nvSpPr>
+          <p:spPr>
+            <a:xfrm>
+              <a:off x="0" y="6190306"/>
+              <a:ext cx="9144000" cy="1335388"/>
+            </a:xfrm>
+            <a:prstGeom prst="rect">
+              <a:avLst/>
+            </a:prstGeom>
+            <a:solidFill>
+              <a:schemeClr val="bg1"/>
+            </a:solidFill>
+            <a:ln>
+              <a:noFill/>
+            </a:ln>
+            <a:effectLst/>
+          </p:spPr>
+          <p:style>
+            <a:lnRef idx="1">
+              <a:schemeClr val="accent1"/>
+            </a:lnRef>
+            <a:fillRef idx="3">
+              <a:schemeClr val="accent1"/>
+            </a:fillRef>
+            <a:effectRef idx="2">
+              <a:schemeClr val="accent1"/>
+            </a:effectRef>
+            <a:fontRef idx="minor">
+              <a:schemeClr val="lt1"/>
+            </a:fontRef>
+          </p:style>
+          <p:txBody>
+            <a:bodyPr rtlCol="0" anchor="ctr"/>
+            <a:lstStyle/>
+            <a:p>
+              <a:pPr algn="ctr"/>
+              <a:endParaRPr lang="en-US"/>
+            </a:p>
+          </p:txBody>
+        </p:sp>
+        <p:sp>
+          <p:nvSpPr>
+            <p:cNvPr id="19" name="Rectangle 18">
+              <a:extLst>
+                <a:ext uri="{FF2B5EF4-FFF2-40B4-BE49-F238E27FC236}">
+                  <a16:creationId xmlns:a16="http://schemas.microsoft.com/office/drawing/2014/main" id="{FAE23687-97CE-E44A-9F14-7642C359440B}"/>
+                </a:ext>
+              </a:extLst>
+            </p:cNvPr>
+            <p:cNvSpPr/>
+            <p:nvPr/>
+          </p:nvSpPr>
+          <p:spPr>
+            <a:xfrm>
+              <a:off x="-1003800" y="-466166"/>
+              <a:ext cx="2438153" cy="7991859"/>
+            </a:xfrm>
+            <a:prstGeom prst="rect">
+              <a:avLst/>
+            </a:prstGeom>
+            <a:solidFill>
+              <a:schemeClr val="bg1"/>
+            </a:solidFill>
+            <a:ln>
+              <a:noFill/>
+            </a:ln>
+            <a:effectLst/>
+          </p:spPr>
+          <p:style>
+            <a:lnRef idx="1">
+              <a:schemeClr val="accent1"/>
+            </a:lnRef>
+            <a:fillRef idx="3">
+              <a:schemeClr val="accent1"/>
+            </a:fillRef>
+            <a:effectRef idx="2">
+              <a:schemeClr val="accent1"/>
+            </a:effectRef>
+            <a:fontRef idx="minor">
+              <a:schemeClr val="lt1"/>
+            </a:fontRef>
+          </p:style>
+          <p:txBody>
+            <a:bodyPr rtlCol="0" anchor="ctr"/>
+            <a:lstStyle/>
+            <a:p>
+              <a:pPr algn="ctr"/>
+              <a:endParaRPr lang="en-US"/>
+            </a:p>
+          </p:txBody>
+        </p:sp>
+        <p:sp>
+          <p:nvSpPr>
+            <p:cNvPr id="20" name="Rectangle 19">
+              <a:extLst>
+                <a:ext uri="{FF2B5EF4-FFF2-40B4-BE49-F238E27FC236}">
+                  <a16:creationId xmlns:a16="http://schemas.microsoft.com/office/drawing/2014/main" id="{FFDAE2B5-FD7B-5443-950C-2B8BE9A724D3}"/>
+                </a:ext>
+              </a:extLst>
+            </p:cNvPr>
+            <p:cNvSpPr/>
+            <p:nvPr/>
+          </p:nvSpPr>
+          <p:spPr>
+            <a:xfrm>
+              <a:off x="7541006" y="-313766"/>
+              <a:ext cx="2438153" cy="7991859"/>
+            </a:xfrm>
+            <a:prstGeom prst="rect">
+              <a:avLst/>
+            </a:prstGeom>
+            <a:solidFill>
+              <a:schemeClr val="bg1"/>
+            </a:solidFill>
+            <a:ln>
+              <a:noFill/>
+            </a:ln>
+            <a:effectLst/>
+          </p:spPr>
+          <p:style>
+            <a:lnRef idx="1">
+              <a:schemeClr val="accent1"/>
+            </a:lnRef>
+            <a:fillRef idx="3">
+              <a:schemeClr val="accent1"/>
+            </a:fillRef>
+            <a:effectRef idx="2">
+              <a:schemeClr val="accent1"/>
+            </a:effectRef>
+            <a:fontRef idx="minor">
+              <a:schemeClr val="lt1"/>
+            </a:fontRef>
+          </p:style>
+          <p:txBody>
+            <a:bodyPr rtlCol="0" anchor="ctr"/>
+            <a:lstStyle/>
+            <a:p>
+              <a:pPr algn="ctr"/>
+              <a:endParaRPr lang="en-US"/>
+            </a:p>
+          </p:txBody>
+        </p:sp>
+      </p:grpSp>
+      <p:grpSp>
+        <p:nvGrpSpPr>
+          <p:cNvPr id="21" name="Group 20">
+            <a:extLst>
+              <a:ext uri="{FF2B5EF4-FFF2-40B4-BE49-F238E27FC236}">
+                <a16:creationId xmlns:a16="http://schemas.microsoft.com/office/drawing/2014/main" id="{06074318-90D0-3940-9399-67B6EA2D9EA4}"/>
+              </a:ext>
+            </a:extLst>
+          </p:cNvPr>
+          <p:cNvGrpSpPr/>
+          <p:nvPr/>
+        </p:nvGrpSpPr>
+        <p:grpSpPr>
+          <a:xfrm>
+            <a:off x="4162567" y="2570714"/>
+            <a:ext cx="4614672" cy="1342974"/>
+            <a:chOff x="4162567" y="2570714"/>
+            <a:chExt cx="4614672" cy="1342974"/>
+          </a:xfrm>
+        </p:grpSpPr>
+        <p:sp>
+          <p:nvSpPr>
+            <p:cNvPr id="22" name="TextBox 21">
+              <a:extLst>
+                <a:ext uri="{FF2B5EF4-FFF2-40B4-BE49-F238E27FC236}">
+                  <a16:creationId xmlns:a16="http://schemas.microsoft.com/office/drawing/2014/main" id="{76295768-6F51-9F48-A77B-346FCC4BF6F9}"/>
+                </a:ext>
+              </a:extLst>
+            </p:cNvPr>
+            <p:cNvSpPr txBox="1"/>
+            <p:nvPr/>
+          </p:nvSpPr>
+          <p:spPr>
+            <a:xfrm>
+              <a:off x="7694314" y="2570714"/>
+              <a:ext cx="1082925" cy="369332"/>
+            </a:xfrm>
+            <a:prstGeom prst="rect">
+              <a:avLst/>
+            </a:prstGeom>
+            <a:noFill/>
+          </p:spPr>
+          <p:txBody>
+            <a:bodyPr wrap="none" rtlCol="0">
+              <a:spAutoFit/>
+            </a:bodyPr>
+            <a:lstStyle/>
+            <a:p>
+              <a:r>
+                <a:rPr lang="en-US" dirty="0"/>
+                <a:t>Centroids</a:t>
+              </a:r>
+            </a:p>
+          </p:txBody>
+        </p:sp>
+        <p:cxnSp>
+          <p:nvCxnSpPr>
+            <p:cNvPr id="23" name="Straight Arrow Connector 22">
+              <a:extLst>
+                <a:ext uri="{FF2B5EF4-FFF2-40B4-BE49-F238E27FC236}">
+                  <a16:creationId xmlns:a16="http://schemas.microsoft.com/office/drawing/2014/main" id="{1B750238-2D40-0241-B3B9-1B89A452D191}"/>
+                </a:ext>
+              </a:extLst>
+            </p:cNvPr>
+            <p:cNvCxnSpPr>
+              <a:cxnSpLocks/>
+            </p:cNvCxnSpPr>
+            <p:nvPr/>
+          </p:nvCxnSpPr>
+          <p:spPr>
+            <a:xfrm flipV="1">
+              <a:off x="4162567" y="2685530"/>
+              <a:ext cx="3441150" cy="743470"/>
+            </a:xfrm>
+            <a:prstGeom prst="straightConnector1">
+              <a:avLst/>
+            </a:prstGeom>
+            <a:ln>
+              <a:solidFill>
+                <a:srgbClr val="0070C0"/>
+              </a:solidFill>
+              <a:prstDash val="dash"/>
+              <a:tailEnd type="triangle"/>
+            </a:ln>
+          </p:spPr>
+          <p:style>
+            <a:lnRef idx="2">
+              <a:schemeClr val="accent1"/>
+            </a:lnRef>
+            <a:fillRef idx="0">
+              <a:schemeClr val="accent1"/>
+            </a:fillRef>
+            <a:effectRef idx="1">
+              <a:schemeClr val="accent1"/>
+            </a:effectRef>
+            <a:fontRef idx="minor">
+              <a:schemeClr val="tx1"/>
+            </a:fontRef>
+          </p:style>
+        </p:cxnSp>
+        <p:cxnSp>
+          <p:nvCxnSpPr>
+            <p:cNvPr id="24" name="Straight Arrow Connector 23">
+              <a:extLst>
+                <a:ext uri="{FF2B5EF4-FFF2-40B4-BE49-F238E27FC236}">
+                  <a16:creationId xmlns:a16="http://schemas.microsoft.com/office/drawing/2014/main" id="{4199481F-61BE-594D-B803-64D163763E6A}"/>
+                </a:ext>
+              </a:extLst>
+            </p:cNvPr>
+            <p:cNvCxnSpPr>
+              <a:cxnSpLocks/>
+            </p:cNvCxnSpPr>
+            <p:nvPr/>
+          </p:nvCxnSpPr>
+          <p:spPr>
+            <a:xfrm flipV="1">
+              <a:off x="4817660" y="2844230"/>
+              <a:ext cx="2786057" cy="1069458"/>
+            </a:xfrm>
+            <a:prstGeom prst="straightConnector1">
+              <a:avLst/>
+            </a:prstGeom>
+            <a:ln>
+              <a:solidFill>
+                <a:srgbClr val="0070C0"/>
+              </a:solidFill>
+              <a:prstDash val="dash"/>
+              <a:tailEnd type="triangle"/>
+            </a:ln>
+          </p:spPr>
+          <p:style>
+            <a:lnRef idx="2">
+              <a:schemeClr val="accent1"/>
+            </a:lnRef>
+            <a:fillRef idx="0">
+              <a:schemeClr val="accent1"/>
+            </a:fillRef>
+            <a:effectRef idx="1">
+              <a:schemeClr val="accent1"/>
+            </a:effectRef>
+            <a:fontRef idx="minor">
+              <a:schemeClr val="tx1"/>
+            </a:fontRef>
+          </p:style>
+        </p:cxnSp>
+      </p:grpSp>
+      <p:grpSp>
+        <p:nvGrpSpPr>
+          <p:cNvPr id="25" name="Group 24">
+            <a:extLst>
+              <a:ext uri="{FF2B5EF4-FFF2-40B4-BE49-F238E27FC236}">
+                <a16:creationId xmlns:a16="http://schemas.microsoft.com/office/drawing/2014/main" id="{2B8B7CED-2D5F-4A40-A243-BF0C48730845}"/>
+              </a:ext>
+            </a:extLst>
+          </p:cNvPr>
+          <p:cNvGrpSpPr/>
+          <p:nvPr/>
+        </p:nvGrpSpPr>
+        <p:grpSpPr>
+          <a:xfrm>
+            <a:off x="3712191" y="4544704"/>
+            <a:ext cx="5336743" cy="932668"/>
+            <a:chOff x="1857160" y="2211206"/>
+            <a:chExt cx="5336743" cy="932668"/>
+          </a:xfrm>
+        </p:grpSpPr>
+        <p:sp>
+          <p:nvSpPr>
+            <p:cNvPr id="26" name="TextBox 25">
+              <a:extLst>
+                <a:ext uri="{FF2B5EF4-FFF2-40B4-BE49-F238E27FC236}">
+                  <a16:creationId xmlns:a16="http://schemas.microsoft.com/office/drawing/2014/main" id="{30289E21-BC1D-334F-8B72-05E0FE132588}"/>
+                </a:ext>
+              </a:extLst>
+            </p:cNvPr>
+            <p:cNvSpPr txBox="1"/>
+            <p:nvPr/>
+          </p:nvSpPr>
+          <p:spPr>
+            <a:xfrm>
+              <a:off x="5998191" y="2497543"/>
+              <a:ext cx="1195712" cy="646331"/>
+            </a:xfrm>
+            <a:prstGeom prst="rect">
+              <a:avLst/>
+            </a:prstGeom>
+            <a:noFill/>
+          </p:spPr>
+          <p:txBody>
+            <a:bodyPr wrap="none" rtlCol="0">
+              <a:spAutoFit/>
+            </a:bodyPr>
+            <a:lstStyle/>
+            <a:p>
+              <a:r>
+                <a:rPr lang="en-US" dirty="0"/>
+                <a:t>Separation</a:t>
+              </a:r>
+            </a:p>
+            <a:p>
+              <a:r>
+                <a:rPr lang="en-US" dirty="0"/>
+                <a:t>line</a:t>
+              </a:r>
+            </a:p>
+          </p:txBody>
+        </p:sp>
+        <p:cxnSp>
+          <p:nvCxnSpPr>
+            <p:cNvPr id="27" name="Straight Arrow Connector 26">
+              <a:extLst>
+                <a:ext uri="{FF2B5EF4-FFF2-40B4-BE49-F238E27FC236}">
+                  <a16:creationId xmlns:a16="http://schemas.microsoft.com/office/drawing/2014/main" id="{871C7789-5F80-4241-85E0-4BEE5439407F}"/>
+                </a:ext>
+              </a:extLst>
+            </p:cNvPr>
+            <p:cNvCxnSpPr>
+              <a:cxnSpLocks/>
+            </p:cNvCxnSpPr>
+            <p:nvPr/>
+          </p:nvCxnSpPr>
+          <p:spPr>
+            <a:xfrm>
+              <a:off x="1857160" y="2211206"/>
+              <a:ext cx="4106912" cy="597309"/>
+            </a:xfrm>
+            <a:prstGeom prst="straightConnector1">
+              <a:avLst/>
+            </a:prstGeom>
+            <a:ln>
+              <a:solidFill>
+                <a:srgbClr val="0070C0"/>
+              </a:solidFill>
+              <a:prstDash val="dash"/>
+              <a:tailEnd type="triangle"/>
+            </a:ln>
+          </p:spPr>
+          <p:style>
+            <a:lnRef idx="2">
+              <a:schemeClr val="accent1"/>
+            </a:lnRef>
+            <a:fillRef idx="0">
+              <a:schemeClr val="accent1"/>
+            </a:fillRef>
+            <a:effectRef idx="1">
+              <a:schemeClr val="accent1"/>
+            </a:effectRef>
+            <a:fontRef idx="minor">
+              <a:schemeClr val="tx1"/>
+            </a:fontRef>
+          </p:style>
+        </p:cxnSp>
+      </p:grpSp>
+      <p:sp>
+        <p:nvSpPr>
+          <p:cNvPr id="31" name="TextBox 30">
+            <a:extLst>
+              <a:ext uri="{FF2B5EF4-FFF2-40B4-BE49-F238E27FC236}">
+                <a16:creationId xmlns:a16="http://schemas.microsoft.com/office/drawing/2014/main" id="{496CB9E8-48C6-FB4C-B408-A0428C540D10}"/>
+              </a:ext>
+            </a:extLst>
+          </p:cNvPr>
+          <p:cNvSpPr txBox="1"/>
+          <p:nvPr/>
+        </p:nvSpPr>
+        <p:spPr>
+          <a:xfrm>
+            <a:off x="159004" y="550559"/>
+            <a:ext cx="2550698" cy="523220"/>
+          </a:xfrm>
+          <a:prstGeom prst="rect">
+            <a:avLst/>
+          </a:prstGeom>
+          <a:noFill/>
+        </p:spPr>
+        <p:txBody>
+          <a:bodyPr wrap="none" rtlCol="0">
+            <a:spAutoFit/>
+          </a:bodyPr>
+          <a:lstStyle/>
+          <a:p>
+            <a:r>
+              <a:rPr lang="en-US" sz="2800" dirty="0">
+                <a:latin typeface="Consolas" panose="020B0609020204030204" pitchFamily="49" charset="0"/>
+                <a:cs typeface="Consolas" panose="020B0609020204030204" pitchFamily="49" charset="0"/>
+              </a:rPr>
+              <a:t>Iteration 2:</a:t>
+            </a:r>
+          </a:p>
+        </p:txBody>
+      </p:sp>
+    </p:spTree>
+    <p:extLst>
+      <p:ext uri="{BB962C8B-B14F-4D97-AF65-F5344CB8AC3E}">
+        <p14:creationId xmlns:p14="http://schemas.microsoft.com/office/powerpoint/2010/main" val="3932720704"/>
+      </p:ext>
+    </p:extLst>
+  </p:cSld>
+  <p:clrMapOvr>
+    <a:masterClrMapping/>
+  </p:clrMapOvr>
+  <p:timing>
+    <p:tnLst>
+      <p:par>
+        <p:cTn id="1" dur="indefinite" restart="never" nodeType="tmRoot">
+          <p:childTnLst>
+            <p:seq concurrent="1" nextAc="seek">
+              <p:cTn id="2" dur="indefinite" nodeType="mainSeq">
+                <p:childTnLst>
+                  <p:par>
+                    <p:cTn id="3" fill="hold">
+                      <p:stCondLst>
+                        <p:cond delay="indefinite"/>
+                      </p:stCondLst>
+                      <p:childTnLst>
+                        <p:par>
+                          <p:cTn id="4" fill="hold">
+                            <p:stCondLst>
+                              <p:cond delay="0"/>
+                            </p:stCondLst>
+                            <p:childTnLst>
+                              <p:par>
+                                <p:cTn id="5" presetID="1" presetClass="entr" presetSubtype="0" fill="hold" grpId="0" nodeType="clickEffect">
+                                  <p:stCondLst>
+                                    <p:cond delay="0"/>
+                                  </p:stCondLst>
+                                  <p:childTnLst>
+                                    <p:set>
+                                      <p:cBhvr>
+                                        <p:cTn id="6" dur="1" fill="hold">
+                                          <p:stCondLst>
+                                            <p:cond delay="0"/>
+                                          </p:stCondLst>
+                                        </p:cTn>
+                                        <p:tgtEl>
+                                          <p:spTgt spid="12"/>
+                                        </p:tgtEl>
+                                        <p:attrNameLst>
+                                          <p:attrName>style.visibility</p:attrName>
+                                        </p:attrNameLst>
+                                      </p:cBhvr>
+                                      <p:to>
+                                        <p:strVal val="visible"/>
+                                      </p:to>
+                                    </p:set>
+                                  </p:childTnLst>
+                                </p:cTn>
+                              </p:par>
+                              <p:par>
+                                <p:cTn id="7" presetID="1" presetClass="entr" presetSubtype="0" fill="hold" grpId="0" nodeType="withEffect">
+                                  <p:stCondLst>
+                                    <p:cond delay="0"/>
+                                  </p:stCondLst>
+                                  <p:childTnLst>
+                                    <p:set>
+                                      <p:cBhvr>
+                                        <p:cTn id="8" dur="1" fill="hold">
+                                          <p:stCondLst>
+                                            <p:cond delay="0"/>
+                                          </p:stCondLst>
+                                        </p:cTn>
+                                        <p:tgtEl>
+                                          <p:spTgt spid="11"/>
+                                        </p:tgtEl>
+                                        <p:attrNameLst>
+                                          <p:attrName>style.visibility</p:attrName>
+                                        </p:attrNameLst>
+                                      </p:cBhvr>
+                                      <p:to>
+                                        <p:strVal val="visible"/>
+                                      </p:to>
+                                    </p:set>
+                                  </p:childTnLst>
+                                </p:cTn>
+                              </p:par>
+                            </p:childTnLst>
+                          </p:cTn>
+                        </p:par>
+                      </p:childTnLst>
+                    </p:cTn>
+                  </p:par>
+                  <p:par>
+                    <p:cTn id="9" fill="hold">
+                      <p:stCondLst>
+                        <p:cond delay="indefinite"/>
+                      </p:stCondLst>
+                      <p:childTnLst>
+                        <p:par>
+                          <p:cTn id="10" fill="hold">
+                            <p:stCondLst>
+                              <p:cond delay="0"/>
+                            </p:stCondLst>
+                            <p:childTnLst>
+                              <p:par>
+                                <p:cTn id="11" presetID="22" presetClass="entr" presetSubtype="4" fill="hold" nodeType="clickEffect">
+                                  <p:stCondLst>
+                                    <p:cond delay="0"/>
+                                  </p:stCondLst>
+                                  <p:childTnLst>
+                                    <p:set>
+                                      <p:cBhvr>
+                                        <p:cTn id="12" dur="1" fill="hold">
+                                          <p:stCondLst>
+                                            <p:cond delay="0"/>
+                                          </p:stCondLst>
+                                        </p:cTn>
+                                        <p:tgtEl>
+                                          <p:spTgt spid="13"/>
+                                        </p:tgtEl>
+                                        <p:attrNameLst>
+                                          <p:attrName>style.visibility</p:attrName>
+                                        </p:attrNameLst>
+                                      </p:cBhvr>
+                                      <p:to>
+                                        <p:strVal val="visible"/>
+                                      </p:to>
+                                    </p:set>
+                                    <p:animEffect transition="in" filter="wipe(down)">
+                                      <p:cBhvr>
+                                        <p:cTn id="13" dur="500"/>
+                                        <p:tgtEl>
+                                          <p:spTgt spid="13"/>
+                                        </p:tgtEl>
+                                      </p:cBhvr>
+                                    </p:animEffect>
+                                  </p:childTnLst>
+                                </p:cTn>
+                              </p:par>
+                            </p:childTnLst>
+                          </p:cTn>
+                        </p:par>
+                      </p:childTnLst>
+                    </p:cTn>
+                  </p:par>
+                  <p:par>
+                    <p:cTn id="14" fill="hold">
+                      <p:stCondLst>
+                        <p:cond delay="indefinite"/>
+                      </p:stCondLst>
+                      <p:childTnLst>
+                        <p:par>
+                          <p:cTn id="15" fill="hold">
+                            <p:stCondLst>
+                              <p:cond delay="0"/>
+                            </p:stCondLst>
+                            <p:childTnLst>
+                              <p:par>
+                                <p:cTn id="16" presetID="22" presetClass="entr" presetSubtype="8" fill="hold" nodeType="clickEffect">
+                                  <p:stCondLst>
+                                    <p:cond delay="0"/>
+                                  </p:stCondLst>
+                                  <p:childTnLst>
+                                    <p:set>
+                                      <p:cBhvr>
+                                        <p:cTn id="17" dur="1" fill="hold">
+                                          <p:stCondLst>
+                                            <p:cond delay="0"/>
+                                          </p:stCondLst>
+                                        </p:cTn>
+                                        <p:tgtEl>
+                                          <p:spTgt spid="21"/>
+                                        </p:tgtEl>
+                                        <p:attrNameLst>
+                                          <p:attrName>style.visibility</p:attrName>
+                                        </p:attrNameLst>
+                                      </p:cBhvr>
+                                      <p:to>
+                                        <p:strVal val="visible"/>
+                                      </p:to>
+                                    </p:set>
+                                    <p:animEffect transition="in" filter="wipe(left)">
+                                      <p:cBhvr>
+                                        <p:cTn id="18" dur="500"/>
+                                        <p:tgtEl>
+                                          <p:spTgt spid="21"/>
+                                        </p:tgtEl>
+                                      </p:cBhvr>
+                                    </p:animEffect>
+                                  </p:childTnLst>
+                                </p:cTn>
+                              </p:par>
+                            </p:childTnLst>
+                          </p:cTn>
+                        </p:par>
+                      </p:childTnLst>
+                    </p:cTn>
+                  </p:par>
+                  <p:par>
+                    <p:cTn id="19" fill="hold">
+                      <p:stCondLst>
+                        <p:cond delay="indefinite"/>
+                      </p:stCondLst>
+                      <p:childTnLst>
+                        <p:par>
+                          <p:cTn id="20" fill="hold">
+                            <p:stCondLst>
+                              <p:cond delay="0"/>
+                            </p:stCondLst>
+                            <p:childTnLst>
+                              <p:par>
+                                <p:cTn id="21" presetID="22" presetClass="entr" presetSubtype="8" fill="hold" nodeType="clickEffect">
+                                  <p:stCondLst>
+                                    <p:cond delay="0"/>
+                                  </p:stCondLst>
+                                  <p:childTnLst>
+                                    <p:set>
+                                      <p:cBhvr>
+                                        <p:cTn id="22" dur="1" fill="hold">
+                                          <p:stCondLst>
+                                            <p:cond delay="0"/>
+                                          </p:stCondLst>
+                                        </p:cTn>
+                                        <p:tgtEl>
+                                          <p:spTgt spid="25"/>
+                                        </p:tgtEl>
+                                        <p:attrNameLst>
+                                          <p:attrName>style.visibility</p:attrName>
+                                        </p:attrNameLst>
+                                      </p:cBhvr>
+                                      <p:to>
+                                        <p:strVal val="visible"/>
+                                      </p:to>
+                                    </p:set>
+                                    <p:animEffect transition="in" filter="wipe(left)">
+                                      <p:cBhvr>
+                                        <p:cTn id="23" dur="500"/>
+                                        <p:tgtEl>
+                                          <p:spTgt spid="25"/>
+                                        </p:tgtEl>
+                                      </p:cBhvr>
+                                    </p:animEffect>
+                                  </p:childTnLst>
+                                </p:cTn>
+                              </p:par>
+                            </p:childTnLst>
+                          </p:cTn>
+                        </p:par>
+                      </p:childTnLst>
+                    </p:cTn>
+                  </p:par>
+                  <p:par>
+                    <p:cTn id="24" fill="hold">
+                      <p:stCondLst>
+                        <p:cond delay="indefinite"/>
+                      </p:stCondLst>
+                      <p:childTnLst>
+                        <p:par>
+                          <p:cTn id="25" fill="hold">
+                            <p:stCondLst>
+                              <p:cond delay="0"/>
+                            </p:stCondLst>
+                            <p:childTnLst>
+                              <p:par>
+                                <p:cTn id="26" presetID="1" presetClass="entr" presetSubtype="0" fill="hold" grpId="0" nodeType="clickEffect">
+                                  <p:stCondLst>
+                                    <p:cond delay="0"/>
+                                  </p:stCondLst>
+                                  <p:childTnLst>
+                                    <p:set>
+                                      <p:cBhvr>
+                                        <p:cTn id="27" dur="1" fill="hold">
+                                          <p:stCondLst>
+                                            <p:cond delay="0"/>
+                                          </p:stCondLst>
+                                        </p:cTn>
+                                        <p:tgtEl>
+                                          <p:spTgt spid="31"/>
+                                        </p:tgtEl>
+                                        <p:attrNameLst>
+                                          <p:attrName>style.visibility</p:attrName>
+                                        </p:attrNameLst>
+                                      </p:cBhvr>
+                                      <p:to>
+                                        <p:strVal val="visible"/>
+                                      </p:to>
+                                    </p:set>
+                                  </p:childTnLst>
+                                </p:cTn>
+                              </p:par>
+                            </p:childTnLst>
+                          </p:cTn>
+                        </p:par>
+                      </p:childTnLst>
+                    </p:cTn>
+                  </p:par>
+                </p:childTnLst>
+              </p:cTn>
+              <p:prevCondLst>
+                <p:cond evt="onPrev" delay="0">
+                  <p:tgtEl>
+                    <p:sldTgt/>
+                  </p:tgtEl>
+                </p:cond>
+              </p:prevCondLst>
+              <p:nextCondLst>
+                <p:cond evt="onNext" delay="0">
+                  <p:tgtEl>
+                    <p:sldTgt/>
+                  </p:tgtEl>
+                </p:cond>
+              </p:nextCondLst>
+            </p:seq>
+          </p:childTnLst>
+        </p:cTn>
+      </p:par>
+    </p:tnLst>
+    <p:bldLst>
+      <p:bldP spid="11" grpId="0" animBg="1"/>
+      <p:bldP spid="12" grpId="0" animBg="1"/>
+      <p:bldP spid="31" grpId="0"/>
+    </p:bldLst>
+  </p:timing>
+</p:sld>
+</file>
+
 <file path=ppt/slides/slide2.xml><?xml version="1.0" encoding="utf-8"?>
 <p:sld xmlns:a="http://schemas.openxmlformats.org/drawingml/2006/main" xmlns:r="http://schemas.openxmlformats.org/officeDocument/2006/relationships" xmlns:p="http://schemas.openxmlformats.org/presentationml/2006/main">
   <p:cSld>
@@ -9535,6 +13181,3638 @@
     <p:extLst>
       <p:ext uri="{BB962C8B-B14F-4D97-AF65-F5344CB8AC3E}">
         <p14:creationId xmlns:p14="http://schemas.microsoft.com/office/powerpoint/2010/main" val="3919498860"/>
+      </p:ext>
+    </p:extLst>
+  </p:cSld>
+  <p:clrMapOvr>
+    <a:masterClrMapping/>
+  </p:clrMapOvr>
+</p:sld>
+</file>
+
+<file path=ppt/slides/slide20.xml><?xml version="1.0" encoding="utf-8"?>
+<p:sld xmlns:a="http://schemas.openxmlformats.org/drawingml/2006/main" xmlns:r="http://schemas.openxmlformats.org/officeDocument/2006/relationships" xmlns:p="http://schemas.openxmlformats.org/presentationml/2006/main">
+  <p:cSld>
+    <p:spTree>
+      <p:nvGrpSpPr>
+        <p:cNvPr id="1" name=""/>
+        <p:cNvGrpSpPr/>
+        <p:nvPr/>
+      </p:nvGrpSpPr>
+      <p:grpSpPr>
+        <a:xfrm>
+          <a:off x="0" y="0"/>
+          <a:ext cx="0" cy="0"/>
+          <a:chOff x="0" y="0"/>
+          <a:chExt cx="0" cy="0"/>
+        </a:xfrm>
+      </p:grpSpPr>
+      <p:pic>
+        <p:nvPicPr>
+          <p:cNvPr id="20" name="Picture 19">
+            <a:extLst>
+              <a:ext uri="{FF2B5EF4-FFF2-40B4-BE49-F238E27FC236}">
+                <a16:creationId xmlns:a16="http://schemas.microsoft.com/office/drawing/2014/main" id="{6AE23772-2C42-9B41-B235-997A2101D623}"/>
+              </a:ext>
+            </a:extLst>
+          </p:cNvPr>
+          <p:cNvPicPr>
+            <a:picLocks noChangeAspect="1"/>
+          </p:cNvPicPr>
+          <p:nvPr/>
+        </p:nvPicPr>
+        <p:blipFill>
+          <a:blip r:embed="rId2"/>
+          <a:srcRect/>
+          <a:stretch/>
+        </p:blipFill>
+        <p:spPr>
+          <a:xfrm>
+            <a:off x="774095" y="0"/>
+            <a:ext cx="7595808" cy="6857999"/>
+          </a:xfrm>
+          <a:prstGeom prst="rect">
+            <a:avLst/>
+          </a:prstGeom>
+        </p:spPr>
+      </p:pic>
+      <p:grpSp>
+        <p:nvGrpSpPr>
+          <p:cNvPr id="7" name="Group 6">
+            <a:extLst>
+              <a:ext uri="{FF2B5EF4-FFF2-40B4-BE49-F238E27FC236}">
+                <a16:creationId xmlns:a16="http://schemas.microsoft.com/office/drawing/2014/main" id="{18E48551-EE61-0A4C-A5BE-E671FEE348B5}"/>
+              </a:ext>
+            </a:extLst>
+          </p:cNvPr>
+          <p:cNvGrpSpPr/>
+          <p:nvPr/>
+        </p:nvGrpSpPr>
+        <p:grpSpPr>
+          <a:xfrm>
+            <a:off x="-1003800" y="-466166"/>
+            <a:ext cx="10982959" cy="8144259"/>
+            <a:chOff x="-1003800" y="-466166"/>
+            <a:chExt cx="10982959" cy="8144259"/>
+          </a:xfrm>
+        </p:grpSpPr>
+        <p:sp>
+          <p:nvSpPr>
+            <p:cNvPr id="8" name="Rectangle 7">
+              <a:extLst>
+                <a:ext uri="{FF2B5EF4-FFF2-40B4-BE49-F238E27FC236}">
+                  <a16:creationId xmlns:a16="http://schemas.microsoft.com/office/drawing/2014/main" id="{9BC54F7A-B617-0A4E-98B1-2D45A3DE29FA}"/>
+                </a:ext>
+              </a:extLst>
+            </p:cNvPr>
+            <p:cNvSpPr/>
+            <p:nvPr/>
+          </p:nvSpPr>
+          <p:spPr>
+            <a:xfrm>
+              <a:off x="0" y="0"/>
+              <a:ext cx="9144000" cy="1335388"/>
+            </a:xfrm>
+            <a:prstGeom prst="rect">
+              <a:avLst/>
+            </a:prstGeom>
+            <a:solidFill>
+              <a:schemeClr val="bg1"/>
+            </a:solidFill>
+            <a:ln>
+              <a:noFill/>
+            </a:ln>
+            <a:effectLst/>
+          </p:spPr>
+          <p:style>
+            <a:lnRef idx="1">
+              <a:schemeClr val="accent1"/>
+            </a:lnRef>
+            <a:fillRef idx="3">
+              <a:schemeClr val="accent1"/>
+            </a:fillRef>
+            <a:effectRef idx="2">
+              <a:schemeClr val="accent1"/>
+            </a:effectRef>
+            <a:fontRef idx="minor">
+              <a:schemeClr val="lt1"/>
+            </a:fontRef>
+          </p:style>
+          <p:txBody>
+            <a:bodyPr rtlCol="0" anchor="ctr"/>
+            <a:lstStyle/>
+            <a:p>
+              <a:pPr algn="ctr"/>
+              <a:endParaRPr lang="en-US"/>
+            </a:p>
+          </p:txBody>
+        </p:sp>
+        <p:sp>
+          <p:nvSpPr>
+            <p:cNvPr id="9" name="Rectangle 8">
+              <a:extLst>
+                <a:ext uri="{FF2B5EF4-FFF2-40B4-BE49-F238E27FC236}">
+                  <a16:creationId xmlns:a16="http://schemas.microsoft.com/office/drawing/2014/main" id="{378844B6-9560-D549-AA74-6BB4076EAF15}"/>
+                </a:ext>
+              </a:extLst>
+            </p:cNvPr>
+            <p:cNvSpPr/>
+            <p:nvPr/>
+          </p:nvSpPr>
+          <p:spPr>
+            <a:xfrm>
+              <a:off x="0" y="6190306"/>
+              <a:ext cx="9144000" cy="1335388"/>
+            </a:xfrm>
+            <a:prstGeom prst="rect">
+              <a:avLst/>
+            </a:prstGeom>
+            <a:solidFill>
+              <a:schemeClr val="bg1"/>
+            </a:solidFill>
+            <a:ln>
+              <a:noFill/>
+            </a:ln>
+            <a:effectLst/>
+          </p:spPr>
+          <p:style>
+            <a:lnRef idx="1">
+              <a:schemeClr val="accent1"/>
+            </a:lnRef>
+            <a:fillRef idx="3">
+              <a:schemeClr val="accent1"/>
+            </a:fillRef>
+            <a:effectRef idx="2">
+              <a:schemeClr val="accent1"/>
+            </a:effectRef>
+            <a:fontRef idx="minor">
+              <a:schemeClr val="lt1"/>
+            </a:fontRef>
+          </p:style>
+          <p:txBody>
+            <a:bodyPr rtlCol="0" anchor="ctr"/>
+            <a:lstStyle/>
+            <a:p>
+              <a:pPr algn="ctr"/>
+              <a:endParaRPr lang="en-US"/>
+            </a:p>
+          </p:txBody>
+        </p:sp>
+        <p:sp>
+          <p:nvSpPr>
+            <p:cNvPr id="10" name="Rectangle 9">
+              <a:extLst>
+                <a:ext uri="{FF2B5EF4-FFF2-40B4-BE49-F238E27FC236}">
+                  <a16:creationId xmlns:a16="http://schemas.microsoft.com/office/drawing/2014/main" id="{0EDA4C00-547F-8E48-B6BC-2BAA5CA529B8}"/>
+                </a:ext>
+              </a:extLst>
+            </p:cNvPr>
+            <p:cNvSpPr/>
+            <p:nvPr/>
+          </p:nvSpPr>
+          <p:spPr>
+            <a:xfrm>
+              <a:off x="-1003800" y="-466166"/>
+              <a:ext cx="2438153" cy="7991859"/>
+            </a:xfrm>
+            <a:prstGeom prst="rect">
+              <a:avLst/>
+            </a:prstGeom>
+            <a:solidFill>
+              <a:schemeClr val="bg1"/>
+            </a:solidFill>
+            <a:ln>
+              <a:noFill/>
+            </a:ln>
+            <a:effectLst/>
+          </p:spPr>
+          <p:style>
+            <a:lnRef idx="1">
+              <a:schemeClr val="accent1"/>
+            </a:lnRef>
+            <a:fillRef idx="3">
+              <a:schemeClr val="accent1"/>
+            </a:fillRef>
+            <a:effectRef idx="2">
+              <a:schemeClr val="accent1"/>
+            </a:effectRef>
+            <a:fontRef idx="minor">
+              <a:schemeClr val="lt1"/>
+            </a:fontRef>
+          </p:style>
+          <p:txBody>
+            <a:bodyPr rtlCol="0" anchor="ctr"/>
+            <a:lstStyle/>
+            <a:p>
+              <a:pPr algn="ctr"/>
+              <a:endParaRPr lang="en-US"/>
+            </a:p>
+          </p:txBody>
+        </p:sp>
+        <p:sp>
+          <p:nvSpPr>
+            <p:cNvPr id="11" name="Rectangle 10">
+              <a:extLst>
+                <a:ext uri="{FF2B5EF4-FFF2-40B4-BE49-F238E27FC236}">
+                  <a16:creationId xmlns:a16="http://schemas.microsoft.com/office/drawing/2014/main" id="{D6C275FF-A5F0-B54C-8559-B91D545E1AD5}"/>
+                </a:ext>
+              </a:extLst>
+            </p:cNvPr>
+            <p:cNvSpPr/>
+            <p:nvPr/>
+          </p:nvSpPr>
+          <p:spPr>
+            <a:xfrm>
+              <a:off x="7541006" y="-313766"/>
+              <a:ext cx="2438153" cy="7991859"/>
+            </a:xfrm>
+            <a:prstGeom prst="rect">
+              <a:avLst/>
+            </a:prstGeom>
+            <a:solidFill>
+              <a:schemeClr val="bg1"/>
+            </a:solidFill>
+            <a:ln>
+              <a:noFill/>
+            </a:ln>
+            <a:effectLst/>
+          </p:spPr>
+          <p:style>
+            <a:lnRef idx="1">
+              <a:schemeClr val="accent1"/>
+            </a:lnRef>
+            <a:fillRef idx="3">
+              <a:schemeClr val="accent1"/>
+            </a:fillRef>
+            <a:effectRef idx="2">
+              <a:schemeClr val="accent1"/>
+            </a:effectRef>
+            <a:fontRef idx="minor">
+              <a:schemeClr val="lt1"/>
+            </a:fontRef>
+          </p:style>
+          <p:txBody>
+            <a:bodyPr rtlCol="0" anchor="ctr"/>
+            <a:lstStyle/>
+            <a:p>
+              <a:pPr algn="ctr"/>
+              <a:endParaRPr lang="en-US"/>
+            </a:p>
+          </p:txBody>
+        </p:sp>
+      </p:grpSp>
+      <p:cxnSp>
+        <p:nvCxnSpPr>
+          <p:cNvPr id="12" name="Straight Connector 11">
+            <a:extLst>
+              <a:ext uri="{FF2B5EF4-FFF2-40B4-BE49-F238E27FC236}">
+                <a16:creationId xmlns:a16="http://schemas.microsoft.com/office/drawing/2014/main" id="{0632F895-4912-2E49-9090-E21A7A03A964}"/>
+              </a:ext>
+            </a:extLst>
+          </p:cNvPr>
+          <p:cNvCxnSpPr>
+            <a:cxnSpLocks/>
+          </p:cNvCxnSpPr>
+          <p:nvPr/>
+        </p:nvCxnSpPr>
+        <p:spPr>
+          <a:xfrm flipH="1">
+            <a:off x="3254992" y="2504364"/>
+            <a:ext cx="2224584" cy="2388358"/>
+          </a:xfrm>
+          <a:prstGeom prst="line">
+            <a:avLst/>
+          </a:prstGeom>
+        </p:spPr>
+        <p:style>
+          <a:lnRef idx="2">
+            <a:schemeClr val="dk1"/>
+          </a:lnRef>
+          <a:fillRef idx="0">
+            <a:schemeClr val="dk1"/>
+          </a:fillRef>
+          <a:effectRef idx="1">
+            <a:schemeClr val="dk1"/>
+          </a:effectRef>
+          <a:fontRef idx="minor">
+            <a:schemeClr val="tx1"/>
+          </a:fontRef>
+        </p:style>
+      </p:cxnSp>
+      <p:sp>
+        <p:nvSpPr>
+          <p:cNvPr id="15" name="TextBox 14">
+            <a:extLst>
+              <a:ext uri="{FF2B5EF4-FFF2-40B4-BE49-F238E27FC236}">
+                <a16:creationId xmlns:a16="http://schemas.microsoft.com/office/drawing/2014/main" id="{7B0B7464-5381-3E4F-9E0D-9F44592DA5FE}"/>
+              </a:ext>
+            </a:extLst>
+          </p:cNvPr>
+          <p:cNvSpPr txBox="1"/>
+          <p:nvPr/>
+        </p:nvSpPr>
+        <p:spPr>
+          <a:xfrm>
+            <a:off x="159004" y="550559"/>
+            <a:ext cx="2550698" cy="523220"/>
+          </a:xfrm>
+          <a:prstGeom prst="rect">
+            <a:avLst/>
+          </a:prstGeom>
+          <a:noFill/>
+        </p:spPr>
+        <p:txBody>
+          <a:bodyPr wrap="none" rtlCol="0">
+            <a:spAutoFit/>
+          </a:bodyPr>
+          <a:lstStyle/>
+          <a:p>
+            <a:r>
+              <a:rPr lang="en-US" sz="2800" dirty="0">
+                <a:latin typeface="Consolas" panose="020B0609020204030204" pitchFamily="49" charset="0"/>
+                <a:cs typeface="Consolas" panose="020B0609020204030204" pitchFamily="49" charset="0"/>
+              </a:rPr>
+              <a:t>Iteration 3:</a:t>
+            </a:r>
+          </a:p>
+        </p:txBody>
+      </p:sp>
+    </p:spTree>
+    <p:extLst>
+      <p:ext uri="{BB962C8B-B14F-4D97-AF65-F5344CB8AC3E}">
+        <p14:creationId xmlns:p14="http://schemas.microsoft.com/office/powerpoint/2010/main" val="3126233934"/>
+      </p:ext>
+    </p:extLst>
+  </p:cSld>
+  <p:clrMapOvr>
+    <a:masterClrMapping/>
+  </p:clrMapOvr>
+</p:sld>
+</file>
+
+<file path=ppt/slides/slide21.xml><?xml version="1.0" encoding="utf-8"?>
+<p:sld xmlns:a="http://schemas.openxmlformats.org/drawingml/2006/main" xmlns:r="http://schemas.openxmlformats.org/officeDocument/2006/relationships" xmlns:p="http://schemas.openxmlformats.org/presentationml/2006/main">
+  <p:cSld>
+    <p:spTree>
+      <p:nvGrpSpPr>
+        <p:cNvPr id="1" name=""/>
+        <p:cNvGrpSpPr/>
+        <p:nvPr/>
+      </p:nvGrpSpPr>
+      <p:grpSpPr>
+        <a:xfrm>
+          <a:off x="0" y="0"/>
+          <a:ext cx="0" cy="0"/>
+          <a:chOff x="0" y="0"/>
+          <a:chExt cx="0" cy="0"/>
+        </a:xfrm>
+      </p:grpSpPr>
+      <p:pic>
+        <p:nvPicPr>
+          <p:cNvPr id="20" name="Picture 19">
+            <a:extLst>
+              <a:ext uri="{FF2B5EF4-FFF2-40B4-BE49-F238E27FC236}">
+                <a16:creationId xmlns:a16="http://schemas.microsoft.com/office/drawing/2014/main" id="{6AE23772-2C42-9B41-B235-997A2101D623}"/>
+              </a:ext>
+            </a:extLst>
+          </p:cNvPr>
+          <p:cNvPicPr>
+            <a:picLocks noChangeAspect="1"/>
+          </p:cNvPicPr>
+          <p:nvPr/>
+        </p:nvPicPr>
+        <p:blipFill>
+          <a:blip r:embed="rId2"/>
+          <a:srcRect/>
+          <a:stretch/>
+        </p:blipFill>
+        <p:spPr>
+          <a:xfrm>
+            <a:off x="774095" y="0"/>
+            <a:ext cx="7595809" cy="6857999"/>
+          </a:xfrm>
+          <a:prstGeom prst="rect">
+            <a:avLst/>
+          </a:prstGeom>
+        </p:spPr>
+      </p:pic>
+      <p:grpSp>
+        <p:nvGrpSpPr>
+          <p:cNvPr id="3" name="Group 2">
+            <a:extLst>
+              <a:ext uri="{FF2B5EF4-FFF2-40B4-BE49-F238E27FC236}">
+                <a16:creationId xmlns:a16="http://schemas.microsoft.com/office/drawing/2014/main" id="{052785C0-2FE2-5746-A7FE-7C1F409891A8}"/>
+              </a:ext>
+            </a:extLst>
+          </p:cNvPr>
+          <p:cNvGrpSpPr/>
+          <p:nvPr/>
+        </p:nvGrpSpPr>
+        <p:grpSpPr>
+          <a:xfrm>
+            <a:off x="-1003800" y="-466166"/>
+            <a:ext cx="10982959" cy="8144259"/>
+            <a:chOff x="-1003800" y="-466166"/>
+            <a:chExt cx="10982959" cy="8144259"/>
+          </a:xfrm>
+        </p:grpSpPr>
+        <p:sp>
+          <p:nvSpPr>
+            <p:cNvPr id="4" name="Rectangle 3">
+              <a:extLst>
+                <a:ext uri="{FF2B5EF4-FFF2-40B4-BE49-F238E27FC236}">
+                  <a16:creationId xmlns:a16="http://schemas.microsoft.com/office/drawing/2014/main" id="{27B54475-BFDB-B94E-9153-3D4C571EED35}"/>
+                </a:ext>
+              </a:extLst>
+            </p:cNvPr>
+            <p:cNvSpPr/>
+            <p:nvPr/>
+          </p:nvSpPr>
+          <p:spPr>
+            <a:xfrm>
+              <a:off x="0" y="0"/>
+              <a:ext cx="9144000" cy="1335388"/>
+            </a:xfrm>
+            <a:prstGeom prst="rect">
+              <a:avLst/>
+            </a:prstGeom>
+            <a:solidFill>
+              <a:schemeClr val="bg1"/>
+            </a:solidFill>
+            <a:ln>
+              <a:noFill/>
+            </a:ln>
+            <a:effectLst/>
+          </p:spPr>
+          <p:style>
+            <a:lnRef idx="1">
+              <a:schemeClr val="accent1"/>
+            </a:lnRef>
+            <a:fillRef idx="3">
+              <a:schemeClr val="accent1"/>
+            </a:fillRef>
+            <a:effectRef idx="2">
+              <a:schemeClr val="accent1"/>
+            </a:effectRef>
+            <a:fontRef idx="minor">
+              <a:schemeClr val="lt1"/>
+            </a:fontRef>
+          </p:style>
+          <p:txBody>
+            <a:bodyPr rtlCol="0" anchor="ctr"/>
+            <a:lstStyle/>
+            <a:p>
+              <a:pPr algn="ctr"/>
+              <a:endParaRPr lang="en-US"/>
+            </a:p>
+          </p:txBody>
+        </p:sp>
+        <p:sp>
+          <p:nvSpPr>
+            <p:cNvPr id="5" name="Rectangle 4">
+              <a:extLst>
+                <a:ext uri="{FF2B5EF4-FFF2-40B4-BE49-F238E27FC236}">
+                  <a16:creationId xmlns:a16="http://schemas.microsoft.com/office/drawing/2014/main" id="{0B469D48-7866-6D46-9153-C124CBD01792}"/>
+                </a:ext>
+              </a:extLst>
+            </p:cNvPr>
+            <p:cNvSpPr/>
+            <p:nvPr/>
+          </p:nvSpPr>
+          <p:spPr>
+            <a:xfrm>
+              <a:off x="0" y="6190306"/>
+              <a:ext cx="9144000" cy="1335388"/>
+            </a:xfrm>
+            <a:prstGeom prst="rect">
+              <a:avLst/>
+            </a:prstGeom>
+            <a:solidFill>
+              <a:schemeClr val="bg1"/>
+            </a:solidFill>
+            <a:ln>
+              <a:noFill/>
+            </a:ln>
+            <a:effectLst/>
+          </p:spPr>
+          <p:style>
+            <a:lnRef idx="1">
+              <a:schemeClr val="accent1"/>
+            </a:lnRef>
+            <a:fillRef idx="3">
+              <a:schemeClr val="accent1"/>
+            </a:fillRef>
+            <a:effectRef idx="2">
+              <a:schemeClr val="accent1"/>
+            </a:effectRef>
+            <a:fontRef idx="minor">
+              <a:schemeClr val="lt1"/>
+            </a:fontRef>
+          </p:style>
+          <p:txBody>
+            <a:bodyPr rtlCol="0" anchor="ctr"/>
+            <a:lstStyle/>
+            <a:p>
+              <a:pPr algn="ctr"/>
+              <a:endParaRPr lang="en-US"/>
+            </a:p>
+          </p:txBody>
+        </p:sp>
+        <p:sp>
+          <p:nvSpPr>
+            <p:cNvPr id="6" name="Rectangle 5">
+              <a:extLst>
+                <a:ext uri="{FF2B5EF4-FFF2-40B4-BE49-F238E27FC236}">
+                  <a16:creationId xmlns:a16="http://schemas.microsoft.com/office/drawing/2014/main" id="{C3B7B3AA-93D8-ED4D-A539-9792633D6327}"/>
+                </a:ext>
+              </a:extLst>
+            </p:cNvPr>
+            <p:cNvSpPr/>
+            <p:nvPr/>
+          </p:nvSpPr>
+          <p:spPr>
+            <a:xfrm>
+              <a:off x="-1003800" y="-466166"/>
+              <a:ext cx="2438153" cy="7991859"/>
+            </a:xfrm>
+            <a:prstGeom prst="rect">
+              <a:avLst/>
+            </a:prstGeom>
+            <a:solidFill>
+              <a:schemeClr val="bg1"/>
+            </a:solidFill>
+            <a:ln>
+              <a:noFill/>
+            </a:ln>
+            <a:effectLst/>
+          </p:spPr>
+          <p:style>
+            <a:lnRef idx="1">
+              <a:schemeClr val="accent1"/>
+            </a:lnRef>
+            <a:fillRef idx="3">
+              <a:schemeClr val="accent1"/>
+            </a:fillRef>
+            <a:effectRef idx="2">
+              <a:schemeClr val="accent1"/>
+            </a:effectRef>
+            <a:fontRef idx="minor">
+              <a:schemeClr val="lt1"/>
+            </a:fontRef>
+          </p:style>
+          <p:txBody>
+            <a:bodyPr rtlCol="0" anchor="ctr"/>
+            <a:lstStyle/>
+            <a:p>
+              <a:pPr algn="ctr"/>
+              <a:endParaRPr lang="en-US"/>
+            </a:p>
+          </p:txBody>
+        </p:sp>
+        <p:sp>
+          <p:nvSpPr>
+            <p:cNvPr id="7" name="Rectangle 6">
+              <a:extLst>
+                <a:ext uri="{FF2B5EF4-FFF2-40B4-BE49-F238E27FC236}">
+                  <a16:creationId xmlns:a16="http://schemas.microsoft.com/office/drawing/2014/main" id="{CC9BFF4D-A5C3-B54D-98E3-70A323D733E8}"/>
+                </a:ext>
+              </a:extLst>
+            </p:cNvPr>
+            <p:cNvSpPr/>
+            <p:nvPr/>
+          </p:nvSpPr>
+          <p:spPr>
+            <a:xfrm>
+              <a:off x="7541006" y="-313766"/>
+              <a:ext cx="2438153" cy="7991859"/>
+            </a:xfrm>
+            <a:prstGeom prst="rect">
+              <a:avLst/>
+            </a:prstGeom>
+            <a:solidFill>
+              <a:schemeClr val="bg1"/>
+            </a:solidFill>
+            <a:ln>
+              <a:noFill/>
+            </a:ln>
+            <a:effectLst/>
+          </p:spPr>
+          <p:style>
+            <a:lnRef idx="1">
+              <a:schemeClr val="accent1"/>
+            </a:lnRef>
+            <a:fillRef idx="3">
+              <a:schemeClr val="accent1"/>
+            </a:fillRef>
+            <a:effectRef idx="2">
+              <a:schemeClr val="accent1"/>
+            </a:effectRef>
+            <a:fontRef idx="minor">
+              <a:schemeClr val="lt1"/>
+            </a:fontRef>
+          </p:style>
+          <p:txBody>
+            <a:bodyPr rtlCol="0" anchor="ctr"/>
+            <a:lstStyle/>
+            <a:p>
+              <a:pPr algn="ctr"/>
+              <a:endParaRPr lang="en-US"/>
+            </a:p>
+          </p:txBody>
+        </p:sp>
+      </p:grpSp>
+      <p:cxnSp>
+        <p:nvCxnSpPr>
+          <p:cNvPr id="8" name="Straight Connector 7">
+            <a:extLst>
+              <a:ext uri="{FF2B5EF4-FFF2-40B4-BE49-F238E27FC236}">
+                <a16:creationId xmlns:a16="http://schemas.microsoft.com/office/drawing/2014/main" id="{CEB91187-C15D-1041-82E0-03C656B009E7}"/>
+              </a:ext>
+            </a:extLst>
+          </p:cNvPr>
+          <p:cNvCxnSpPr>
+            <a:cxnSpLocks/>
+          </p:cNvCxnSpPr>
+          <p:nvPr/>
+        </p:nvCxnSpPr>
+        <p:spPr>
+          <a:xfrm flipH="1">
+            <a:off x="3220872" y="2586251"/>
+            <a:ext cx="2333767" cy="2190465"/>
+          </a:xfrm>
+          <a:prstGeom prst="line">
+            <a:avLst/>
+          </a:prstGeom>
+        </p:spPr>
+        <p:style>
+          <a:lnRef idx="2">
+            <a:schemeClr val="dk1"/>
+          </a:lnRef>
+          <a:fillRef idx="0">
+            <a:schemeClr val="dk1"/>
+          </a:fillRef>
+          <a:effectRef idx="1">
+            <a:schemeClr val="dk1"/>
+          </a:effectRef>
+          <a:fontRef idx="minor">
+            <a:schemeClr val="tx1"/>
+          </a:fontRef>
+        </p:style>
+      </p:cxnSp>
+      <p:sp>
+        <p:nvSpPr>
+          <p:cNvPr id="13" name="TextBox 12">
+            <a:extLst>
+              <a:ext uri="{FF2B5EF4-FFF2-40B4-BE49-F238E27FC236}">
+                <a16:creationId xmlns:a16="http://schemas.microsoft.com/office/drawing/2014/main" id="{5A79CFC8-E4A2-954B-A0C7-BA8413ADEDB3}"/>
+              </a:ext>
+            </a:extLst>
+          </p:cNvPr>
+          <p:cNvSpPr txBox="1"/>
+          <p:nvPr/>
+        </p:nvSpPr>
+        <p:spPr>
+          <a:xfrm>
+            <a:off x="159004" y="550559"/>
+            <a:ext cx="2550698" cy="523220"/>
+          </a:xfrm>
+          <a:prstGeom prst="rect">
+            <a:avLst/>
+          </a:prstGeom>
+          <a:noFill/>
+        </p:spPr>
+        <p:txBody>
+          <a:bodyPr wrap="none" rtlCol="0">
+            <a:spAutoFit/>
+          </a:bodyPr>
+          <a:lstStyle/>
+          <a:p>
+            <a:r>
+              <a:rPr lang="en-US" sz="2800" dirty="0">
+                <a:latin typeface="Consolas" panose="020B0609020204030204" pitchFamily="49" charset="0"/>
+                <a:cs typeface="Consolas" panose="020B0609020204030204" pitchFamily="49" charset="0"/>
+              </a:rPr>
+              <a:t>Iteration 4:</a:t>
+            </a:r>
+          </a:p>
+        </p:txBody>
+      </p:sp>
+    </p:spTree>
+    <p:extLst>
+      <p:ext uri="{BB962C8B-B14F-4D97-AF65-F5344CB8AC3E}">
+        <p14:creationId xmlns:p14="http://schemas.microsoft.com/office/powerpoint/2010/main" val="783376361"/>
+      </p:ext>
+    </p:extLst>
+  </p:cSld>
+  <p:clrMapOvr>
+    <a:masterClrMapping/>
+  </p:clrMapOvr>
+</p:sld>
+</file>
+
+<file path=ppt/slides/slide22.xml><?xml version="1.0" encoding="utf-8"?>
+<p:sld xmlns:a="http://schemas.openxmlformats.org/drawingml/2006/main" xmlns:r="http://schemas.openxmlformats.org/officeDocument/2006/relationships" xmlns:p="http://schemas.openxmlformats.org/presentationml/2006/main">
+  <p:cSld>
+    <p:spTree>
+      <p:nvGrpSpPr>
+        <p:cNvPr id="1" name=""/>
+        <p:cNvGrpSpPr/>
+        <p:nvPr/>
+      </p:nvGrpSpPr>
+      <p:grpSpPr>
+        <a:xfrm>
+          <a:off x="0" y="0"/>
+          <a:ext cx="0" cy="0"/>
+          <a:chOff x="0" y="0"/>
+          <a:chExt cx="0" cy="0"/>
+        </a:xfrm>
+      </p:grpSpPr>
+      <p:pic>
+        <p:nvPicPr>
+          <p:cNvPr id="20" name="Picture 19">
+            <a:extLst>
+              <a:ext uri="{FF2B5EF4-FFF2-40B4-BE49-F238E27FC236}">
+                <a16:creationId xmlns:a16="http://schemas.microsoft.com/office/drawing/2014/main" id="{6AE23772-2C42-9B41-B235-997A2101D623}"/>
+              </a:ext>
+            </a:extLst>
+          </p:cNvPr>
+          <p:cNvPicPr>
+            <a:picLocks noChangeAspect="1"/>
+          </p:cNvPicPr>
+          <p:nvPr/>
+        </p:nvPicPr>
+        <p:blipFill>
+          <a:blip r:embed="rId2"/>
+          <a:srcRect/>
+          <a:stretch/>
+        </p:blipFill>
+        <p:spPr>
+          <a:xfrm>
+            <a:off x="774095" y="0"/>
+            <a:ext cx="7595809" cy="6858000"/>
+          </a:xfrm>
+          <a:prstGeom prst="rect">
+            <a:avLst/>
+          </a:prstGeom>
+        </p:spPr>
+      </p:pic>
+      <p:grpSp>
+        <p:nvGrpSpPr>
+          <p:cNvPr id="3" name="Group 2">
+            <a:extLst>
+              <a:ext uri="{FF2B5EF4-FFF2-40B4-BE49-F238E27FC236}">
+                <a16:creationId xmlns:a16="http://schemas.microsoft.com/office/drawing/2014/main" id="{C8BA6794-6CEC-E44F-83A1-63C6C1B1ECF4}"/>
+              </a:ext>
+            </a:extLst>
+          </p:cNvPr>
+          <p:cNvGrpSpPr/>
+          <p:nvPr/>
+        </p:nvGrpSpPr>
+        <p:grpSpPr>
+          <a:xfrm>
+            <a:off x="-1003800" y="-466166"/>
+            <a:ext cx="10982959" cy="8144259"/>
+            <a:chOff x="-1003800" y="-466166"/>
+            <a:chExt cx="10982959" cy="8144259"/>
+          </a:xfrm>
+        </p:grpSpPr>
+        <p:sp>
+          <p:nvSpPr>
+            <p:cNvPr id="4" name="Rectangle 3">
+              <a:extLst>
+                <a:ext uri="{FF2B5EF4-FFF2-40B4-BE49-F238E27FC236}">
+                  <a16:creationId xmlns:a16="http://schemas.microsoft.com/office/drawing/2014/main" id="{6D6FB236-6E8F-214F-ACC9-48756B6FD033}"/>
+                </a:ext>
+              </a:extLst>
+            </p:cNvPr>
+            <p:cNvSpPr/>
+            <p:nvPr/>
+          </p:nvSpPr>
+          <p:spPr>
+            <a:xfrm>
+              <a:off x="0" y="0"/>
+              <a:ext cx="9144000" cy="1335388"/>
+            </a:xfrm>
+            <a:prstGeom prst="rect">
+              <a:avLst/>
+            </a:prstGeom>
+            <a:solidFill>
+              <a:schemeClr val="bg1"/>
+            </a:solidFill>
+            <a:ln>
+              <a:noFill/>
+            </a:ln>
+            <a:effectLst/>
+          </p:spPr>
+          <p:style>
+            <a:lnRef idx="1">
+              <a:schemeClr val="accent1"/>
+            </a:lnRef>
+            <a:fillRef idx="3">
+              <a:schemeClr val="accent1"/>
+            </a:fillRef>
+            <a:effectRef idx="2">
+              <a:schemeClr val="accent1"/>
+            </a:effectRef>
+            <a:fontRef idx="minor">
+              <a:schemeClr val="lt1"/>
+            </a:fontRef>
+          </p:style>
+          <p:txBody>
+            <a:bodyPr rtlCol="0" anchor="ctr"/>
+            <a:lstStyle/>
+            <a:p>
+              <a:pPr algn="ctr"/>
+              <a:endParaRPr lang="en-US"/>
+            </a:p>
+          </p:txBody>
+        </p:sp>
+        <p:sp>
+          <p:nvSpPr>
+            <p:cNvPr id="5" name="Rectangle 4">
+              <a:extLst>
+                <a:ext uri="{FF2B5EF4-FFF2-40B4-BE49-F238E27FC236}">
+                  <a16:creationId xmlns:a16="http://schemas.microsoft.com/office/drawing/2014/main" id="{8C6961CC-5151-464D-BDD7-13541144CAE8}"/>
+                </a:ext>
+              </a:extLst>
+            </p:cNvPr>
+            <p:cNvSpPr/>
+            <p:nvPr/>
+          </p:nvSpPr>
+          <p:spPr>
+            <a:xfrm>
+              <a:off x="0" y="6190306"/>
+              <a:ext cx="9144000" cy="1335388"/>
+            </a:xfrm>
+            <a:prstGeom prst="rect">
+              <a:avLst/>
+            </a:prstGeom>
+            <a:solidFill>
+              <a:schemeClr val="bg1"/>
+            </a:solidFill>
+            <a:ln>
+              <a:noFill/>
+            </a:ln>
+            <a:effectLst/>
+          </p:spPr>
+          <p:style>
+            <a:lnRef idx="1">
+              <a:schemeClr val="accent1"/>
+            </a:lnRef>
+            <a:fillRef idx="3">
+              <a:schemeClr val="accent1"/>
+            </a:fillRef>
+            <a:effectRef idx="2">
+              <a:schemeClr val="accent1"/>
+            </a:effectRef>
+            <a:fontRef idx="minor">
+              <a:schemeClr val="lt1"/>
+            </a:fontRef>
+          </p:style>
+          <p:txBody>
+            <a:bodyPr rtlCol="0" anchor="ctr"/>
+            <a:lstStyle/>
+            <a:p>
+              <a:pPr algn="ctr"/>
+              <a:endParaRPr lang="en-US"/>
+            </a:p>
+          </p:txBody>
+        </p:sp>
+        <p:sp>
+          <p:nvSpPr>
+            <p:cNvPr id="6" name="Rectangle 5">
+              <a:extLst>
+                <a:ext uri="{FF2B5EF4-FFF2-40B4-BE49-F238E27FC236}">
+                  <a16:creationId xmlns:a16="http://schemas.microsoft.com/office/drawing/2014/main" id="{78A9DF8F-7816-6642-B207-0E18FF111840}"/>
+                </a:ext>
+              </a:extLst>
+            </p:cNvPr>
+            <p:cNvSpPr/>
+            <p:nvPr/>
+          </p:nvSpPr>
+          <p:spPr>
+            <a:xfrm>
+              <a:off x="-1003800" y="-466166"/>
+              <a:ext cx="2438153" cy="7991859"/>
+            </a:xfrm>
+            <a:prstGeom prst="rect">
+              <a:avLst/>
+            </a:prstGeom>
+            <a:solidFill>
+              <a:schemeClr val="bg1"/>
+            </a:solidFill>
+            <a:ln>
+              <a:noFill/>
+            </a:ln>
+            <a:effectLst/>
+          </p:spPr>
+          <p:style>
+            <a:lnRef idx="1">
+              <a:schemeClr val="accent1"/>
+            </a:lnRef>
+            <a:fillRef idx="3">
+              <a:schemeClr val="accent1"/>
+            </a:fillRef>
+            <a:effectRef idx="2">
+              <a:schemeClr val="accent1"/>
+            </a:effectRef>
+            <a:fontRef idx="minor">
+              <a:schemeClr val="lt1"/>
+            </a:fontRef>
+          </p:style>
+          <p:txBody>
+            <a:bodyPr rtlCol="0" anchor="ctr"/>
+            <a:lstStyle/>
+            <a:p>
+              <a:pPr algn="ctr"/>
+              <a:endParaRPr lang="en-US"/>
+            </a:p>
+          </p:txBody>
+        </p:sp>
+        <p:sp>
+          <p:nvSpPr>
+            <p:cNvPr id="7" name="Rectangle 6">
+              <a:extLst>
+                <a:ext uri="{FF2B5EF4-FFF2-40B4-BE49-F238E27FC236}">
+                  <a16:creationId xmlns:a16="http://schemas.microsoft.com/office/drawing/2014/main" id="{4F75FA32-F51E-1243-BDA7-B86C87449591}"/>
+                </a:ext>
+              </a:extLst>
+            </p:cNvPr>
+            <p:cNvSpPr/>
+            <p:nvPr/>
+          </p:nvSpPr>
+          <p:spPr>
+            <a:xfrm>
+              <a:off x="7541006" y="-313766"/>
+              <a:ext cx="2438153" cy="7991859"/>
+            </a:xfrm>
+            <a:prstGeom prst="rect">
+              <a:avLst/>
+            </a:prstGeom>
+            <a:solidFill>
+              <a:schemeClr val="bg1"/>
+            </a:solidFill>
+            <a:ln>
+              <a:noFill/>
+            </a:ln>
+            <a:effectLst/>
+          </p:spPr>
+          <p:style>
+            <a:lnRef idx="1">
+              <a:schemeClr val="accent1"/>
+            </a:lnRef>
+            <a:fillRef idx="3">
+              <a:schemeClr val="accent1"/>
+            </a:fillRef>
+            <a:effectRef idx="2">
+              <a:schemeClr val="accent1"/>
+            </a:effectRef>
+            <a:fontRef idx="minor">
+              <a:schemeClr val="lt1"/>
+            </a:fontRef>
+          </p:style>
+          <p:txBody>
+            <a:bodyPr rtlCol="0" anchor="ctr"/>
+            <a:lstStyle/>
+            <a:p>
+              <a:pPr algn="ctr"/>
+              <a:endParaRPr lang="en-US"/>
+            </a:p>
+          </p:txBody>
+        </p:sp>
+      </p:grpSp>
+      <p:cxnSp>
+        <p:nvCxnSpPr>
+          <p:cNvPr id="9" name="Straight Connector 8">
+            <a:extLst>
+              <a:ext uri="{FF2B5EF4-FFF2-40B4-BE49-F238E27FC236}">
+                <a16:creationId xmlns:a16="http://schemas.microsoft.com/office/drawing/2014/main" id="{5FFA00B9-7BD3-A044-9B11-B2BF6649C27B}"/>
+              </a:ext>
+            </a:extLst>
+          </p:cNvPr>
+          <p:cNvCxnSpPr>
+            <a:cxnSpLocks/>
+          </p:cNvCxnSpPr>
+          <p:nvPr/>
+        </p:nvCxnSpPr>
+        <p:spPr>
+          <a:xfrm flipH="1">
+            <a:off x="3248167" y="2586251"/>
+            <a:ext cx="2306473" cy="2149522"/>
+          </a:xfrm>
+          <a:prstGeom prst="line">
+            <a:avLst/>
+          </a:prstGeom>
+        </p:spPr>
+        <p:style>
+          <a:lnRef idx="2">
+            <a:schemeClr val="dk1"/>
+          </a:lnRef>
+          <a:fillRef idx="0">
+            <a:schemeClr val="dk1"/>
+          </a:fillRef>
+          <a:effectRef idx="1">
+            <a:schemeClr val="dk1"/>
+          </a:effectRef>
+          <a:fontRef idx="minor">
+            <a:schemeClr val="tx1"/>
+          </a:fontRef>
+        </p:style>
+      </p:cxnSp>
+      <p:sp>
+        <p:nvSpPr>
+          <p:cNvPr id="11" name="TextBox 10">
+            <a:extLst>
+              <a:ext uri="{FF2B5EF4-FFF2-40B4-BE49-F238E27FC236}">
+                <a16:creationId xmlns:a16="http://schemas.microsoft.com/office/drawing/2014/main" id="{F2389451-BF23-8746-ABEE-4BE1121DCA0B}"/>
+              </a:ext>
+            </a:extLst>
+          </p:cNvPr>
+          <p:cNvSpPr txBox="1"/>
+          <p:nvPr/>
+        </p:nvSpPr>
+        <p:spPr>
+          <a:xfrm>
+            <a:off x="159004" y="550559"/>
+            <a:ext cx="2550698" cy="523220"/>
+          </a:xfrm>
+          <a:prstGeom prst="rect">
+            <a:avLst/>
+          </a:prstGeom>
+          <a:noFill/>
+        </p:spPr>
+        <p:txBody>
+          <a:bodyPr wrap="none" rtlCol="0">
+            <a:spAutoFit/>
+          </a:bodyPr>
+          <a:lstStyle/>
+          <a:p>
+            <a:r>
+              <a:rPr lang="en-US" sz="2800" dirty="0">
+                <a:latin typeface="Consolas" panose="020B0609020204030204" pitchFamily="49" charset="0"/>
+                <a:cs typeface="Consolas" panose="020B0609020204030204" pitchFamily="49" charset="0"/>
+              </a:rPr>
+              <a:t>Iteration 5:</a:t>
+            </a:r>
+          </a:p>
+        </p:txBody>
+      </p:sp>
+    </p:spTree>
+    <p:extLst>
+      <p:ext uri="{BB962C8B-B14F-4D97-AF65-F5344CB8AC3E}">
+        <p14:creationId xmlns:p14="http://schemas.microsoft.com/office/powerpoint/2010/main" val="2916957514"/>
+      </p:ext>
+    </p:extLst>
+  </p:cSld>
+  <p:clrMapOvr>
+    <a:masterClrMapping/>
+  </p:clrMapOvr>
+</p:sld>
+</file>
+
+<file path=ppt/slides/slide23.xml><?xml version="1.0" encoding="utf-8"?>
+<p:sld xmlns:a="http://schemas.openxmlformats.org/drawingml/2006/main" xmlns:r="http://schemas.openxmlformats.org/officeDocument/2006/relationships" xmlns:p="http://schemas.openxmlformats.org/presentationml/2006/main">
+  <p:cSld>
+    <p:spTree>
+      <p:nvGrpSpPr>
+        <p:cNvPr id="1" name=""/>
+        <p:cNvGrpSpPr/>
+        <p:nvPr/>
+      </p:nvGrpSpPr>
+      <p:grpSpPr>
+        <a:xfrm>
+          <a:off x="0" y="0"/>
+          <a:ext cx="0" cy="0"/>
+          <a:chOff x="0" y="0"/>
+          <a:chExt cx="0" cy="0"/>
+        </a:xfrm>
+      </p:grpSpPr>
+      <p:pic>
+        <p:nvPicPr>
+          <p:cNvPr id="20" name="Picture 19">
+            <a:extLst>
+              <a:ext uri="{FF2B5EF4-FFF2-40B4-BE49-F238E27FC236}">
+                <a16:creationId xmlns:a16="http://schemas.microsoft.com/office/drawing/2014/main" id="{6AE23772-2C42-9B41-B235-997A2101D623}"/>
+              </a:ext>
+            </a:extLst>
+          </p:cNvPr>
+          <p:cNvPicPr>
+            <a:picLocks noChangeAspect="1"/>
+          </p:cNvPicPr>
+          <p:nvPr/>
+        </p:nvPicPr>
+        <p:blipFill>
+          <a:blip r:embed="rId2"/>
+          <a:srcRect/>
+          <a:stretch/>
+        </p:blipFill>
+        <p:spPr>
+          <a:xfrm>
+            <a:off x="774095" y="0"/>
+            <a:ext cx="7595809" cy="6858000"/>
+          </a:xfrm>
+          <a:prstGeom prst="rect">
+            <a:avLst/>
+          </a:prstGeom>
+        </p:spPr>
+      </p:pic>
+      <p:grpSp>
+        <p:nvGrpSpPr>
+          <p:cNvPr id="3" name="Group 2">
+            <a:extLst>
+              <a:ext uri="{FF2B5EF4-FFF2-40B4-BE49-F238E27FC236}">
+                <a16:creationId xmlns:a16="http://schemas.microsoft.com/office/drawing/2014/main" id="{C8BA6794-6CEC-E44F-83A1-63C6C1B1ECF4}"/>
+              </a:ext>
+            </a:extLst>
+          </p:cNvPr>
+          <p:cNvGrpSpPr/>
+          <p:nvPr/>
+        </p:nvGrpSpPr>
+        <p:grpSpPr>
+          <a:xfrm>
+            <a:off x="-1003800" y="-466166"/>
+            <a:ext cx="10982959" cy="8144259"/>
+            <a:chOff x="-1003800" y="-466166"/>
+            <a:chExt cx="10982959" cy="8144259"/>
+          </a:xfrm>
+        </p:grpSpPr>
+        <p:sp>
+          <p:nvSpPr>
+            <p:cNvPr id="4" name="Rectangle 3">
+              <a:extLst>
+                <a:ext uri="{FF2B5EF4-FFF2-40B4-BE49-F238E27FC236}">
+                  <a16:creationId xmlns:a16="http://schemas.microsoft.com/office/drawing/2014/main" id="{6D6FB236-6E8F-214F-ACC9-48756B6FD033}"/>
+                </a:ext>
+              </a:extLst>
+            </p:cNvPr>
+            <p:cNvSpPr/>
+            <p:nvPr/>
+          </p:nvSpPr>
+          <p:spPr>
+            <a:xfrm>
+              <a:off x="0" y="0"/>
+              <a:ext cx="9144000" cy="1335388"/>
+            </a:xfrm>
+            <a:prstGeom prst="rect">
+              <a:avLst/>
+            </a:prstGeom>
+            <a:solidFill>
+              <a:schemeClr val="bg1"/>
+            </a:solidFill>
+            <a:ln>
+              <a:noFill/>
+            </a:ln>
+            <a:effectLst/>
+          </p:spPr>
+          <p:style>
+            <a:lnRef idx="1">
+              <a:schemeClr val="accent1"/>
+            </a:lnRef>
+            <a:fillRef idx="3">
+              <a:schemeClr val="accent1"/>
+            </a:fillRef>
+            <a:effectRef idx="2">
+              <a:schemeClr val="accent1"/>
+            </a:effectRef>
+            <a:fontRef idx="minor">
+              <a:schemeClr val="lt1"/>
+            </a:fontRef>
+          </p:style>
+          <p:txBody>
+            <a:bodyPr rtlCol="0" anchor="ctr"/>
+            <a:lstStyle/>
+            <a:p>
+              <a:pPr algn="ctr"/>
+              <a:endParaRPr lang="en-US"/>
+            </a:p>
+          </p:txBody>
+        </p:sp>
+        <p:sp>
+          <p:nvSpPr>
+            <p:cNvPr id="5" name="Rectangle 4">
+              <a:extLst>
+                <a:ext uri="{FF2B5EF4-FFF2-40B4-BE49-F238E27FC236}">
+                  <a16:creationId xmlns:a16="http://schemas.microsoft.com/office/drawing/2014/main" id="{8C6961CC-5151-464D-BDD7-13541144CAE8}"/>
+                </a:ext>
+              </a:extLst>
+            </p:cNvPr>
+            <p:cNvSpPr/>
+            <p:nvPr/>
+          </p:nvSpPr>
+          <p:spPr>
+            <a:xfrm>
+              <a:off x="0" y="6190306"/>
+              <a:ext cx="9144000" cy="1335388"/>
+            </a:xfrm>
+            <a:prstGeom prst="rect">
+              <a:avLst/>
+            </a:prstGeom>
+            <a:solidFill>
+              <a:schemeClr val="bg1"/>
+            </a:solidFill>
+            <a:ln>
+              <a:noFill/>
+            </a:ln>
+            <a:effectLst/>
+          </p:spPr>
+          <p:style>
+            <a:lnRef idx="1">
+              <a:schemeClr val="accent1"/>
+            </a:lnRef>
+            <a:fillRef idx="3">
+              <a:schemeClr val="accent1"/>
+            </a:fillRef>
+            <a:effectRef idx="2">
+              <a:schemeClr val="accent1"/>
+            </a:effectRef>
+            <a:fontRef idx="minor">
+              <a:schemeClr val="lt1"/>
+            </a:fontRef>
+          </p:style>
+          <p:txBody>
+            <a:bodyPr rtlCol="0" anchor="ctr"/>
+            <a:lstStyle/>
+            <a:p>
+              <a:pPr algn="ctr"/>
+              <a:endParaRPr lang="en-US"/>
+            </a:p>
+          </p:txBody>
+        </p:sp>
+        <p:sp>
+          <p:nvSpPr>
+            <p:cNvPr id="6" name="Rectangle 5">
+              <a:extLst>
+                <a:ext uri="{FF2B5EF4-FFF2-40B4-BE49-F238E27FC236}">
+                  <a16:creationId xmlns:a16="http://schemas.microsoft.com/office/drawing/2014/main" id="{78A9DF8F-7816-6642-B207-0E18FF111840}"/>
+                </a:ext>
+              </a:extLst>
+            </p:cNvPr>
+            <p:cNvSpPr/>
+            <p:nvPr/>
+          </p:nvSpPr>
+          <p:spPr>
+            <a:xfrm>
+              <a:off x="-1003800" y="-466166"/>
+              <a:ext cx="2438153" cy="7991859"/>
+            </a:xfrm>
+            <a:prstGeom prst="rect">
+              <a:avLst/>
+            </a:prstGeom>
+            <a:solidFill>
+              <a:schemeClr val="bg1"/>
+            </a:solidFill>
+            <a:ln>
+              <a:noFill/>
+            </a:ln>
+            <a:effectLst/>
+          </p:spPr>
+          <p:style>
+            <a:lnRef idx="1">
+              <a:schemeClr val="accent1"/>
+            </a:lnRef>
+            <a:fillRef idx="3">
+              <a:schemeClr val="accent1"/>
+            </a:fillRef>
+            <a:effectRef idx="2">
+              <a:schemeClr val="accent1"/>
+            </a:effectRef>
+            <a:fontRef idx="minor">
+              <a:schemeClr val="lt1"/>
+            </a:fontRef>
+          </p:style>
+          <p:txBody>
+            <a:bodyPr rtlCol="0" anchor="ctr"/>
+            <a:lstStyle/>
+            <a:p>
+              <a:pPr algn="ctr"/>
+              <a:endParaRPr lang="en-US"/>
+            </a:p>
+          </p:txBody>
+        </p:sp>
+        <p:sp>
+          <p:nvSpPr>
+            <p:cNvPr id="7" name="Rectangle 6">
+              <a:extLst>
+                <a:ext uri="{FF2B5EF4-FFF2-40B4-BE49-F238E27FC236}">
+                  <a16:creationId xmlns:a16="http://schemas.microsoft.com/office/drawing/2014/main" id="{4F75FA32-F51E-1243-BDA7-B86C87449591}"/>
+                </a:ext>
+              </a:extLst>
+            </p:cNvPr>
+            <p:cNvSpPr/>
+            <p:nvPr/>
+          </p:nvSpPr>
+          <p:spPr>
+            <a:xfrm>
+              <a:off x="7541006" y="-313766"/>
+              <a:ext cx="2438153" cy="7991859"/>
+            </a:xfrm>
+            <a:prstGeom prst="rect">
+              <a:avLst/>
+            </a:prstGeom>
+            <a:solidFill>
+              <a:schemeClr val="bg1"/>
+            </a:solidFill>
+            <a:ln>
+              <a:noFill/>
+            </a:ln>
+            <a:effectLst/>
+          </p:spPr>
+          <p:style>
+            <a:lnRef idx="1">
+              <a:schemeClr val="accent1"/>
+            </a:lnRef>
+            <a:fillRef idx="3">
+              <a:schemeClr val="accent1"/>
+            </a:fillRef>
+            <a:effectRef idx="2">
+              <a:schemeClr val="accent1"/>
+            </a:effectRef>
+            <a:fontRef idx="minor">
+              <a:schemeClr val="lt1"/>
+            </a:fontRef>
+          </p:style>
+          <p:txBody>
+            <a:bodyPr rtlCol="0" anchor="ctr"/>
+            <a:lstStyle/>
+            <a:p>
+              <a:pPr algn="ctr"/>
+              <a:endParaRPr lang="en-US"/>
+            </a:p>
+          </p:txBody>
+        </p:sp>
+      </p:grpSp>
+      <p:sp>
+        <p:nvSpPr>
+          <p:cNvPr id="10" name="TextBox 9">
+            <a:extLst>
+              <a:ext uri="{FF2B5EF4-FFF2-40B4-BE49-F238E27FC236}">
+                <a16:creationId xmlns:a16="http://schemas.microsoft.com/office/drawing/2014/main" id="{3E1F5B3C-B2B5-CA43-8C0A-CB64BC595C9D}"/>
+              </a:ext>
+            </a:extLst>
+          </p:cNvPr>
+          <p:cNvSpPr txBox="1"/>
+          <p:nvPr/>
+        </p:nvSpPr>
+        <p:spPr>
+          <a:xfrm>
+            <a:off x="159004" y="550559"/>
+            <a:ext cx="2945037" cy="523220"/>
+          </a:xfrm>
+          <a:prstGeom prst="rect">
+            <a:avLst/>
+          </a:prstGeom>
+          <a:noFill/>
+        </p:spPr>
+        <p:txBody>
+          <a:bodyPr wrap="none" rtlCol="0">
+            <a:spAutoFit/>
+          </a:bodyPr>
+          <a:lstStyle/>
+          <a:p>
+            <a:r>
+              <a:rPr lang="en-US" sz="2800" dirty="0">
+                <a:latin typeface="Consolas" panose="020B0609020204030204" pitchFamily="49" charset="0"/>
+                <a:cs typeface="Consolas" panose="020B0609020204030204" pitchFamily="49" charset="0"/>
+              </a:rPr>
+              <a:t>Found Clusters</a:t>
+            </a:r>
+          </a:p>
+        </p:txBody>
+      </p:sp>
+    </p:spTree>
+    <p:extLst>
+      <p:ext uri="{BB962C8B-B14F-4D97-AF65-F5344CB8AC3E}">
+        <p14:creationId xmlns:p14="http://schemas.microsoft.com/office/powerpoint/2010/main" val="3880312855"/>
+      </p:ext>
+    </p:extLst>
+  </p:cSld>
+  <p:clrMapOvr>
+    <a:masterClrMapping/>
+  </p:clrMapOvr>
+</p:sld>
+</file>
+
+<file path=ppt/slides/slide24.xml><?xml version="1.0" encoding="utf-8"?>
+<p:sld xmlns:a="http://schemas.openxmlformats.org/drawingml/2006/main" xmlns:r="http://schemas.openxmlformats.org/officeDocument/2006/relationships" xmlns:p="http://schemas.openxmlformats.org/presentationml/2006/main">
+  <p:cSld>
+    <p:spTree>
+      <p:nvGrpSpPr>
+        <p:cNvPr id="1" name=""/>
+        <p:cNvGrpSpPr/>
+        <p:nvPr/>
+      </p:nvGrpSpPr>
+      <p:grpSpPr>
+        <a:xfrm>
+          <a:off x="0" y="0"/>
+          <a:ext cx="0" cy="0"/>
+          <a:chOff x="0" y="0"/>
+          <a:chExt cx="0" cy="0"/>
+        </a:xfrm>
+      </p:grpSpPr>
+      <p:pic>
+        <p:nvPicPr>
+          <p:cNvPr id="20" name="Picture 19">
+            <a:extLst>
+              <a:ext uri="{FF2B5EF4-FFF2-40B4-BE49-F238E27FC236}">
+                <a16:creationId xmlns:a16="http://schemas.microsoft.com/office/drawing/2014/main" id="{6AE23772-2C42-9B41-B235-997A2101D623}"/>
+              </a:ext>
+            </a:extLst>
+          </p:cNvPr>
+          <p:cNvPicPr>
+            <a:picLocks noChangeAspect="1"/>
+          </p:cNvPicPr>
+          <p:nvPr/>
+        </p:nvPicPr>
+        <p:blipFill>
+          <a:blip r:embed="rId3"/>
+          <a:stretch>
+            <a:fillRect/>
+          </a:stretch>
+        </p:blipFill>
+        <p:spPr>
+          <a:xfrm>
+            <a:off x="774095" y="0"/>
+            <a:ext cx="7595810" cy="6858000"/>
+          </a:xfrm>
+          <a:prstGeom prst="rect">
+            <a:avLst/>
+          </a:prstGeom>
+        </p:spPr>
+      </p:pic>
+      <p:grpSp>
+        <p:nvGrpSpPr>
+          <p:cNvPr id="6" name="Group 5">
+            <a:extLst>
+              <a:ext uri="{FF2B5EF4-FFF2-40B4-BE49-F238E27FC236}">
+                <a16:creationId xmlns:a16="http://schemas.microsoft.com/office/drawing/2014/main" id="{4B2314E3-EC58-DD42-98CF-5630015C9C27}"/>
+              </a:ext>
+            </a:extLst>
+          </p:cNvPr>
+          <p:cNvGrpSpPr/>
+          <p:nvPr/>
+        </p:nvGrpSpPr>
+        <p:grpSpPr>
+          <a:xfrm>
+            <a:off x="-1003800" y="-466166"/>
+            <a:ext cx="10982959" cy="8144259"/>
+            <a:chOff x="-1003800" y="-466166"/>
+            <a:chExt cx="10982959" cy="8144259"/>
+          </a:xfrm>
+        </p:grpSpPr>
+        <p:sp>
+          <p:nvSpPr>
+            <p:cNvPr id="7" name="Rectangle 6">
+              <a:extLst>
+                <a:ext uri="{FF2B5EF4-FFF2-40B4-BE49-F238E27FC236}">
+                  <a16:creationId xmlns:a16="http://schemas.microsoft.com/office/drawing/2014/main" id="{A1D313A2-5278-F648-97BF-27E4A791CACC}"/>
+                </a:ext>
+              </a:extLst>
+            </p:cNvPr>
+            <p:cNvSpPr/>
+            <p:nvPr/>
+          </p:nvSpPr>
+          <p:spPr>
+            <a:xfrm>
+              <a:off x="0" y="0"/>
+              <a:ext cx="9144000" cy="1335388"/>
+            </a:xfrm>
+            <a:prstGeom prst="rect">
+              <a:avLst/>
+            </a:prstGeom>
+            <a:solidFill>
+              <a:schemeClr val="bg1"/>
+            </a:solidFill>
+            <a:ln>
+              <a:noFill/>
+            </a:ln>
+            <a:effectLst/>
+          </p:spPr>
+          <p:style>
+            <a:lnRef idx="1">
+              <a:schemeClr val="accent1"/>
+            </a:lnRef>
+            <a:fillRef idx="3">
+              <a:schemeClr val="accent1"/>
+            </a:fillRef>
+            <a:effectRef idx="2">
+              <a:schemeClr val="accent1"/>
+            </a:effectRef>
+            <a:fontRef idx="minor">
+              <a:schemeClr val="lt1"/>
+            </a:fontRef>
+          </p:style>
+          <p:txBody>
+            <a:bodyPr rtlCol="0" anchor="ctr"/>
+            <a:lstStyle/>
+            <a:p>
+              <a:pPr algn="ctr"/>
+              <a:endParaRPr lang="en-US"/>
+            </a:p>
+          </p:txBody>
+        </p:sp>
+        <p:sp>
+          <p:nvSpPr>
+            <p:cNvPr id="8" name="Rectangle 7">
+              <a:extLst>
+                <a:ext uri="{FF2B5EF4-FFF2-40B4-BE49-F238E27FC236}">
+                  <a16:creationId xmlns:a16="http://schemas.microsoft.com/office/drawing/2014/main" id="{63AE3943-DC26-4145-BFDE-1BCC63952135}"/>
+                </a:ext>
+              </a:extLst>
+            </p:cNvPr>
+            <p:cNvSpPr/>
+            <p:nvPr/>
+          </p:nvSpPr>
+          <p:spPr>
+            <a:xfrm>
+              <a:off x="0" y="6190306"/>
+              <a:ext cx="9144000" cy="1335388"/>
+            </a:xfrm>
+            <a:prstGeom prst="rect">
+              <a:avLst/>
+            </a:prstGeom>
+            <a:solidFill>
+              <a:schemeClr val="bg1"/>
+            </a:solidFill>
+            <a:ln>
+              <a:noFill/>
+            </a:ln>
+            <a:effectLst/>
+          </p:spPr>
+          <p:style>
+            <a:lnRef idx="1">
+              <a:schemeClr val="accent1"/>
+            </a:lnRef>
+            <a:fillRef idx="3">
+              <a:schemeClr val="accent1"/>
+            </a:fillRef>
+            <a:effectRef idx="2">
+              <a:schemeClr val="accent1"/>
+            </a:effectRef>
+            <a:fontRef idx="minor">
+              <a:schemeClr val="lt1"/>
+            </a:fontRef>
+          </p:style>
+          <p:txBody>
+            <a:bodyPr rtlCol="0" anchor="ctr"/>
+            <a:lstStyle/>
+            <a:p>
+              <a:pPr algn="ctr"/>
+              <a:endParaRPr lang="en-US"/>
+            </a:p>
+          </p:txBody>
+        </p:sp>
+        <p:sp>
+          <p:nvSpPr>
+            <p:cNvPr id="9" name="Rectangle 8">
+              <a:extLst>
+                <a:ext uri="{FF2B5EF4-FFF2-40B4-BE49-F238E27FC236}">
+                  <a16:creationId xmlns:a16="http://schemas.microsoft.com/office/drawing/2014/main" id="{0EDC0FC2-D727-7342-B18D-D06B03204FA0}"/>
+                </a:ext>
+              </a:extLst>
+            </p:cNvPr>
+            <p:cNvSpPr/>
+            <p:nvPr/>
+          </p:nvSpPr>
+          <p:spPr>
+            <a:xfrm>
+              <a:off x="-1003800" y="-466166"/>
+              <a:ext cx="2438153" cy="7991859"/>
+            </a:xfrm>
+            <a:prstGeom prst="rect">
+              <a:avLst/>
+            </a:prstGeom>
+            <a:solidFill>
+              <a:schemeClr val="bg1"/>
+            </a:solidFill>
+            <a:ln>
+              <a:noFill/>
+            </a:ln>
+            <a:effectLst/>
+          </p:spPr>
+          <p:style>
+            <a:lnRef idx="1">
+              <a:schemeClr val="accent1"/>
+            </a:lnRef>
+            <a:fillRef idx="3">
+              <a:schemeClr val="accent1"/>
+            </a:fillRef>
+            <a:effectRef idx="2">
+              <a:schemeClr val="accent1"/>
+            </a:effectRef>
+            <a:fontRef idx="minor">
+              <a:schemeClr val="lt1"/>
+            </a:fontRef>
+          </p:style>
+          <p:txBody>
+            <a:bodyPr rtlCol="0" anchor="ctr"/>
+            <a:lstStyle/>
+            <a:p>
+              <a:pPr algn="ctr"/>
+              <a:endParaRPr lang="en-US"/>
+            </a:p>
+          </p:txBody>
+        </p:sp>
+        <p:sp>
+          <p:nvSpPr>
+            <p:cNvPr id="10" name="Rectangle 9">
+              <a:extLst>
+                <a:ext uri="{FF2B5EF4-FFF2-40B4-BE49-F238E27FC236}">
+                  <a16:creationId xmlns:a16="http://schemas.microsoft.com/office/drawing/2014/main" id="{5CCEB7C6-DD6E-F44A-B0B7-D0B6530C58F3}"/>
+                </a:ext>
+              </a:extLst>
+            </p:cNvPr>
+            <p:cNvSpPr/>
+            <p:nvPr/>
+          </p:nvSpPr>
+          <p:spPr>
+            <a:xfrm>
+              <a:off x="7541006" y="-313766"/>
+              <a:ext cx="2438153" cy="7991859"/>
+            </a:xfrm>
+            <a:prstGeom prst="rect">
+              <a:avLst/>
+            </a:prstGeom>
+            <a:solidFill>
+              <a:schemeClr val="bg1"/>
+            </a:solidFill>
+            <a:ln>
+              <a:noFill/>
+            </a:ln>
+            <a:effectLst/>
+          </p:spPr>
+          <p:style>
+            <a:lnRef idx="1">
+              <a:schemeClr val="accent1"/>
+            </a:lnRef>
+            <a:fillRef idx="3">
+              <a:schemeClr val="accent1"/>
+            </a:fillRef>
+            <a:effectRef idx="2">
+              <a:schemeClr val="accent1"/>
+            </a:effectRef>
+            <a:fontRef idx="minor">
+              <a:schemeClr val="lt1"/>
+            </a:fontRef>
+          </p:style>
+          <p:txBody>
+            <a:bodyPr rtlCol="0" anchor="ctr"/>
+            <a:lstStyle/>
+            <a:p>
+              <a:pPr algn="ctr"/>
+              <a:endParaRPr lang="en-US"/>
+            </a:p>
+          </p:txBody>
+        </p:sp>
+      </p:grpSp>
+      <p:sp>
+        <p:nvSpPr>
+          <p:cNvPr id="11" name="TextBox 10">
+            <a:extLst>
+              <a:ext uri="{FF2B5EF4-FFF2-40B4-BE49-F238E27FC236}">
+                <a16:creationId xmlns:a16="http://schemas.microsoft.com/office/drawing/2014/main" id="{38B2328E-D5AE-F743-AF84-1609FBF29118}"/>
+              </a:ext>
+            </a:extLst>
+          </p:cNvPr>
+          <p:cNvSpPr txBox="1"/>
+          <p:nvPr/>
+        </p:nvSpPr>
+        <p:spPr>
+          <a:xfrm>
+            <a:off x="159004" y="550559"/>
+            <a:ext cx="2156360" cy="523220"/>
+          </a:xfrm>
+          <a:prstGeom prst="rect">
+            <a:avLst/>
+          </a:prstGeom>
+          <a:noFill/>
+        </p:spPr>
+        <p:txBody>
+          <a:bodyPr wrap="none" rtlCol="0">
+            <a:spAutoFit/>
+          </a:bodyPr>
+          <a:lstStyle/>
+          <a:p>
+            <a:r>
+              <a:rPr lang="en-US" sz="2800" dirty="0">
+                <a:latin typeface="Consolas" panose="020B0609020204030204" pitchFamily="49" charset="0"/>
+                <a:cs typeface="Consolas" panose="020B0609020204030204" pitchFamily="49" charset="0"/>
+              </a:rPr>
+              <a:t>Input Data</a:t>
+            </a:r>
+          </a:p>
+        </p:txBody>
+      </p:sp>
+    </p:spTree>
+    <p:extLst>
+      <p:ext uri="{BB962C8B-B14F-4D97-AF65-F5344CB8AC3E}">
+        <p14:creationId xmlns:p14="http://schemas.microsoft.com/office/powerpoint/2010/main" val="2040880542"/>
+      </p:ext>
+    </p:extLst>
+  </p:cSld>
+  <p:clrMapOvr>
+    <a:masterClrMapping/>
+  </p:clrMapOvr>
+</p:sld>
+</file>
+
+<file path=ppt/slides/slide25.xml><?xml version="1.0" encoding="utf-8"?>
+<p:sld xmlns:a="http://schemas.openxmlformats.org/drawingml/2006/main" xmlns:r="http://schemas.openxmlformats.org/officeDocument/2006/relationships" xmlns:p="http://schemas.openxmlformats.org/presentationml/2006/main">
+  <p:cSld>
+    <p:spTree>
+      <p:nvGrpSpPr>
+        <p:cNvPr id="1" name=""/>
+        <p:cNvGrpSpPr/>
+        <p:nvPr/>
+      </p:nvGrpSpPr>
+      <p:grpSpPr>
+        <a:xfrm>
+          <a:off x="0" y="0"/>
+          <a:ext cx="0" cy="0"/>
+          <a:chOff x="0" y="0"/>
+          <a:chExt cx="0" cy="0"/>
+        </a:xfrm>
+      </p:grpSpPr>
+      <p:sp>
+        <p:nvSpPr>
+          <p:cNvPr id="2" name="Title 1">
+            <a:extLst>
+              <a:ext uri="{FF2B5EF4-FFF2-40B4-BE49-F238E27FC236}">
+                <a16:creationId xmlns:a16="http://schemas.microsoft.com/office/drawing/2014/main" id="{0CE6C832-2736-7841-8F3C-8C0A2CDF5FF9}"/>
+              </a:ext>
+            </a:extLst>
+          </p:cNvPr>
+          <p:cNvSpPr>
+            <a:spLocks noGrp="1"/>
+          </p:cNvSpPr>
+          <p:nvPr>
+            <p:ph type="title"/>
+          </p:nvPr>
+        </p:nvSpPr>
+        <p:spPr>
+          <a:xfrm>
+            <a:off x="457200" y="2857500"/>
+            <a:ext cx="8229600" cy="1143000"/>
+          </a:xfrm>
+        </p:spPr>
+        <p:txBody>
+          <a:bodyPr/>
+          <a:lstStyle/>
+          <a:p>
+            <a:r>
+              <a:rPr lang="en-US" dirty="0"/>
+              <a:t>Example: Color Segmentation</a:t>
+            </a:r>
+          </a:p>
+        </p:txBody>
+      </p:sp>
+      <p:sp>
+        <p:nvSpPr>
+          <p:cNvPr id="4" name="Slide Number Placeholder 3">
+            <a:extLst>
+              <a:ext uri="{FF2B5EF4-FFF2-40B4-BE49-F238E27FC236}">
+                <a16:creationId xmlns:a16="http://schemas.microsoft.com/office/drawing/2014/main" id="{9356DBF9-37EC-5849-B908-27DDF0260740}"/>
+              </a:ext>
+            </a:extLst>
+          </p:cNvPr>
+          <p:cNvSpPr>
+            <a:spLocks noGrp="1"/>
+          </p:cNvSpPr>
+          <p:nvPr>
+            <p:ph type="sldNum" sz="quarter" idx="12"/>
+          </p:nvPr>
+        </p:nvSpPr>
+        <p:spPr/>
+        <p:txBody>
+          <a:bodyPr/>
+          <a:lstStyle/>
+          <a:p>
+            <a:fld id="{9C0B2870-7350-8D40-A01A-CE539DF873CB}" type="slidenum">
+              <a:rPr lang="en-US" smtClean="0"/>
+              <a:t>25</a:t>
+            </a:fld>
+            <a:endParaRPr lang="en-US"/>
+          </a:p>
+        </p:txBody>
+      </p:sp>
+    </p:spTree>
+    <p:extLst>
+      <p:ext uri="{BB962C8B-B14F-4D97-AF65-F5344CB8AC3E}">
+        <p14:creationId xmlns:p14="http://schemas.microsoft.com/office/powerpoint/2010/main" val="1614015371"/>
+      </p:ext>
+    </p:extLst>
+  </p:cSld>
+  <p:clrMapOvr>
+    <a:masterClrMapping/>
+  </p:clrMapOvr>
+</p:sld>
+</file>
+
+<file path=ppt/slides/slide26.xml><?xml version="1.0" encoding="utf-8"?>
+<p:sld xmlns:a="http://schemas.openxmlformats.org/drawingml/2006/main" xmlns:r="http://schemas.openxmlformats.org/officeDocument/2006/relationships" xmlns:p="http://schemas.openxmlformats.org/presentationml/2006/main">
+  <p:cSld>
+    <p:spTree>
+      <p:nvGrpSpPr>
+        <p:cNvPr id="1" name=""/>
+        <p:cNvGrpSpPr/>
+        <p:nvPr/>
+      </p:nvGrpSpPr>
+      <p:grpSpPr>
+        <a:xfrm>
+          <a:off x="0" y="0"/>
+          <a:ext cx="0" cy="0"/>
+          <a:chOff x="0" y="0"/>
+          <a:chExt cx="0" cy="0"/>
+        </a:xfrm>
+      </p:grpSpPr>
+      <p:pic>
+        <p:nvPicPr>
+          <p:cNvPr id="4" name="Picture 3">
+            <a:extLst>
+              <a:ext uri="{FF2B5EF4-FFF2-40B4-BE49-F238E27FC236}">
+                <a16:creationId xmlns:a16="http://schemas.microsoft.com/office/drawing/2014/main" id="{E732C010-6F94-7547-B4D6-7908C805D013}"/>
+              </a:ext>
+            </a:extLst>
+          </p:cNvPr>
+          <p:cNvPicPr>
+            <a:picLocks noChangeAspect="1"/>
+          </p:cNvPicPr>
+          <p:nvPr/>
+        </p:nvPicPr>
+        <p:blipFill>
+          <a:blip r:embed="rId2"/>
+          <a:srcRect/>
+          <a:stretch/>
+        </p:blipFill>
+        <p:spPr>
+          <a:xfrm>
+            <a:off x="251460" y="1092082"/>
+            <a:ext cx="7029450" cy="4673836"/>
+          </a:xfrm>
+          <a:prstGeom prst="rect">
+            <a:avLst/>
+          </a:prstGeom>
+        </p:spPr>
+      </p:pic>
+    </p:spTree>
+    <p:extLst>
+      <p:ext uri="{BB962C8B-B14F-4D97-AF65-F5344CB8AC3E}">
+        <p14:creationId xmlns:p14="http://schemas.microsoft.com/office/powerpoint/2010/main" val="3694519860"/>
+      </p:ext>
+    </p:extLst>
+  </p:cSld>
+  <p:clrMapOvr>
+    <a:masterClrMapping/>
+  </p:clrMapOvr>
+</p:sld>
+</file>
+
+<file path=ppt/slides/slide27.xml><?xml version="1.0" encoding="utf-8"?>
+<p:sld xmlns:a="http://schemas.openxmlformats.org/drawingml/2006/main" xmlns:r="http://schemas.openxmlformats.org/officeDocument/2006/relationships" xmlns:p="http://schemas.openxmlformats.org/presentationml/2006/main">
+  <p:cSld>
+    <p:spTree>
+      <p:nvGrpSpPr>
+        <p:cNvPr id="1" name=""/>
+        <p:cNvGrpSpPr/>
+        <p:nvPr/>
+      </p:nvGrpSpPr>
+      <p:grpSpPr>
+        <a:xfrm>
+          <a:off x="0" y="0"/>
+          <a:ext cx="0" cy="0"/>
+          <a:chOff x="0" y="0"/>
+          <a:chExt cx="0" cy="0"/>
+        </a:xfrm>
+      </p:grpSpPr>
+      <p:sp>
+        <p:nvSpPr>
+          <p:cNvPr id="4" name="TextBox 3">
+            <a:extLst>
+              <a:ext uri="{FF2B5EF4-FFF2-40B4-BE49-F238E27FC236}">
+                <a16:creationId xmlns:a16="http://schemas.microsoft.com/office/drawing/2014/main" id="{BB20699E-46EA-BF47-A2D8-9D3B520EB7A0}"/>
+              </a:ext>
+            </a:extLst>
+          </p:cNvPr>
+          <p:cNvSpPr txBox="1"/>
+          <p:nvPr/>
+        </p:nvSpPr>
+        <p:spPr>
+          <a:xfrm>
+            <a:off x="914818" y="1385395"/>
+            <a:ext cx="2823209" cy="338554"/>
+          </a:xfrm>
+          <a:prstGeom prst="rect">
+            <a:avLst/>
+          </a:prstGeom>
+          <a:noFill/>
+        </p:spPr>
+        <p:txBody>
+          <a:bodyPr wrap="none" rtlCol="0">
+            <a:spAutoFit/>
+          </a:bodyPr>
+          <a:lstStyle/>
+          <a:p>
+            <a:r>
+              <a:rPr lang="es-ES_tradnl" sz="1600" dirty="0">
+                <a:solidFill>
+                  <a:srgbClr val="FF9300"/>
+                </a:solidFill>
+                <a:latin typeface="Trebuchet MS" panose="020B0703020202090204" pitchFamily="34" charset="0"/>
+              </a:rPr>
+              <a:t>Segmentación por </a:t>
+            </a:r>
+            <a:r>
+              <a:rPr lang="es-ES_tradnl" sz="1600" dirty="0" err="1">
+                <a:solidFill>
+                  <a:srgbClr val="FF9300"/>
+                </a:solidFill>
+                <a:latin typeface="Trebuchet MS" panose="020B0703020202090204" pitchFamily="34" charset="0"/>
+              </a:rPr>
+              <a:t>Clustering</a:t>
+            </a:r>
+            <a:endParaRPr lang="es-ES_tradnl" sz="1600" dirty="0">
+              <a:solidFill>
+                <a:srgbClr val="FF9300"/>
+              </a:solidFill>
+              <a:latin typeface="Trebuchet MS" panose="020B0703020202090204" pitchFamily="34" charset="0"/>
+            </a:endParaRPr>
+          </a:p>
+        </p:txBody>
+      </p:sp>
+      <p:pic>
+        <p:nvPicPr>
+          <p:cNvPr id="3" name="Picture 2">
+            <a:extLst>
+              <a:ext uri="{FF2B5EF4-FFF2-40B4-BE49-F238E27FC236}">
+                <a16:creationId xmlns:a16="http://schemas.microsoft.com/office/drawing/2014/main" id="{5D3FCB5D-AB98-0147-B055-667623F14A77}"/>
+              </a:ext>
+            </a:extLst>
+          </p:cNvPr>
+          <p:cNvPicPr>
+            <a:picLocks noChangeAspect="1"/>
+          </p:cNvPicPr>
+          <p:nvPr/>
+        </p:nvPicPr>
+        <p:blipFill>
+          <a:blip r:embed="rId2"/>
+          <a:stretch>
+            <a:fillRect/>
+          </a:stretch>
+        </p:blipFill>
+        <p:spPr>
+          <a:xfrm>
+            <a:off x="914817" y="2561240"/>
+            <a:ext cx="3648075" cy="2476500"/>
+          </a:xfrm>
+          <a:prstGeom prst="rect">
+            <a:avLst/>
+          </a:prstGeom>
+        </p:spPr>
+      </p:pic>
+      <p:grpSp>
+        <p:nvGrpSpPr>
+          <p:cNvPr id="55" name="Group 54">
+            <a:extLst>
+              <a:ext uri="{FF2B5EF4-FFF2-40B4-BE49-F238E27FC236}">
+                <a16:creationId xmlns:a16="http://schemas.microsoft.com/office/drawing/2014/main" id="{C908484B-FCE1-1843-9622-254F132BA861}"/>
+              </a:ext>
+            </a:extLst>
+          </p:cNvPr>
+          <p:cNvGrpSpPr/>
+          <p:nvPr/>
+        </p:nvGrpSpPr>
+        <p:grpSpPr>
+          <a:xfrm>
+            <a:off x="4796042" y="1521373"/>
+            <a:ext cx="2465597" cy="2583263"/>
+            <a:chOff x="5741581" y="885495"/>
+            <a:chExt cx="3287462" cy="3444352"/>
+          </a:xfrm>
+        </p:grpSpPr>
+        <p:cxnSp>
+          <p:nvCxnSpPr>
+            <p:cNvPr id="8" name="Straight Arrow Connector 7">
+              <a:extLst>
+                <a:ext uri="{FF2B5EF4-FFF2-40B4-BE49-F238E27FC236}">
+                  <a16:creationId xmlns:a16="http://schemas.microsoft.com/office/drawing/2014/main" id="{024D57B0-ED5D-BF4D-BE39-5696827DD98D}"/>
+                </a:ext>
+              </a:extLst>
+            </p:cNvPr>
+            <p:cNvCxnSpPr>
+              <a:cxnSpLocks/>
+            </p:cNvCxnSpPr>
+            <p:nvPr/>
+          </p:nvCxnSpPr>
+          <p:spPr>
+            <a:xfrm flipV="1">
+              <a:off x="6948069" y="1052623"/>
+              <a:ext cx="0" cy="2929274"/>
+            </a:xfrm>
+            <a:prstGeom prst="straightConnector1">
+              <a:avLst/>
+            </a:prstGeom>
+            <a:ln>
+              <a:solidFill>
+                <a:srgbClr val="0070C0"/>
+              </a:solidFill>
+              <a:tailEnd type="triangle"/>
+            </a:ln>
+          </p:spPr>
+          <p:style>
+            <a:lnRef idx="2">
+              <a:schemeClr val="dk1"/>
+            </a:lnRef>
+            <a:fillRef idx="0">
+              <a:schemeClr val="dk1"/>
+            </a:fillRef>
+            <a:effectRef idx="1">
+              <a:schemeClr val="dk1"/>
+            </a:effectRef>
+            <a:fontRef idx="minor">
+              <a:schemeClr val="tx1"/>
+            </a:fontRef>
+          </p:style>
+        </p:cxnSp>
+        <p:cxnSp>
+          <p:nvCxnSpPr>
+            <p:cNvPr id="31" name="Straight Arrow Connector 30">
+              <a:extLst>
+                <a:ext uri="{FF2B5EF4-FFF2-40B4-BE49-F238E27FC236}">
+                  <a16:creationId xmlns:a16="http://schemas.microsoft.com/office/drawing/2014/main" id="{ABFEB3F1-D85E-5748-AF8E-B4324554BD60}"/>
+                </a:ext>
+              </a:extLst>
+            </p:cNvPr>
+            <p:cNvCxnSpPr>
+              <a:cxnSpLocks/>
+            </p:cNvCxnSpPr>
+            <p:nvPr/>
+          </p:nvCxnSpPr>
+          <p:spPr>
+            <a:xfrm flipV="1">
+              <a:off x="6884276" y="3657598"/>
+              <a:ext cx="2066371" cy="351609"/>
+            </a:xfrm>
+            <a:prstGeom prst="straightConnector1">
+              <a:avLst/>
+            </a:prstGeom>
+            <a:ln>
+              <a:solidFill>
+                <a:srgbClr val="FF0000"/>
+              </a:solidFill>
+              <a:tailEnd type="triangle"/>
+            </a:ln>
+          </p:spPr>
+          <p:style>
+            <a:lnRef idx="2">
+              <a:schemeClr val="dk1"/>
+            </a:lnRef>
+            <a:fillRef idx="0">
+              <a:schemeClr val="dk1"/>
+            </a:fillRef>
+            <a:effectRef idx="1">
+              <a:schemeClr val="dk1"/>
+            </a:effectRef>
+            <a:fontRef idx="minor">
+              <a:schemeClr val="tx1"/>
+            </a:fontRef>
+          </p:style>
+        </p:cxnSp>
+        <p:cxnSp>
+          <p:nvCxnSpPr>
+            <p:cNvPr id="36" name="Straight Arrow Connector 35">
+              <a:extLst>
+                <a:ext uri="{FF2B5EF4-FFF2-40B4-BE49-F238E27FC236}">
+                  <a16:creationId xmlns:a16="http://schemas.microsoft.com/office/drawing/2014/main" id="{ACC2C25D-3BE2-0E45-B11A-A90515B25C2B}"/>
+                </a:ext>
+              </a:extLst>
+            </p:cNvPr>
+            <p:cNvCxnSpPr>
+              <a:cxnSpLocks/>
+            </p:cNvCxnSpPr>
+            <p:nvPr/>
+          </p:nvCxnSpPr>
+          <p:spPr>
+            <a:xfrm flipH="1" flipV="1">
+              <a:off x="5741581" y="3327991"/>
+              <a:ext cx="1153329" cy="670584"/>
+            </a:xfrm>
+            <a:prstGeom prst="straightConnector1">
+              <a:avLst/>
+            </a:prstGeom>
+            <a:ln>
+              <a:solidFill>
+                <a:srgbClr val="00FF00"/>
+              </a:solidFill>
+              <a:tailEnd type="triangle"/>
+            </a:ln>
+          </p:spPr>
+          <p:style>
+            <a:lnRef idx="2">
+              <a:schemeClr val="dk1"/>
+            </a:lnRef>
+            <a:fillRef idx="0">
+              <a:schemeClr val="dk1"/>
+            </a:fillRef>
+            <a:effectRef idx="1">
+              <a:schemeClr val="dk1"/>
+            </a:effectRef>
+            <a:fontRef idx="minor">
+              <a:schemeClr val="tx1"/>
+            </a:fontRef>
+          </p:style>
+        </p:cxnSp>
+        <p:sp>
+          <p:nvSpPr>
+            <p:cNvPr id="15" name="TextBox 14">
+              <a:extLst>
+                <a:ext uri="{FF2B5EF4-FFF2-40B4-BE49-F238E27FC236}">
+                  <a16:creationId xmlns:a16="http://schemas.microsoft.com/office/drawing/2014/main" id="{5507CF01-C7B1-2940-8E77-EF0E4117A9B8}"/>
+                </a:ext>
+              </a:extLst>
+            </p:cNvPr>
+            <p:cNvSpPr txBox="1"/>
+            <p:nvPr/>
+          </p:nvSpPr>
+          <p:spPr>
+            <a:xfrm>
+              <a:off x="8622520" y="3878442"/>
+              <a:ext cx="406523" cy="451405"/>
+            </a:xfrm>
+            <a:prstGeom prst="rect">
+              <a:avLst/>
+            </a:prstGeom>
+            <a:noFill/>
+          </p:spPr>
+          <p:txBody>
+            <a:bodyPr wrap="none" rtlCol="0">
+              <a:spAutoFit/>
+            </a:bodyPr>
+            <a:lstStyle/>
+            <a:p>
+              <a:r>
+                <a:rPr lang="en-US" sz="1600" dirty="0">
+                  <a:solidFill>
+                    <a:srgbClr val="FF0000"/>
+                  </a:solidFill>
+                  <a:latin typeface="Trebuchet MS" panose="020B0703020202090204" pitchFamily="34" charset="0"/>
+                </a:rPr>
+                <a:t>R</a:t>
+              </a:r>
+            </a:p>
+          </p:txBody>
+        </p:sp>
+        <p:sp>
+          <p:nvSpPr>
+            <p:cNvPr id="38" name="TextBox 37">
+              <a:extLst>
+                <a:ext uri="{FF2B5EF4-FFF2-40B4-BE49-F238E27FC236}">
+                  <a16:creationId xmlns:a16="http://schemas.microsoft.com/office/drawing/2014/main" id="{FE420EBC-91BE-7845-B52B-3273DFB5F917}"/>
+                </a:ext>
+              </a:extLst>
+            </p:cNvPr>
+            <p:cNvSpPr txBox="1"/>
+            <p:nvPr/>
+          </p:nvSpPr>
+          <p:spPr>
+            <a:xfrm>
+              <a:off x="5850964" y="3628085"/>
+              <a:ext cx="432171" cy="451406"/>
+            </a:xfrm>
+            <a:prstGeom prst="rect">
+              <a:avLst/>
+            </a:prstGeom>
+            <a:noFill/>
+          </p:spPr>
+          <p:txBody>
+            <a:bodyPr wrap="none" rtlCol="0">
+              <a:spAutoFit/>
+            </a:bodyPr>
+            <a:lstStyle/>
+            <a:p>
+              <a:r>
+                <a:rPr lang="en-US" sz="1600" dirty="0">
+                  <a:solidFill>
+                    <a:srgbClr val="00FF00"/>
+                  </a:solidFill>
+                  <a:latin typeface="Trebuchet MS" panose="020B0703020202090204" pitchFamily="34" charset="0"/>
+                </a:rPr>
+                <a:t>G</a:t>
+              </a:r>
+            </a:p>
+          </p:txBody>
+        </p:sp>
+        <p:sp>
+          <p:nvSpPr>
+            <p:cNvPr id="39" name="TextBox 38">
+              <a:extLst>
+                <a:ext uri="{FF2B5EF4-FFF2-40B4-BE49-F238E27FC236}">
+                  <a16:creationId xmlns:a16="http://schemas.microsoft.com/office/drawing/2014/main" id="{5279AF68-DDF1-A84F-ACBD-AB0AAB712256}"/>
+                </a:ext>
+              </a:extLst>
+            </p:cNvPr>
+            <p:cNvSpPr txBox="1"/>
+            <p:nvPr/>
+          </p:nvSpPr>
+          <p:spPr>
+            <a:xfrm>
+              <a:off x="7026773" y="885495"/>
+              <a:ext cx="400109" cy="451406"/>
+            </a:xfrm>
+            <a:prstGeom prst="rect">
+              <a:avLst/>
+            </a:prstGeom>
+            <a:noFill/>
+          </p:spPr>
+          <p:txBody>
+            <a:bodyPr wrap="none" rtlCol="0">
+              <a:spAutoFit/>
+            </a:bodyPr>
+            <a:lstStyle/>
+            <a:p>
+              <a:r>
+                <a:rPr lang="en-US" sz="1600" dirty="0">
+                  <a:solidFill>
+                    <a:srgbClr val="0070C0"/>
+                  </a:solidFill>
+                  <a:latin typeface="Trebuchet MS" panose="020B0703020202090204" pitchFamily="34" charset="0"/>
+                </a:rPr>
+                <a:t>B</a:t>
+              </a:r>
+            </a:p>
+          </p:txBody>
+        </p:sp>
+      </p:grpSp>
+      <p:grpSp>
+        <p:nvGrpSpPr>
+          <p:cNvPr id="46" name="Group 45">
+            <a:extLst>
+              <a:ext uri="{FF2B5EF4-FFF2-40B4-BE49-F238E27FC236}">
+                <a16:creationId xmlns:a16="http://schemas.microsoft.com/office/drawing/2014/main" id="{59BC25A9-1078-3F4D-8B0F-E7DBA5C3671C}"/>
+              </a:ext>
+            </a:extLst>
+          </p:cNvPr>
+          <p:cNvGrpSpPr/>
+          <p:nvPr/>
+        </p:nvGrpSpPr>
+        <p:grpSpPr>
+          <a:xfrm>
+            <a:off x="3469538" y="2102727"/>
+            <a:ext cx="2172108" cy="859221"/>
+            <a:chOff x="3972910" y="1660634"/>
+            <a:chExt cx="2896144" cy="1145628"/>
+          </a:xfrm>
+        </p:grpSpPr>
+        <p:cxnSp>
+          <p:nvCxnSpPr>
+            <p:cNvPr id="17" name="Straight Arrow Connector 16">
+              <a:extLst>
+                <a:ext uri="{FF2B5EF4-FFF2-40B4-BE49-F238E27FC236}">
+                  <a16:creationId xmlns:a16="http://schemas.microsoft.com/office/drawing/2014/main" id="{8FE5DEA9-ABD1-624F-B9DC-71CB6B42E7A1}"/>
+                </a:ext>
+              </a:extLst>
+            </p:cNvPr>
+            <p:cNvCxnSpPr/>
+            <p:nvPr/>
+          </p:nvCxnSpPr>
+          <p:spPr>
+            <a:xfrm flipV="1">
+              <a:off x="4572000" y="2017986"/>
+              <a:ext cx="0" cy="704193"/>
+            </a:xfrm>
+            <a:prstGeom prst="straightConnector1">
+              <a:avLst/>
+            </a:prstGeom>
+            <a:ln>
+              <a:tailEnd type="triangle"/>
+            </a:ln>
+          </p:spPr>
+          <p:style>
+            <a:lnRef idx="2">
+              <a:schemeClr val="dk1"/>
+            </a:lnRef>
+            <a:fillRef idx="0">
+              <a:schemeClr val="dk1"/>
+            </a:fillRef>
+            <a:effectRef idx="1">
+              <a:schemeClr val="dk1"/>
+            </a:effectRef>
+            <a:fontRef idx="minor">
+              <a:schemeClr val="tx1"/>
+            </a:fontRef>
+          </p:style>
+        </p:cxnSp>
+        <p:sp>
+          <p:nvSpPr>
+            <p:cNvPr id="21" name="TextBox 20">
+              <a:extLst>
+                <a:ext uri="{FF2B5EF4-FFF2-40B4-BE49-F238E27FC236}">
+                  <a16:creationId xmlns:a16="http://schemas.microsoft.com/office/drawing/2014/main" id="{A7DD2320-651C-9E4E-9A42-48D36D18437B}"/>
+                </a:ext>
+              </a:extLst>
+            </p:cNvPr>
+            <p:cNvSpPr txBox="1"/>
+            <p:nvPr/>
+          </p:nvSpPr>
+          <p:spPr>
+            <a:xfrm>
+              <a:off x="3972910" y="1660634"/>
+              <a:ext cx="1650452" cy="451405"/>
+            </a:xfrm>
+            <a:prstGeom prst="rect">
+              <a:avLst/>
+            </a:prstGeom>
+            <a:noFill/>
+          </p:spPr>
+          <p:txBody>
+            <a:bodyPr wrap="none" rtlCol="0">
+              <a:spAutoFit/>
+            </a:bodyPr>
+            <a:lstStyle/>
+            <a:p>
+              <a:r>
+                <a:rPr lang="en-US" sz="1600" dirty="0">
+                  <a:latin typeface="Trebuchet MS" panose="020B0703020202090204" pitchFamily="34" charset="0"/>
+                </a:rPr>
+                <a:t>(47,97,168)</a:t>
+              </a:r>
+            </a:p>
+          </p:txBody>
+        </p:sp>
+        <p:sp>
+          <p:nvSpPr>
+            <p:cNvPr id="22" name="Oval 21">
+              <a:extLst>
+                <a:ext uri="{FF2B5EF4-FFF2-40B4-BE49-F238E27FC236}">
+                  <a16:creationId xmlns:a16="http://schemas.microsoft.com/office/drawing/2014/main" id="{07C5272E-9458-3046-B80A-716054531E2A}"/>
+                </a:ext>
+              </a:extLst>
+            </p:cNvPr>
+            <p:cNvSpPr/>
+            <p:nvPr/>
+          </p:nvSpPr>
+          <p:spPr>
+            <a:xfrm>
+              <a:off x="6823335" y="2521877"/>
+              <a:ext cx="45719" cy="73968"/>
+            </a:xfrm>
+            <a:prstGeom prst="ellipse">
+              <a:avLst/>
+            </a:prstGeom>
+            <a:solidFill>
+              <a:schemeClr val="tx1"/>
+            </a:solidFill>
+          </p:spPr>
+          <p:style>
+            <a:lnRef idx="1">
+              <a:schemeClr val="accent1"/>
+            </a:lnRef>
+            <a:fillRef idx="3">
+              <a:schemeClr val="accent1"/>
+            </a:fillRef>
+            <a:effectRef idx="2">
+              <a:schemeClr val="accent1"/>
+            </a:effectRef>
+            <a:fontRef idx="minor">
+              <a:schemeClr val="lt1"/>
+            </a:fontRef>
+          </p:style>
+          <p:txBody>
+            <a:bodyPr rtlCol="0" anchor="ctr"/>
+            <a:lstStyle/>
+            <a:p>
+              <a:pPr algn="ctr"/>
+              <a:endParaRPr lang="en-US" sz="1600">
+                <a:latin typeface="Trebuchet MS" panose="020B0703020202090204" pitchFamily="34" charset="0"/>
+              </a:endParaRPr>
+            </a:p>
+          </p:txBody>
+        </p:sp>
+        <p:cxnSp>
+          <p:nvCxnSpPr>
+            <p:cNvPr id="40" name="Straight Arrow Connector 39">
+              <a:extLst>
+                <a:ext uri="{FF2B5EF4-FFF2-40B4-BE49-F238E27FC236}">
+                  <a16:creationId xmlns:a16="http://schemas.microsoft.com/office/drawing/2014/main" id="{347324C9-07A0-DC44-A788-0BDCB4509BE5}"/>
+                </a:ext>
+              </a:extLst>
+            </p:cNvPr>
+            <p:cNvCxnSpPr>
+              <a:cxnSpLocks/>
+              <a:stCxn id="21" idx="3"/>
+            </p:cNvCxnSpPr>
+            <p:nvPr/>
+          </p:nvCxnSpPr>
+          <p:spPr>
+            <a:xfrm>
+              <a:off x="5623362" y="1886337"/>
+              <a:ext cx="1199973" cy="635541"/>
+            </a:xfrm>
+            <a:prstGeom prst="straightConnector1">
+              <a:avLst/>
+            </a:prstGeom>
+            <a:ln>
+              <a:tailEnd type="triangle"/>
+            </a:ln>
+          </p:spPr>
+          <p:style>
+            <a:lnRef idx="2">
+              <a:schemeClr val="dk1"/>
+            </a:lnRef>
+            <a:fillRef idx="0">
+              <a:schemeClr val="dk1"/>
+            </a:fillRef>
+            <a:effectRef idx="1">
+              <a:schemeClr val="dk1"/>
+            </a:effectRef>
+            <a:fontRef idx="minor">
+              <a:schemeClr val="tx1"/>
+            </a:fontRef>
+          </p:style>
+        </p:cxnSp>
+        <p:sp>
+          <p:nvSpPr>
+            <p:cNvPr id="45" name="Rectangle 44">
+              <a:extLst>
+                <a:ext uri="{FF2B5EF4-FFF2-40B4-BE49-F238E27FC236}">
+                  <a16:creationId xmlns:a16="http://schemas.microsoft.com/office/drawing/2014/main" id="{9E3D125A-482F-9746-92B0-561F889524A7}"/>
+                </a:ext>
+              </a:extLst>
+            </p:cNvPr>
+            <p:cNvSpPr/>
+            <p:nvPr/>
+          </p:nvSpPr>
+          <p:spPr>
+            <a:xfrm>
+              <a:off x="4530438" y="2722179"/>
+              <a:ext cx="89560" cy="84083"/>
+            </a:xfrm>
+            <a:prstGeom prst="rect">
+              <a:avLst/>
+            </a:prstGeom>
+          </p:spPr>
+          <p:style>
+            <a:lnRef idx="1">
+              <a:schemeClr val="accent1"/>
+            </a:lnRef>
+            <a:fillRef idx="3">
+              <a:schemeClr val="accent1"/>
+            </a:fillRef>
+            <a:effectRef idx="2">
+              <a:schemeClr val="accent1"/>
+            </a:effectRef>
+            <a:fontRef idx="minor">
+              <a:schemeClr val="lt1"/>
+            </a:fontRef>
+          </p:style>
+          <p:txBody>
+            <a:bodyPr rtlCol="0" anchor="ctr"/>
+            <a:lstStyle/>
+            <a:p>
+              <a:pPr algn="ctr"/>
+              <a:endParaRPr lang="en-US" sz="1600">
+                <a:latin typeface="Trebuchet MS" panose="020B0703020202090204" pitchFamily="34" charset="0"/>
+              </a:endParaRPr>
+            </a:p>
+          </p:txBody>
+        </p:sp>
+      </p:grpSp>
+      <p:grpSp>
+        <p:nvGrpSpPr>
+          <p:cNvPr id="47" name="Group 46">
+            <a:extLst>
+              <a:ext uri="{FF2B5EF4-FFF2-40B4-BE49-F238E27FC236}">
+                <a16:creationId xmlns:a16="http://schemas.microsoft.com/office/drawing/2014/main" id="{6947FF91-2280-A143-A6EB-D3EF9461C502}"/>
+              </a:ext>
+            </a:extLst>
+          </p:cNvPr>
+          <p:cNvGrpSpPr/>
+          <p:nvPr/>
+        </p:nvGrpSpPr>
+        <p:grpSpPr>
+          <a:xfrm>
+            <a:off x="1901810" y="2181553"/>
+            <a:ext cx="4293308" cy="2573722"/>
+            <a:chOff x="3972910" y="-625367"/>
+            <a:chExt cx="5724411" cy="3431629"/>
+          </a:xfrm>
+        </p:grpSpPr>
+        <p:cxnSp>
+          <p:nvCxnSpPr>
+            <p:cNvPr id="48" name="Straight Arrow Connector 47">
+              <a:extLst>
+                <a:ext uri="{FF2B5EF4-FFF2-40B4-BE49-F238E27FC236}">
+                  <a16:creationId xmlns:a16="http://schemas.microsoft.com/office/drawing/2014/main" id="{AC7FD0BF-3A4D-BE49-9BEE-5C676D1CBEFC}"/>
+                </a:ext>
+              </a:extLst>
+            </p:cNvPr>
+            <p:cNvCxnSpPr/>
+            <p:nvPr/>
+          </p:nvCxnSpPr>
+          <p:spPr>
+            <a:xfrm flipV="1">
+              <a:off x="4572000" y="2017986"/>
+              <a:ext cx="0" cy="704193"/>
+            </a:xfrm>
+            <a:prstGeom prst="straightConnector1">
+              <a:avLst/>
+            </a:prstGeom>
+            <a:ln>
+              <a:tailEnd type="triangle"/>
+            </a:ln>
+          </p:spPr>
+          <p:style>
+            <a:lnRef idx="2">
+              <a:schemeClr val="dk1"/>
+            </a:lnRef>
+            <a:fillRef idx="0">
+              <a:schemeClr val="dk1"/>
+            </a:fillRef>
+            <a:effectRef idx="1">
+              <a:schemeClr val="dk1"/>
+            </a:effectRef>
+            <a:fontRef idx="minor">
+              <a:schemeClr val="tx1"/>
+            </a:fontRef>
+          </p:style>
+        </p:cxnSp>
+        <p:sp>
+          <p:nvSpPr>
+            <p:cNvPr id="49" name="TextBox 48">
+              <a:extLst>
+                <a:ext uri="{FF2B5EF4-FFF2-40B4-BE49-F238E27FC236}">
+                  <a16:creationId xmlns:a16="http://schemas.microsoft.com/office/drawing/2014/main" id="{A498F642-ADB8-6D45-A8D3-B99F019D139F}"/>
+                </a:ext>
+              </a:extLst>
+            </p:cNvPr>
+            <p:cNvSpPr txBox="1"/>
+            <p:nvPr/>
+          </p:nvSpPr>
+          <p:spPr>
+            <a:xfrm>
+              <a:off x="3972910" y="1660634"/>
+              <a:ext cx="1936856" cy="451405"/>
+            </a:xfrm>
+            <a:prstGeom prst="rect">
+              <a:avLst/>
+            </a:prstGeom>
+            <a:noFill/>
+          </p:spPr>
+          <p:txBody>
+            <a:bodyPr wrap="none" rtlCol="0">
+              <a:spAutoFit/>
+            </a:bodyPr>
+            <a:lstStyle/>
+            <a:p>
+              <a:r>
+                <a:rPr lang="en-US" sz="1600" dirty="0">
+                  <a:latin typeface="Trebuchet MS" panose="020B0703020202090204" pitchFamily="34" charset="0"/>
+                </a:rPr>
+                <a:t>(192,201,216)</a:t>
+              </a:r>
+            </a:p>
+          </p:txBody>
+        </p:sp>
+        <p:sp>
+          <p:nvSpPr>
+            <p:cNvPr id="50" name="Oval 49">
+              <a:extLst>
+                <a:ext uri="{FF2B5EF4-FFF2-40B4-BE49-F238E27FC236}">
+                  <a16:creationId xmlns:a16="http://schemas.microsoft.com/office/drawing/2014/main" id="{A0C33AFB-AA98-9C4F-ADA5-750B1A20E600}"/>
+                </a:ext>
+              </a:extLst>
+            </p:cNvPr>
+            <p:cNvSpPr/>
+            <p:nvPr/>
+          </p:nvSpPr>
+          <p:spPr>
+            <a:xfrm>
+              <a:off x="9651602" y="-625367"/>
+              <a:ext cx="45719" cy="73968"/>
+            </a:xfrm>
+            <a:prstGeom prst="ellipse">
+              <a:avLst/>
+            </a:prstGeom>
+            <a:solidFill>
+              <a:schemeClr val="tx1"/>
+            </a:solidFill>
+          </p:spPr>
+          <p:style>
+            <a:lnRef idx="1">
+              <a:schemeClr val="accent1"/>
+            </a:lnRef>
+            <a:fillRef idx="3">
+              <a:schemeClr val="accent1"/>
+            </a:fillRef>
+            <a:effectRef idx="2">
+              <a:schemeClr val="accent1"/>
+            </a:effectRef>
+            <a:fontRef idx="minor">
+              <a:schemeClr val="lt1"/>
+            </a:fontRef>
+          </p:style>
+          <p:txBody>
+            <a:bodyPr rtlCol="0" anchor="ctr"/>
+            <a:lstStyle/>
+            <a:p>
+              <a:pPr algn="ctr"/>
+              <a:endParaRPr lang="en-US" sz="1600">
+                <a:latin typeface="Trebuchet MS" panose="020B0703020202090204" pitchFamily="34" charset="0"/>
+              </a:endParaRPr>
+            </a:p>
+          </p:txBody>
+        </p:sp>
+        <p:cxnSp>
+          <p:nvCxnSpPr>
+            <p:cNvPr id="51" name="Straight Arrow Connector 50">
+              <a:extLst>
+                <a:ext uri="{FF2B5EF4-FFF2-40B4-BE49-F238E27FC236}">
+                  <a16:creationId xmlns:a16="http://schemas.microsoft.com/office/drawing/2014/main" id="{C8FAB9B3-50FB-3643-AA7B-B37B6CC73F96}"/>
+                </a:ext>
+              </a:extLst>
+            </p:cNvPr>
+            <p:cNvCxnSpPr>
+              <a:cxnSpLocks/>
+              <a:stCxn id="49" idx="3"/>
+            </p:cNvCxnSpPr>
+            <p:nvPr/>
+          </p:nvCxnSpPr>
+          <p:spPr>
+            <a:xfrm flipV="1">
+              <a:off x="5909766" y="-545803"/>
+              <a:ext cx="3731203" cy="2432140"/>
+            </a:xfrm>
+            <a:prstGeom prst="straightConnector1">
+              <a:avLst/>
+            </a:prstGeom>
+            <a:ln>
+              <a:tailEnd type="triangle"/>
+            </a:ln>
+          </p:spPr>
+          <p:style>
+            <a:lnRef idx="2">
+              <a:schemeClr val="dk1"/>
+            </a:lnRef>
+            <a:fillRef idx="0">
+              <a:schemeClr val="dk1"/>
+            </a:fillRef>
+            <a:effectRef idx="1">
+              <a:schemeClr val="dk1"/>
+            </a:effectRef>
+            <a:fontRef idx="minor">
+              <a:schemeClr val="tx1"/>
+            </a:fontRef>
+          </p:style>
+        </p:cxnSp>
+        <p:sp>
+          <p:nvSpPr>
+            <p:cNvPr id="52" name="Rectangle 51">
+              <a:extLst>
+                <a:ext uri="{FF2B5EF4-FFF2-40B4-BE49-F238E27FC236}">
+                  <a16:creationId xmlns:a16="http://schemas.microsoft.com/office/drawing/2014/main" id="{D1F4AF5A-0B57-A747-B780-9AAA3614809B}"/>
+                </a:ext>
+              </a:extLst>
+            </p:cNvPr>
+            <p:cNvSpPr/>
+            <p:nvPr/>
+          </p:nvSpPr>
+          <p:spPr>
+            <a:xfrm>
+              <a:off x="4530438" y="2722179"/>
+              <a:ext cx="89560" cy="84083"/>
+            </a:xfrm>
+            <a:prstGeom prst="rect">
+              <a:avLst/>
+            </a:prstGeom>
+          </p:spPr>
+          <p:style>
+            <a:lnRef idx="1">
+              <a:schemeClr val="accent1"/>
+            </a:lnRef>
+            <a:fillRef idx="3">
+              <a:schemeClr val="accent1"/>
+            </a:fillRef>
+            <a:effectRef idx="2">
+              <a:schemeClr val="accent1"/>
+            </a:effectRef>
+            <a:fontRef idx="minor">
+              <a:schemeClr val="lt1"/>
+            </a:fontRef>
+          </p:style>
+          <p:txBody>
+            <a:bodyPr rtlCol="0" anchor="ctr"/>
+            <a:lstStyle/>
+            <a:p>
+              <a:pPr algn="ctr"/>
+              <a:endParaRPr lang="en-US" sz="1600">
+                <a:latin typeface="Trebuchet MS" panose="020B0703020202090204" pitchFamily="34" charset="0"/>
+              </a:endParaRPr>
+            </a:p>
+          </p:txBody>
+        </p:sp>
+      </p:grpSp>
+    </p:spTree>
+    <p:extLst>
+      <p:ext uri="{BB962C8B-B14F-4D97-AF65-F5344CB8AC3E}">
+        <p14:creationId xmlns:p14="http://schemas.microsoft.com/office/powerpoint/2010/main" val="2938726555"/>
+      </p:ext>
+    </p:extLst>
+  </p:cSld>
+  <p:clrMapOvr>
+    <a:masterClrMapping/>
+  </p:clrMapOvr>
+  <p:timing>
+    <p:tnLst>
+      <p:par>
+        <p:cTn id="1" dur="indefinite" restart="never" nodeType="tmRoot">
+          <p:childTnLst>
+            <p:seq concurrent="1" nextAc="seek">
+              <p:cTn id="2" dur="indefinite" nodeType="mainSeq">
+                <p:childTnLst>
+                  <p:par>
+                    <p:cTn id="3" fill="hold">
+                      <p:stCondLst>
+                        <p:cond delay="indefinite"/>
+                      </p:stCondLst>
+                      <p:childTnLst>
+                        <p:par>
+                          <p:cTn id="4" fill="hold">
+                            <p:stCondLst>
+                              <p:cond delay="0"/>
+                            </p:stCondLst>
+                            <p:childTnLst>
+                              <p:par>
+                                <p:cTn id="5" presetID="1" presetClass="entr" presetSubtype="0" fill="hold" nodeType="clickEffect">
+                                  <p:stCondLst>
+                                    <p:cond delay="0"/>
+                                  </p:stCondLst>
+                                  <p:childTnLst>
+                                    <p:set>
+                                      <p:cBhvr>
+                                        <p:cTn id="6" dur="1" fill="hold">
+                                          <p:stCondLst>
+                                            <p:cond delay="0"/>
+                                          </p:stCondLst>
+                                        </p:cTn>
+                                        <p:tgtEl>
+                                          <p:spTgt spid="55"/>
+                                        </p:tgtEl>
+                                        <p:attrNameLst>
+                                          <p:attrName>style.visibility</p:attrName>
+                                        </p:attrNameLst>
+                                      </p:cBhvr>
+                                      <p:to>
+                                        <p:strVal val="visible"/>
+                                      </p:to>
+                                    </p:set>
+                                  </p:childTnLst>
+                                </p:cTn>
+                              </p:par>
+                            </p:childTnLst>
+                          </p:cTn>
+                        </p:par>
+                      </p:childTnLst>
+                    </p:cTn>
+                  </p:par>
+                  <p:par>
+                    <p:cTn id="7" fill="hold">
+                      <p:stCondLst>
+                        <p:cond delay="indefinite"/>
+                      </p:stCondLst>
+                      <p:childTnLst>
+                        <p:par>
+                          <p:cTn id="8" fill="hold">
+                            <p:stCondLst>
+                              <p:cond delay="0"/>
+                            </p:stCondLst>
+                            <p:childTnLst>
+                              <p:par>
+                                <p:cTn id="9" presetID="22" presetClass="entr" presetSubtype="8" fill="hold" nodeType="clickEffect">
+                                  <p:stCondLst>
+                                    <p:cond delay="0"/>
+                                  </p:stCondLst>
+                                  <p:childTnLst>
+                                    <p:set>
+                                      <p:cBhvr>
+                                        <p:cTn id="10" dur="1" fill="hold">
+                                          <p:stCondLst>
+                                            <p:cond delay="0"/>
+                                          </p:stCondLst>
+                                        </p:cTn>
+                                        <p:tgtEl>
+                                          <p:spTgt spid="46"/>
+                                        </p:tgtEl>
+                                        <p:attrNameLst>
+                                          <p:attrName>style.visibility</p:attrName>
+                                        </p:attrNameLst>
+                                      </p:cBhvr>
+                                      <p:to>
+                                        <p:strVal val="visible"/>
+                                      </p:to>
+                                    </p:set>
+                                    <p:animEffect transition="in" filter="wipe(left)">
+                                      <p:cBhvr>
+                                        <p:cTn id="11" dur="500"/>
+                                        <p:tgtEl>
+                                          <p:spTgt spid="46"/>
+                                        </p:tgtEl>
+                                      </p:cBhvr>
+                                    </p:animEffect>
+                                  </p:childTnLst>
+                                </p:cTn>
+                              </p:par>
+                            </p:childTnLst>
+                          </p:cTn>
+                        </p:par>
+                      </p:childTnLst>
+                    </p:cTn>
+                  </p:par>
+                  <p:par>
+                    <p:cTn id="12" fill="hold">
+                      <p:stCondLst>
+                        <p:cond delay="indefinite"/>
+                      </p:stCondLst>
+                      <p:childTnLst>
+                        <p:par>
+                          <p:cTn id="13" fill="hold">
+                            <p:stCondLst>
+                              <p:cond delay="0"/>
+                            </p:stCondLst>
+                            <p:childTnLst>
+                              <p:par>
+                                <p:cTn id="14" presetID="22" presetClass="entr" presetSubtype="8" fill="hold" nodeType="clickEffect">
+                                  <p:stCondLst>
+                                    <p:cond delay="0"/>
+                                  </p:stCondLst>
+                                  <p:childTnLst>
+                                    <p:set>
+                                      <p:cBhvr>
+                                        <p:cTn id="15" dur="1" fill="hold">
+                                          <p:stCondLst>
+                                            <p:cond delay="0"/>
+                                          </p:stCondLst>
+                                        </p:cTn>
+                                        <p:tgtEl>
+                                          <p:spTgt spid="47"/>
+                                        </p:tgtEl>
+                                        <p:attrNameLst>
+                                          <p:attrName>style.visibility</p:attrName>
+                                        </p:attrNameLst>
+                                      </p:cBhvr>
+                                      <p:to>
+                                        <p:strVal val="visible"/>
+                                      </p:to>
+                                    </p:set>
+                                    <p:animEffect transition="in" filter="wipe(left)">
+                                      <p:cBhvr>
+                                        <p:cTn id="16" dur="500"/>
+                                        <p:tgtEl>
+                                          <p:spTgt spid="47"/>
+                                        </p:tgtEl>
+                                      </p:cBhvr>
+                                    </p:animEffect>
+                                  </p:childTnLst>
+                                </p:cTn>
+                              </p:par>
+                            </p:childTnLst>
+                          </p:cTn>
+                        </p:par>
+                      </p:childTnLst>
+                    </p:cTn>
+                  </p:par>
+                </p:childTnLst>
+              </p:cTn>
+              <p:prevCondLst>
+                <p:cond evt="onPrev" delay="0">
+                  <p:tgtEl>
+                    <p:sldTgt/>
+                  </p:tgtEl>
+                </p:cond>
+              </p:prevCondLst>
+              <p:nextCondLst>
+                <p:cond evt="onNext" delay="0">
+                  <p:tgtEl>
+                    <p:sldTgt/>
+                  </p:tgtEl>
+                </p:cond>
+              </p:nextCondLst>
+            </p:seq>
+          </p:childTnLst>
+        </p:cTn>
+      </p:par>
+    </p:tnLst>
+  </p:timing>
+</p:sld>
+</file>
+
+<file path=ppt/slides/slide28.xml><?xml version="1.0" encoding="utf-8"?>
+<p:sld xmlns:a="http://schemas.openxmlformats.org/drawingml/2006/main" xmlns:r="http://schemas.openxmlformats.org/officeDocument/2006/relationships" xmlns:p="http://schemas.openxmlformats.org/presentationml/2006/main">
+  <p:cSld>
+    <p:spTree>
+      <p:nvGrpSpPr>
+        <p:cNvPr id="1" name=""/>
+        <p:cNvGrpSpPr/>
+        <p:nvPr/>
+      </p:nvGrpSpPr>
+      <p:grpSpPr>
+        <a:xfrm>
+          <a:off x="0" y="0"/>
+          <a:ext cx="0" cy="0"/>
+          <a:chOff x="0" y="0"/>
+          <a:chExt cx="0" cy="0"/>
+        </a:xfrm>
+      </p:grpSpPr>
+      <p:pic>
+        <p:nvPicPr>
+          <p:cNvPr id="56" name="Picture 55">
+            <a:extLst>
+              <a:ext uri="{FF2B5EF4-FFF2-40B4-BE49-F238E27FC236}">
+                <a16:creationId xmlns:a16="http://schemas.microsoft.com/office/drawing/2014/main" id="{B635D461-5F58-2E49-9D2B-58ACE207EDCE}"/>
+              </a:ext>
+            </a:extLst>
+          </p:cNvPr>
+          <p:cNvPicPr>
+            <a:picLocks noChangeAspect="1"/>
+          </p:cNvPicPr>
+          <p:nvPr/>
+        </p:nvPicPr>
+        <p:blipFill>
+          <a:blip r:embed="rId2"/>
+          <a:stretch>
+            <a:fillRect/>
+          </a:stretch>
+        </p:blipFill>
+        <p:spPr>
+          <a:xfrm>
+            <a:off x="4668961" y="1708444"/>
+            <a:ext cx="2533880" cy="2326111"/>
+          </a:xfrm>
+          <a:prstGeom prst="rect">
+            <a:avLst/>
+          </a:prstGeom>
+        </p:spPr>
+      </p:pic>
+      <p:pic>
+        <p:nvPicPr>
+          <p:cNvPr id="3" name="Picture 2">
+            <a:extLst>
+              <a:ext uri="{FF2B5EF4-FFF2-40B4-BE49-F238E27FC236}">
+                <a16:creationId xmlns:a16="http://schemas.microsoft.com/office/drawing/2014/main" id="{5D3FCB5D-AB98-0147-B055-667623F14A77}"/>
+              </a:ext>
+            </a:extLst>
+          </p:cNvPr>
+          <p:cNvPicPr>
+            <a:picLocks noChangeAspect="1"/>
+          </p:cNvPicPr>
+          <p:nvPr/>
+        </p:nvPicPr>
+        <p:blipFill>
+          <a:blip r:embed="rId3"/>
+          <a:stretch>
+            <a:fillRect/>
+          </a:stretch>
+        </p:blipFill>
+        <p:spPr>
+          <a:xfrm>
+            <a:off x="914817" y="2561240"/>
+            <a:ext cx="3648075" cy="2476500"/>
+          </a:xfrm>
+          <a:prstGeom prst="rect">
+            <a:avLst/>
+          </a:prstGeom>
+        </p:spPr>
+      </p:pic>
+      <p:grpSp>
+        <p:nvGrpSpPr>
+          <p:cNvPr id="55" name="Group 54">
+            <a:extLst>
+              <a:ext uri="{FF2B5EF4-FFF2-40B4-BE49-F238E27FC236}">
+                <a16:creationId xmlns:a16="http://schemas.microsoft.com/office/drawing/2014/main" id="{C908484B-FCE1-1843-9622-254F132BA861}"/>
+              </a:ext>
+            </a:extLst>
+          </p:cNvPr>
+          <p:cNvGrpSpPr/>
+          <p:nvPr/>
+        </p:nvGrpSpPr>
+        <p:grpSpPr>
+          <a:xfrm>
+            <a:off x="4796042" y="1521373"/>
+            <a:ext cx="2465597" cy="2583263"/>
+            <a:chOff x="5741581" y="885495"/>
+            <a:chExt cx="3287462" cy="3444352"/>
+          </a:xfrm>
+        </p:grpSpPr>
+        <p:cxnSp>
+          <p:nvCxnSpPr>
+            <p:cNvPr id="8" name="Straight Arrow Connector 7">
+              <a:extLst>
+                <a:ext uri="{FF2B5EF4-FFF2-40B4-BE49-F238E27FC236}">
+                  <a16:creationId xmlns:a16="http://schemas.microsoft.com/office/drawing/2014/main" id="{024D57B0-ED5D-BF4D-BE39-5696827DD98D}"/>
+                </a:ext>
+              </a:extLst>
+            </p:cNvPr>
+            <p:cNvCxnSpPr>
+              <a:cxnSpLocks/>
+            </p:cNvCxnSpPr>
+            <p:nvPr/>
+          </p:nvCxnSpPr>
+          <p:spPr>
+            <a:xfrm flipV="1">
+              <a:off x="6948069" y="1052623"/>
+              <a:ext cx="0" cy="2929274"/>
+            </a:xfrm>
+            <a:prstGeom prst="straightConnector1">
+              <a:avLst/>
+            </a:prstGeom>
+            <a:ln>
+              <a:solidFill>
+                <a:srgbClr val="0070C0"/>
+              </a:solidFill>
+              <a:tailEnd type="triangle"/>
+            </a:ln>
+          </p:spPr>
+          <p:style>
+            <a:lnRef idx="2">
+              <a:schemeClr val="dk1"/>
+            </a:lnRef>
+            <a:fillRef idx="0">
+              <a:schemeClr val="dk1"/>
+            </a:fillRef>
+            <a:effectRef idx="1">
+              <a:schemeClr val="dk1"/>
+            </a:effectRef>
+            <a:fontRef idx="minor">
+              <a:schemeClr val="tx1"/>
+            </a:fontRef>
+          </p:style>
+        </p:cxnSp>
+        <p:cxnSp>
+          <p:nvCxnSpPr>
+            <p:cNvPr id="31" name="Straight Arrow Connector 30">
+              <a:extLst>
+                <a:ext uri="{FF2B5EF4-FFF2-40B4-BE49-F238E27FC236}">
+                  <a16:creationId xmlns:a16="http://schemas.microsoft.com/office/drawing/2014/main" id="{ABFEB3F1-D85E-5748-AF8E-B4324554BD60}"/>
+                </a:ext>
+              </a:extLst>
+            </p:cNvPr>
+            <p:cNvCxnSpPr>
+              <a:cxnSpLocks/>
+            </p:cNvCxnSpPr>
+            <p:nvPr/>
+          </p:nvCxnSpPr>
+          <p:spPr>
+            <a:xfrm flipV="1">
+              <a:off x="6884276" y="3657598"/>
+              <a:ext cx="2066371" cy="351609"/>
+            </a:xfrm>
+            <a:prstGeom prst="straightConnector1">
+              <a:avLst/>
+            </a:prstGeom>
+            <a:ln>
+              <a:solidFill>
+                <a:srgbClr val="FF0000"/>
+              </a:solidFill>
+              <a:tailEnd type="triangle"/>
+            </a:ln>
+          </p:spPr>
+          <p:style>
+            <a:lnRef idx="2">
+              <a:schemeClr val="dk1"/>
+            </a:lnRef>
+            <a:fillRef idx="0">
+              <a:schemeClr val="dk1"/>
+            </a:fillRef>
+            <a:effectRef idx="1">
+              <a:schemeClr val="dk1"/>
+            </a:effectRef>
+            <a:fontRef idx="minor">
+              <a:schemeClr val="tx1"/>
+            </a:fontRef>
+          </p:style>
+        </p:cxnSp>
+        <p:cxnSp>
+          <p:nvCxnSpPr>
+            <p:cNvPr id="36" name="Straight Arrow Connector 35">
+              <a:extLst>
+                <a:ext uri="{FF2B5EF4-FFF2-40B4-BE49-F238E27FC236}">
+                  <a16:creationId xmlns:a16="http://schemas.microsoft.com/office/drawing/2014/main" id="{ACC2C25D-3BE2-0E45-B11A-A90515B25C2B}"/>
+                </a:ext>
+              </a:extLst>
+            </p:cNvPr>
+            <p:cNvCxnSpPr>
+              <a:cxnSpLocks/>
+            </p:cNvCxnSpPr>
+            <p:nvPr/>
+          </p:nvCxnSpPr>
+          <p:spPr>
+            <a:xfrm flipH="1" flipV="1">
+              <a:off x="5741581" y="3327991"/>
+              <a:ext cx="1153329" cy="670584"/>
+            </a:xfrm>
+            <a:prstGeom prst="straightConnector1">
+              <a:avLst/>
+            </a:prstGeom>
+            <a:ln>
+              <a:solidFill>
+                <a:srgbClr val="00FF00"/>
+              </a:solidFill>
+              <a:tailEnd type="triangle"/>
+            </a:ln>
+          </p:spPr>
+          <p:style>
+            <a:lnRef idx="2">
+              <a:schemeClr val="dk1"/>
+            </a:lnRef>
+            <a:fillRef idx="0">
+              <a:schemeClr val="dk1"/>
+            </a:fillRef>
+            <a:effectRef idx="1">
+              <a:schemeClr val="dk1"/>
+            </a:effectRef>
+            <a:fontRef idx="minor">
+              <a:schemeClr val="tx1"/>
+            </a:fontRef>
+          </p:style>
+        </p:cxnSp>
+        <p:sp>
+          <p:nvSpPr>
+            <p:cNvPr id="15" name="TextBox 14">
+              <a:extLst>
+                <a:ext uri="{FF2B5EF4-FFF2-40B4-BE49-F238E27FC236}">
+                  <a16:creationId xmlns:a16="http://schemas.microsoft.com/office/drawing/2014/main" id="{5507CF01-C7B1-2940-8E77-EF0E4117A9B8}"/>
+                </a:ext>
+              </a:extLst>
+            </p:cNvPr>
+            <p:cNvSpPr txBox="1"/>
+            <p:nvPr/>
+          </p:nvSpPr>
+          <p:spPr>
+            <a:xfrm>
+              <a:off x="8622520" y="3878442"/>
+              <a:ext cx="406523" cy="451405"/>
+            </a:xfrm>
+            <a:prstGeom prst="rect">
+              <a:avLst/>
+            </a:prstGeom>
+            <a:noFill/>
+          </p:spPr>
+          <p:txBody>
+            <a:bodyPr wrap="none" rtlCol="0">
+              <a:spAutoFit/>
+            </a:bodyPr>
+            <a:lstStyle/>
+            <a:p>
+              <a:r>
+                <a:rPr lang="en-US" sz="1600" dirty="0">
+                  <a:solidFill>
+                    <a:srgbClr val="FF0000"/>
+                  </a:solidFill>
+                  <a:latin typeface="Trebuchet MS" panose="020B0703020202090204" pitchFamily="34" charset="0"/>
+                </a:rPr>
+                <a:t>R</a:t>
+              </a:r>
+            </a:p>
+          </p:txBody>
+        </p:sp>
+        <p:sp>
+          <p:nvSpPr>
+            <p:cNvPr id="38" name="TextBox 37">
+              <a:extLst>
+                <a:ext uri="{FF2B5EF4-FFF2-40B4-BE49-F238E27FC236}">
+                  <a16:creationId xmlns:a16="http://schemas.microsoft.com/office/drawing/2014/main" id="{FE420EBC-91BE-7845-B52B-3273DFB5F917}"/>
+                </a:ext>
+              </a:extLst>
+            </p:cNvPr>
+            <p:cNvSpPr txBox="1"/>
+            <p:nvPr/>
+          </p:nvSpPr>
+          <p:spPr>
+            <a:xfrm>
+              <a:off x="5850964" y="3628085"/>
+              <a:ext cx="432171" cy="451406"/>
+            </a:xfrm>
+            <a:prstGeom prst="rect">
+              <a:avLst/>
+            </a:prstGeom>
+            <a:noFill/>
+          </p:spPr>
+          <p:txBody>
+            <a:bodyPr wrap="none" rtlCol="0">
+              <a:spAutoFit/>
+            </a:bodyPr>
+            <a:lstStyle/>
+            <a:p>
+              <a:r>
+                <a:rPr lang="en-US" sz="1600" dirty="0">
+                  <a:solidFill>
+                    <a:srgbClr val="00FF00"/>
+                  </a:solidFill>
+                  <a:latin typeface="Trebuchet MS" panose="020B0703020202090204" pitchFamily="34" charset="0"/>
+                </a:rPr>
+                <a:t>G</a:t>
+              </a:r>
+            </a:p>
+          </p:txBody>
+        </p:sp>
+        <p:sp>
+          <p:nvSpPr>
+            <p:cNvPr id="39" name="TextBox 38">
+              <a:extLst>
+                <a:ext uri="{FF2B5EF4-FFF2-40B4-BE49-F238E27FC236}">
+                  <a16:creationId xmlns:a16="http://schemas.microsoft.com/office/drawing/2014/main" id="{5279AF68-DDF1-A84F-ACBD-AB0AAB712256}"/>
+                </a:ext>
+              </a:extLst>
+            </p:cNvPr>
+            <p:cNvSpPr txBox="1"/>
+            <p:nvPr/>
+          </p:nvSpPr>
+          <p:spPr>
+            <a:xfrm>
+              <a:off x="7026773" y="885495"/>
+              <a:ext cx="400109" cy="451406"/>
+            </a:xfrm>
+            <a:prstGeom prst="rect">
+              <a:avLst/>
+            </a:prstGeom>
+            <a:noFill/>
+          </p:spPr>
+          <p:txBody>
+            <a:bodyPr wrap="none" rtlCol="0">
+              <a:spAutoFit/>
+            </a:bodyPr>
+            <a:lstStyle/>
+            <a:p>
+              <a:r>
+                <a:rPr lang="en-US" sz="1600" dirty="0">
+                  <a:solidFill>
+                    <a:srgbClr val="0070C0"/>
+                  </a:solidFill>
+                  <a:latin typeface="Trebuchet MS" panose="020B0703020202090204" pitchFamily="34" charset="0"/>
+                </a:rPr>
+                <a:t>B</a:t>
+              </a:r>
+            </a:p>
+          </p:txBody>
+        </p:sp>
+      </p:grpSp>
+      <p:sp>
+        <p:nvSpPr>
+          <p:cNvPr id="12" name="TextBox 11">
+            <a:extLst>
+              <a:ext uri="{FF2B5EF4-FFF2-40B4-BE49-F238E27FC236}">
+                <a16:creationId xmlns:a16="http://schemas.microsoft.com/office/drawing/2014/main" id="{EC0AF5DA-185D-F541-AF1A-AC09105F5E67}"/>
+              </a:ext>
+            </a:extLst>
+          </p:cNvPr>
+          <p:cNvSpPr txBox="1"/>
+          <p:nvPr/>
+        </p:nvSpPr>
+        <p:spPr>
+          <a:xfrm>
+            <a:off x="914818" y="1385395"/>
+            <a:ext cx="2823209" cy="338554"/>
+          </a:xfrm>
+          <a:prstGeom prst="rect">
+            <a:avLst/>
+          </a:prstGeom>
+          <a:noFill/>
+        </p:spPr>
+        <p:txBody>
+          <a:bodyPr wrap="none" rtlCol="0">
+            <a:spAutoFit/>
+          </a:bodyPr>
+          <a:lstStyle/>
+          <a:p>
+            <a:r>
+              <a:rPr lang="es-ES_tradnl" sz="1600" dirty="0">
+                <a:solidFill>
+                  <a:srgbClr val="FF9300"/>
+                </a:solidFill>
+                <a:latin typeface="Trebuchet MS" panose="020B0703020202090204" pitchFamily="34" charset="0"/>
+              </a:rPr>
+              <a:t>Segmentación por </a:t>
+            </a:r>
+            <a:r>
+              <a:rPr lang="es-ES_tradnl" sz="1600" dirty="0" err="1">
+                <a:solidFill>
+                  <a:srgbClr val="FF9300"/>
+                </a:solidFill>
+                <a:latin typeface="Trebuchet MS" panose="020B0703020202090204" pitchFamily="34" charset="0"/>
+              </a:rPr>
+              <a:t>Clustering</a:t>
+            </a:r>
+            <a:endParaRPr lang="es-ES_tradnl" sz="1600" dirty="0">
+              <a:solidFill>
+                <a:srgbClr val="FF9300"/>
+              </a:solidFill>
+              <a:latin typeface="Trebuchet MS" panose="020B0703020202090204" pitchFamily="34" charset="0"/>
+            </a:endParaRPr>
+          </a:p>
+        </p:txBody>
+      </p:sp>
+    </p:spTree>
+    <p:extLst>
+      <p:ext uri="{BB962C8B-B14F-4D97-AF65-F5344CB8AC3E}">
+        <p14:creationId xmlns:p14="http://schemas.microsoft.com/office/powerpoint/2010/main" val="2529557479"/>
+      </p:ext>
+    </p:extLst>
+  </p:cSld>
+  <p:clrMapOvr>
+    <a:masterClrMapping/>
+  </p:clrMapOvr>
+</p:sld>
+</file>
+
+<file path=ppt/slides/slide29.xml><?xml version="1.0" encoding="utf-8"?>
+<p:sld xmlns:a="http://schemas.openxmlformats.org/drawingml/2006/main" xmlns:r="http://schemas.openxmlformats.org/officeDocument/2006/relationships" xmlns:p="http://schemas.openxmlformats.org/presentationml/2006/main">
+  <p:cSld>
+    <p:spTree>
+      <p:nvGrpSpPr>
+        <p:cNvPr id="1" name=""/>
+        <p:cNvGrpSpPr/>
+        <p:nvPr/>
+      </p:nvGrpSpPr>
+      <p:grpSpPr>
+        <a:xfrm>
+          <a:off x="0" y="0"/>
+          <a:ext cx="0" cy="0"/>
+          <a:chOff x="0" y="0"/>
+          <a:chExt cx="0" cy="0"/>
+        </a:xfrm>
+      </p:grpSpPr>
+      <p:pic>
+        <p:nvPicPr>
+          <p:cNvPr id="56" name="Picture 55">
+            <a:extLst>
+              <a:ext uri="{FF2B5EF4-FFF2-40B4-BE49-F238E27FC236}">
+                <a16:creationId xmlns:a16="http://schemas.microsoft.com/office/drawing/2014/main" id="{B635D461-5F58-2E49-9D2B-58ACE207EDCE}"/>
+              </a:ext>
+            </a:extLst>
+          </p:cNvPr>
+          <p:cNvPicPr>
+            <a:picLocks noChangeAspect="1"/>
+          </p:cNvPicPr>
+          <p:nvPr/>
+        </p:nvPicPr>
+        <p:blipFill>
+          <a:blip r:embed="rId2"/>
+          <a:stretch>
+            <a:fillRect/>
+          </a:stretch>
+        </p:blipFill>
+        <p:spPr>
+          <a:xfrm>
+            <a:off x="4668961" y="1708444"/>
+            <a:ext cx="2533880" cy="2326111"/>
+          </a:xfrm>
+          <a:prstGeom prst="rect">
+            <a:avLst/>
+          </a:prstGeom>
+        </p:spPr>
+      </p:pic>
+      <p:pic>
+        <p:nvPicPr>
+          <p:cNvPr id="3" name="Picture 2">
+            <a:extLst>
+              <a:ext uri="{FF2B5EF4-FFF2-40B4-BE49-F238E27FC236}">
+                <a16:creationId xmlns:a16="http://schemas.microsoft.com/office/drawing/2014/main" id="{5D3FCB5D-AB98-0147-B055-667623F14A77}"/>
+              </a:ext>
+            </a:extLst>
+          </p:cNvPr>
+          <p:cNvPicPr>
+            <a:picLocks noChangeAspect="1"/>
+          </p:cNvPicPr>
+          <p:nvPr/>
+        </p:nvPicPr>
+        <p:blipFill>
+          <a:blip r:embed="rId3"/>
+          <a:stretch>
+            <a:fillRect/>
+          </a:stretch>
+        </p:blipFill>
+        <p:spPr>
+          <a:xfrm>
+            <a:off x="914817" y="2561240"/>
+            <a:ext cx="3648075" cy="2476500"/>
+          </a:xfrm>
+          <a:prstGeom prst="rect">
+            <a:avLst/>
+          </a:prstGeom>
+        </p:spPr>
+      </p:pic>
+      <p:sp>
+        <p:nvSpPr>
+          <p:cNvPr id="2" name="Oval 1">
+            <a:extLst>
+              <a:ext uri="{FF2B5EF4-FFF2-40B4-BE49-F238E27FC236}">
+                <a16:creationId xmlns:a16="http://schemas.microsoft.com/office/drawing/2014/main" id="{D25E3C52-5B80-5C41-B22C-A905C0194D3C}"/>
+              </a:ext>
+            </a:extLst>
+          </p:cNvPr>
+          <p:cNvSpPr/>
+          <p:nvPr/>
+        </p:nvSpPr>
+        <p:spPr>
+          <a:xfrm rot="19052352">
+            <a:off x="5351866" y="1892354"/>
+            <a:ext cx="1284352" cy="760233"/>
+          </a:xfrm>
+          <a:prstGeom prst="ellipse">
+            <a:avLst/>
+          </a:prstGeom>
+          <a:noFill/>
+          <a:ln>
+            <a:solidFill>
+              <a:schemeClr val="tx1"/>
+            </a:solidFill>
+          </a:ln>
+        </p:spPr>
+        <p:style>
+          <a:lnRef idx="1">
+            <a:schemeClr val="accent1"/>
+          </a:lnRef>
+          <a:fillRef idx="3">
+            <a:schemeClr val="accent1"/>
+          </a:fillRef>
+          <a:effectRef idx="2">
+            <a:schemeClr val="accent1"/>
+          </a:effectRef>
+          <a:fontRef idx="minor">
+            <a:schemeClr val="lt1"/>
+          </a:fontRef>
+        </p:style>
+        <p:txBody>
+          <a:bodyPr rtlCol="0" anchor="ctr"/>
+          <a:lstStyle/>
+          <a:p>
+            <a:pPr algn="ctr"/>
+            <a:endParaRPr lang="en-US" sz="1600">
+              <a:latin typeface="Trebuchet MS" panose="020B0703020202090204" pitchFamily="34" charset="0"/>
+            </a:endParaRPr>
+          </a:p>
+        </p:txBody>
+      </p:sp>
+      <p:sp>
+        <p:nvSpPr>
+          <p:cNvPr id="13" name="Oval 12">
+            <a:extLst>
+              <a:ext uri="{FF2B5EF4-FFF2-40B4-BE49-F238E27FC236}">
+                <a16:creationId xmlns:a16="http://schemas.microsoft.com/office/drawing/2014/main" id="{98C5B812-0D76-004A-8C6D-086BB0952297}"/>
+              </a:ext>
+            </a:extLst>
+          </p:cNvPr>
+          <p:cNvSpPr/>
+          <p:nvPr/>
+        </p:nvSpPr>
+        <p:spPr>
+          <a:xfrm rot="19052352">
+            <a:off x="5329953" y="2443063"/>
+            <a:ext cx="1430641" cy="752140"/>
+          </a:xfrm>
+          <a:prstGeom prst="ellipse">
+            <a:avLst/>
+          </a:prstGeom>
+          <a:noFill/>
+          <a:ln>
+            <a:solidFill>
+              <a:srgbClr val="00B0F0"/>
+            </a:solidFill>
+          </a:ln>
+        </p:spPr>
+        <p:style>
+          <a:lnRef idx="1">
+            <a:schemeClr val="accent1"/>
+          </a:lnRef>
+          <a:fillRef idx="3">
+            <a:schemeClr val="accent1"/>
+          </a:fillRef>
+          <a:effectRef idx="2">
+            <a:schemeClr val="accent1"/>
+          </a:effectRef>
+          <a:fontRef idx="minor">
+            <a:schemeClr val="lt1"/>
+          </a:fontRef>
+        </p:style>
+        <p:txBody>
+          <a:bodyPr rtlCol="0" anchor="ctr"/>
+          <a:lstStyle/>
+          <a:p>
+            <a:pPr algn="ctr"/>
+            <a:endParaRPr lang="en-US" sz="1600">
+              <a:latin typeface="Trebuchet MS" panose="020B0703020202090204" pitchFamily="34" charset="0"/>
+            </a:endParaRPr>
+          </a:p>
+        </p:txBody>
+      </p:sp>
+      <p:sp>
+        <p:nvSpPr>
+          <p:cNvPr id="14" name="Oval 13">
+            <a:extLst>
+              <a:ext uri="{FF2B5EF4-FFF2-40B4-BE49-F238E27FC236}">
+                <a16:creationId xmlns:a16="http://schemas.microsoft.com/office/drawing/2014/main" id="{0E5899F7-A8A1-D244-941A-B076EEE004B6}"/>
+              </a:ext>
+            </a:extLst>
+          </p:cNvPr>
+          <p:cNvSpPr/>
+          <p:nvPr/>
+        </p:nvSpPr>
+        <p:spPr>
+          <a:xfrm rot="19052352">
+            <a:off x="5336915" y="3197749"/>
+            <a:ext cx="780374" cy="752140"/>
+          </a:xfrm>
+          <a:prstGeom prst="ellipse">
+            <a:avLst/>
+          </a:prstGeom>
+          <a:noFill/>
+          <a:ln>
+            <a:solidFill>
+              <a:srgbClr val="C00000"/>
+            </a:solidFill>
+          </a:ln>
+        </p:spPr>
+        <p:style>
+          <a:lnRef idx="1">
+            <a:schemeClr val="accent1"/>
+          </a:lnRef>
+          <a:fillRef idx="3">
+            <a:schemeClr val="accent1"/>
+          </a:fillRef>
+          <a:effectRef idx="2">
+            <a:schemeClr val="accent1"/>
+          </a:effectRef>
+          <a:fontRef idx="minor">
+            <a:schemeClr val="lt1"/>
+          </a:fontRef>
+        </p:style>
+        <p:txBody>
+          <a:bodyPr rtlCol="0" anchor="ctr"/>
+          <a:lstStyle/>
+          <a:p>
+            <a:pPr algn="ctr"/>
+            <a:endParaRPr lang="en-US" sz="1600">
+              <a:latin typeface="Trebuchet MS" panose="020B0703020202090204" pitchFamily="34" charset="0"/>
+            </a:endParaRPr>
+          </a:p>
+        </p:txBody>
+      </p:sp>
+      <p:sp>
+        <p:nvSpPr>
+          <p:cNvPr id="8" name="TextBox 7">
+            <a:extLst>
+              <a:ext uri="{FF2B5EF4-FFF2-40B4-BE49-F238E27FC236}">
+                <a16:creationId xmlns:a16="http://schemas.microsoft.com/office/drawing/2014/main" id="{B6E61AB5-8B5D-B246-8E2F-20558669D348}"/>
+              </a:ext>
+            </a:extLst>
+          </p:cNvPr>
+          <p:cNvSpPr txBox="1"/>
+          <p:nvPr/>
+        </p:nvSpPr>
+        <p:spPr>
+          <a:xfrm>
+            <a:off x="914818" y="1385395"/>
+            <a:ext cx="2823209" cy="338554"/>
+          </a:xfrm>
+          <a:prstGeom prst="rect">
+            <a:avLst/>
+          </a:prstGeom>
+          <a:noFill/>
+        </p:spPr>
+        <p:txBody>
+          <a:bodyPr wrap="none" rtlCol="0">
+            <a:spAutoFit/>
+          </a:bodyPr>
+          <a:lstStyle/>
+          <a:p>
+            <a:r>
+              <a:rPr lang="es-ES_tradnl" sz="1600" dirty="0">
+                <a:solidFill>
+                  <a:srgbClr val="FF9300"/>
+                </a:solidFill>
+                <a:latin typeface="Trebuchet MS" panose="020B0703020202090204" pitchFamily="34" charset="0"/>
+              </a:rPr>
+              <a:t>Segmentación por </a:t>
+            </a:r>
+            <a:r>
+              <a:rPr lang="es-ES_tradnl" sz="1600" dirty="0" err="1">
+                <a:solidFill>
+                  <a:srgbClr val="FF9300"/>
+                </a:solidFill>
+                <a:latin typeface="Trebuchet MS" panose="020B0703020202090204" pitchFamily="34" charset="0"/>
+              </a:rPr>
+              <a:t>Clustering</a:t>
+            </a:r>
+            <a:endParaRPr lang="es-ES_tradnl" sz="1600" dirty="0">
+              <a:solidFill>
+                <a:srgbClr val="FF9300"/>
+              </a:solidFill>
+              <a:latin typeface="Trebuchet MS" panose="020B0703020202090204" pitchFamily="34" charset="0"/>
+            </a:endParaRPr>
+          </a:p>
+        </p:txBody>
+      </p:sp>
+    </p:spTree>
+    <p:extLst>
+      <p:ext uri="{BB962C8B-B14F-4D97-AF65-F5344CB8AC3E}">
+        <p14:creationId xmlns:p14="http://schemas.microsoft.com/office/powerpoint/2010/main" val="268514011"/>
       </p:ext>
     </p:extLst>
   </p:cSld>
@@ -10548,6 +17826,2124 @@
     <p:extLst>
       <p:ext uri="{BB962C8B-B14F-4D97-AF65-F5344CB8AC3E}">
         <p14:creationId xmlns:p14="http://schemas.microsoft.com/office/powerpoint/2010/main" val="663756741"/>
+      </p:ext>
+    </p:extLst>
+  </p:cSld>
+  <p:clrMapOvr>
+    <a:masterClrMapping/>
+  </p:clrMapOvr>
+</p:sld>
+</file>
+
+<file path=ppt/slides/slide30.xml><?xml version="1.0" encoding="utf-8"?>
+<p:sld xmlns:a="http://schemas.openxmlformats.org/drawingml/2006/main" xmlns:r="http://schemas.openxmlformats.org/officeDocument/2006/relationships" xmlns:p="http://schemas.openxmlformats.org/presentationml/2006/main">
+  <p:cSld>
+    <p:spTree>
+      <p:nvGrpSpPr>
+        <p:cNvPr id="1" name=""/>
+        <p:cNvGrpSpPr/>
+        <p:nvPr/>
+      </p:nvGrpSpPr>
+      <p:grpSpPr>
+        <a:xfrm>
+          <a:off x="0" y="0"/>
+          <a:ext cx="0" cy="0"/>
+          <a:chOff x="0" y="0"/>
+          <a:chExt cx="0" cy="0"/>
+        </a:xfrm>
+      </p:grpSpPr>
+      <p:pic>
+        <p:nvPicPr>
+          <p:cNvPr id="56" name="Picture 55">
+            <a:extLst>
+              <a:ext uri="{FF2B5EF4-FFF2-40B4-BE49-F238E27FC236}">
+                <a16:creationId xmlns:a16="http://schemas.microsoft.com/office/drawing/2014/main" id="{B635D461-5F58-2E49-9D2B-58ACE207EDCE}"/>
+              </a:ext>
+            </a:extLst>
+          </p:cNvPr>
+          <p:cNvPicPr>
+            <a:picLocks noChangeAspect="1"/>
+          </p:cNvPicPr>
+          <p:nvPr/>
+        </p:nvPicPr>
+        <p:blipFill>
+          <a:blip r:embed="rId2"/>
+          <a:stretch>
+            <a:fillRect/>
+          </a:stretch>
+        </p:blipFill>
+        <p:spPr>
+          <a:xfrm>
+            <a:off x="4668961" y="1708444"/>
+            <a:ext cx="2533880" cy="2326111"/>
+          </a:xfrm>
+          <a:prstGeom prst="rect">
+            <a:avLst/>
+          </a:prstGeom>
+        </p:spPr>
+      </p:pic>
+      <p:pic>
+        <p:nvPicPr>
+          <p:cNvPr id="3" name="Picture 2">
+            <a:extLst>
+              <a:ext uri="{FF2B5EF4-FFF2-40B4-BE49-F238E27FC236}">
+                <a16:creationId xmlns:a16="http://schemas.microsoft.com/office/drawing/2014/main" id="{5D3FCB5D-AB98-0147-B055-667623F14A77}"/>
+              </a:ext>
+            </a:extLst>
+          </p:cNvPr>
+          <p:cNvPicPr>
+            <a:picLocks noChangeAspect="1"/>
+          </p:cNvPicPr>
+          <p:nvPr/>
+        </p:nvPicPr>
+        <p:blipFill>
+          <a:blip r:embed="rId3"/>
+          <a:stretch>
+            <a:fillRect/>
+          </a:stretch>
+        </p:blipFill>
+        <p:spPr>
+          <a:xfrm>
+            <a:off x="914817" y="2561240"/>
+            <a:ext cx="3648075" cy="2476500"/>
+          </a:xfrm>
+          <a:prstGeom prst="rect">
+            <a:avLst/>
+          </a:prstGeom>
+        </p:spPr>
+      </p:pic>
+      <p:sp>
+        <p:nvSpPr>
+          <p:cNvPr id="2" name="Oval 1">
+            <a:extLst>
+              <a:ext uri="{FF2B5EF4-FFF2-40B4-BE49-F238E27FC236}">
+                <a16:creationId xmlns:a16="http://schemas.microsoft.com/office/drawing/2014/main" id="{D25E3C52-5B80-5C41-B22C-A905C0194D3C}"/>
+              </a:ext>
+            </a:extLst>
+          </p:cNvPr>
+          <p:cNvSpPr/>
+          <p:nvPr/>
+        </p:nvSpPr>
+        <p:spPr>
+          <a:xfrm rot="19052352">
+            <a:off x="5351866" y="1892354"/>
+            <a:ext cx="1284352" cy="760233"/>
+          </a:xfrm>
+          <a:prstGeom prst="ellipse">
+            <a:avLst/>
+          </a:prstGeom>
+          <a:noFill/>
+          <a:ln>
+            <a:solidFill>
+              <a:schemeClr val="tx1"/>
+            </a:solidFill>
+          </a:ln>
+        </p:spPr>
+        <p:style>
+          <a:lnRef idx="1">
+            <a:schemeClr val="accent1"/>
+          </a:lnRef>
+          <a:fillRef idx="3">
+            <a:schemeClr val="accent1"/>
+          </a:fillRef>
+          <a:effectRef idx="2">
+            <a:schemeClr val="accent1"/>
+          </a:effectRef>
+          <a:fontRef idx="minor">
+            <a:schemeClr val="lt1"/>
+          </a:fontRef>
+        </p:style>
+        <p:txBody>
+          <a:bodyPr rtlCol="0" anchor="ctr"/>
+          <a:lstStyle/>
+          <a:p>
+            <a:pPr algn="ctr"/>
+            <a:endParaRPr lang="en-US" sz="1600">
+              <a:latin typeface="Trebuchet MS" panose="020B0703020202090204" pitchFamily="34" charset="0"/>
+            </a:endParaRPr>
+          </a:p>
+        </p:txBody>
+      </p:sp>
+      <p:sp>
+        <p:nvSpPr>
+          <p:cNvPr id="13" name="Oval 12">
+            <a:extLst>
+              <a:ext uri="{FF2B5EF4-FFF2-40B4-BE49-F238E27FC236}">
+                <a16:creationId xmlns:a16="http://schemas.microsoft.com/office/drawing/2014/main" id="{98C5B812-0D76-004A-8C6D-086BB0952297}"/>
+              </a:ext>
+            </a:extLst>
+          </p:cNvPr>
+          <p:cNvSpPr/>
+          <p:nvPr/>
+        </p:nvSpPr>
+        <p:spPr>
+          <a:xfrm rot="19052352">
+            <a:off x="5329953" y="2443063"/>
+            <a:ext cx="1430641" cy="752140"/>
+          </a:xfrm>
+          <a:prstGeom prst="ellipse">
+            <a:avLst/>
+          </a:prstGeom>
+          <a:noFill/>
+          <a:ln>
+            <a:solidFill>
+              <a:srgbClr val="00B0F0"/>
+            </a:solidFill>
+          </a:ln>
+        </p:spPr>
+        <p:style>
+          <a:lnRef idx="1">
+            <a:schemeClr val="accent1"/>
+          </a:lnRef>
+          <a:fillRef idx="3">
+            <a:schemeClr val="accent1"/>
+          </a:fillRef>
+          <a:effectRef idx="2">
+            <a:schemeClr val="accent1"/>
+          </a:effectRef>
+          <a:fontRef idx="minor">
+            <a:schemeClr val="lt1"/>
+          </a:fontRef>
+        </p:style>
+        <p:txBody>
+          <a:bodyPr rtlCol="0" anchor="ctr"/>
+          <a:lstStyle/>
+          <a:p>
+            <a:pPr algn="ctr"/>
+            <a:endParaRPr lang="en-US" sz="1600">
+              <a:latin typeface="Trebuchet MS" panose="020B0703020202090204" pitchFamily="34" charset="0"/>
+            </a:endParaRPr>
+          </a:p>
+        </p:txBody>
+      </p:sp>
+      <p:sp>
+        <p:nvSpPr>
+          <p:cNvPr id="14" name="Oval 13">
+            <a:extLst>
+              <a:ext uri="{FF2B5EF4-FFF2-40B4-BE49-F238E27FC236}">
+                <a16:creationId xmlns:a16="http://schemas.microsoft.com/office/drawing/2014/main" id="{0E5899F7-A8A1-D244-941A-B076EEE004B6}"/>
+              </a:ext>
+            </a:extLst>
+          </p:cNvPr>
+          <p:cNvSpPr/>
+          <p:nvPr/>
+        </p:nvSpPr>
+        <p:spPr>
+          <a:xfrm rot="19052352">
+            <a:off x="5336915" y="3197749"/>
+            <a:ext cx="780374" cy="752140"/>
+          </a:xfrm>
+          <a:prstGeom prst="ellipse">
+            <a:avLst/>
+          </a:prstGeom>
+          <a:noFill/>
+          <a:ln>
+            <a:solidFill>
+              <a:srgbClr val="C00000"/>
+            </a:solidFill>
+          </a:ln>
+        </p:spPr>
+        <p:style>
+          <a:lnRef idx="1">
+            <a:schemeClr val="accent1"/>
+          </a:lnRef>
+          <a:fillRef idx="3">
+            <a:schemeClr val="accent1"/>
+          </a:fillRef>
+          <a:effectRef idx="2">
+            <a:schemeClr val="accent1"/>
+          </a:effectRef>
+          <a:fontRef idx="minor">
+            <a:schemeClr val="lt1"/>
+          </a:fontRef>
+        </p:style>
+        <p:txBody>
+          <a:bodyPr rtlCol="0" anchor="ctr"/>
+          <a:lstStyle/>
+          <a:p>
+            <a:pPr algn="ctr"/>
+            <a:endParaRPr lang="en-US" sz="1600">
+              <a:latin typeface="Trebuchet MS" panose="020B0703020202090204" pitchFamily="34" charset="0"/>
+            </a:endParaRPr>
+          </a:p>
+        </p:txBody>
+      </p:sp>
+      <p:sp>
+        <p:nvSpPr>
+          <p:cNvPr id="5" name="TextBox 4">
+            <a:extLst>
+              <a:ext uri="{FF2B5EF4-FFF2-40B4-BE49-F238E27FC236}">
+                <a16:creationId xmlns:a16="http://schemas.microsoft.com/office/drawing/2014/main" id="{5D793C2D-83D7-3A43-97F8-79C14C256BA8}"/>
+              </a:ext>
+            </a:extLst>
+          </p:cNvPr>
+          <p:cNvSpPr txBox="1"/>
+          <p:nvPr/>
+        </p:nvSpPr>
+        <p:spPr>
+          <a:xfrm>
+            <a:off x="5803016" y="1511972"/>
+            <a:ext cx="628698" cy="338554"/>
+          </a:xfrm>
+          <a:prstGeom prst="rect">
+            <a:avLst/>
+          </a:prstGeom>
+          <a:noFill/>
+        </p:spPr>
+        <p:txBody>
+          <a:bodyPr wrap="none" rtlCol="0">
+            <a:spAutoFit/>
+          </a:bodyPr>
+          <a:lstStyle/>
+          <a:p>
+            <a:r>
+              <a:rPr lang="en-US" sz="1600" dirty="0" err="1">
+                <a:latin typeface="Trebuchet MS" panose="020B0703020202090204" pitchFamily="34" charset="0"/>
+              </a:rPr>
+              <a:t>cielo</a:t>
+            </a:r>
+            <a:endParaRPr lang="en-US" sz="1600" dirty="0">
+              <a:latin typeface="Trebuchet MS" panose="020B0703020202090204" pitchFamily="34" charset="0"/>
+            </a:endParaRPr>
+          </a:p>
+        </p:txBody>
+      </p:sp>
+      <p:sp>
+        <p:nvSpPr>
+          <p:cNvPr id="16" name="TextBox 15">
+            <a:extLst>
+              <a:ext uri="{FF2B5EF4-FFF2-40B4-BE49-F238E27FC236}">
+                <a16:creationId xmlns:a16="http://schemas.microsoft.com/office/drawing/2014/main" id="{D7738A6E-5954-8140-B3D3-EA1D5774ACF0}"/>
+              </a:ext>
+            </a:extLst>
+          </p:cNvPr>
+          <p:cNvSpPr txBox="1"/>
+          <p:nvPr/>
+        </p:nvSpPr>
+        <p:spPr>
+          <a:xfrm>
+            <a:off x="6358908" y="2847921"/>
+            <a:ext cx="718466" cy="338554"/>
+          </a:xfrm>
+          <a:prstGeom prst="rect">
+            <a:avLst/>
+          </a:prstGeom>
+          <a:noFill/>
+        </p:spPr>
+        <p:txBody>
+          <a:bodyPr wrap="none" rtlCol="0">
+            <a:spAutoFit/>
+          </a:bodyPr>
+          <a:lstStyle/>
+          <a:p>
+            <a:r>
+              <a:rPr lang="en-US" sz="1600" dirty="0" err="1">
+                <a:latin typeface="Trebuchet MS" panose="020B0703020202090204" pitchFamily="34" charset="0"/>
+              </a:rPr>
+              <a:t>nubes</a:t>
+            </a:r>
+            <a:endParaRPr lang="en-US" sz="1600" dirty="0">
+              <a:latin typeface="Trebuchet MS" panose="020B0703020202090204" pitchFamily="34" charset="0"/>
+            </a:endParaRPr>
+          </a:p>
+        </p:txBody>
+      </p:sp>
+      <p:sp>
+        <p:nvSpPr>
+          <p:cNvPr id="17" name="TextBox 16">
+            <a:extLst>
+              <a:ext uri="{FF2B5EF4-FFF2-40B4-BE49-F238E27FC236}">
+                <a16:creationId xmlns:a16="http://schemas.microsoft.com/office/drawing/2014/main" id="{386D73D8-BF54-D144-8592-2142C06234C6}"/>
+              </a:ext>
+            </a:extLst>
+          </p:cNvPr>
+          <p:cNvSpPr txBox="1"/>
+          <p:nvPr/>
+        </p:nvSpPr>
+        <p:spPr>
+          <a:xfrm>
+            <a:off x="6065708" y="3391257"/>
+            <a:ext cx="936475" cy="338554"/>
+          </a:xfrm>
+          <a:prstGeom prst="rect">
+            <a:avLst/>
+          </a:prstGeom>
+          <a:noFill/>
+        </p:spPr>
+        <p:txBody>
+          <a:bodyPr wrap="none" rtlCol="0">
+            <a:spAutoFit/>
+          </a:bodyPr>
+          <a:lstStyle/>
+          <a:p>
+            <a:r>
+              <a:rPr lang="en-US" sz="1600" dirty="0" err="1">
+                <a:latin typeface="Trebuchet MS" panose="020B0703020202090204" pitchFamily="34" charset="0"/>
+              </a:rPr>
+              <a:t>palmera</a:t>
+            </a:r>
+            <a:endParaRPr lang="en-US" sz="1600" dirty="0">
+              <a:latin typeface="Trebuchet MS" panose="020B0703020202090204" pitchFamily="34" charset="0"/>
+            </a:endParaRPr>
+          </a:p>
+        </p:txBody>
+      </p:sp>
+      <p:sp>
+        <p:nvSpPr>
+          <p:cNvPr id="11" name="TextBox 10">
+            <a:extLst>
+              <a:ext uri="{FF2B5EF4-FFF2-40B4-BE49-F238E27FC236}">
+                <a16:creationId xmlns:a16="http://schemas.microsoft.com/office/drawing/2014/main" id="{718603C9-7B66-6C4F-B507-75DA13C580A0}"/>
+              </a:ext>
+            </a:extLst>
+          </p:cNvPr>
+          <p:cNvSpPr txBox="1"/>
+          <p:nvPr/>
+        </p:nvSpPr>
+        <p:spPr>
+          <a:xfrm>
+            <a:off x="914818" y="1385395"/>
+            <a:ext cx="2823209" cy="338554"/>
+          </a:xfrm>
+          <a:prstGeom prst="rect">
+            <a:avLst/>
+          </a:prstGeom>
+          <a:noFill/>
+        </p:spPr>
+        <p:txBody>
+          <a:bodyPr wrap="none" rtlCol="0">
+            <a:spAutoFit/>
+          </a:bodyPr>
+          <a:lstStyle/>
+          <a:p>
+            <a:r>
+              <a:rPr lang="es-ES_tradnl" sz="1600" dirty="0">
+                <a:solidFill>
+                  <a:srgbClr val="FF9300"/>
+                </a:solidFill>
+                <a:latin typeface="Trebuchet MS" panose="020B0703020202090204" pitchFamily="34" charset="0"/>
+              </a:rPr>
+              <a:t>Segmentación por </a:t>
+            </a:r>
+            <a:r>
+              <a:rPr lang="es-ES_tradnl" sz="1600" dirty="0" err="1">
+                <a:solidFill>
+                  <a:srgbClr val="FF9300"/>
+                </a:solidFill>
+                <a:latin typeface="Trebuchet MS" panose="020B0703020202090204" pitchFamily="34" charset="0"/>
+              </a:rPr>
+              <a:t>Clustering</a:t>
+            </a:r>
+            <a:endParaRPr lang="es-ES_tradnl" sz="1600" dirty="0">
+              <a:solidFill>
+                <a:srgbClr val="FF9300"/>
+              </a:solidFill>
+              <a:latin typeface="Trebuchet MS" panose="020B0703020202090204" pitchFamily="34" charset="0"/>
+            </a:endParaRPr>
+          </a:p>
+        </p:txBody>
+      </p:sp>
+    </p:spTree>
+    <p:extLst>
+      <p:ext uri="{BB962C8B-B14F-4D97-AF65-F5344CB8AC3E}">
+        <p14:creationId xmlns:p14="http://schemas.microsoft.com/office/powerpoint/2010/main" val="1977418976"/>
+      </p:ext>
+    </p:extLst>
+  </p:cSld>
+  <p:clrMapOvr>
+    <a:masterClrMapping/>
+  </p:clrMapOvr>
+</p:sld>
+</file>
+
+<file path=ppt/slides/slide31.xml><?xml version="1.0" encoding="utf-8"?>
+<p:sld xmlns:a="http://schemas.openxmlformats.org/drawingml/2006/main" xmlns:r="http://schemas.openxmlformats.org/officeDocument/2006/relationships" xmlns:p="http://schemas.openxmlformats.org/presentationml/2006/main">
+  <p:cSld>
+    <p:spTree>
+      <p:nvGrpSpPr>
+        <p:cNvPr id="1" name=""/>
+        <p:cNvGrpSpPr/>
+        <p:nvPr/>
+      </p:nvGrpSpPr>
+      <p:grpSpPr>
+        <a:xfrm>
+          <a:off x="0" y="0"/>
+          <a:ext cx="0" cy="0"/>
+          <a:chOff x="0" y="0"/>
+          <a:chExt cx="0" cy="0"/>
+        </a:xfrm>
+      </p:grpSpPr>
+      <p:grpSp>
+        <p:nvGrpSpPr>
+          <p:cNvPr id="34" name="Group 33">
+            <a:extLst>
+              <a:ext uri="{FF2B5EF4-FFF2-40B4-BE49-F238E27FC236}">
+                <a16:creationId xmlns:a16="http://schemas.microsoft.com/office/drawing/2014/main" id="{64922BCA-666A-1742-AF00-D1391E90B07D}"/>
+              </a:ext>
+            </a:extLst>
+          </p:cNvPr>
+          <p:cNvGrpSpPr/>
+          <p:nvPr/>
+        </p:nvGrpSpPr>
+        <p:grpSpPr>
+          <a:xfrm>
+            <a:off x="4680015" y="2351340"/>
+            <a:ext cx="1363389" cy="605366"/>
+            <a:chOff x="3221002" y="4414897"/>
+            <a:chExt cx="1817852" cy="363018"/>
+          </a:xfrm>
+        </p:grpSpPr>
+        <p:cxnSp>
+          <p:nvCxnSpPr>
+            <p:cNvPr id="28" name="Straight Arrow Connector 27">
+              <a:extLst>
+                <a:ext uri="{FF2B5EF4-FFF2-40B4-BE49-F238E27FC236}">
+                  <a16:creationId xmlns:a16="http://schemas.microsoft.com/office/drawing/2014/main" id="{67588BCC-5324-BE4F-8018-ABCD39A8233D}"/>
+                </a:ext>
+              </a:extLst>
+            </p:cNvPr>
+            <p:cNvCxnSpPr>
+              <a:cxnSpLocks/>
+            </p:cNvCxnSpPr>
+            <p:nvPr/>
+          </p:nvCxnSpPr>
+          <p:spPr>
+            <a:xfrm>
+              <a:off x="3221002" y="4414897"/>
+              <a:ext cx="0" cy="363018"/>
+            </a:xfrm>
+            <a:prstGeom prst="straightConnector1">
+              <a:avLst/>
+            </a:prstGeom>
+            <a:ln>
+              <a:tailEnd type="triangle"/>
+            </a:ln>
+          </p:spPr>
+          <p:style>
+            <a:lnRef idx="2">
+              <a:schemeClr val="dk1"/>
+            </a:lnRef>
+            <a:fillRef idx="0">
+              <a:schemeClr val="dk1"/>
+            </a:fillRef>
+            <a:effectRef idx="1">
+              <a:schemeClr val="dk1"/>
+            </a:effectRef>
+            <a:fontRef idx="minor">
+              <a:schemeClr val="tx1"/>
+            </a:fontRef>
+          </p:style>
+        </p:cxnSp>
+        <p:cxnSp>
+          <p:nvCxnSpPr>
+            <p:cNvPr id="29" name="Straight Arrow Connector 28">
+              <a:extLst>
+                <a:ext uri="{FF2B5EF4-FFF2-40B4-BE49-F238E27FC236}">
+                  <a16:creationId xmlns:a16="http://schemas.microsoft.com/office/drawing/2014/main" id="{EDFF2B5C-8E08-6A48-834A-C8C133E88685}"/>
+                </a:ext>
+              </a:extLst>
+            </p:cNvPr>
+            <p:cNvCxnSpPr>
+              <a:cxnSpLocks/>
+            </p:cNvCxnSpPr>
+            <p:nvPr/>
+          </p:nvCxnSpPr>
+          <p:spPr>
+            <a:xfrm>
+              <a:off x="4109126" y="4414897"/>
+              <a:ext cx="0" cy="363018"/>
+            </a:xfrm>
+            <a:prstGeom prst="straightConnector1">
+              <a:avLst/>
+            </a:prstGeom>
+            <a:ln>
+              <a:tailEnd type="triangle"/>
+            </a:ln>
+          </p:spPr>
+          <p:style>
+            <a:lnRef idx="2">
+              <a:schemeClr val="dk1"/>
+            </a:lnRef>
+            <a:fillRef idx="0">
+              <a:schemeClr val="dk1"/>
+            </a:fillRef>
+            <a:effectRef idx="1">
+              <a:schemeClr val="dk1"/>
+            </a:effectRef>
+            <a:fontRef idx="minor">
+              <a:schemeClr val="tx1"/>
+            </a:fontRef>
+          </p:style>
+        </p:cxnSp>
+        <p:cxnSp>
+          <p:nvCxnSpPr>
+            <p:cNvPr id="30" name="Straight Arrow Connector 29">
+              <a:extLst>
+                <a:ext uri="{FF2B5EF4-FFF2-40B4-BE49-F238E27FC236}">
+                  <a16:creationId xmlns:a16="http://schemas.microsoft.com/office/drawing/2014/main" id="{FE9EDB02-2C66-BB43-BBB1-6EB777A8C694}"/>
+                </a:ext>
+              </a:extLst>
+            </p:cNvPr>
+            <p:cNvCxnSpPr>
+              <a:cxnSpLocks/>
+            </p:cNvCxnSpPr>
+            <p:nvPr/>
+          </p:nvCxnSpPr>
+          <p:spPr>
+            <a:xfrm>
+              <a:off x="5038854" y="4414897"/>
+              <a:ext cx="0" cy="363018"/>
+            </a:xfrm>
+            <a:prstGeom prst="straightConnector1">
+              <a:avLst/>
+            </a:prstGeom>
+            <a:ln>
+              <a:tailEnd type="triangle"/>
+            </a:ln>
+          </p:spPr>
+          <p:style>
+            <a:lnRef idx="2">
+              <a:schemeClr val="dk1"/>
+            </a:lnRef>
+            <a:fillRef idx="0">
+              <a:schemeClr val="dk1"/>
+            </a:fillRef>
+            <a:effectRef idx="1">
+              <a:schemeClr val="dk1"/>
+            </a:effectRef>
+            <a:fontRef idx="minor">
+              <a:schemeClr val="tx1"/>
+            </a:fontRef>
+          </p:style>
+        </p:cxnSp>
+      </p:grpSp>
+      <p:sp>
+        <p:nvSpPr>
+          <p:cNvPr id="12" name="Rounded Rectangle 11">
+            <a:extLst>
+              <a:ext uri="{FF2B5EF4-FFF2-40B4-BE49-F238E27FC236}">
+                <a16:creationId xmlns:a16="http://schemas.microsoft.com/office/drawing/2014/main" id="{7987AD19-0345-DC4B-A5C8-9117AE79ECCD}"/>
+              </a:ext>
+            </a:extLst>
+          </p:cNvPr>
+          <p:cNvSpPr/>
+          <p:nvPr/>
+        </p:nvSpPr>
+        <p:spPr>
+          <a:xfrm>
+            <a:off x="4384398" y="2956706"/>
+            <a:ext cx="1978897" cy="792758"/>
+          </a:xfrm>
+          <a:prstGeom prst="roundRect">
+            <a:avLst/>
+          </a:prstGeom>
+          <a:solidFill>
+            <a:schemeClr val="bg1"/>
+          </a:solidFill>
+          <a:ln>
+            <a:solidFill>
+              <a:schemeClr val="tx1"/>
+            </a:solidFill>
+          </a:ln>
+        </p:spPr>
+        <p:style>
+          <a:lnRef idx="1">
+            <a:schemeClr val="accent1"/>
+          </a:lnRef>
+          <a:fillRef idx="3">
+            <a:schemeClr val="accent1"/>
+          </a:fillRef>
+          <a:effectRef idx="2">
+            <a:schemeClr val="accent1"/>
+          </a:effectRef>
+          <a:fontRef idx="minor">
+            <a:schemeClr val="lt1"/>
+          </a:fontRef>
+        </p:style>
+        <p:txBody>
+          <a:bodyPr rtlCol="0" anchor="ctr"/>
+          <a:lstStyle/>
+          <a:p>
+            <a:pPr algn="ctr"/>
+            <a:r>
+              <a:rPr lang="es-ES_tradnl" sz="1600" dirty="0" err="1">
+                <a:solidFill>
+                  <a:schemeClr val="tx1"/>
+                </a:solidFill>
+                <a:latin typeface="Trebuchet MS" panose="020B0703020202090204" pitchFamily="34" charset="0"/>
+              </a:rPr>
+              <a:t>Clustering</a:t>
+            </a:r>
+            <a:endParaRPr lang="es-ES_tradnl" sz="1600" dirty="0">
+              <a:solidFill>
+                <a:srgbClr val="FF9300"/>
+              </a:solidFill>
+              <a:latin typeface="Trebuchet MS" panose="020B0703020202090204" pitchFamily="34" charset="0"/>
+            </a:endParaRPr>
+          </a:p>
+        </p:txBody>
+      </p:sp>
+      <p:sp>
+        <p:nvSpPr>
+          <p:cNvPr id="7" name="Rounded Rectangle 6">
+            <a:extLst>
+              <a:ext uri="{FF2B5EF4-FFF2-40B4-BE49-F238E27FC236}">
+                <a16:creationId xmlns:a16="http://schemas.microsoft.com/office/drawing/2014/main" id="{FBC270B4-5B11-0846-9EFB-0C14CF6DBCA1}"/>
+              </a:ext>
+            </a:extLst>
+          </p:cNvPr>
+          <p:cNvSpPr/>
+          <p:nvPr/>
+        </p:nvSpPr>
+        <p:spPr>
+          <a:xfrm>
+            <a:off x="4384398" y="1558582"/>
+            <a:ext cx="1921425" cy="792758"/>
+          </a:xfrm>
+          <a:prstGeom prst="roundRect">
+            <a:avLst/>
+          </a:prstGeom>
+          <a:solidFill>
+            <a:schemeClr val="bg1"/>
+          </a:solidFill>
+          <a:ln>
+            <a:solidFill>
+              <a:schemeClr val="tx1"/>
+            </a:solidFill>
+          </a:ln>
+        </p:spPr>
+        <p:style>
+          <a:lnRef idx="1">
+            <a:schemeClr val="accent1"/>
+          </a:lnRef>
+          <a:fillRef idx="3">
+            <a:schemeClr val="accent1"/>
+          </a:fillRef>
+          <a:effectRef idx="2">
+            <a:schemeClr val="accent1"/>
+          </a:effectRef>
+          <a:fontRef idx="minor">
+            <a:schemeClr val="lt1"/>
+          </a:fontRef>
+        </p:style>
+        <p:txBody>
+          <a:bodyPr rtlCol="0" anchor="ctr"/>
+          <a:lstStyle/>
+          <a:p>
+            <a:pPr algn="ctr"/>
+            <a:r>
+              <a:rPr lang="es-ES_tradnl" sz="1600">
+                <a:solidFill>
+                  <a:schemeClr val="tx1"/>
+                </a:solidFill>
+                <a:latin typeface="Trebuchet MS" panose="020B0703020202090204" pitchFamily="34" charset="0"/>
+              </a:rPr>
+              <a:t>Descomposición de Colores</a:t>
+            </a:r>
+          </a:p>
+        </p:txBody>
+      </p:sp>
+      <p:cxnSp>
+        <p:nvCxnSpPr>
+          <p:cNvPr id="11" name="Straight Arrow Connector 10">
+            <a:extLst>
+              <a:ext uri="{FF2B5EF4-FFF2-40B4-BE49-F238E27FC236}">
+                <a16:creationId xmlns:a16="http://schemas.microsoft.com/office/drawing/2014/main" id="{898184FC-0594-074E-A547-75E3E05ABC35}"/>
+              </a:ext>
+            </a:extLst>
+          </p:cNvPr>
+          <p:cNvCxnSpPr>
+            <a:cxnSpLocks/>
+            <a:endCxn id="7" idx="1"/>
+          </p:cNvCxnSpPr>
+          <p:nvPr/>
+        </p:nvCxnSpPr>
+        <p:spPr>
+          <a:xfrm>
+            <a:off x="4150220" y="1954961"/>
+            <a:ext cx="234178" cy="0"/>
+          </a:xfrm>
+          <a:prstGeom prst="straightConnector1">
+            <a:avLst/>
+          </a:prstGeom>
+          <a:ln>
+            <a:tailEnd type="triangle"/>
+          </a:ln>
+        </p:spPr>
+        <p:style>
+          <a:lnRef idx="2">
+            <a:schemeClr val="dk1"/>
+          </a:lnRef>
+          <a:fillRef idx="0">
+            <a:schemeClr val="dk1"/>
+          </a:fillRef>
+          <a:effectRef idx="1">
+            <a:schemeClr val="dk1"/>
+          </a:effectRef>
+          <a:fontRef idx="minor">
+            <a:schemeClr val="tx1"/>
+          </a:fontRef>
+        </p:style>
+      </p:cxnSp>
+      <p:sp>
+        <p:nvSpPr>
+          <p:cNvPr id="37" name="TextBox 36">
+            <a:extLst>
+              <a:ext uri="{FF2B5EF4-FFF2-40B4-BE49-F238E27FC236}">
+                <a16:creationId xmlns:a16="http://schemas.microsoft.com/office/drawing/2014/main" id="{6A8FB765-5D1F-1446-8BA2-BAB209F7B99A}"/>
+              </a:ext>
+            </a:extLst>
+          </p:cNvPr>
+          <p:cNvSpPr txBox="1"/>
+          <p:nvPr/>
+        </p:nvSpPr>
+        <p:spPr>
+          <a:xfrm>
+            <a:off x="4408455" y="2419963"/>
+            <a:ext cx="1935145" cy="338554"/>
+          </a:xfrm>
+          <a:prstGeom prst="rect">
+            <a:avLst/>
+          </a:prstGeom>
+          <a:noFill/>
+        </p:spPr>
+        <p:txBody>
+          <a:bodyPr wrap="none" rtlCol="0">
+            <a:spAutoFit/>
+          </a:bodyPr>
+          <a:lstStyle/>
+          <a:p>
+            <a:r>
+              <a:rPr lang="en-US" sz="1600" dirty="0">
+                <a:solidFill>
+                  <a:srgbClr val="FF0000"/>
+                </a:solidFill>
+                <a:latin typeface="Trebuchet MS" panose="020B0703020202090204" pitchFamily="34" charset="0"/>
+              </a:rPr>
+              <a:t>R</a:t>
+            </a:r>
+            <a:r>
+              <a:rPr lang="en-US" sz="1600" dirty="0">
+                <a:latin typeface="Trebuchet MS" panose="020B0703020202090204" pitchFamily="34" charset="0"/>
+              </a:rPr>
+              <a:t>             </a:t>
+            </a:r>
+            <a:r>
+              <a:rPr lang="en-US" sz="1600" dirty="0">
+                <a:solidFill>
+                  <a:srgbClr val="00FF00"/>
+                </a:solidFill>
+                <a:latin typeface="Trebuchet MS" panose="020B0703020202090204" pitchFamily="34" charset="0"/>
+              </a:rPr>
+              <a:t>G</a:t>
+            </a:r>
+            <a:r>
+              <a:rPr lang="en-US" sz="1600" dirty="0">
+                <a:latin typeface="Trebuchet MS" panose="020B0703020202090204" pitchFamily="34" charset="0"/>
+              </a:rPr>
+              <a:t>         </a:t>
+            </a:r>
+            <a:r>
+              <a:rPr lang="en-US" sz="1600" dirty="0">
+                <a:solidFill>
+                  <a:srgbClr val="0070C0"/>
+                </a:solidFill>
+                <a:latin typeface="Trebuchet MS" panose="020B0703020202090204" pitchFamily="34" charset="0"/>
+              </a:rPr>
+              <a:t>B</a:t>
+            </a:r>
+          </a:p>
+        </p:txBody>
+      </p:sp>
+      <p:sp>
+        <p:nvSpPr>
+          <p:cNvPr id="25" name="Rounded Rectangle 24">
+            <a:extLst>
+              <a:ext uri="{FF2B5EF4-FFF2-40B4-BE49-F238E27FC236}">
+                <a16:creationId xmlns:a16="http://schemas.microsoft.com/office/drawing/2014/main" id="{8AC36D25-B9B3-A047-A5D6-D15F9304EE39}"/>
+              </a:ext>
+            </a:extLst>
+          </p:cNvPr>
+          <p:cNvSpPr/>
+          <p:nvPr/>
+        </p:nvSpPr>
+        <p:spPr>
+          <a:xfrm>
+            <a:off x="4419885" y="4404655"/>
+            <a:ext cx="1978897" cy="792758"/>
+          </a:xfrm>
+          <a:prstGeom prst="roundRect">
+            <a:avLst/>
+          </a:prstGeom>
+          <a:solidFill>
+            <a:schemeClr val="bg1"/>
+          </a:solidFill>
+          <a:ln>
+            <a:solidFill>
+              <a:schemeClr val="tx1"/>
+            </a:solidFill>
+          </a:ln>
+        </p:spPr>
+        <p:style>
+          <a:lnRef idx="1">
+            <a:schemeClr val="accent1"/>
+          </a:lnRef>
+          <a:fillRef idx="3">
+            <a:schemeClr val="accent1"/>
+          </a:fillRef>
+          <a:effectRef idx="2">
+            <a:schemeClr val="accent1"/>
+          </a:effectRef>
+          <a:fontRef idx="minor">
+            <a:schemeClr val="lt1"/>
+          </a:fontRef>
+        </p:style>
+        <p:txBody>
+          <a:bodyPr rtlCol="0" anchor="ctr"/>
+          <a:lstStyle/>
+          <a:p>
+            <a:pPr algn="ctr"/>
+            <a:r>
+              <a:rPr lang="es-ES_tradnl" sz="1600" dirty="0" err="1">
+                <a:solidFill>
+                  <a:schemeClr val="tx1"/>
+                </a:solidFill>
+                <a:latin typeface="Trebuchet MS" panose="020B0703020202090204" pitchFamily="34" charset="0"/>
+              </a:rPr>
+              <a:t>Clusters</a:t>
+            </a:r>
+            <a:endParaRPr lang="es-ES_tradnl" sz="1600" dirty="0">
+              <a:solidFill>
+                <a:schemeClr val="tx1"/>
+              </a:solidFill>
+              <a:latin typeface="Trebuchet MS" panose="020B0703020202090204" pitchFamily="34" charset="0"/>
+            </a:endParaRPr>
+          </a:p>
+        </p:txBody>
+      </p:sp>
+      <p:cxnSp>
+        <p:nvCxnSpPr>
+          <p:cNvPr id="32" name="Straight Arrow Connector 31">
+            <a:extLst>
+              <a:ext uri="{FF2B5EF4-FFF2-40B4-BE49-F238E27FC236}">
+                <a16:creationId xmlns:a16="http://schemas.microsoft.com/office/drawing/2014/main" id="{19AEB37B-2D7A-C24E-95F7-7AF19B384642}"/>
+              </a:ext>
+            </a:extLst>
+          </p:cNvPr>
+          <p:cNvCxnSpPr>
+            <a:cxnSpLocks/>
+            <a:stCxn id="25" idx="1"/>
+          </p:cNvCxnSpPr>
+          <p:nvPr/>
+        </p:nvCxnSpPr>
+        <p:spPr>
+          <a:xfrm flipH="1">
+            <a:off x="4189694" y="4801034"/>
+            <a:ext cx="230191" cy="0"/>
+          </a:xfrm>
+          <a:prstGeom prst="straightConnector1">
+            <a:avLst/>
+          </a:prstGeom>
+          <a:ln>
+            <a:tailEnd type="triangle"/>
+          </a:ln>
+        </p:spPr>
+        <p:style>
+          <a:lnRef idx="2">
+            <a:schemeClr val="dk1"/>
+          </a:lnRef>
+          <a:fillRef idx="0">
+            <a:schemeClr val="dk1"/>
+          </a:fillRef>
+          <a:effectRef idx="1">
+            <a:schemeClr val="dk1"/>
+          </a:effectRef>
+          <a:fontRef idx="minor">
+            <a:schemeClr val="tx1"/>
+          </a:fontRef>
+        </p:style>
+      </p:cxnSp>
+      <p:cxnSp>
+        <p:nvCxnSpPr>
+          <p:cNvPr id="33" name="Straight Arrow Connector 32">
+            <a:extLst>
+              <a:ext uri="{FF2B5EF4-FFF2-40B4-BE49-F238E27FC236}">
+                <a16:creationId xmlns:a16="http://schemas.microsoft.com/office/drawing/2014/main" id="{8DB377DE-D754-5D4F-92F4-53653DEE2D15}"/>
+              </a:ext>
+            </a:extLst>
+          </p:cNvPr>
+          <p:cNvCxnSpPr>
+            <a:cxnSpLocks/>
+          </p:cNvCxnSpPr>
+          <p:nvPr/>
+        </p:nvCxnSpPr>
+        <p:spPr>
+          <a:xfrm>
+            <a:off x="5349734" y="3715174"/>
+            <a:ext cx="0" cy="684000"/>
+          </a:xfrm>
+          <a:prstGeom prst="straightConnector1">
+            <a:avLst/>
+          </a:prstGeom>
+          <a:ln>
+            <a:tailEnd type="triangle"/>
+          </a:ln>
+        </p:spPr>
+        <p:style>
+          <a:lnRef idx="2">
+            <a:schemeClr val="dk1"/>
+          </a:lnRef>
+          <a:fillRef idx="0">
+            <a:schemeClr val="dk1"/>
+          </a:fillRef>
+          <a:effectRef idx="1">
+            <a:schemeClr val="dk1"/>
+          </a:effectRef>
+          <a:fontRef idx="minor">
+            <a:schemeClr val="tx1"/>
+          </a:fontRef>
+        </p:style>
+      </p:cxnSp>
+      <p:sp>
+        <p:nvSpPr>
+          <p:cNvPr id="5" name="TextBox 4">
+            <a:extLst>
+              <a:ext uri="{FF2B5EF4-FFF2-40B4-BE49-F238E27FC236}">
+                <a16:creationId xmlns:a16="http://schemas.microsoft.com/office/drawing/2014/main" id="{F5D4885C-07CA-6244-8633-108BFBE60729}"/>
+              </a:ext>
+            </a:extLst>
+          </p:cNvPr>
+          <p:cNvSpPr txBox="1"/>
+          <p:nvPr/>
+        </p:nvSpPr>
+        <p:spPr>
+          <a:xfrm>
+            <a:off x="3176903" y="1851086"/>
+            <a:ext cx="739305" cy="338554"/>
+          </a:xfrm>
+          <a:prstGeom prst="rect">
+            <a:avLst/>
+          </a:prstGeom>
+          <a:noFill/>
+        </p:spPr>
+        <p:txBody>
+          <a:bodyPr wrap="none" rtlCol="0">
+            <a:spAutoFit/>
+          </a:bodyPr>
+          <a:lstStyle/>
+          <a:p>
+            <a:r>
+              <a:rPr lang="en-US" sz="1600" dirty="0">
+                <a:latin typeface="Trebuchet MS" panose="020B0703020202090204" pitchFamily="34" charset="0"/>
+              </a:rPr>
+              <a:t>INPUT</a:t>
+            </a:r>
+          </a:p>
+        </p:txBody>
+      </p:sp>
+      <p:sp>
+        <p:nvSpPr>
+          <p:cNvPr id="35" name="TextBox 34">
+            <a:extLst>
+              <a:ext uri="{FF2B5EF4-FFF2-40B4-BE49-F238E27FC236}">
+                <a16:creationId xmlns:a16="http://schemas.microsoft.com/office/drawing/2014/main" id="{C444EACD-150D-8C44-9E88-435FD874358C}"/>
+              </a:ext>
+            </a:extLst>
+          </p:cNvPr>
+          <p:cNvSpPr txBox="1"/>
+          <p:nvPr/>
+        </p:nvSpPr>
+        <p:spPr>
+          <a:xfrm>
+            <a:off x="3123762" y="4706296"/>
+            <a:ext cx="939681" cy="338554"/>
+          </a:xfrm>
+          <a:prstGeom prst="rect">
+            <a:avLst/>
+          </a:prstGeom>
+          <a:noFill/>
+        </p:spPr>
+        <p:txBody>
+          <a:bodyPr wrap="none" rtlCol="0">
+            <a:spAutoFit/>
+          </a:bodyPr>
+          <a:lstStyle/>
+          <a:p>
+            <a:r>
+              <a:rPr lang="en-US" sz="1600" dirty="0">
+                <a:latin typeface="Trebuchet MS" panose="020B0703020202090204" pitchFamily="34" charset="0"/>
+              </a:rPr>
+              <a:t>OUTPUT</a:t>
+            </a:r>
+          </a:p>
+        </p:txBody>
+      </p:sp>
+      <p:sp>
+        <p:nvSpPr>
+          <p:cNvPr id="22" name="TextBox 21">
+            <a:extLst>
+              <a:ext uri="{FF2B5EF4-FFF2-40B4-BE49-F238E27FC236}">
+                <a16:creationId xmlns:a16="http://schemas.microsoft.com/office/drawing/2014/main" id="{21BC4673-93D1-F44F-92C2-79BAA91E3E42}"/>
+              </a:ext>
+            </a:extLst>
+          </p:cNvPr>
+          <p:cNvSpPr txBox="1"/>
+          <p:nvPr/>
+        </p:nvSpPr>
+        <p:spPr>
+          <a:xfrm>
+            <a:off x="811946" y="1724130"/>
+            <a:ext cx="1526380" cy="461665"/>
+          </a:xfrm>
+          <a:prstGeom prst="rect">
+            <a:avLst/>
+          </a:prstGeom>
+          <a:noFill/>
+        </p:spPr>
+        <p:txBody>
+          <a:bodyPr wrap="none" rtlCol="0">
+            <a:spAutoFit/>
+          </a:bodyPr>
+          <a:lstStyle/>
+          <a:p>
+            <a:r>
+              <a:rPr lang="es-ES_tradnl" sz="2400" dirty="0">
+                <a:solidFill>
+                  <a:srgbClr val="FF9300"/>
+                </a:solidFill>
+                <a:latin typeface="Trebuchet MS" panose="020B0703020202090204" pitchFamily="34" charset="0"/>
+              </a:rPr>
+              <a:t>Algoritmo</a:t>
+            </a:r>
+          </a:p>
+        </p:txBody>
+      </p:sp>
+    </p:spTree>
+    <p:extLst>
+      <p:ext uri="{BB962C8B-B14F-4D97-AF65-F5344CB8AC3E}">
+        <p14:creationId xmlns:p14="http://schemas.microsoft.com/office/powerpoint/2010/main" val="1937905199"/>
+      </p:ext>
+    </p:extLst>
+  </p:cSld>
+  <p:clrMapOvr>
+    <a:masterClrMapping/>
+  </p:clrMapOvr>
+</p:sld>
+</file>
+
+<file path=ppt/slides/slide32.xml><?xml version="1.0" encoding="utf-8"?>
+<p:sld xmlns:a="http://schemas.openxmlformats.org/drawingml/2006/main" xmlns:r="http://schemas.openxmlformats.org/officeDocument/2006/relationships" xmlns:p="http://schemas.openxmlformats.org/presentationml/2006/main">
+  <p:cSld>
+    <p:spTree>
+      <p:nvGrpSpPr>
+        <p:cNvPr id="1" name=""/>
+        <p:cNvGrpSpPr/>
+        <p:nvPr/>
+      </p:nvGrpSpPr>
+      <p:grpSpPr>
+        <a:xfrm>
+          <a:off x="0" y="0"/>
+          <a:ext cx="0" cy="0"/>
+          <a:chOff x="0" y="0"/>
+          <a:chExt cx="0" cy="0"/>
+        </a:xfrm>
+      </p:grpSpPr>
+      <p:sp>
+        <p:nvSpPr>
+          <p:cNvPr id="3" name="TextBox 2">
+            <a:extLst>
+              <a:ext uri="{FF2B5EF4-FFF2-40B4-BE49-F238E27FC236}">
+                <a16:creationId xmlns:a16="http://schemas.microsoft.com/office/drawing/2014/main" id="{7000A346-6DDD-0949-B2E9-8AD8126C13CD}"/>
+              </a:ext>
+            </a:extLst>
+          </p:cNvPr>
+          <p:cNvSpPr txBox="1"/>
+          <p:nvPr/>
+        </p:nvSpPr>
+        <p:spPr>
+          <a:xfrm>
+            <a:off x="1199489" y="3072995"/>
+            <a:ext cx="4472699" cy="523220"/>
+          </a:xfrm>
+          <a:prstGeom prst="rect">
+            <a:avLst/>
+          </a:prstGeom>
+          <a:noFill/>
+        </p:spPr>
+        <p:txBody>
+          <a:bodyPr wrap="none" rtlCol="0">
+            <a:spAutoFit/>
+          </a:bodyPr>
+          <a:lstStyle/>
+          <a:p>
+            <a:r>
+              <a:rPr lang="es-ES_tradnl" sz="2800" dirty="0" err="1">
+                <a:solidFill>
+                  <a:srgbClr val="FF9300"/>
+                </a:solidFill>
+                <a:latin typeface="Trebuchet MS" panose="020B0703020202090204" pitchFamily="34" charset="0"/>
+              </a:rPr>
+              <a:t>Clustering</a:t>
+            </a:r>
+            <a:r>
+              <a:rPr lang="es-ES_tradnl" sz="2800" dirty="0">
+                <a:solidFill>
+                  <a:srgbClr val="FF9300"/>
+                </a:solidFill>
+                <a:latin typeface="Trebuchet MS" panose="020B0703020202090204" pitchFamily="34" charset="0"/>
+              </a:rPr>
+              <a:t> usando k-</a:t>
+            </a:r>
+            <a:r>
+              <a:rPr lang="es-ES_tradnl" sz="2800" dirty="0" err="1">
+                <a:solidFill>
+                  <a:srgbClr val="FF9300"/>
+                </a:solidFill>
+                <a:latin typeface="Trebuchet MS" panose="020B0703020202090204" pitchFamily="34" charset="0"/>
+              </a:rPr>
+              <a:t>means</a:t>
+            </a:r>
+            <a:endParaRPr lang="es-ES_tradnl" sz="2800" dirty="0">
+              <a:solidFill>
+                <a:srgbClr val="FF9300"/>
+              </a:solidFill>
+              <a:latin typeface="Trebuchet MS" panose="020B0703020202090204" pitchFamily="34" charset="0"/>
+            </a:endParaRPr>
+          </a:p>
+        </p:txBody>
+      </p:sp>
+    </p:spTree>
+    <p:extLst>
+      <p:ext uri="{BB962C8B-B14F-4D97-AF65-F5344CB8AC3E}">
+        <p14:creationId xmlns:p14="http://schemas.microsoft.com/office/powerpoint/2010/main" val="3994272776"/>
+      </p:ext>
+    </p:extLst>
+  </p:cSld>
+  <p:clrMapOvr>
+    <a:masterClrMapping/>
+  </p:clrMapOvr>
+</p:sld>
+</file>
+
+<file path=ppt/slides/slide33.xml><?xml version="1.0" encoding="utf-8"?>
+<p:sld xmlns:a="http://schemas.openxmlformats.org/drawingml/2006/main" xmlns:r="http://schemas.openxmlformats.org/officeDocument/2006/relationships" xmlns:p="http://schemas.openxmlformats.org/presentationml/2006/main">
+  <p:cSld>
+    <p:spTree>
+      <p:nvGrpSpPr>
+        <p:cNvPr id="1" name=""/>
+        <p:cNvGrpSpPr/>
+        <p:nvPr/>
+      </p:nvGrpSpPr>
+      <p:grpSpPr>
+        <a:xfrm>
+          <a:off x="0" y="0"/>
+          <a:ext cx="0" cy="0"/>
+          <a:chOff x="0" y="0"/>
+          <a:chExt cx="0" cy="0"/>
+        </a:xfrm>
+      </p:grpSpPr>
+      <p:pic>
+        <p:nvPicPr>
+          <p:cNvPr id="5" name="Picture 4">
+            <a:extLst>
+              <a:ext uri="{FF2B5EF4-FFF2-40B4-BE49-F238E27FC236}">
+                <a16:creationId xmlns:a16="http://schemas.microsoft.com/office/drawing/2014/main" id="{15FFE5DB-BB08-5E47-B1CE-FFBDF1153EC4}"/>
+              </a:ext>
+            </a:extLst>
+          </p:cNvPr>
+          <p:cNvPicPr>
+            <a:picLocks noChangeAspect="1"/>
+          </p:cNvPicPr>
+          <p:nvPr/>
+        </p:nvPicPr>
+        <p:blipFill>
+          <a:blip r:embed="rId2"/>
+          <a:stretch>
+            <a:fillRect/>
+          </a:stretch>
+        </p:blipFill>
+        <p:spPr>
+          <a:xfrm>
+            <a:off x="1442355" y="1481139"/>
+            <a:ext cx="4953000" cy="3895725"/>
+          </a:xfrm>
+          <a:prstGeom prst="rect">
+            <a:avLst/>
+          </a:prstGeom>
+        </p:spPr>
+      </p:pic>
+    </p:spTree>
+    <p:extLst>
+      <p:ext uri="{BB962C8B-B14F-4D97-AF65-F5344CB8AC3E}">
+        <p14:creationId xmlns:p14="http://schemas.microsoft.com/office/powerpoint/2010/main" val="111295224"/>
+      </p:ext>
+    </p:extLst>
+  </p:cSld>
+  <p:clrMapOvr>
+    <a:masterClrMapping/>
+  </p:clrMapOvr>
+</p:sld>
+</file>
+
+<file path=ppt/slides/slide34.xml><?xml version="1.0" encoding="utf-8"?>
+<p:sld xmlns:a="http://schemas.openxmlformats.org/drawingml/2006/main" xmlns:r="http://schemas.openxmlformats.org/officeDocument/2006/relationships" xmlns:p="http://schemas.openxmlformats.org/presentationml/2006/main">
+  <p:cSld>
+    <p:spTree>
+      <p:nvGrpSpPr>
+        <p:cNvPr id="1" name=""/>
+        <p:cNvGrpSpPr/>
+        <p:nvPr/>
+      </p:nvGrpSpPr>
+      <p:grpSpPr>
+        <a:xfrm>
+          <a:off x="0" y="0"/>
+          <a:ext cx="0" cy="0"/>
+          <a:chOff x="0" y="0"/>
+          <a:chExt cx="0" cy="0"/>
+        </a:xfrm>
+      </p:grpSpPr>
+      <p:pic>
+        <p:nvPicPr>
+          <p:cNvPr id="3" name="Picture 2">
+            <a:extLst>
+              <a:ext uri="{FF2B5EF4-FFF2-40B4-BE49-F238E27FC236}">
+                <a16:creationId xmlns:a16="http://schemas.microsoft.com/office/drawing/2014/main" id="{DA0BF38D-1184-2B4C-80FA-B410BE2156E4}"/>
+              </a:ext>
+            </a:extLst>
+          </p:cNvPr>
+          <p:cNvPicPr>
+            <a:picLocks noChangeAspect="1"/>
+          </p:cNvPicPr>
+          <p:nvPr/>
+        </p:nvPicPr>
+        <p:blipFill>
+          <a:blip r:embed="rId2">
+            <a:alphaModFix/>
+          </a:blip>
+          <a:srcRect/>
+          <a:stretch/>
+        </p:blipFill>
+        <p:spPr>
+          <a:xfrm>
+            <a:off x="1402482" y="1469176"/>
+            <a:ext cx="5889551" cy="3820870"/>
+          </a:xfrm>
+          <a:prstGeom prst="rect">
+            <a:avLst/>
+          </a:prstGeom>
+        </p:spPr>
+      </p:pic>
+      <p:grpSp>
+        <p:nvGrpSpPr>
+          <p:cNvPr id="13" name="Group 12">
+            <a:extLst>
+              <a:ext uri="{FF2B5EF4-FFF2-40B4-BE49-F238E27FC236}">
+                <a16:creationId xmlns:a16="http://schemas.microsoft.com/office/drawing/2014/main" id="{F913D6D3-D721-5543-B9D9-0E995C1B1ABF}"/>
+              </a:ext>
+            </a:extLst>
+          </p:cNvPr>
+          <p:cNvGrpSpPr/>
+          <p:nvPr/>
+        </p:nvGrpSpPr>
+        <p:grpSpPr>
+          <a:xfrm>
+            <a:off x="719092" y="3928148"/>
+            <a:ext cx="2482066" cy="1233288"/>
+            <a:chOff x="305649" y="4094531"/>
+            <a:chExt cx="3309421" cy="1644384"/>
+          </a:xfrm>
+        </p:grpSpPr>
+        <p:pic>
+          <p:nvPicPr>
+            <p:cNvPr id="7" name="Picture 6">
+              <a:extLst>
+                <a:ext uri="{FF2B5EF4-FFF2-40B4-BE49-F238E27FC236}">
+                  <a16:creationId xmlns:a16="http://schemas.microsoft.com/office/drawing/2014/main" id="{970B0D78-9C89-0640-AE45-F9282EF8DCA4}"/>
+                </a:ext>
+              </a:extLst>
+            </p:cNvPr>
+            <p:cNvPicPr>
+              <a:picLocks noChangeAspect="1"/>
+            </p:cNvPicPr>
+            <p:nvPr/>
+          </p:nvPicPr>
+          <p:blipFill>
+            <a:blip r:embed="rId3"/>
+            <a:stretch>
+              <a:fillRect/>
+            </a:stretch>
+          </p:blipFill>
+          <p:spPr>
+            <a:xfrm>
+              <a:off x="305649" y="4094531"/>
+              <a:ext cx="2489877" cy="1644384"/>
+            </a:xfrm>
+            <a:prstGeom prst="rect">
+              <a:avLst/>
+            </a:prstGeom>
+          </p:spPr>
+        </p:pic>
+        <p:sp>
+          <p:nvSpPr>
+            <p:cNvPr id="10" name="Left Arrow 9">
+              <a:extLst>
+                <a:ext uri="{FF2B5EF4-FFF2-40B4-BE49-F238E27FC236}">
+                  <a16:creationId xmlns:a16="http://schemas.microsoft.com/office/drawing/2014/main" id="{7A74051A-B28A-B344-A12A-06D875E828C7}"/>
+                </a:ext>
+              </a:extLst>
+            </p:cNvPr>
+            <p:cNvSpPr/>
+            <p:nvPr/>
+          </p:nvSpPr>
+          <p:spPr>
+            <a:xfrm>
+              <a:off x="3211033" y="4727577"/>
+              <a:ext cx="404037" cy="378291"/>
+            </a:xfrm>
+            <a:prstGeom prst="leftArrow">
+              <a:avLst/>
+            </a:prstGeom>
+          </p:spPr>
+          <p:style>
+            <a:lnRef idx="1">
+              <a:schemeClr val="accent1"/>
+            </a:lnRef>
+            <a:fillRef idx="3">
+              <a:schemeClr val="accent1"/>
+            </a:fillRef>
+            <a:effectRef idx="2">
+              <a:schemeClr val="accent1"/>
+            </a:effectRef>
+            <a:fontRef idx="minor">
+              <a:schemeClr val="lt1"/>
+            </a:fontRef>
+          </p:style>
+          <p:txBody>
+            <a:bodyPr rtlCol="0" anchor="ctr"/>
+            <a:lstStyle/>
+            <a:p>
+              <a:pPr algn="ctr"/>
+              <a:endParaRPr lang="en-US" sz="1050"/>
+            </a:p>
+          </p:txBody>
+        </p:sp>
+      </p:grpSp>
+      <p:grpSp>
+        <p:nvGrpSpPr>
+          <p:cNvPr id="14" name="Group 13">
+            <a:extLst>
+              <a:ext uri="{FF2B5EF4-FFF2-40B4-BE49-F238E27FC236}">
+                <a16:creationId xmlns:a16="http://schemas.microsoft.com/office/drawing/2014/main" id="{06F6C15E-535F-294B-9722-A783BE55183B}"/>
+              </a:ext>
+            </a:extLst>
+          </p:cNvPr>
+          <p:cNvGrpSpPr/>
+          <p:nvPr/>
+        </p:nvGrpSpPr>
+        <p:grpSpPr>
+          <a:xfrm>
+            <a:off x="4472079" y="2482363"/>
+            <a:ext cx="2339675" cy="1213316"/>
+            <a:chOff x="5309630" y="2166816"/>
+            <a:chExt cx="3119567" cy="1617755"/>
+          </a:xfrm>
+        </p:grpSpPr>
+        <p:pic>
+          <p:nvPicPr>
+            <p:cNvPr id="9" name="Picture 8">
+              <a:extLst>
+                <a:ext uri="{FF2B5EF4-FFF2-40B4-BE49-F238E27FC236}">
+                  <a16:creationId xmlns:a16="http://schemas.microsoft.com/office/drawing/2014/main" id="{8A4C97DC-5F32-B649-9AFE-2E77E8FEA103}"/>
+                </a:ext>
+              </a:extLst>
+            </p:cNvPr>
+            <p:cNvPicPr>
+              <a:picLocks noChangeAspect="1"/>
+            </p:cNvPicPr>
+            <p:nvPr/>
+          </p:nvPicPr>
+          <p:blipFill>
+            <a:blip r:embed="rId4"/>
+            <a:stretch>
+              <a:fillRect/>
+            </a:stretch>
+          </p:blipFill>
+          <p:spPr>
+            <a:xfrm>
+              <a:off x="5945977" y="2166816"/>
+              <a:ext cx="2483220" cy="1617755"/>
+            </a:xfrm>
+            <a:prstGeom prst="rect">
+              <a:avLst/>
+            </a:prstGeom>
+          </p:spPr>
+        </p:pic>
+        <p:sp>
+          <p:nvSpPr>
+            <p:cNvPr id="11" name="Left Arrow 10">
+              <a:extLst>
+                <a:ext uri="{FF2B5EF4-FFF2-40B4-BE49-F238E27FC236}">
+                  <a16:creationId xmlns:a16="http://schemas.microsoft.com/office/drawing/2014/main" id="{83DCA690-11D7-DC49-B946-BDF1FC8F6D15}"/>
+                </a:ext>
+              </a:extLst>
+            </p:cNvPr>
+            <p:cNvSpPr/>
+            <p:nvPr/>
+          </p:nvSpPr>
+          <p:spPr>
+            <a:xfrm rot="9969828">
+              <a:off x="5309630" y="3018518"/>
+              <a:ext cx="404037" cy="378291"/>
+            </a:xfrm>
+            <a:prstGeom prst="leftArrow">
+              <a:avLst/>
+            </a:prstGeom>
+          </p:spPr>
+          <p:style>
+            <a:lnRef idx="1">
+              <a:schemeClr val="accent1"/>
+            </a:lnRef>
+            <a:fillRef idx="3">
+              <a:schemeClr val="accent1"/>
+            </a:fillRef>
+            <a:effectRef idx="2">
+              <a:schemeClr val="accent1"/>
+            </a:effectRef>
+            <a:fontRef idx="minor">
+              <a:schemeClr val="lt1"/>
+            </a:fontRef>
+          </p:style>
+          <p:txBody>
+            <a:bodyPr rtlCol="0" anchor="ctr"/>
+            <a:lstStyle/>
+            <a:p>
+              <a:pPr algn="ctr"/>
+              <a:endParaRPr lang="en-US" sz="1050"/>
+            </a:p>
+          </p:txBody>
+        </p:sp>
+      </p:grpSp>
+      <p:grpSp>
+        <p:nvGrpSpPr>
+          <p:cNvPr id="15" name="Group 14">
+            <a:extLst>
+              <a:ext uri="{FF2B5EF4-FFF2-40B4-BE49-F238E27FC236}">
+                <a16:creationId xmlns:a16="http://schemas.microsoft.com/office/drawing/2014/main" id="{14AFEE08-55DA-8547-B4E5-23B53AF16709}"/>
+              </a:ext>
+            </a:extLst>
+          </p:cNvPr>
+          <p:cNvGrpSpPr/>
+          <p:nvPr/>
+        </p:nvGrpSpPr>
+        <p:grpSpPr>
+          <a:xfrm>
+            <a:off x="1257266" y="1254068"/>
+            <a:ext cx="2349032" cy="1228295"/>
+            <a:chOff x="1023214" y="529089"/>
+            <a:chExt cx="3132043" cy="1637727"/>
+          </a:xfrm>
+        </p:grpSpPr>
+        <p:pic>
+          <p:nvPicPr>
+            <p:cNvPr id="4" name="Picture 3">
+              <a:extLst>
+                <a:ext uri="{FF2B5EF4-FFF2-40B4-BE49-F238E27FC236}">
+                  <a16:creationId xmlns:a16="http://schemas.microsoft.com/office/drawing/2014/main" id="{9007DD6A-EF25-D940-819A-14A457E14AB8}"/>
+                </a:ext>
+              </a:extLst>
+            </p:cNvPr>
+            <p:cNvPicPr>
+              <a:picLocks noChangeAspect="1"/>
+            </p:cNvPicPr>
+            <p:nvPr/>
+          </p:nvPicPr>
+          <p:blipFill>
+            <a:blip r:embed="rId5"/>
+            <a:stretch>
+              <a:fillRect/>
+            </a:stretch>
+          </p:blipFill>
+          <p:spPr>
+            <a:xfrm>
+              <a:off x="1023214" y="529089"/>
+              <a:ext cx="2496535" cy="1637727"/>
+            </a:xfrm>
+            <a:prstGeom prst="rect">
+              <a:avLst/>
+            </a:prstGeom>
+          </p:spPr>
+        </p:pic>
+        <p:sp>
+          <p:nvSpPr>
+            <p:cNvPr id="12" name="Left Arrow 11">
+              <a:extLst>
+                <a:ext uri="{FF2B5EF4-FFF2-40B4-BE49-F238E27FC236}">
+                  <a16:creationId xmlns:a16="http://schemas.microsoft.com/office/drawing/2014/main" id="{25DA2312-C01E-D444-AB2D-BB271050524A}"/>
+                </a:ext>
+              </a:extLst>
+            </p:cNvPr>
+            <p:cNvSpPr/>
+            <p:nvPr/>
+          </p:nvSpPr>
+          <p:spPr>
+            <a:xfrm rot="791890">
+              <a:off x="3751220" y="1271633"/>
+              <a:ext cx="404037" cy="378291"/>
+            </a:xfrm>
+            <a:prstGeom prst="leftArrow">
+              <a:avLst/>
+            </a:prstGeom>
+          </p:spPr>
+          <p:style>
+            <a:lnRef idx="1">
+              <a:schemeClr val="accent1"/>
+            </a:lnRef>
+            <a:fillRef idx="3">
+              <a:schemeClr val="accent1"/>
+            </a:fillRef>
+            <a:effectRef idx="2">
+              <a:schemeClr val="accent1"/>
+            </a:effectRef>
+            <a:fontRef idx="minor">
+              <a:schemeClr val="lt1"/>
+            </a:fontRef>
+          </p:style>
+          <p:txBody>
+            <a:bodyPr rtlCol="0" anchor="ctr"/>
+            <a:lstStyle/>
+            <a:p>
+              <a:pPr algn="ctr"/>
+              <a:endParaRPr lang="en-US" sz="1050"/>
+            </a:p>
+          </p:txBody>
+        </p:sp>
+      </p:grpSp>
+    </p:spTree>
+    <p:extLst>
+      <p:ext uri="{BB962C8B-B14F-4D97-AF65-F5344CB8AC3E}">
+        <p14:creationId xmlns:p14="http://schemas.microsoft.com/office/powerpoint/2010/main" val="3660039843"/>
+      </p:ext>
+    </p:extLst>
+  </p:cSld>
+  <p:clrMapOvr>
+    <a:masterClrMapping/>
+  </p:clrMapOvr>
+  <p:timing>
+    <p:tnLst>
+      <p:par>
+        <p:cTn id="1" dur="indefinite" restart="never" nodeType="tmRoot">
+          <p:childTnLst>
+            <p:seq concurrent="1" nextAc="seek">
+              <p:cTn id="2" dur="indefinite" nodeType="mainSeq">
+                <p:childTnLst>
+                  <p:par>
+                    <p:cTn id="3" fill="hold">
+                      <p:stCondLst>
+                        <p:cond delay="indefinite"/>
+                      </p:stCondLst>
+                      <p:childTnLst>
+                        <p:par>
+                          <p:cTn id="4" fill="hold">
+                            <p:stCondLst>
+                              <p:cond delay="0"/>
+                            </p:stCondLst>
+                            <p:childTnLst>
+                              <p:par>
+                                <p:cTn id="5" presetID="1" presetClass="entr" presetSubtype="0" fill="hold" nodeType="clickEffect">
+                                  <p:stCondLst>
+                                    <p:cond delay="0"/>
+                                  </p:stCondLst>
+                                  <p:childTnLst>
+                                    <p:set>
+                                      <p:cBhvr>
+                                        <p:cTn id="6" dur="1" fill="hold">
+                                          <p:stCondLst>
+                                            <p:cond delay="0"/>
+                                          </p:stCondLst>
+                                        </p:cTn>
+                                        <p:tgtEl>
+                                          <p:spTgt spid="13"/>
+                                        </p:tgtEl>
+                                        <p:attrNameLst>
+                                          <p:attrName>style.visibility</p:attrName>
+                                        </p:attrNameLst>
+                                      </p:cBhvr>
+                                      <p:to>
+                                        <p:strVal val="visible"/>
+                                      </p:to>
+                                    </p:set>
+                                  </p:childTnLst>
+                                </p:cTn>
+                              </p:par>
+                            </p:childTnLst>
+                          </p:cTn>
+                        </p:par>
+                      </p:childTnLst>
+                    </p:cTn>
+                  </p:par>
+                  <p:par>
+                    <p:cTn id="7" fill="hold">
+                      <p:stCondLst>
+                        <p:cond delay="indefinite"/>
+                      </p:stCondLst>
+                      <p:childTnLst>
+                        <p:par>
+                          <p:cTn id="8" fill="hold">
+                            <p:stCondLst>
+                              <p:cond delay="0"/>
+                            </p:stCondLst>
+                            <p:childTnLst>
+                              <p:par>
+                                <p:cTn id="9" presetID="1" presetClass="entr" presetSubtype="0" fill="hold" nodeType="clickEffect">
+                                  <p:stCondLst>
+                                    <p:cond delay="0"/>
+                                  </p:stCondLst>
+                                  <p:childTnLst>
+                                    <p:set>
+                                      <p:cBhvr>
+                                        <p:cTn id="10" dur="1" fill="hold">
+                                          <p:stCondLst>
+                                            <p:cond delay="0"/>
+                                          </p:stCondLst>
+                                        </p:cTn>
+                                        <p:tgtEl>
+                                          <p:spTgt spid="14"/>
+                                        </p:tgtEl>
+                                        <p:attrNameLst>
+                                          <p:attrName>style.visibility</p:attrName>
+                                        </p:attrNameLst>
+                                      </p:cBhvr>
+                                      <p:to>
+                                        <p:strVal val="visible"/>
+                                      </p:to>
+                                    </p:set>
+                                  </p:childTnLst>
+                                </p:cTn>
+                              </p:par>
+                            </p:childTnLst>
+                          </p:cTn>
+                        </p:par>
+                      </p:childTnLst>
+                    </p:cTn>
+                  </p:par>
+                  <p:par>
+                    <p:cTn id="11" fill="hold">
+                      <p:stCondLst>
+                        <p:cond delay="indefinite"/>
+                      </p:stCondLst>
+                      <p:childTnLst>
+                        <p:par>
+                          <p:cTn id="12" fill="hold">
+                            <p:stCondLst>
+                              <p:cond delay="0"/>
+                            </p:stCondLst>
+                            <p:childTnLst>
+                              <p:par>
+                                <p:cTn id="13" presetID="1" presetClass="entr" presetSubtype="0" fill="hold" nodeType="clickEffect">
+                                  <p:stCondLst>
+                                    <p:cond delay="0"/>
+                                  </p:stCondLst>
+                                  <p:childTnLst>
+                                    <p:set>
+                                      <p:cBhvr>
+                                        <p:cTn id="14" dur="1" fill="hold">
+                                          <p:stCondLst>
+                                            <p:cond delay="0"/>
+                                          </p:stCondLst>
+                                        </p:cTn>
+                                        <p:tgtEl>
+                                          <p:spTgt spid="15"/>
+                                        </p:tgtEl>
+                                        <p:attrNameLst>
+                                          <p:attrName>style.visibility</p:attrName>
+                                        </p:attrNameLst>
+                                      </p:cBhvr>
+                                      <p:to>
+                                        <p:strVal val="visible"/>
+                                      </p:to>
+                                    </p:set>
+                                  </p:childTnLst>
+                                </p:cTn>
+                              </p:par>
+                            </p:childTnLst>
+                          </p:cTn>
+                        </p:par>
+                      </p:childTnLst>
+                    </p:cTn>
+                  </p:par>
+                </p:childTnLst>
+              </p:cTn>
+              <p:prevCondLst>
+                <p:cond evt="onPrev" delay="0">
+                  <p:tgtEl>
+                    <p:sldTgt/>
+                  </p:tgtEl>
+                </p:cond>
+              </p:prevCondLst>
+              <p:nextCondLst>
+                <p:cond evt="onNext" delay="0">
+                  <p:tgtEl>
+                    <p:sldTgt/>
+                  </p:tgtEl>
+                </p:cond>
+              </p:nextCondLst>
+            </p:seq>
+          </p:childTnLst>
+        </p:cTn>
+      </p:par>
+    </p:tnLst>
+  </p:timing>
+</p:sld>
+</file>
+
+<file path=ppt/slides/slide35.xml><?xml version="1.0" encoding="utf-8"?>
+<p:sld xmlns:a="http://schemas.openxmlformats.org/drawingml/2006/main" xmlns:r="http://schemas.openxmlformats.org/officeDocument/2006/relationships" xmlns:p="http://schemas.openxmlformats.org/presentationml/2006/main" show="0">
+  <p:cSld>
+    <p:spTree>
+      <p:nvGrpSpPr>
+        <p:cNvPr id="1" name=""/>
+        <p:cNvGrpSpPr/>
+        <p:nvPr/>
+      </p:nvGrpSpPr>
+      <p:grpSpPr>
+        <a:xfrm>
+          <a:off x="0" y="0"/>
+          <a:ext cx="0" cy="0"/>
+          <a:chOff x="0" y="0"/>
+          <a:chExt cx="0" cy="0"/>
+        </a:xfrm>
+      </p:grpSpPr>
+      <p:pic>
+        <p:nvPicPr>
+          <p:cNvPr id="4" name="Picture 3">
+            <a:extLst>
+              <a:ext uri="{FF2B5EF4-FFF2-40B4-BE49-F238E27FC236}">
+                <a16:creationId xmlns:a16="http://schemas.microsoft.com/office/drawing/2014/main" id="{3B1FC394-85EB-C74F-B351-7A7478829515}"/>
+              </a:ext>
+            </a:extLst>
+          </p:cNvPr>
+          <p:cNvPicPr>
+            <a:picLocks noChangeAspect="1"/>
+          </p:cNvPicPr>
+          <p:nvPr/>
+        </p:nvPicPr>
+        <p:blipFill>
+          <a:blip r:embed="rId2"/>
+          <a:stretch>
+            <a:fillRect/>
+          </a:stretch>
+        </p:blipFill>
+        <p:spPr>
+          <a:xfrm>
+            <a:off x="3495003" y="3429001"/>
+            <a:ext cx="3667125" cy="2466975"/>
+          </a:xfrm>
+          <a:prstGeom prst="rect">
+            <a:avLst/>
+          </a:prstGeom>
+        </p:spPr>
+      </p:pic>
+      <p:pic>
+        <p:nvPicPr>
+          <p:cNvPr id="5" name="Picture 4">
+            <a:extLst>
+              <a:ext uri="{FF2B5EF4-FFF2-40B4-BE49-F238E27FC236}">
+                <a16:creationId xmlns:a16="http://schemas.microsoft.com/office/drawing/2014/main" id="{8428EE9A-8110-1F44-B83C-A0ADD2AD87CA}"/>
+              </a:ext>
+            </a:extLst>
+          </p:cNvPr>
+          <p:cNvPicPr>
+            <a:picLocks noChangeAspect="1"/>
+          </p:cNvPicPr>
+          <p:nvPr/>
+        </p:nvPicPr>
+        <p:blipFill>
+          <a:blip r:embed="rId3"/>
+          <a:stretch>
+            <a:fillRect/>
+          </a:stretch>
+        </p:blipFill>
+        <p:spPr>
+          <a:xfrm>
+            <a:off x="675585" y="957263"/>
+            <a:ext cx="3648075" cy="2476500"/>
+          </a:xfrm>
+          <a:prstGeom prst="rect">
+            <a:avLst/>
+          </a:prstGeom>
+        </p:spPr>
+      </p:pic>
+      <p:sp>
+        <p:nvSpPr>
+          <p:cNvPr id="2" name="TextBox 1">
+            <a:extLst>
+              <a:ext uri="{FF2B5EF4-FFF2-40B4-BE49-F238E27FC236}">
+                <a16:creationId xmlns:a16="http://schemas.microsoft.com/office/drawing/2014/main" id="{5DB0A140-A1AF-E24D-A4E2-DAB2EB8312A5}"/>
+              </a:ext>
+            </a:extLst>
+          </p:cNvPr>
+          <p:cNvSpPr txBox="1"/>
+          <p:nvPr/>
+        </p:nvSpPr>
+        <p:spPr>
+          <a:xfrm>
+            <a:off x="4413271" y="1056611"/>
+            <a:ext cx="739305" cy="338554"/>
+          </a:xfrm>
+          <a:prstGeom prst="rect">
+            <a:avLst/>
+          </a:prstGeom>
+          <a:noFill/>
+        </p:spPr>
+        <p:txBody>
+          <a:bodyPr wrap="none" rtlCol="0">
+            <a:spAutoFit/>
+          </a:bodyPr>
+          <a:lstStyle/>
+          <a:p>
+            <a:r>
+              <a:rPr lang="en-US" sz="1600" dirty="0">
+                <a:latin typeface="Trebuchet MS" panose="020B0703020202090204" pitchFamily="34" charset="0"/>
+              </a:rPr>
+              <a:t>INPUT</a:t>
+            </a:r>
+          </a:p>
+        </p:txBody>
+      </p:sp>
+      <p:sp>
+        <p:nvSpPr>
+          <p:cNvPr id="6" name="TextBox 5">
+            <a:extLst>
+              <a:ext uri="{FF2B5EF4-FFF2-40B4-BE49-F238E27FC236}">
+                <a16:creationId xmlns:a16="http://schemas.microsoft.com/office/drawing/2014/main" id="{0629EAC2-D099-2148-BC37-508DCC064D87}"/>
+              </a:ext>
+            </a:extLst>
+          </p:cNvPr>
+          <p:cNvSpPr txBox="1"/>
+          <p:nvPr/>
+        </p:nvSpPr>
+        <p:spPr>
+          <a:xfrm>
+            <a:off x="2718106" y="5529153"/>
+            <a:ext cx="647934" cy="253916"/>
+          </a:xfrm>
+          <a:prstGeom prst="rect">
+            <a:avLst/>
+          </a:prstGeom>
+          <a:noFill/>
+        </p:spPr>
+        <p:txBody>
+          <a:bodyPr wrap="none" rtlCol="0">
+            <a:spAutoFit/>
+          </a:bodyPr>
+          <a:lstStyle/>
+          <a:p>
+            <a:r>
+              <a:rPr lang="en-US" sz="1050" dirty="0"/>
+              <a:t>OUTPUT</a:t>
+            </a:r>
+          </a:p>
+        </p:txBody>
+      </p:sp>
+    </p:spTree>
+    <p:extLst>
+      <p:ext uri="{BB962C8B-B14F-4D97-AF65-F5344CB8AC3E}">
+        <p14:creationId xmlns:p14="http://schemas.microsoft.com/office/powerpoint/2010/main" val="1565724670"/>
+      </p:ext>
+    </p:extLst>
+  </p:cSld>
+  <p:clrMapOvr>
+    <a:masterClrMapping/>
+  </p:clrMapOvr>
+</p:sld>
+</file>
+
+<file path=ppt/slides/slide36.xml><?xml version="1.0" encoding="utf-8"?>
+<p:sld xmlns:a="http://schemas.openxmlformats.org/drawingml/2006/main" xmlns:r="http://schemas.openxmlformats.org/officeDocument/2006/relationships" xmlns:p="http://schemas.openxmlformats.org/presentationml/2006/main">
+  <p:cSld>
+    <p:spTree>
+      <p:nvGrpSpPr>
+        <p:cNvPr id="1" name=""/>
+        <p:cNvGrpSpPr/>
+        <p:nvPr/>
+      </p:nvGrpSpPr>
+      <p:grpSpPr>
+        <a:xfrm>
+          <a:off x="0" y="0"/>
+          <a:ext cx="0" cy="0"/>
+          <a:chOff x="0" y="0"/>
+          <a:chExt cx="0" cy="0"/>
+        </a:xfrm>
+      </p:grpSpPr>
+      <p:pic>
+        <p:nvPicPr>
+          <p:cNvPr id="4" name="Picture 3">
+            <a:extLst>
+              <a:ext uri="{FF2B5EF4-FFF2-40B4-BE49-F238E27FC236}">
+                <a16:creationId xmlns:a16="http://schemas.microsoft.com/office/drawing/2014/main" id="{E732C010-6F94-7547-B4D6-7908C805D013}"/>
+              </a:ext>
+            </a:extLst>
+          </p:cNvPr>
+          <p:cNvPicPr>
+            <a:picLocks noChangeAspect="1"/>
+          </p:cNvPicPr>
+          <p:nvPr/>
+        </p:nvPicPr>
+        <p:blipFill>
+          <a:blip r:embed="rId2"/>
+          <a:srcRect/>
+          <a:stretch/>
+        </p:blipFill>
+        <p:spPr>
+          <a:xfrm>
+            <a:off x="251460" y="1092082"/>
+            <a:ext cx="7029450" cy="4673836"/>
+          </a:xfrm>
+          <a:prstGeom prst="rect">
+            <a:avLst/>
+          </a:prstGeom>
+        </p:spPr>
+      </p:pic>
+      <p:sp>
+        <p:nvSpPr>
+          <p:cNvPr id="3" name="TextBox 2">
+            <a:extLst>
+              <a:ext uri="{FF2B5EF4-FFF2-40B4-BE49-F238E27FC236}">
+                <a16:creationId xmlns:a16="http://schemas.microsoft.com/office/drawing/2014/main" id="{160C9801-8315-714A-A7F2-7C3ED96E49FA}"/>
+              </a:ext>
+            </a:extLst>
+          </p:cNvPr>
+          <p:cNvSpPr txBox="1"/>
+          <p:nvPr/>
+        </p:nvSpPr>
+        <p:spPr>
+          <a:xfrm>
+            <a:off x="389911" y="1250921"/>
+            <a:ext cx="739305" cy="338554"/>
+          </a:xfrm>
+          <a:prstGeom prst="rect">
+            <a:avLst/>
+          </a:prstGeom>
+          <a:noFill/>
+        </p:spPr>
+        <p:txBody>
+          <a:bodyPr wrap="none" rtlCol="0">
+            <a:spAutoFit/>
+          </a:bodyPr>
+          <a:lstStyle/>
+          <a:p>
+            <a:r>
+              <a:rPr lang="en-US" sz="1600" dirty="0">
+                <a:latin typeface="Trebuchet MS" panose="020B0703020202090204" pitchFamily="34" charset="0"/>
+              </a:rPr>
+              <a:t>INPUT</a:t>
+            </a:r>
+          </a:p>
+        </p:txBody>
+      </p:sp>
+    </p:spTree>
+    <p:extLst>
+      <p:ext uri="{BB962C8B-B14F-4D97-AF65-F5344CB8AC3E}">
+        <p14:creationId xmlns:p14="http://schemas.microsoft.com/office/powerpoint/2010/main" val="288669104"/>
+      </p:ext>
+    </p:extLst>
+  </p:cSld>
+  <p:clrMapOvr>
+    <a:masterClrMapping/>
+  </p:clrMapOvr>
+</p:sld>
+</file>
+
+<file path=ppt/slides/slide37.xml><?xml version="1.0" encoding="utf-8"?>
+<p:sld xmlns:a="http://schemas.openxmlformats.org/drawingml/2006/main" xmlns:r="http://schemas.openxmlformats.org/officeDocument/2006/relationships" xmlns:p="http://schemas.openxmlformats.org/presentationml/2006/main">
+  <p:cSld>
+    <p:spTree>
+      <p:nvGrpSpPr>
+        <p:cNvPr id="1" name=""/>
+        <p:cNvGrpSpPr/>
+        <p:nvPr/>
+      </p:nvGrpSpPr>
+      <p:grpSpPr>
+        <a:xfrm>
+          <a:off x="0" y="0"/>
+          <a:ext cx="0" cy="0"/>
+          <a:chOff x="0" y="0"/>
+          <a:chExt cx="0" cy="0"/>
+        </a:xfrm>
+      </p:grpSpPr>
+      <p:pic>
+        <p:nvPicPr>
+          <p:cNvPr id="7" name="Picture 6">
+            <a:extLst>
+              <a:ext uri="{FF2B5EF4-FFF2-40B4-BE49-F238E27FC236}">
+                <a16:creationId xmlns:a16="http://schemas.microsoft.com/office/drawing/2014/main" id="{EB6B4FD5-9F76-6F4F-98EC-0D7D6C8564FB}"/>
+              </a:ext>
+            </a:extLst>
+          </p:cNvPr>
+          <p:cNvPicPr>
+            <a:picLocks noChangeAspect="1"/>
+          </p:cNvPicPr>
+          <p:nvPr/>
+        </p:nvPicPr>
+        <p:blipFill>
+          <a:blip r:embed="rId2">
+            <a:alphaModFix/>
+          </a:blip>
+          <a:stretch>
+            <a:fillRect/>
+          </a:stretch>
+        </p:blipFill>
+        <p:spPr>
+          <a:xfrm>
+            <a:off x="179070" y="1000642"/>
+            <a:ext cx="7211716" cy="4851518"/>
+          </a:xfrm>
+          <a:prstGeom prst="rect">
+            <a:avLst/>
+          </a:prstGeom>
+        </p:spPr>
+      </p:pic>
+      <p:sp>
+        <p:nvSpPr>
+          <p:cNvPr id="8" name="TextBox 7">
+            <a:extLst>
+              <a:ext uri="{FF2B5EF4-FFF2-40B4-BE49-F238E27FC236}">
+                <a16:creationId xmlns:a16="http://schemas.microsoft.com/office/drawing/2014/main" id="{5F6ED807-72E0-A846-8620-D1D3C7186552}"/>
+              </a:ext>
+            </a:extLst>
+          </p:cNvPr>
+          <p:cNvSpPr txBox="1"/>
+          <p:nvPr/>
+        </p:nvSpPr>
+        <p:spPr>
+          <a:xfrm>
+            <a:off x="389911" y="1250921"/>
+            <a:ext cx="939681" cy="338554"/>
+          </a:xfrm>
+          <a:prstGeom prst="rect">
+            <a:avLst/>
+          </a:prstGeom>
+          <a:noFill/>
+        </p:spPr>
+        <p:txBody>
+          <a:bodyPr wrap="none" rtlCol="0">
+            <a:spAutoFit/>
+          </a:bodyPr>
+          <a:lstStyle/>
+          <a:p>
+            <a:r>
+              <a:rPr lang="en-US" sz="1600" dirty="0">
+                <a:latin typeface="Trebuchet MS" panose="020B0703020202090204" pitchFamily="34" charset="0"/>
+              </a:rPr>
+              <a:t>OUTPUT</a:t>
+            </a:r>
+          </a:p>
+        </p:txBody>
+      </p:sp>
+    </p:spTree>
+    <p:extLst>
+      <p:ext uri="{BB962C8B-B14F-4D97-AF65-F5344CB8AC3E}">
+        <p14:creationId xmlns:p14="http://schemas.microsoft.com/office/powerpoint/2010/main" val="4049761187"/>
       </p:ext>
     </p:extLst>
   </p:cSld>
